--- a/Tools/git/SW 형상 관리.pptx
+++ b/Tools/git/SW 형상 관리.pptx
@@ -222,7 +222,7 @@
           <a:p>
             <a:fld id="{A8024B54-3D20-42B6-A112-BFED72D3BCE0}" type="datetimeFigureOut">
               <a:rPr lang="ko-KR" altLang="en-US" smtClean="0"/>
-              <a:t>2024-06-20 - Thu</a:t>
+              <a:t>2024. 6. 24.</a:t>
             </a:fld>
             <a:endParaRPr lang="ko-KR" altLang="en-US"/>
           </a:p>
@@ -843,7 +843,7 @@
           <a:p>
             <a:fld id="{4AAD347D-5ACD-4C99-B74B-A9C85AD731AF}" type="datetimeFigureOut">
               <a:rPr lang="en-US" dirty="0"/>
-              <a:t>6/20/2024</a:t>
+              <a:t>6/24/24</a:t>
             </a:fld>
             <a:endParaRPr lang="en-US" dirty="0"/>
           </a:p>
@@ -1113,7 +1113,7 @@
           <a:p>
             <a:fld id="{4509A250-FF31-4206-8172-F9D3106AACB1}" type="datetimeFigureOut">
               <a:rPr lang="en-US" dirty="0"/>
-              <a:t>6/20/2024</a:t>
+              <a:t>6/24/24</a:t>
             </a:fld>
             <a:endParaRPr lang="en-US" dirty="0"/>
           </a:p>
@@ -1302,7 +1302,7 @@
           <a:p>
             <a:fld id="{4509A250-FF31-4206-8172-F9D3106AACB1}" type="datetimeFigureOut">
               <a:rPr lang="en-US" dirty="0"/>
-              <a:t>6/20/2024</a:t>
+              <a:t>6/24/24</a:t>
             </a:fld>
             <a:endParaRPr lang="en-US" dirty="0"/>
           </a:p>
@@ -1570,7 +1570,7 @@
           <a:p>
             <a:fld id="{4509A250-FF31-4206-8172-F9D3106AACB1}" type="datetimeFigureOut">
               <a:rPr lang="en-US" dirty="0"/>
-              <a:t>6/20/2024</a:t>
+              <a:t>6/24/24</a:t>
             </a:fld>
             <a:endParaRPr lang="en-US" dirty="0"/>
           </a:p>
@@ -1906,7 +1906,7 @@
           <a:p>
             <a:fld id="{4509A250-FF31-4206-8172-F9D3106AACB1}" type="datetimeFigureOut">
               <a:rPr lang="en-US" dirty="0"/>
-              <a:t>6/20/2024</a:t>
+              <a:t>6/24/24</a:t>
             </a:fld>
             <a:endParaRPr lang="en-US" dirty="0"/>
           </a:p>
@@ -2524,7 +2524,7 @@
           <a:p>
             <a:fld id="{4509A250-FF31-4206-8172-F9D3106AACB1}" type="datetimeFigureOut">
               <a:rPr lang="en-US" dirty="0"/>
-              <a:t>6/20/2024</a:t>
+              <a:t>6/24/24</a:t>
             </a:fld>
             <a:endParaRPr lang="en-US" dirty="0"/>
           </a:p>
@@ -3379,7 +3379,7 @@
           <a:p>
             <a:fld id="{4509A250-FF31-4206-8172-F9D3106AACB1}" type="datetimeFigureOut">
               <a:rPr lang="en-US" dirty="0"/>
-              <a:t>6/20/2024</a:t>
+              <a:t>6/24/24</a:t>
             </a:fld>
             <a:endParaRPr lang="en-US" dirty="0"/>
           </a:p>
@@ -3544,7 +3544,7 @@
           <a:p>
             <a:fld id="{4509A250-FF31-4206-8172-F9D3106AACB1}" type="datetimeFigureOut">
               <a:rPr lang="en-US" dirty="0"/>
-              <a:t>6/20/2024</a:t>
+              <a:t>6/24/24</a:t>
             </a:fld>
             <a:endParaRPr lang="en-US" dirty="0"/>
           </a:p>
@@ -3719,7 +3719,7 @@
           <a:p>
             <a:fld id="{4509A250-FF31-4206-8172-F9D3106AACB1}" type="datetimeFigureOut">
               <a:rPr lang="en-US" dirty="0"/>
-              <a:t>6/20/2024</a:t>
+              <a:t>6/24/24</a:t>
             </a:fld>
             <a:endParaRPr lang="en-US" dirty="0"/>
           </a:p>
@@ -3884,7 +3884,7 @@
           <a:p>
             <a:fld id="{4509A250-FF31-4206-8172-F9D3106AACB1}" type="datetimeFigureOut">
               <a:rPr lang="en-US" dirty="0"/>
-              <a:t>6/20/2024</a:t>
+              <a:t>6/24/24</a:t>
             </a:fld>
             <a:endParaRPr lang="en-US" dirty="0"/>
           </a:p>
@@ -4126,7 +4126,7 @@
           <a:p>
             <a:fld id="{9796027F-7875-4030-9381-8BD8C4F21935}" type="datetimeFigureOut">
               <a:rPr lang="en-US" dirty="0"/>
-              <a:t>6/20/2024</a:t>
+              <a:t>6/24/24</a:t>
             </a:fld>
             <a:endParaRPr lang="en-US" dirty="0"/>
           </a:p>
@@ -4413,7 +4413,7 @@
           <a:p>
             <a:fld id="{9796027F-7875-4030-9381-8BD8C4F21935}" type="datetimeFigureOut">
               <a:rPr lang="en-US" dirty="0"/>
-              <a:t>6/20/2024</a:t>
+              <a:t>6/24/24</a:t>
             </a:fld>
             <a:endParaRPr lang="en-US" dirty="0"/>
           </a:p>
@@ -4852,7 +4852,7 @@
           <a:p>
             <a:fld id="{9796027F-7875-4030-9381-8BD8C4F21935}" type="datetimeFigureOut">
               <a:rPr lang="en-US" dirty="0"/>
-              <a:t>6/20/2024</a:t>
+              <a:t>6/24/24</a:t>
             </a:fld>
             <a:endParaRPr lang="en-US" dirty="0"/>
           </a:p>
@@ -4965,7 +4965,7 @@
           <a:p>
             <a:fld id="{4509A250-FF31-4206-8172-F9D3106AACB1}" type="datetimeFigureOut">
               <a:rPr lang="en-US" dirty="0"/>
-              <a:t>6/20/2024</a:t>
+              <a:t>6/24/24</a:t>
             </a:fld>
             <a:endParaRPr lang="en-US" dirty="0"/>
           </a:p>
@@ -5055,7 +5055,7 @@
           <a:p>
             <a:fld id="{4509A250-FF31-4206-8172-F9D3106AACB1}" type="datetimeFigureOut">
               <a:rPr lang="en-US" dirty="0"/>
-              <a:t>6/20/2024</a:t>
+              <a:t>6/24/24</a:t>
             </a:fld>
             <a:endParaRPr lang="en-US" dirty="0"/>
           </a:p>
@@ -5329,7 +5329,7 @@
           <a:p>
             <a:fld id="{4509A250-FF31-4206-8172-F9D3106AACB1}" type="datetimeFigureOut">
               <a:rPr lang="en-US" dirty="0"/>
-              <a:t>6/20/2024</a:t>
+              <a:t>6/24/24</a:t>
             </a:fld>
             <a:endParaRPr lang="en-US" dirty="0"/>
           </a:p>
@@ -5599,7 +5599,7 @@
           <a:p>
             <a:fld id="{4509A250-FF31-4206-8172-F9D3106AACB1}" type="datetimeFigureOut">
               <a:rPr lang="en-US" dirty="0"/>
-              <a:t>6/20/2024</a:t>
+              <a:t>6/24/24</a:t>
             </a:fld>
             <a:endParaRPr lang="en-US" dirty="0"/>
           </a:p>
@@ -6023,7 +6023,7 @@
           <a:p>
             <a:fld id="{4AAD347D-5ACD-4C99-B74B-A9C85AD731AF}" type="datetimeFigureOut">
               <a:rPr lang="en-US" dirty="0"/>
-              <a:t>6/20/2024</a:t>
+              <a:t>6/24/24</a:t>
             </a:fld>
             <a:endParaRPr lang="en-US" dirty="0"/>
           </a:p>
@@ -9026,7 +9026,7 @@
                     <a:srgbClr val="0070C0"/>
                   </a:solidFill>
                 </a:rPr>
-                <a:t>master</a:t>
+                <a:t>main</a:t>
               </a:r>
               <a:endParaRPr lang="ko-KR" altLang="en-US" sz="1600" b="1" dirty="0">
                 <a:solidFill>
@@ -9956,7 +9956,7 @@
                     <a:srgbClr val="0070C0"/>
                   </a:solidFill>
                 </a:rPr>
-                <a:t>master</a:t>
+                <a:t>main</a:t>
               </a:r>
               <a:endParaRPr lang="ko-KR" altLang="en-US" sz="1600" b="1" dirty="0">
                 <a:solidFill>
@@ -10886,7 +10886,7 @@
                     <a:srgbClr val="0070C0"/>
                   </a:solidFill>
                 </a:rPr>
-                <a:t>master</a:t>
+                <a:t>main</a:t>
               </a:r>
               <a:endParaRPr lang="ko-KR" altLang="en-US" sz="1600" b="1" dirty="0">
                 <a:solidFill>
@@ -12308,7 +12308,7 @@
                     <a:srgbClr val="0070C0"/>
                   </a:solidFill>
                 </a:rPr>
-                <a:t>master</a:t>
+                <a:t>main</a:t>
               </a:r>
               <a:endParaRPr lang="ko-KR" altLang="en-US" sz="1600" b="1" dirty="0">
                 <a:solidFill>
@@ -19059,6 +19059,322 @@
             </a:pPr>
             <a:endParaRPr lang="fr-FR" altLang="ko-KR" sz="1200" dirty="0"/>
           </a:p>
+          <a:p>
+            <a:pPr marL="0" indent="0">
+              <a:buNone/>
+            </a:pPr>
+            <a:r>
+              <a:rPr lang="ko-KR" altLang="en-US" sz="1200" dirty="0"/>
+              <a:t>기본으로 생성된 </a:t>
+            </a:r>
+            <a:r>
+              <a:rPr lang="en-US" altLang="ko-KR" sz="1200" dirty="0"/>
+              <a:t>master Branch</a:t>
+            </a:r>
+            <a:r>
+              <a:rPr lang="ko-KR" altLang="en-US" sz="1200" dirty="0"/>
+              <a:t>는 사회적인 의도로 </a:t>
+            </a:r>
+            <a:r>
+              <a:rPr lang="en-US" altLang="ko-KR" sz="1200" dirty="0"/>
+              <a:t>master/slave</a:t>
+            </a:r>
+            <a:r>
+              <a:rPr lang="ko-KR" altLang="en-US" sz="1200" dirty="0"/>
+              <a:t> 라는 용어 사용을 자제하기 위해 현재 </a:t>
+            </a:r>
+            <a:r>
+              <a:rPr lang="en-US" altLang="ko-KR" sz="1200" dirty="0"/>
+              <a:t>main</a:t>
+            </a:r>
+            <a:r>
+              <a:rPr lang="ko-KR" altLang="en-US" sz="1200" dirty="0" err="1"/>
+              <a:t>으로</a:t>
+            </a:r>
+            <a:r>
+              <a:rPr lang="ko-KR" altLang="en-US" sz="1200" dirty="0"/>
+              <a:t> 변경되고 있는 추세로 변경하는 방법은 아래</a:t>
+            </a:r>
+            <a:r>
+              <a:rPr lang="en-US" altLang="ko-KR" sz="1200" dirty="0"/>
+              <a:t>.</a:t>
+            </a:r>
+            <a:endParaRPr lang="fr-FR" altLang="ko-KR" sz="1200" dirty="0"/>
+          </a:p>
+          <a:p>
+            <a:pPr marL="0" indent="0">
+              <a:buNone/>
+            </a:pPr>
+            <a:r>
+              <a:rPr lang="fr-FR" altLang="ko-KR" sz="1400" b="1" dirty="0">
+                <a:solidFill>
+                  <a:srgbClr val="FFFF00"/>
+                </a:solidFill>
+              </a:rPr>
+              <a:t>$ git  config  --global  </a:t>
+            </a:r>
+            <a:r>
+              <a:rPr lang="fr-FR" altLang="ko-KR" sz="1400" b="1" dirty="0" err="1">
+                <a:solidFill>
+                  <a:srgbClr val="FFFF00"/>
+                </a:solidFill>
+              </a:rPr>
+              <a:t>init.defaultBranch</a:t>
+            </a:r>
+            <a:r>
+              <a:rPr lang="fr-FR" altLang="ko-KR" sz="1400" b="1" dirty="0">
+                <a:solidFill>
+                  <a:srgbClr val="FFFF00"/>
+                </a:solidFill>
+              </a:rPr>
+              <a:t>  main</a:t>
+            </a:r>
+            <a:r>
+              <a:rPr lang="en-US" altLang="ko-KR" sz="1400" b="1" dirty="0">
+                <a:solidFill>
+                  <a:srgbClr val="FFFF00"/>
+                </a:solidFill>
+              </a:rPr>
+              <a:t> </a:t>
+            </a:r>
+            <a:r>
+              <a:rPr lang="ko-KR" altLang="en-US" sz="1400" b="1" dirty="0">
+                <a:solidFill>
+                  <a:srgbClr val="FFFF00"/>
+                </a:solidFill>
+              </a:rPr>
+              <a:t>       </a:t>
+            </a:r>
+            <a:r>
+              <a:rPr lang="en-US" altLang="ko-KR" sz="1400" b="1" dirty="0">
+                <a:solidFill>
+                  <a:srgbClr val="FFFF00"/>
+                </a:solidFill>
+              </a:rPr>
+              <a:t>=&gt;</a:t>
+            </a:r>
+            <a:r>
+              <a:rPr lang="ko-KR" altLang="en-US" sz="1400" b="1" dirty="0">
+                <a:solidFill>
+                  <a:srgbClr val="FFFF00"/>
+                </a:solidFill>
+              </a:rPr>
+              <a:t> </a:t>
+            </a:r>
+            <a:r>
+              <a:rPr lang="en-US" altLang="ko-KR" sz="1400" b="1" dirty="0">
+                <a:solidFill>
+                  <a:srgbClr val="FFFF00"/>
+                </a:solidFill>
+              </a:rPr>
+              <a:t>git </a:t>
+            </a:r>
+            <a:r>
+              <a:rPr lang="en-US" altLang="ko-KR" sz="1400" b="1" dirty="0" err="1">
+                <a:solidFill>
+                  <a:srgbClr val="FFFF00"/>
+                </a:solidFill>
+              </a:rPr>
+              <a:t>init</a:t>
+            </a:r>
+            <a:r>
+              <a:rPr lang="en-US" altLang="ko-KR" sz="1400" b="1" dirty="0">
+                <a:solidFill>
+                  <a:srgbClr val="FFFF00"/>
+                </a:solidFill>
+              </a:rPr>
+              <a:t> </a:t>
+            </a:r>
+            <a:r>
+              <a:rPr lang="ko-KR" altLang="en-US" sz="1400" b="1" dirty="0">
+                <a:solidFill>
+                  <a:srgbClr val="FFFF00"/>
+                </a:solidFill>
+              </a:rPr>
+              <a:t>을 통해 새로 생성할 </a:t>
+            </a:r>
+            <a:r>
+              <a:rPr lang="en-US" altLang="ko-KR" sz="1400" b="1" dirty="0">
+                <a:solidFill>
+                  <a:srgbClr val="FFFF00"/>
+                </a:solidFill>
+              </a:rPr>
+              <a:t>Repository</a:t>
+            </a:r>
+            <a:r>
+              <a:rPr lang="ko-KR" altLang="en-US" sz="1400" b="1" dirty="0">
+                <a:solidFill>
+                  <a:srgbClr val="FFFF00"/>
+                </a:solidFill>
+              </a:rPr>
+              <a:t>의 기본 </a:t>
+            </a:r>
+            <a:r>
+              <a:rPr lang="en-US" altLang="ko-KR" sz="1400" b="1" dirty="0">
+                <a:solidFill>
+                  <a:srgbClr val="FFFF00"/>
+                </a:solidFill>
+              </a:rPr>
+              <a:t>Branch</a:t>
+            </a:r>
+            <a:r>
+              <a:rPr lang="ko-KR" altLang="en-US" sz="1400" b="1" dirty="0">
+                <a:solidFill>
+                  <a:srgbClr val="FFFF00"/>
+                </a:solidFill>
+              </a:rPr>
+              <a:t> 명을 </a:t>
+            </a:r>
+            <a:r>
+              <a:rPr lang="en-US" altLang="ko-KR" sz="1400" b="1" dirty="0">
+                <a:solidFill>
+                  <a:srgbClr val="FFFF00"/>
+                </a:solidFill>
+              </a:rPr>
+              <a:t>“main” </a:t>
+            </a:r>
+            <a:r>
+              <a:rPr lang="ko-KR" altLang="en-US" sz="1400" b="1" dirty="0" err="1">
+                <a:solidFill>
+                  <a:srgbClr val="FFFF00"/>
+                </a:solidFill>
+              </a:rPr>
+              <a:t>으로</a:t>
+            </a:r>
+            <a:r>
+              <a:rPr lang="ko-KR" altLang="en-US" sz="1400" b="1" dirty="0">
+                <a:solidFill>
+                  <a:srgbClr val="FFFF00"/>
+                </a:solidFill>
+              </a:rPr>
+              <a:t> 변경 </a:t>
+            </a:r>
+            <a:endParaRPr lang="fr-FR" altLang="ko-KR" sz="1400" b="1" dirty="0">
+              <a:solidFill>
+                <a:srgbClr val="FFFF00"/>
+              </a:solidFill>
+            </a:endParaRPr>
+          </a:p>
+          <a:p>
+            <a:pPr marL="0" indent="0">
+              <a:buNone/>
+            </a:pPr>
+            <a:r>
+              <a:rPr lang="fr-FR" altLang="ko-KR" sz="1400" b="1" dirty="0">
+                <a:solidFill>
+                  <a:srgbClr val="FFFF00"/>
+                </a:solidFill>
+              </a:rPr>
+              <a:t>$ git  </a:t>
+            </a:r>
+            <a:r>
+              <a:rPr lang="fr-FR" altLang="ko-KR" sz="1400" b="1" dirty="0" err="1">
+                <a:solidFill>
+                  <a:srgbClr val="FFFF00"/>
+                </a:solidFill>
+              </a:rPr>
+              <a:t>branch</a:t>
+            </a:r>
+            <a:r>
+              <a:rPr lang="fr-FR" altLang="ko-KR" sz="1400" b="1" dirty="0">
+                <a:solidFill>
+                  <a:srgbClr val="FFFF00"/>
+                </a:solidFill>
+              </a:rPr>
+              <a:t> –m main  </a:t>
+            </a:r>
+            <a:r>
+              <a:rPr lang="ko-KR" altLang="en-US" sz="1400" b="1" dirty="0">
+                <a:solidFill>
+                  <a:srgbClr val="FFFF00"/>
+                </a:solidFill>
+              </a:rPr>
+              <a:t>                                                </a:t>
+            </a:r>
+            <a:r>
+              <a:rPr lang="en-US" altLang="ko-KR" sz="1400" b="1" dirty="0">
+                <a:solidFill>
+                  <a:srgbClr val="FFFF00"/>
+                </a:solidFill>
+              </a:rPr>
+              <a:t>=&gt;</a:t>
+            </a:r>
+            <a:r>
+              <a:rPr lang="ko-KR" altLang="en-US" sz="1400" b="1" dirty="0">
+                <a:solidFill>
+                  <a:srgbClr val="FFFF00"/>
+                </a:solidFill>
+              </a:rPr>
+              <a:t> 이미 생성된 </a:t>
+            </a:r>
+            <a:r>
+              <a:rPr lang="en-US" altLang="ko-KR" sz="1400" b="1" dirty="0">
+                <a:solidFill>
+                  <a:srgbClr val="FFFF00"/>
+                </a:solidFill>
+              </a:rPr>
+              <a:t>Repository</a:t>
+            </a:r>
+            <a:r>
+              <a:rPr lang="ko-KR" altLang="en-US" sz="1400" b="1" dirty="0">
+                <a:solidFill>
+                  <a:srgbClr val="FFFF00"/>
+                </a:solidFill>
+              </a:rPr>
+              <a:t>의 기본 </a:t>
+            </a:r>
+            <a:r>
+              <a:rPr lang="en-US" altLang="ko-KR" sz="1400" b="1" dirty="0">
+                <a:solidFill>
+                  <a:srgbClr val="FFFF00"/>
+                </a:solidFill>
+              </a:rPr>
+              <a:t>Branch</a:t>
+            </a:r>
+            <a:r>
+              <a:rPr lang="ko-KR" altLang="en-US" sz="1400" b="1" dirty="0">
+                <a:solidFill>
+                  <a:srgbClr val="FFFF00"/>
+                </a:solidFill>
+              </a:rPr>
+              <a:t> 명을 </a:t>
+            </a:r>
+            <a:r>
+              <a:rPr lang="en-US" altLang="ko-KR" sz="1400" b="1" dirty="0">
+                <a:solidFill>
+                  <a:srgbClr val="FFFF00"/>
+                </a:solidFill>
+              </a:rPr>
+              <a:t>“main” </a:t>
+            </a:r>
+            <a:r>
+              <a:rPr lang="ko-KR" altLang="en-US" sz="1400" b="1" dirty="0" err="1">
+                <a:solidFill>
+                  <a:srgbClr val="FFFF00"/>
+                </a:solidFill>
+              </a:rPr>
+              <a:t>으로</a:t>
+            </a:r>
+            <a:r>
+              <a:rPr lang="ko-KR" altLang="en-US" sz="1400" b="1" dirty="0">
+                <a:solidFill>
+                  <a:srgbClr val="FFFF00"/>
+                </a:solidFill>
+              </a:rPr>
+              <a:t> 변경</a:t>
+            </a:r>
+            <a:endParaRPr lang="fr-FR" altLang="ko-KR" sz="1400" b="1" dirty="0">
+              <a:solidFill>
+                <a:srgbClr val="FFFF00"/>
+              </a:solidFill>
+            </a:endParaRPr>
+          </a:p>
+          <a:p>
+            <a:pPr marL="0" indent="0">
+              <a:buNone/>
+            </a:pPr>
+            <a:endParaRPr lang="fr-FR" altLang="ko-KR" sz="1200" dirty="0"/>
+          </a:p>
         </p:txBody>
       </p:sp>
     </p:spTree>
@@ -21240,7 +21556,7 @@
                     <a:srgbClr val="0070C0"/>
                   </a:solidFill>
                 </a:rPr>
-                <a:t>master</a:t>
+                <a:t>main</a:t>
               </a:r>
               <a:endParaRPr lang="ko-KR" altLang="en-US" sz="1600" b="1" dirty="0">
                 <a:solidFill>
@@ -22589,7 +22905,7 @@
                     <a:srgbClr val="0070C0"/>
                   </a:solidFill>
                 </a:rPr>
-                <a:t>master</a:t>
+                <a:t>main</a:t>
               </a:r>
               <a:endParaRPr lang="ko-KR" altLang="en-US" sz="1600" b="1" dirty="0">
                 <a:solidFill>

--- a/Tools/git/SW 형상 관리.pptx
+++ b/Tools/git/SW 형상 관리.pptx
@@ -222,7 +222,7 @@
           <a:p>
             <a:fld id="{A8024B54-3D20-42B6-A112-BFED72D3BCE0}" type="datetimeFigureOut">
               <a:rPr lang="ko-KR" altLang="en-US" smtClean="0"/>
-              <a:t>2024. 6. 24.</a:t>
+              <a:t>2024-06-24 - Mon</a:t>
             </a:fld>
             <a:endParaRPr lang="ko-KR" altLang="en-US"/>
           </a:p>
@@ -843,7 +843,7 @@
           <a:p>
             <a:fld id="{4AAD347D-5ACD-4C99-B74B-A9C85AD731AF}" type="datetimeFigureOut">
               <a:rPr lang="en-US" dirty="0"/>
-              <a:t>6/24/24</a:t>
+              <a:t>6/24/2024</a:t>
             </a:fld>
             <a:endParaRPr lang="en-US" dirty="0"/>
           </a:p>
@@ -1113,7 +1113,7 @@
           <a:p>
             <a:fld id="{4509A250-FF31-4206-8172-F9D3106AACB1}" type="datetimeFigureOut">
               <a:rPr lang="en-US" dirty="0"/>
-              <a:t>6/24/24</a:t>
+              <a:t>6/24/2024</a:t>
             </a:fld>
             <a:endParaRPr lang="en-US" dirty="0"/>
           </a:p>
@@ -1302,7 +1302,7 @@
           <a:p>
             <a:fld id="{4509A250-FF31-4206-8172-F9D3106AACB1}" type="datetimeFigureOut">
               <a:rPr lang="en-US" dirty="0"/>
-              <a:t>6/24/24</a:t>
+              <a:t>6/24/2024</a:t>
             </a:fld>
             <a:endParaRPr lang="en-US" dirty="0"/>
           </a:p>
@@ -1570,7 +1570,7 @@
           <a:p>
             <a:fld id="{4509A250-FF31-4206-8172-F9D3106AACB1}" type="datetimeFigureOut">
               <a:rPr lang="en-US" dirty="0"/>
-              <a:t>6/24/24</a:t>
+              <a:t>6/24/2024</a:t>
             </a:fld>
             <a:endParaRPr lang="en-US" dirty="0"/>
           </a:p>
@@ -1906,7 +1906,7 @@
           <a:p>
             <a:fld id="{4509A250-FF31-4206-8172-F9D3106AACB1}" type="datetimeFigureOut">
               <a:rPr lang="en-US" dirty="0"/>
-              <a:t>6/24/24</a:t>
+              <a:t>6/24/2024</a:t>
             </a:fld>
             <a:endParaRPr lang="en-US" dirty="0"/>
           </a:p>
@@ -2524,7 +2524,7 @@
           <a:p>
             <a:fld id="{4509A250-FF31-4206-8172-F9D3106AACB1}" type="datetimeFigureOut">
               <a:rPr lang="en-US" dirty="0"/>
-              <a:t>6/24/24</a:t>
+              <a:t>6/24/2024</a:t>
             </a:fld>
             <a:endParaRPr lang="en-US" dirty="0"/>
           </a:p>
@@ -3379,7 +3379,7 @@
           <a:p>
             <a:fld id="{4509A250-FF31-4206-8172-F9D3106AACB1}" type="datetimeFigureOut">
               <a:rPr lang="en-US" dirty="0"/>
-              <a:t>6/24/24</a:t>
+              <a:t>6/24/2024</a:t>
             </a:fld>
             <a:endParaRPr lang="en-US" dirty="0"/>
           </a:p>
@@ -3544,7 +3544,7 @@
           <a:p>
             <a:fld id="{4509A250-FF31-4206-8172-F9D3106AACB1}" type="datetimeFigureOut">
               <a:rPr lang="en-US" dirty="0"/>
-              <a:t>6/24/24</a:t>
+              <a:t>6/24/2024</a:t>
             </a:fld>
             <a:endParaRPr lang="en-US" dirty="0"/>
           </a:p>
@@ -3719,7 +3719,7 @@
           <a:p>
             <a:fld id="{4509A250-FF31-4206-8172-F9D3106AACB1}" type="datetimeFigureOut">
               <a:rPr lang="en-US" dirty="0"/>
-              <a:t>6/24/24</a:t>
+              <a:t>6/24/2024</a:t>
             </a:fld>
             <a:endParaRPr lang="en-US" dirty="0"/>
           </a:p>
@@ -3884,7 +3884,7 @@
           <a:p>
             <a:fld id="{4509A250-FF31-4206-8172-F9D3106AACB1}" type="datetimeFigureOut">
               <a:rPr lang="en-US" dirty="0"/>
-              <a:t>6/24/24</a:t>
+              <a:t>6/24/2024</a:t>
             </a:fld>
             <a:endParaRPr lang="en-US" dirty="0"/>
           </a:p>
@@ -4126,7 +4126,7 @@
           <a:p>
             <a:fld id="{9796027F-7875-4030-9381-8BD8C4F21935}" type="datetimeFigureOut">
               <a:rPr lang="en-US" dirty="0"/>
-              <a:t>6/24/24</a:t>
+              <a:t>6/24/2024</a:t>
             </a:fld>
             <a:endParaRPr lang="en-US" dirty="0"/>
           </a:p>
@@ -4413,7 +4413,7 @@
           <a:p>
             <a:fld id="{9796027F-7875-4030-9381-8BD8C4F21935}" type="datetimeFigureOut">
               <a:rPr lang="en-US" dirty="0"/>
-              <a:t>6/24/24</a:t>
+              <a:t>6/24/2024</a:t>
             </a:fld>
             <a:endParaRPr lang="en-US" dirty="0"/>
           </a:p>
@@ -4852,7 +4852,7 @@
           <a:p>
             <a:fld id="{9796027F-7875-4030-9381-8BD8C4F21935}" type="datetimeFigureOut">
               <a:rPr lang="en-US" dirty="0"/>
-              <a:t>6/24/24</a:t>
+              <a:t>6/24/2024</a:t>
             </a:fld>
             <a:endParaRPr lang="en-US" dirty="0"/>
           </a:p>
@@ -4965,7 +4965,7 @@
           <a:p>
             <a:fld id="{4509A250-FF31-4206-8172-F9D3106AACB1}" type="datetimeFigureOut">
               <a:rPr lang="en-US" dirty="0"/>
-              <a:t>6/24/24</a:t>
+              <a:t>6/24/2024</a:t>
             </a:fld>
             <a:endParaRPr lang="en-US" dirty="0"/>
           </a:p>
@@ -5055,7 +5055,7 @@
           <a:p>
             <a:fld id="{4509A250-FF31-4206-8172-F9D3106AACB1}" type="datetimeFigureOut">
               <a:rPr lang="en-US" dirty="0"/>
-              <a:t>6/24/24</a:t>
+              <a:t>6/24/2024</a:t>
             </a:fld>
             <a:endParaRPr lang="en-US" dirty="0"/>
           </a:p>
@@ -5329,7 +5329,7 @@
           <a:p>
             <a:fld id="{4509A250-FF31-4206-8172-F9D3106AACB1}" type="datetimeFigureOut">
               <a:rPr lang="en-US" dirty="0"/>
-              <a:t>6/24/24</a:t>
+              <a:t>6/24/2024</a:t>
             </a:fld>
             <a:endParaRPr lang="en-US" dirty="0"/>
           </a:p>
@@ -5599,7 +5599,7 @@
           <a:p>
             <a:fld id="{4509A250-FF31-4206-8172-F9D3106AACB1}" type="datetimeFigureOut">
               <a:rPr lang="en-US" dirty="0"/>
-              <a:t>6/24/24</a:t>
+              <a:t>6/24/2024</a:t>
             </a:fld>
             <a:endParaRPr lang="en-US" dirty="0"/>
           </a:p>
@@ -6023,7 +6023,7 @@
           <a:p>
             <a:fld id="{4AAD347D-5ACD-4C99-B74B-A9C85AD731AF}" type="datetimeFigureOut">
               <a:rPr lang="en-US" dirty="0"/>
-              <a:t>6/24/24</a:t>
+              <a:t>6/24/2024</a:t>
             </a:fld>
             <a:endParaRPr lang="en-US" dirty="0"/>
           </a:p>
@@ -6774,8 +6774,8 @@
               <a:t>각 </a:t>
             </a:r>
             <a:r>
-              <a:rPr lang="en-US" altLang="ko-KR" sz="1400" dirty="0" err="1"/>
-              <a:t>commi</a:t>
+              <a:rPr lang="en-US" altLang="ko-KR" sz="1400" dirty="0"/>
+              <a:t>commit</a:t>
             </a:r>
             <a:r>
               <a:rPr lang="ko-KR" altLang="en-US" sz="1400" dirty="0"/>
@@ -6858,7 +6858,7 @@
                   <a:srgbClr val="FFFF00"/>
                 </a:solidFill>
               </a:rPr>
-              <a:t>$ git log -3 --pretty=</a:t>
+              <a:t>$ git log  -3  --pretty=</a:t>
             </a:r>
             <a:r>
               <a:rPr lang="en-US" altLang="ko-KR" sz="1400" b="1" dirty="0" err="1">
@@ -6927,7 +6927,7 @@
                   <a:srgbClr val="FFFF00"/>
                 </a:solidFill>
               </a:rPr>
-              <a:t>$ git log --since= 2021-01-05 </a:t>
+              <a:t>$ git log  --since= 2021-01-05 </a:t>
             </a:r>
             <a:r>
               <a:rPr lang="fr-FR" altLang="ko-KR" sz="1400" b="1" dirty="0">
@@ -6995,7 +6995,7 @@
                   <a:srgbClr val="FFFF00"/>
                 </a:solidFill>
               </a:rPr>
-              <a:t>$ git log --author=username </a:t>
+              <a:t>$ git log  --author=username </a:t>
             </a:r>
             <a:r>
               <a:rPr lang="fr-FR" altLang="ko-KR" sz="1400" b="1" dirty="0">
@@ -7279,8 +7279,12 @@
               <a:t>본인이 테스트 할 적당한 위치에 </a:t>
             </a:r>
             <a:r>
+              <a:rPr lang="en-US" altLang="ko-KR" sz="1400" b="1" dirty="0" err="1"/>
+              <a:t>gitTest</a:t>
+            </a:r>
+            <a:r>
               <a:rPr lang="en-US" altLang="ko-KR" sz="1400" b="1" dirty="0"/>
-              <a:t>gitTest01 </a:t>
+              <a:t> </a:t>
             </a:r>
             <a:r>
               <a:rPr lang="ko-KR" altLang="en-US" sz="1400" b="1" dirty="0"/>
@@ -7307,7 +7311,7 @@
             </a:r>
             <a:r>
               <a:rPr lang="en-US" altLang="ko-KR" sz="1400" b="1" dirty="0"/>
-              <a:t>master Branch</a:t>
+              <a:t>main Branch</a:t>
             </a:r>
             <a:r>
               <a:rPr lang="ko-KR" altLang="en-US" sz="1400" b="1" dirty="0"/>
@@ -7315,7 +7319,39 @@
             </a:r>
             <a:r>
               <a:rPr lang="en-US" altLang="ko-KR" sz="1400" b="1" dirty="0"/>
-              <a:t>.</a:t>
+              <a:t>. (</a:t>
+            </a:r>
+            <a:r>
+              <a:rPr lang="ko-KR" altLang="en-US" sz="1400" b="1" dirty="0"/>
+              <a:t>만약 기본 </a:t>
+            </a:r>
+            <a:r>
+              <a:rPr lang="en-US" altLang="ko-KR" sz="1400" b="1" dirty="0"/>
+              <a:t>Branch</a:t>
+            </a:r>
+            <a:r>
+              <a:rPr lang="ko-KR" altLang="en-US" sz="1400" b="1" dirty="0"/>
+              <a:t>가 </a:t>
+            </a:r>
+            <a:r>
+              <a:rPr lang="en-US" altLang="ko-KR" sz="1400" b="1" dirty="0"/>
+              <a:t>“master” </a:t>
+            </a:r>
+            <a:r>
+              <a:rPr lang="ko-KR" altLang="en-US" sz="1400" b="1" dirty="0"/>
+              <a:t>이면 </a:t>
+            </a:r>
+            <a:r>
+              <a:rPr lang="en-US" altLang="ko-KR" sz="1400" b="1" dirty="0"/>
+              <a:t>“main”</a:t>
+            </a:r>
+            <a:r>
+              <a:rPr lang="ko-KR" altLang="en-US" sz="1400" b="1" dirty="0"/>
+              <a:t>으로 변경할 것</a:t>
+            </a:r>
+            <a:r>
+              <a:rPr lang="en-US" altLang="ko-KR" sz="1400" b="1" dirty="0"/>
+              <a:t>)</a:t>
             </a:r>
           </a:p>
           <a:p>
@@ -7345,15 +7381,19 @@
             </a:r>
             <a:r>
               <a:rPr lang="en-US" altLang="ko-KR" sz="1400" b="1" dirty="0"/>
-              <a:t>(racos.html)</a:t>
+              <a:t>(racos.txt)</a:t>
             </a:r>
             <a:r>
               <a:rPr lang="ko-KR" altLang="en-US" sz="1400" b="1" dirty="0"/>
               <a:t>하여 </a:t>
             </a:r>
             <a:r>
+              <a:rPr lang="en-US" altLang="ko-KR" sz="1400" b="1" dirty="0" err="1"/>
+              <a:t>gitTest</a:t>
+            </a:r>
+            <a:r>
               <a:rPr lang="en-US" altLang="ko-KR" sz="1400" b="1" dirty="0"/>
-              <a:t>gitTest01 </a:t>
+              <a:t> </a:t>
             </a:r>
             <a:r>
               <a:rPr lang="ko-KR" altLang="en-US" sz="1400" b="1" dirty="0"/>
@@ -7413,23 +7453,15 @@
             </a:pPr>
             <a:r>
               <a:rPr lang="en-US" altLang="ko-KR" sz="1400" b="1" dirty="0"/>
-              <a:t>Racos.html </a:t>
+              <a:t>racos.txt </a:t>
             </a:r>
             <a:r>
               <a:rPr lang="ko-KR" altLang="en-US" sz="1400" b="1" dirty="0"/>
-              <a:t>파일의 </a:t>
+              <a:t>파일의 첫번째 줄 내용을 </a:t>
             </a:r>
             <a:r>
               <a:rPr lang="en-US" altLang="ko-KR" sz="1400" b="1" dirty="0"/>
-              <a:t>&lt;title&gt; </a:t>
-            </a:r>
-            <a:r>
-              <a:rPr lang="ko-KR" altLang="en-US" sz="1400" b="1" dirty="0"/>
-              <a:t>부분의 내용을 </a:t>
-            </a:r>
-            <a:r>
-              <a:rPr lang="en-US" altLang="ko-KR" sz="1400" b="1" dirty="0"/>
-              <a:t>“v1”</a:t>
+              <a:t>“1-1”</a:t>
             </a:r>
             <a:r>
               <a:rPr lang="ko-KR" altLang="en-US" sz="1400" b="1" dirty="0"/>
@@ -7447,7 +7479,7 @@
             </a:pPr>
             <a:r>
               <a:rPr lang="en-US" altLang="ko-KR" sz="1400" b="1" dirty="0"/>
-              <a:t>$ git add racos.html </a:t>
+              <a:t>$ git add racos.txt </a:t>
             </a:r>
             <a:r>
               <a:rPr lang="ko-KR" altLang="en-US" sz="1400" b="1" dirty="0"/>
@@ -7455,7 +7487,7 @@
             </a:r>
             <a:r>
               <a:rPr lang="en-US" altLang="ko-KR" sz="1400" b="1" dirty="0"/>
-              <a:t>racos.html </a:t>
+              <a:t>racos.txt </a:t>
             </a:r>
             <a:r>
               <a:rPr lang="ko-KR" altLang="en-US" sz="1400" b="1" dirty="0"/>
@@ -7523,19 +7555,11 @@
             </a:r>
             <a:r>
               <a:rPr lang="en-US" altLang="ko-KR" sz="1400" b="1" dirty="0"/>
-              <a:t>v1</a:t>
+              <a:t>1-1</a:t>
             </a:r>
             <a:r>
               <a:rPr lang="ko-KR" altLang="en-US" sz="1400" b="1" dirty="0"/>
-              <a:t>이고 </a:t>
-            </a:r>
-            <a:r>
-              <a:rPr lang="en-US" altLang="ko-KR" sz="1400" b="1" dirty="0"/>
-              <a:t>&lt;title&gt; </a:t>
-            </a:r>
-            <a:r>
-              <a:rPr lang="ko-KR" altLang="en-US" sz="1400" b="1" dirty="0"/>
-              <a:t>부분 수정했음</a:t>
+              <a:t>이고 첫번째줄 수정했음</a:t>
             </a:r>
             <a:r>
               <a:rPr lang="en-US" altLang="ko-KR" sz="1400" b="1" dirty="0"/>
@@ -7573,7 +7597,7 @@
             </a:r>
             <a:r>
               <a:rPr lang="en-US" altLang="ko-KR" sz="1400" b="1" dirty="0"/>
-              <a:t>racos.html</a:t>
+              <a:t>racos.txt </a:t>
             </a:r>
             <a:r>
               <a:rPr lang="ko-KR" altLang="en-US" sz="1400" b="1" dirty="0"/>
@@ -7780,7 +7804,7 @@
             </a:r>
             <a:r>
               <a:rPr lang="en-US" altLang="ko-KR" sz="1400" b="1" dirty="0"/>
-              <a:t>racos.html</a:t>
+              <a:t>racos.txt </a:t>
             </a:r>
             <a:r>
               <a:rPr lang="ko-KR" altLang="en-US" sz="1400" b="1" dirty="0"/>
@@ -7788,7 +7812,7 @@
             </a:r>
             <a:r>
               <a:rPr lang="en-US" altLang="ko-KR" sz="1400" b="1" dirty="0"/>
-              <a:t>“v2”</a:t>
+              <a:t>“1-2”</a:t>
             </a:r>
             <a:r>
               <a:rPr lang="ko-KR" altLang="en-US" sz="1400" b="1" dirty="0"/>
@@ -7824,7 +7848,7 @@
             </a:pPr>
             <a:r>
               <a:rPr lang="en-US" altLang="ko-KR" sz="1400" b="1" dirty="0"/>
-              <a:t>$ git add racos.html </a:t>
+              <a:t>$ git add racos.txt </a:t>
             </a:r>
             <a:r>
               <a:rPr lang="ko-KR" altLang="en-US" sz="1400" b="1" dirty="0"/>
@@ -7906,19 +7930,11 @@
             </a:r>
             <a:r>
               <a:rPr lang="en-US" altLang="ko-KR" sz="1400" b="1" dirty="0"/>
-              <a:t>v2</a:t>
+              <a:t>1-2</a:t>
             </a:r>
             <a:r>
               <a:rPr lang="ko-KR" altLang="en-US" sz="1400" b="1" dirty="0"/>
-              <a:t>이며 </a:t>
-            </a:r>
-            <a:r>
-              <a:rPr lang="en-US" altLang="ko-KR" sz="1400" b="1" dirty="0"/>
-              <a:t>title </a:t>
-            </a:r>
-            <a:r>
-              <a:rPr lang="ko-KR" altLang="en-US" sz="1400" b="1" dirty="0"/>
-              <a:t>부분 추가 수정</a:t>
+              <a:t>이며 첫번째 줄 추가 수정</a:t>
             </a:r>
             <a:r>
               <a:rPr lang="en-US" altLang="ko-KR" sz="1400" b="1" dirty="0"/>
@@ -8138,7 +8154,7 @@
             </a:r>
             <a:r>
               <a:rPr lang="en-US" altLang="ko-KR" sz="1400" b="1" dirty="0"/>
-              <a:t>racos.html</a:t>
+              <a:t>racos.txt </a:t>
             </a:r>
             <a:r>
               <a:rPr lang="ko-KR" altLang="en-US" sz="1400" b="1" dirty="0"/>
@@ -8146,7 +8162,7 @@
             </a:r>
             <a:r>
               <a:rPr lang="en-US" altLang="ko-KR" sz="1400" b="1" dirty="0"/>
-              <a:t>“v3”</a:t>
+              <a:t>“1-3”</a:t>
             </a:r>
             <a:r>
               <a:rPr lang="ko-KR" altLang="en-US" sz="1400" b="1" dirty="0"/>
@@ -8182,7 +8198,7 @@
             </a:pPr>
             <a:r>
               <a:rPr lang="en-US" altLang="ko-KR" sz="1400" b="1" dirty="0"/>
-              <a:t>$ git add racos.html </a:t>
+              <a:t>$ git add racos.txt </a:t>
             </a:r>
             <a:r>
               <a:rPr lang="ko-KR" altLang="en-US" sz="1400" b="1" dirty="0"/>
@@ -8264,15 +8280,15 @@
             </a:r>
             <a:r>
               <a:rPr lang="en-US" altLang="ko-KR" sz="1400" b="1" dirty="0"/>
-              <a:t>v3</a:t>
+              <a:t>1-3</a:t>
             </a:r>
             <a:r>
               <a:rPr lang="ko-KR" altLang="en-US" sz="1400" b="1" dirty="0"/>
-              <a:t>이며 </a:t>
+              <a:t>이며 첫번째 줄</a:t>
             </a:r>
             <a:r>
               <a:rPr lang="en-US" altLang="ko-KR" sz="1400" b="1" dirty="0"/>
-              <a:t>title </a:t>
+              <a:t> </a:t>
             </a:r>
             <a:r>
               <a:rPr lang="ko-KR" altLang="en-US" sz="1400" b="1" dirty="0"/>
@@ -8334,7 +8350,7 @@
             </a:pPr>
             <a:r>
               <a:rPr lang="en-US" altLang="ko-KR" sz="1400" b="1" dirty="0"/>
-              <a:t>$ git push origin master </a:t>
+              <a:t>$ git push origin main </a:t>
             </a:r>
             <a:r>
               <a:rPr lang="ko-KR" altLang="en-US" sz="1400" b="1" dirty="0"/>
@@ -8359,8 +8375,8 @@
               <a:t>에서 해당 </a:t>
             </a:r>
             <a:r>
-              <a:rPr lang="en-US" altLang="ko-KR" sz="1400" b="1" dirty="0" err="1"/>
-              <a:t>repositor</a:t>
+              <a:rPr lang="en-US" altLang="ko-KR" sz="1400" b="1" dirty="0"/>
+              <a:t>repository</a:t>
             </a:r>
             <a:r>
               <a:rPr lang="ko-KR" altLang="en-US" sz="1400" b="1" dirty="0"/>
@@ -9079,14 +9095,14 @@
             <a:pPr algn="ctr"/>
             <a:r>
               <a:rPr lang="en-US" altLang="ko-KR" sz="1050" dirty="0"/>
-              <a:t>racos.html</a:t>
+              <a:t>racos.txt</a:t>
             </a:r>
           </a:p>
           <a:p>
             <a:pPr algn="ctr"/>
             <a:r>
               <a:rPr lang="en-US" altLang="ko-KR" sz="1050" dirty="0"/>
-              <a:t>v3</a:t>
+              <a:t>1-3</a:t>
             </a:r>
             <a:endParaRPr lang="ko-KR" altLang="en-US" sz="1050" dirty="0"/>
           </a:p>
@@ -9134,14 +9150,14 @@
             <a:pPr algn="ctr"/>
             <a:r>
               <a:rPr lang="en-US" altLang="ko-KR" sz="1050" dirty="0"/>
-              <a:t>racos.html</a:t>
+              <a:t>racos.txt</a:t>
             </a:r>
           </a:p>
           <a:p>
             <a:pPr algn="ctr"/>
             <a:r>
               <a:rPr lang="en-US" altLang="ko-KR" sz="1050" dirty="0"/>
-              <a:t>v3</a:t>
+              <a:t>1-3</a:t>
             </a:r>
             <a:endParaRPr lang="ko-KR" altLang="en-US" sz="1050" dirty="0"/>
           </a:p>
@@ -9189,14 +9205,14 @@
             <a:pPr algn="ctr"/>
             <a:r>
               <a:rPr lang="en-US" altLang="ko-KR" sz="1050" dirty="0"/>
-              <a:t>racos.html</a:t>
+              <a:t>racos.txt</a:t>
             </a:r>
           </a:p>
           <a:p>
             <a:pPr algn="ctr"/>
             <a:r>
               <a:rPr lang="en-US" altLang="ko-KR" sz="1050" dirty="0"/>
-              <a:t>v2</a:t>
+              <a:t>1-2</a:t>
             </a:r>
             <a:endParaRPr lang="ko-KR" altLang="en-US" sz="1050" dirty="0"/>
           </a:p>
@@ -9244,14 +9260,14 @@
             <a:pPr algn="ctr"/>
             <a:r>
               <a:rPr lang="en-US" altLang="ko-KR" sz="1050" dirty="0"/>
-              <a:t>racos.html</a:t>
+              <a:t>racos.txt</a:t>
             </a:r>
           </a:p>
           <a:p>
             <a:pPr algn="ctr"/>
             <a:r>
               <a:rPr lang="en-US" altLang="ko-KR" sz="1050" dirty="0"/>
-              <a:t>v1</a:t>
+              <a:t>1-1</a:t>
             </a:r>
             <a:endParaRPr lang="ko-KR" altLang="en-US" sz="1050" dirty="0"/>
           </a:p>
@@ -9299,14 +9315,14 @@
             <a:pPr algn="ctr"/>
             <a:r>
               <a:rPr lang="en-US" altLang="ko-KR" sz="1050" dirty="0"/>
-              <a:t>racos.html</a:t>
+              <a:t>racos.txt</a:t>
             </a:r>
           </a:p>
           <a:p>
             <a:pPr algn="ctr"/>
             <a:r>
               <a:rPr lang="en-US" altLang="ko-KR" sz="1050" dirty="0"/>
-              <a:t>v2</a:t>
+              <a:t>1-2</a:t>
             </a:r>
             <a:endParaRPr lang="ko-KR" altLang="en-US" sz="1050" dirty="0"/>
           </a:p>
@@ -9354,14 +9370,14 @@
             <a:pPr algn="ctr"/>
             <a:r>
               <a:rPr lang="en-US" altLang="ko-KR" sz="1050" dirty="0"/>
-              <a:t>racos.html</a:t>
+              <a:t>racos.txt</a:t>
             </a:r>
           </a:p>
           <a:p>
             <a:pPr algn="ctr"/>
             <a:r>
               <a:rPr lang="en-US" altLang="ko-KR" sz="1050" dirty="0"/>
-              <a:t>v3</a:t>
+              <a:t>1-3</a:t>
             </a:r>
             <a:endParaRPr lang="ko-KR" altLang="en-US" sz="1050" dirty="0"/>
           </a:p>
@@ -10009,14 +10025,14 @@
             <a:pPr algn="ctr"/>
             <a:r>
               <a:rPr lang="en-US" altLang="ko-KR" sz="1050" dirty="0"/>
-              <a:t>racos.html</a:t>
+              <a:t>racos.txt</a:t>
             </a:r>
           </a:p>
           <a:p>
             <a:pPr algn="ctr"/>
             <a:r>
               <a:rPr lang="en-US" altLang="ko-KR" sz="1050" dirty="0"/>
-              <a:t>v3</a:t>
+              <a:t>1-3</a:t>
             </a:r>
             <a:endParaRPr lang="ko-KR" altLang="en-US" sz="1050" dirty="0"/>
           </a:p>
@@ -10064,14 +10080,14 @@
             <a:pPr algn="ctr"/>
             <a:r>
               <a:rPr lang="en-US" altLang="ko-KR" sz="1050" dirty="0"/>
-              <a:t>racos.html</a:t>
+              <a:t>racos.txt</a:t>
             </a:r>
           </a:p>
           <a:p>
             <a:pPr algn="ctr"/>
             <a:r>
               <a:rPr lang="en-US" altLang="ko-KR" sz="1050" dirty="0"/>
-              <a:t>v2</a:t>
+              <a:t>1-2</a:t>
             </a:r>
             <a:endParaRPr lang="ko-KR" altLang="en-US" sz="1050" dirty="0"/>
           </a:p>
@@ -10119,14 +10135,14 @@
             <a:pPr algn="ctr"/>
             <a:r>
               <a:rPr lang="en-US" altLang="ko-KR" sz="1050" dirty="0"/>
-              <a:t>racos.html</a:t>
+              <a:t>racos.txt</a:t>
             </a:r>
           </a:p>
           <a:p>
             <a:pPr algn="ctr"/>
             <a:r>
               <a:rPr lang="en-US" altLang="ko-KR" sz="1050" dirty="0"/>
-              <a:t>v2</a:t>
+              <a:t>1-2</a:t>
             </a:r>
             <a:endParaRPr lang="ko-KR" altLang="en-US" sz="1050" dirty="0"/>
           </a:p>
@@ -10174,14 +10190,14 @@
             <a:pPr algn="ctr"/>
             <a:r>
               <a:rPr lang="en-US" altLang="ko-KR" sz="1050" dirty="0"/>
-              <a:t>racos.html</a:t>
+              <a:t>racos.txt</a:t>
             </a:r>
           </a:p>
           <a:p>
             <a:pPr algn="ctr"/>
             <a:r>
               <a:rPr lang="en-US" altLang="ko-KR" sz="1050" dirty="0"/>
-              <a:t>v1</a:t>
+              <a:t>1-1</a:t>
             </a:r>
             <a:endParaRPr lang="ko-KR" altLang="en-US" sz="1050" dirty="0"/>
           </a:p>
@@ -10229,14 +10245,14 @@
             <a:pPr algn="ctr"/>
             <a:r>
               <a:rPr lang="en-US" altLang="ko-KR" sz="1050" dirty="0"/>
-              <a:t>racos.html</a:t>
+              <a:t>racos.txt</a:t>
             </a:r>
           </a:p>
           <a:p>
             <a:pPr algn="ctr"/>
             <a:r>
               <a:rPr lang="en-US" altLang="ko-KR" sz="1050" dirty="0"/>
-              <a:t>v2</a:t>
+              <a:t>1-2</a:t>
             </a:r>
             <a:endParaRPr lang="ko-KR" altLang="en-US" sz="1050" dirty="0"/>
           </a:p>
@@ -10284,14 +10300,14 @@
             <a:pPr algn="ctr"/>
             <a:r>
               <a:rPr lang="en-US" altLang="ko-KR" sz="1050" dirty="0"/>
-              <a:t>racos.html</a:t>
+              <a:t>racos.txt</a:t>
             </a:r>
           </a:p>
           <a:p>
             <a:pPr algn="ctr"/>
             <a:r>
               <a:rPr lang="en-US" altLang="ko-KR" sz="1050" dirty="0"/>
-              <a:t>v3</a:t>
+              <a:t>1-3</a:t>
             </a:r>
             <a:endParaRPr lang="ko-KR" altLang="en-US" sz="1050" dirty="0"/>
           </a:p>
@@ -10939,14 +10955,14 @@
             <a:pPr algn="ctr"/>
             <a:r>
               <a:rPr lang="en-US" altLang="ko-KR" sz="1050" dirty="0"/>
-              <a:t>racos.html</a:t>
+              <a:t>racos.txt</a:t>
             </a:r>
           </a:p>
           <a:p>
             <a:pPr algn="ctr"/>
             <a:r>
               <a:rPr lang="en-US" altLang="ko-KR" sz="1050" dirty="0"/>
-              <a:t>v2</a:t>
+              <a:t>1-2</a:t>
             </a:r>
             <a:endParaRPr lang="ko-KR" altLang="en-US" sz="1050" dirty="0"/>
           </a:p>
@@ -10994,14 +11010,14 @@
             <a:pPr algn="ctr"/>
             <a:r>
               <a:rPr lang="en-US" altLang="ko-KR" sz="1050" dirty="0"/>
-              <a:t>racos.html</a:t>
+              <a:t>racos.txt</a:t>
             </a:r>
           </a:p>
           <a:p>
             <a:pPr algn="ctr"/>
             <a:r>
               <a:rPr lang="en-US" altLang="ko-KR" sz="1050" dirty="0"/>
-              <a:t>v2</a:t>
+              <a:t>1-2</a:t>
             </a:r>
             <a:endParaRPr lang="ko-KR" altLang="en-US" sz="1050" dirty="0"/>
           </a:p>
@@ -11049,14 +11065,14 @@
             <a:pPr algn="ctr"/>
             <a:r>
               <a:rPr lang="en-US" altLang="ko-KR" sz="1050" dirty="0"/>
-              <a:t>racos.html</a:t>
+              <a:t>racos.txt</a:t>
             </a:r>
           </a:p>
           <a:p>
             <a:pPr algn="ctr"/>
             <a:r>
               <a:rPr lang="en-US" altLang="ko-KR" sz="1050" dirty="0"/>
-              <a:t>v2</a:t>
+              <a:t>1-2</a:t>
             </a:r>
             <a:endParaRPr lang="ko-KR" altLang="en-US" sz="1050" dirty="0"/>
           </a:p>
@@ -11104,14 +11120,14 @@
             <a:pPr algn="ctr"/>
             <a:r>
               <a:rPr lang="en-US" altLang="ko-KR" sz="1050" dirty="0"/>
-              <a:t>racos.html</a:t>
+              <a:t>racos.txt</a:t>
             </a:r>
           </a:p>
           <a:p>
             <a:pPr algn="ctr"/>
             <a:r>
               <a:rPr lang="en-US" altLang="ko-KR" sz="1050" dirty="0"/>
-              <a:t>v1</a:t>
+              <a:t>1-1</a:t>
             </a:r>
             <a:endParaRPr lang="ko-KR" altLang="en-US" sz="1050" dirty="0"/>
           </a:p>
@@ -11159,14 +11175,14 @@
             <a:pPr algn="ctr"/>
             <a:r>
               <a:rPr lang="en-US" altLang="ko-KR" sz="1050" dirty="0"/>
-              <a:t>racos.html</a:t>
+              <a:t>racos.txt</a:t>
             </a:r>
           </a:p>
           <a:p>
             <a:pPr algn="ctr"/>
             <a:r>
               <a:rPr lang="en-US" altLang="ko-KR" sz="1050" dirty="0"/>
-              <a:t>v2</a:t>
+              <a:t>1-2</a:t>
             </a:r>
             <a:endParaRPr lang="ko-KR" altLang="en-US" sz="1050" dirty="0"/>
           </a:p>
@@ -11214,14 +11230,14 @@
             <a:pPr algn="ctr"/>
             <a:r>
               <a:rPr lang="en-US" altLang="ko-KR" sz="1050" dirty="0"/>
-              <a:t>racos.html</a:t>
+              <a:t>racos.txt</a:t>
             </a:r>
           </a:p>
           <a:p>
             <a:pPr algn="ctr"/>
             <a:r>
               <a:rPr lang="en-US" altLang="ko-KR" sz="1050" dirty="0"/>
-              <a:t>v3</a:t>
+              <a:t>1-3</a:t>
             </a:r>
             <a:endParaRPr lang="ko-KR" altLang="en-US" sz="1050" dirty="0"/>
           </a:p>
@@ -12361,14 +12377,14 @@
             <a:pPr algn="ctr"/>
             <a:r>
               <a:rPr lang="en-US" altLang="ko-KR" sz="1050" dirty="0"/>
-              <a:t>racos.html</a:t>
+              <a:t>racos.txt</a:t>
             </a:r>
           </a:p>
           <a:p>
             <a:pPr algn="ctr"/>
             <a:r>
               <a:rPr lang="en-US" altLang="ko-KR" sz="1050" dirty="0"/>
-              <a:t>v1</a:t>
+              <a:t>1-1</a:t>
             </a:r>
             <a:endParaRPr lang="ko-KR" altLang="en-US" sz="1050" dirty="0"/>
           </a:p>
@@ -12507,7 +12523,7 @@
                   <a:srgbClr val="FFFF00"/>
                 </a:solidFill>
               </a:rPr>
-              <a:t>: master&gt;  </a:t>
+              <a:t>: main&gt;  </a:t>
             </a:r>
             <a:r>
               <a:rPr lang="en-US" altLang="ko-KR" sz="1200" dirty="0"/>
@@ -12558,7 +12574,7 @@
                   <a:srgbClr val="FFFF00"/>
                 </a:solidFill>
               </a:rPr>
-              <a:t>push  origin  master   </a:t>
+              <a:t>push  origin  main   </a:t>
             </a:r>
             <a:r>
               <a:rPr lang="en-US" altLang="ko-KR" sz="1200" dirty="0"/>
@@ -12839,7 +12855,7 @@
                   <a:srgbClr val="FFFF00"/>
                 </a:solidFill>
               </a:rPr>
-              <a:t>pull  origin  master   </a:t>
+              <a:t>pull  origin  main   </a:t>
             </a:r>
             <a:r>
               <a:rPr lang="en-US" altLang="ko-KR" sz="1200" dirty="0"/>
@@ -13288,8 +13304,8 @@
               <a:t>명령으로 원격저장소의 </a:t>
             </a:r>
             <a:r>
-              <a:rPr lang="en-US" altLang="ko-KR" sz="1400" dirty="0" err="1"/>
-              <a:t>commi</a:t>
+              <a:rPr lang="en-US" altLang="ko-KR" sz="1400" dirty="0"/>
+              <a:t>commit</a:t>
             </a:r>
             <a:r>
               <a:rPr lang="ko-KR" altLang="en-US" sz="1400" dirty="0"/>
@@ -13367,8 +13383,79 @@
               <a:t>이 경우 </a:t>
             </a:r>
             <a:r>
-              <a:rPr lang="en-US" altLang="ko-KR" sz="1200" dirty="0" err="1"/>
-              <a:t>url</a:t>
+              <a:rPr lang="en-US" altLang="ko-KR" sz="1200" dirty="0"/>
+              <a:t>URL </a:t>
+            </a:r>
+            <a:r>
+              <a:rPr lang="ko-KR" altLang="en-US" sz="1200" dirty="0"/>
+              <a:t>쓰지 않고 </a:t>
+            </a:r>
+            <a:r>
+              <a:rPr lang="en-US" altLang="ko-KR" sz="1200" dirty="0"/>
+              <a:t>“</a:t>
+            </a:r>
+            <a:r>
+              <a:rPr lang="ko-KR" altLang="en-US" sz="1200" dirty="0"/>
+              <a:t>원격저장소 이름</a:t>
+            </a:r>
+            <a:r>
+              <a:rPr lang="en-US" altLang="ko-KR" sz="1200" dirty="0"/>
+              <a:t>”</a:t>
+            </a:r>
+            <a:r>
+              <a:rPr lang="ko-KR" altLang="en-US" sz="1200" dirty="0"/>
+              <a:t> 써도 된다</a:t>
+            </a:r>
+            <a:r>
+              <a:rPr lang="en-US" altLang="ko-KR" sz="1200" dirty="0"/>
+              <a:t>. ($ git fetch origin)</a:t>
+            </a:r>
+          </a:p>
+          <a:p>
+            <a:pPr marL="0" indent="0">
+              <a:buNone/>
+            </a:pPr>
+            <a:r>
+              <a:rPr lang="en-US" altLang="ko-KR" sz="1200" b="1" dirty="0">
+                <a:solidFill>
+                  <a:srgbClr val="FFFF00"/>
+                </a:solidFill>
+              </a:rPr>
+              <a:t>$ git  log                </a:t>
+            </a:r>
+            <a:r>
+              <a:rPr lang="en-US" altLang="ko-KR" sz="1200" dirty="0"/>
+              <a:t>// HEAD -&gt; main, origin/main</a:t>
+            </a:r>
+            <a:r>
+              <a:rPr lang="ko-KR" altLang="en-US" sz="1200" dirty="0"/>
+              <a:t> 있는지 확인하여 </a:t>
+            </a:r>
+            <a:endParaRPr lang="en-US" altLang="ko-KR" sz="1200" dirty="0"/>
+          </a:p>
+          <a:p>
+            <a:pPr marL="0" indent="0">
+              <a:buNone/>
+            </a:pPr>
+            <a:r>
+              <a:rPr lang="en-US" altLang="ko-KR" sz="1200" b="1" dirty="0">
+                <a:solidFill>
+                  <a:srgbClr val="FFFF00"/>
+                </a:solidFill>
+              </a:rPr>
+              <a:t>$ git  status           </a:t>
+            </a:r>
+            <a:r>
+              <a:rPr lang="en-US" altLang="ko-KR" sz="1200" b="1" dirty="0"/>
+              <a:t> </a:t>
+            </a:r>
+            <a:r>
+              <a:rPr lang="en-US" altLang="ko-KR" sz="1200" dirty="0"/>
+              <a:t>// </a:t>
+            </a:r>
+            <a:r>
+              <a:rPr lang="ko-KR" altLang="en-US" sz="1200" dirty="0"/>
+              <a:t>로컬</a:t>
             </a:r>
             <a:r>
               <a:rPr lang="en-US" altLang="ko-KR" sz="1200" dirty="0"/>
@@ -13376,98 +13463,19 @@
             </a:r>
             <a:r>
               <a:rPr lang="ko-KR" altLang="en-US" sz="1200" dirty="0"/>
-              <a:t>쓰지 않고 </a:t>
+              <a:t>저장소의 </a:t>
             </a:r>
             <a:r>
               <a:rPr lang="en-US" altLang="ko-KR" sz="1200" dirty="0"/>
-              <a:t>“</a:t>
-            </a:r>
-            <a:r>
-              <a:rPr lang="ko-KR" altLang="en-US" sz="1200" dirty="0"/>
-              <a:t>원격저장소 이름</a:t>
-            </a:r>
-            <a:r>
-              <a:rPr lang="en-US" altLang="ko-KR" sz="1200" dirty="0"/>
-              <a:t>”</a:t>
-            </a:r>
-            <a:r>
-              <a:rPr lang="ko-KR" altLang="en-US" sz="1200" dirty="0"/>
-              <a:t> 써도 된다</a:t>
-            </a:r>
-            <a:r>
-              <a:rPr lang="en-US" altLang="ko-KR" sz="1200" dirty="0"/>
-              <a:t>. ($ git fetch origin)</a:t>
-            </a:r>
-          </a:p>
-          <a:p>
-            <a:pPr marL="0" indent="0">
-              <a:buNone/>
-            </a:pPr>
-            <a:r>
-              <a:rPr lang="en-US" altLang="ko-KR" sz="1200" b="1" dirty="0">
-                <a:solidFill>
-                  <a:srgbClr val="FFFF00"/>
-                </a:solidFill>
-              </a:rPr>
-              <a:t>$ git  log                </a:t>
-            </a:r>
-            <a:r>
-              <a:rPr lang="en-US" altLang="ko-KR" sz="1200" dirty="0"/>
-              <a:t>// HEAD -&gt; master, origin/</a:t>
-            </a:r>
-            <a:r>
-              <a:rPr lang="en-US" altLang="ko-KR" sz="1200" dirty="0" err="1"/>
-              <a:t>maste</a:t>
-            </a:r>
-            <a:r>
-              <a:rPr lang="ko-KR" altLang="en-US" sz="1200" dirty="0"/>
-              <a:t>가 있는지 확인하여 </a:t>
-            </a:r>
-            <a:endParaRPr lang="en-US" altLang="ko-KR" sz="1200" dirty="0"/>
-          </a:p>
-          <a:p>
-            <a:pPr marL="0" indent="0">
-              <a:buNone/>
-            </a:pPr>
-            <a:r>
-              <a:rPr lang="en-US" altLang="ko-KR" sz="1200" b="1" dirty="0">
-                <a:solidFill>
-                  <a:srgbClr val="FFFF00"/>
-                </a:solidFill>
-              </a:rPr>
-              <a:t>$ git  status           </a:t>
-            </a:r>
-            <a:r>
-              <a:rPr lang="en-US" altLang="ko-KR" sz="1200" b="1" dirty="0"/>
-              <a:t> </a:t>
-            </a:r>
-            <a:r>
-              <a:rPr lang="en-US" altLang="ko-KR" sz="1200" dirty="0"/>
-              <a:t>// </a:t>
-            </a:r>
-            <a:r>
-              <a:rPr lang="ko-KR" altLang="en-US" sz="1200" dirty="0"/>
-              <a:t>로컬</a:t>
-            </a:r>
-            <a:r>
-              <a:rPr lang="en-US" altLang="ko-KR" sz="1200" dirty="0"/>
-              <a:t> </a:t>
-            </a:r>
-            <a:r>
-              <a:rPr lang="ko-KR" altLang="en-US" sz="1200" dirty="0"/>
-              <a:t>저장소의 </a:t>
-            </a:r>
-            <a:r>
-              <a:rPr lang="en-US" altLang="ko-KR" sz="1200" dirty="0" err="1"/>
-              <a:t>commi</a:t>
+              <a:t>commit</a:t>
             </a:r>
             <a:r>
               <a:rPr lang="ko-KR" altLang="en-US" sz="1200" dirty="0"/>
               <a:t>과 원격저장소의 </a:t>
             </a:r>
             <a:r>
-              <a:rPr lang="en-US" altLang="ko-KR" sz="1200" dirty="0" err="1"/>
-              <a:t>commi</a:t>
+              <a:rPr lang="en-US" altLang="ko-KR" sz="1200" dirty="0"/>
+              <a:t>commit</a:t>
             </a:r>
             <a:r>
               <a:rPr lang="ko-KR" altLang="en-US" sz="1200" dirty="0"/>
@@ -13749,7 +13757,7 @@
             </a:r>
             <a:r>
               <a:rPr lang="en-US" altLang="ko-KR" sz="1400" b="1" dirty="0"/>
-              <a:t>master Branch</a:t>
+              <a:t>main Branch</a:t>
             </a:r>
             <a:r>
               <a:rPr lang="ko-KR" altLang="en-US" sz="1400" b="1" dirty="0"/>
@@ -13871,7 +13879,7 @@
             </a:r>
             <a:r>
               <a:rPr lang="en-US" altLang="ko-KR" sz="1400" b="1" dirty="0"/>
-              <a:t>racos.html </a:t>
+              <a:t>racos.txt </a:t>
             </a:r>
             <a:r>
               <a:rPr lang="ko-KR" altLang="en-US" sz="1400" b="1" dirty="0"/>
@@ -13879,7 +13887,7 @@
             </a:r>
             <a:r>
               <a:rPr lang="en-US" altLang="ko-KR" sz="1400" b="1" dirty="0"/>
-              <a:t>“v4”</a:t>
+              <a:t>“1-4”</a:t>
             </a:r>
             <a:r>
               <a:rPr lang="ko-KR" altLang="en-US" sz="1400" b="1" dirty="0"/>
@@ -13912,12 +13920,8 @@
               <a:t> </a:t>
             </a:r>
             <a:r>
-              <a:rPr lang="en-US" altLang="ko-KR" sz="1400" b="1" dirty="0" err="1"/>
-              <a:t>racos.htmL</a:t>
-            </a:r>
-            <a:r>
               <a:rPr lang="en-US" altLang="ko-KR" sz="1400" b="1" dirty="0"/>
-              <a:t>  -&gt;  $ git</a:t>
+              <a:t>racos.txt  -&gt;  $ git</a:t>
             </a:r>
             <a:r>
               <a:rPr lang="ko-KR" altLang="en-US" sz="1400" b="1" dirty="0"/>
@@ -13956,8 +13960,8 @@
               <a:t>에서 </a:t>
             </a:r>
             <a:r>
-              <a:rPr lang="en-US" altLang="ko-KR" sz="1400" b="1" dirty="0" err="1"/>
-              <a:t>commi</a:t>
+              <a:rPr lang="en-US" altLang="ko-KR" sz="1400" b="1" dirty="0"/>
+              <a:t>commit</a:t>
             </a:r>
             <a:r>
               <a:rPr lang="ko-KR" altLang="en-US" sz="1400" b="1" dirty="0"/>
@@ -13965,7 +13969,7 @@
             </a:r>
             <a:r>
               <a:rPr lang="en-US" altLang="ko-KR" sz="1400" b="1" dirty="0"/>
-              <a:t>v4 </a:t>
+              <a:t>1-4 </a:t>
             </a:r>
             <a:r>
               <a:rPr lang="ko-KR" altLang="en-US" sz="1400" b="1" dirty="0"/>
@@ -13973,7 +13977,7 @@
             </a:r>
             <a:r>
               <a:rPr lang="en-US" altLang="ko-KR" sz="1400" b="1" dirty="0"/>
-              <a:t>” -&gt; $ git push origin master</a:t>
+              <a:t>” -&gt; $ git push origin main</a:t>
             </a:r>
           </a:p>
           <a:p>
@@ -14043,7 +14047,7 @@
             </a:pPr>
             <a:r>
               <a:rPr lang="en-US" altLang="ko-KR" sz="1400" b="1" dirty="0"/>
-              <a:t>$ git pull origin master </a:t>
+              <a:t>$ git pull origin main </a:t>
             </a:r>
             <a:r>
               <a:rPr lang="ko-KR" altLang="en-US" sz="1400" b="1" dirty="0"/>
@@ -14077,15 +14081,15 @@
             </a:pPr>
             <a:r>
               <a:rPr lang="en-US" altLang="ko-KR" sz="1400" b="1" dirty="0"/>
-              <a:t>racos.html </a:t>
+              <a:t>racos.txt </a:t>
             </a:r>
             <a:r>
               <a:rPr lang="ko-KR" altLang="en-US" sz="1400" b="1" dirty="0"/>
-              <a:t>파일의 </a:t>
+              <a:t>파일의 첫번재 줄</a:t>
             </a:r>
             <a:r>
               <a:rPr lang="en-US" altLang="ko-KR" sz="1400" b="1" dirty="0"/>
-              <a:t>&lt;title&gt; </a:t>
+              <a:t> </a:t>
             </a:r>
             <a:r>
               <a:rPr lang="ko-KR" altLang="en-US" sz="1400" b="1" dirty="0"/>
@@ -14588,7 +14592,7 @@
             </a:r>
             <a:r>
               <a:rPr lang="en-US" altLang="ko-KR" sz="1400" b="1" dirty="0"/>
-              <a:t>racos.html </a:t>
+              <a:t>racos.txt </a:t>
             </a:r>
             <a:r>
               <a:rPr lang="ko-KR" altLang="en-US" sz="1400" b="1" dirty="0"/>
@@ -14596,7 +14600,7 @@
             </a:r>
             <a:r>
               <a:rPr lang="en-US" altLang="ko-KR" sz="1400" b="1" dirty="0"/>
-              <a:t>“v5”</a:t>
+              <a:t>“1-5”</a:t>
             </a:r>
             <a:r>
               <a:rPr lang="ko-KR" altLang="en-US" sz="1400" b="1" dirty="0"/>
@@ -14629,12 +14633,8 @@
               <a:t> </a:t>
             </a:r>
             <a:r>
-              <a:rPr lang="en-US" altLang="ko-KR" sz="1400" b="1" dirty="0" err="1"/>
-              <a:t>racos.htmL</a:t>
-            </a:r>
-            <a:r>
               <a:rPr lang="en-US" altLang="ko-KR" sz="1400" b="1" dirty="0"/>
-              <a:t>  -&gt;  $ git</a:t>
+              <a:t>racos.txt  -&gt;  $ git</a:t>
             </a:r>
             <a:r>
               <a:rPr lang="ko-KR" altLang="en-US" sz="1400" b="1" dirty="0"/>
@@ -14673,8 +14673,8 @@
               <a:t>에서 </a:t>
             </a:r>
             <a:r>
-              <a:rPr lang="en-US" altLang="ko-KR" sz="1400" b="1" dirty="0" err="1"/>
-              <a:t>commi</a:t>
+              <a:rPr lang="en-US" altLang="ko-KR" sz="1400" b="1" dirty="0"/>
+              <a:t>commit</a:t>
             </a:r>
             <a:r>
               <a:rPr lang="ko-KR" altLang="en-US" sz="1400" b="1" dirty="0"/>
@@ -14682,7 +14682,7 @@
             </a:r>
             <a:r>
               <a:rPr lang="en-US" altLang="ko-KR" sz="1400" b="1" dirty="0"/>
-              <a:t>v5 </a:t>
+              <a:t>1-5 </a:t>
             </a:r>
             <a:r>
               <a:rPr lang="ko-KR" altLang="en-US" sz="1400" b="1" dirty="0"/>
@@ -14690,7 +14690,7 @@
             </a:r>
             <a:r>
               <a:rPr lang="en-US" altLang="ko-KR" sz="1400" b="1" dirty="0"/>
-              <a:t>” -&gt; $ git push origin master</a:t>
+              <a:t>” -&gt; $ git push origin main</a:t>
             </a:r>
           </a:p>
           <a:p>
@@ -14768,7 +14768,7 @@
             </a:r>
             <a:r>
               <a:rPr lang="en-US" altLang="ko-KR" sz="1400" b="1" dirty="0"/>
-              <a:t>racos.html </a:t>
+              <a:t>racos.txt </a:t>
             </a:r>
             <a:r>
               <a:rPr lang="ko-KR" altLang="en-US" sz="1400" b="1" dirty="0"/>
@@ -14776,7 +14776,7 @@
             </a:r>
             <a:r>
               <a:rPr lang="en-US" altLang="ko-KR" sz="1400" b="1" dirty="0"/>
-              <a:t>“v6”</a:t>
+              <a:t>“1-6”</a:t>
             </a:r>
             <a:r>
               <a:rPr lang="ko-KR" altLang="en-US" sz="1400" b="1" dirty="0"/>
@@ -14806,12 +14806,8 @@
               <a:t> </a:t>
             </a:r>
             <a:r>
-              <a:rPr lang="en-US" altLang="ko-KR" sz="1400" b="1" dirty="0" err="1"/>
-              <a:t>racos.htmL</a:t>
-            </a:r>
-            <a:r>
               <a:rPr lang="en-US" altLang="ko-KR" sz="1400" b="1" dirty="0"/>
-              <a:t>  -&gt;  $ git</a:t>
+              <a:t>racos.txt  -&gt;  $ git</a:t>
             </a:r>
             <a:r>
               <a:rPr lang="ko-KR" altLang="en-US" sz="1400" b="1" dirty="0"/>
@@ -14850,8 +14846,8 @@
               <a:t>에서 </a:t>
             </a:r>
             <a:r>
-              <a:rPr lang="en-US" altLang="ko-KR" sz="1400" b="1" dirty="0" err="1"/>
-              <a:t>commi</a:t>
+              <a:rPr lang="en-US" altLang="ko-KR" sz="1400" b="1" dirty="0"/>
+              <a:t>commit</a:t>
             </a:r>
             <a:r>
               <a:rPr lang="ko-KR" altLang="en-US" sz="1400" b="1" dirty="0"/>
@@ -14859,7 +14855,7 @@
             </a:r>
             <a:r>
               <a:rPr lang="en-US" altLang="ko-KR" sz="1400" b="1" dirty="0"/>
-              <a:t>v6 </a:t>
+              <a:t>1-6 </a:t>
             </a:r>
             <a:r>
               <a:rPr lang="ko-KR" altLang="en-US" sz="1400" b="1" dirty="0"/>
@@ -14867,7 +14863,7 @@
             </a:r>
             <a:r>
               <a:rPr lang="en-US" altLang="ko-KR" sz="1400" b="1" dirty="0"/>
-              <a:t>” -&gt; $ git push origin master</a:t>
+              <a:t>” -&gt; $ git push origin main</a:t>
             </a:r>
           </a:p>
           <a:p>
@@ -14891,7 +14887,7 @@
             </a:pPr>
             <a:r>
               <a:rPr lang="en-US" altLang="ko-KR" sz="1400" b="1" dirty="0"/>
-              <a:t>$ git pull origin master </a:t>
+              <a:t>$ git pull origin main </a:t>
             </a:r>
             <a:r>
               <a:rPr lang="ko-KR" altLang="en-US" sz="1400" b="1" dirty="0"/>
@@ -14947,19 +14943,11 @@
             </a:r>
             <a:r>
               <a:rPr lang="en-US" altLang="ko-KR" sz="1400" b="1" dirty="0"/>
-              <a:t>racos.html </a:t>
+              <a:t>racos.txt </a:t>
             </a:r>
             <a:r>
               <a:rPr lang="ko-KR" altLang="en-US" sz="1400" b="1" dirty="0"/>
-              <a:t>파일의 </a:t>
-            </a:r>
-            <a:r>
-              <a:rPr lang="en-US" altLang="ko-KR" sz="1400" b="1" dirty="0"/>
-              <a:t>&lt;title&gt; </a:t>
-            </a:r>
-            <a:r>
-              <a:rPr lang="ko-KR" altLang="en-US" sz="1400" b="1" dirty="0"/>
-              <a:t>부분에 저장되어 있는 내용은 무엇인가</a:t>
+              <a:t>파일의 첫번째 줄 부분에 저장되어 있는 내용은 무엇인가</a:t>
             </a:r>
             <a:r>
               <a:rPr lang="en-US" altLang="ko-KR" sz="1400" b="1" dirty="0"/>
@@ -15992,7 +15980,7 @@
             </a:pPr>
             <a:r>
               <a:rPr lang="en-US" altLang="ko-KR" sz="1400" dirty="0"/>
-              <a:t>‘master’ Branch</a:t>
+              <a:t>‘main’ Branch</a:t>
             </a:r>
           </a:p>
           <a:p>
@@ -16013,7 +16001,7 @@
             </a:r>
             <a:r>
               <a:rPr lang="en-US" altLang="ko-KR" sz="1400" dirty="0"/>
-              <a:t>'master'</a:t>
+              <a:t>‘main'</a:t>
             </a:r>
             <a:r>
               <a:rPr lang="ko-KR" altLang="en-US" sz="1400" dirty="0"/>
@@ -16033,15 +16021,7 @@
             </a:r>
             <a:r>
               <a:rPr lang="ko-KR" altLang="en-US" sz="1400" dirty="0"/>
-              <a:t>이 새로운 저장소에 새로운 파일을 </a:t>
-            </a:r>
-            <a:r>
-              <a:rPr lang="ko-KR" altLang="en-US" sz="1400" dirty="0" err="1"/>
-              <a:t>추가한다거나</a:t>
-            </a:r>
-            <a:r>
-              <a:rPr lang="ko-KR" altLang="en-US" sz="1400" dirty="0"/>
-              <a:t> 추가한 파일의 내용을 변경하여 그 내용을 </a:t>
+              <a:t>이 새로운 저장소에 새로운 파일을 추가 한다거나 추가한 파일의 내용을 변경하여 그 내용을 </a:t>
             </a:r>
             <a:r>
               <a:rPr lang="en-US" altLang="ko-KR" sz="1400" dirty="0"/>
@@ -16053,7 +16033,7 @@
             </a:r>
             <a:r>
               <a:rPr lang="en-US" altLang="ko-KR" sz="1400" dirty="0"/>
-              <a:t>'master' </a:t>
+              <a:t>‘main' </a:t>
             </a:r>
             <a:r>
               <a:rPr lang="ko-KR" altLang="en-US" sz="1400" dirty="0"/>
@@ -16078,7 +16058,7 @@
             </a:pPr>
             <a:r>
               <a:rPr lang="en-US" altLang="ko-KR" sz="1400" dirty="0"/>
-              <a:t>'master'</a:t>
+              <a:t>‘main'</a:t>
             </a:r>
             <a:r>
               <a:rPr lang="ko-KR" altLang="en-US" sz="1400" dirty="0"/>
@@ -16134,7 +16114,7 @@
             </a:r>
             <a:r>
               <a:rPr lang="en-US" altLang="ko-KR" sz="1400" dirty="0"/>
-              <a:t>'master’  Branch</a:t>
+              <a:t>‘main’  Branch</a:t>
             </a:r>
             <a:r>
               <a:rPr lang="ko-KR" altLang="en-US" sz="1400" dirty="0"/>
@@ -16432,7 +16412,7 @@
             </a:r>
             <a:r>
               <a:rPr lang="en-US" altLang="ko-KR" sz="1500" dirty="0"/>
-              <a:t>'master' Branch</a:t>
+              <a:t>‘main' Branch</a:t>
             </a:r>
             <a:r>
               <a:rPr lang="ko-KR" altLang="en-US" sz="1500" dirty="0"/>
@@ -20135,9 +20115,51 @@
             <a:pPr marL="0" indent="0">
               <a:buNone/>
             </a:pPr>
-            <a:endParaRPr lang="en-US" altLang="ko-KR" sz="1200" dirty="0">
-              <a:sym typeface="Wingdings" panose="05000000000000000000" pitchFamily="2" charset="2"/>
-            </a:endParaRPr>
+            <a:r>
+              <a:rPr lang="en-US" altLang="ko-KR" sz="1200" dirty="0">
+                <a:solidFill>
+                  <a:srgbClr val="FFFF00"/>
+                </a:solidFill>
+                <a:sym typeface="Wingdings" panose="05000000000000000000" pitchFamily="2" charset="2"/>
+              </a:rPr>
+              <a:t>$ git</a:t>
+            </a:r>
+            <a:r>
+              <a:rPr lang="ko-KR" altLang="en-US" sz="1200" dirty="0">
+                <a:solidFill>
+                  <a:srgbClr val="FFFF00"/>
+                </a:solidFill>
+                <a:sym typeface="Wingdings" panose="05000000000000000000" pitchFamily="2" charset="2"/>
+              </a:rPr>
+              <a:t>  </a:t>
+            </a:r>
+            <a:r>
+              <a:rPr lang="en-US" altLang="ko-KR" sz="1200" dirty="0">
+                <a:solidFill>
+                  <a:srgbClr val="FFFF00"/>
+                </a:solidFill>
+                <a:sym typeface="Wingdings" panose="05000000000000000000" pitchFamily="2" charset="2"/>
+              </a:rPr>
+              <a:t>status</a:t>
+            </a:r>
+            <a:r>
+              <a:rPr lang="ko-KR" altLang="en-US" sz="1200" dirty="0">
+                <a:solidFill>
+                  <a:srgbClr val="FFFF00"/>
+                </a:solidFill>
+                <a:sym typeface="Wingdings" panose="05000000000000000000" pitchFamily="2" charset="2"/>
+              </a:rPr>
+              <a:t>  </a:t>
+            </a:r>
+            <a:r>
+              <a:rPr lang="en-US" altLang="ko-KR" sz="1200" dirty="0">
+                <a:solidFill>
+                  <a:srgbClr val="FFFF00"/>
+                </a:solidFill>
+                <a:sym typeface="Wingdings" panose="05000000000000000000" pitchFamily="2" charset="2"/>
+              </a:rPr>
+              <a:t>--short</a:t>
+            </a:r>
           </a:p>
           <a:p>
             <a:pPr marL="0" indent="0">
@@ -20160,56 +20182,6 @@
                 <a:sym typeface="Wingdings" panose="05000000000000000000" pitchFamily="2" charset="2"/>
               </a:rPr>
               <a:t>Staged (A: Added,  M: Modified, R : Renamed, C: Copied, D: Deleted, U: Updated but unmerged )</a:t>
-            </a:r>
-          </a:p>
-          <a:p>
-            <a:pPr marL="0" indent="0">
-              <a:buNone/>
-            </a:pPr>
-            <a:r>
-              <a:rPr lang="en-US" altLang="ko-KR" sz="1200" dirty="0">
-                <a:solidFill>
-                  <a:srgbClr val="FFFF00"/>
-                </a:solidFill>
-                <a:sym typeface="Wingdings" panose="05000000000000000000" pitchFamily="2" charset="2"/>
-              </a:rPr>
-              <a:t>$ git</a:t>
-            </a:r>
-            <a:r>
-              <a:rPr lang="ko-KR" altLang="en-US" sz="1200" dirty="0">
-                <a:solidFill>
-                  <a:srgbClr val="FFFF00"/>
-                </a:solidFill>
-                <a:sym typeface="Wingdings" panose="05000000000000000000" pitchFamily="2" charset="2"/>
-              </a:rPr>
-              <a:t>  </a:t>
-            </a:r>
-            <a:r>
-              <a:rPr lang="en-US" altLang="ko-KR" sz="1200" dirty="0">
-                <a:solidFill>
-                  <a:srgbClr val="FFFF00"/>
-                </a:solidFill>
-                <a:sym typeface="Wingdings" panose="05000000000000000000" pitchFamily="2" charset="2"/>
-              </a:rPr>
-              <a:t>status</a:t>
-            </a:r>
-            <a:r>
-              <a:rPr lang="ko-KR" altLang="en-US" sz="1200" dirty="0">
-                <a:solidFill>
-                  <a:srgbClr val="FFFF00"/>
-                </a:solidFill>
-                <a:sym typeface="Wingdings" panose="05000000000000000000" pitchFamily="2" charset="2"/>
-              </a:rPr>
-              <a:t>  </a:t>
-            </a:r>
-            <a:r>
-              <a:rPr lang="en-US" altLang="ko-KR" sz="1200" dirty="0">
-                <a:solidFill>
-                  <a:srgbClr val="FFFF00"/>
-                </a:solidFill>
-                <a:sym typeface="Wingdings" panose="05000000000000000000" pitchFamily="2" charset="2"/>
-              </a:rPr>
-              <a:t>--short</a:t>
             </a:r>
           </a:p>
           <a:p>
@@ -20296,36 +20268,6 @@
               <a:rPr lang="en-US" altLang="ko-KR" sz="1200" dirty="0"/>
               <a:t>!!!</a:t>
             </a:r>
-          </a:p>
-          <a:p>
-            <a:pPr marL="0" indent="0">
-              <a:buNone/>
-            </a:pPr>
-            <a:r>
-              <a:rPr lang="en-US" altLang="ko-KR" sz="1200" b="1" dirty="0">
-                <a:solidFill>
-                  <a:srgbClr val="FFFF00"/>
-                </a:solidFill>
-              </a:rPr>
-              <a:t>$ git  diff  (--staged)  </a:t>
-            </a:r>
-            <a:r>
-              <a:rPr lang="en-US" altLang="ko-KR" sz="1200" dirty="0"/>
-              <a:t>// </a:t>
-            </a:r>
-            <a:r>
-              <a:rPr lang="en-US" altLang="ko-KR" sz="1200" dirty="0" err="1"/>
-              <a:t>unstaged</a:t>
-            </a:r>
-            <a:r>
-              <a:rPr lang="en-US" altLang="ko-KR" sz="1200" dirty="0"/>
-              <a:t> </a:t>
-            </a:r>
-            <a:r>
-              <a:rPr lang="ko-KR" altLang="en-US" sz="1200" dirty="0"/>
-              <a:t>상태인 것들만 보여줌</a:t>
-            </a:r>
-            <a:endParaRPr lang="en-US" altLang="ko-KR" sz="1200" dirty="0"/>
           </a:p>
           <a:p>
             <a:pPr marL="0" indent="0">
@@ -21412,7 +21354,7 @@
         </p:nvGrpSpPr>
         <p:grpSpPr>
           <a:xfrm>
-            <a:off x="8194840" y="1958453"/>
+            <a:off x="10739231" y="2102094"/>
             <a:ext cx="969836" cy="1326906"/>
             <a:chOff x="8985380" y="2211355"/>
             <a:chExt cx="1287624" cy="1467849"/>
@@ -22402,14 +22344,14 @@
           <a:p>
             <a:pPr algn="ctr"/>
             <a:r>
-              <a:rPr lang="en-US" altLang="ko-KR" b="1" dirty="0">
+              <a:rPr lang="en-US" altLang="ko-KR" sz="1400" b="1" dirty="0">
                 <a:solidFill>
                   <a:srgbClr val="0070C0"/>
                 </a:solidFill>
               </a:rPr>
-              <a:t>HEAD</a:t>
-            </a:r>
-            <a:endParaRPr lang="ko-KR" altLang="en-US" b="1" dirty="0">
+              <a:t>Local Repository</a:t>
+            </a:r>
+            <a:endParaRPr lang="ko-KR" altLang="en-US" sz="1400" b="1" dirty="0">
               <a:solidFill>
                 <a:srgbClr val="0070C0"/>
               </a:solidFill>
@@ -22761,7 +22703,7 @@
         </p:nvGrpSpPr>
         <p:grpSpPr>
           <a:xfrm>
-            <a:off x="8194840" y="1958453"/>
+            <a:off x="10704389" y="2028760"/>
             <a:ext cx="969836" cy="1326906"/>
             <a:chOff x="8985380" y="2211355"/>
             <a:chExt cx="1287624" cy="1467849"/>
@@ -23095,7 +23037,7 @@
         </p:nvSpPr>
         <p:spPr>
           <a:xfrm>
-            <a:off x="8282201" y="3490634"/>
+            <a:off x="10791750" y="3560941"/>
             <a:ext cx="914324" cy="598143"/>
           </a:xfrm>
           <a:prstGeom prst="foldedCorner">

--- a/Tools/git/SW 형상 관리.pptx
+++ b/Tools/git/SW 형상 관리.pptx
@@ -222,7 +222,7 @@
           <a:p>
             <a:fld id="{A8024B54-3D20-42B6-A112-BFED72D3BCE0}" type="datetimeFigureOut">
               <a:rPr lang="ko-KR" altLang="en-US" smtClean="0"/>
-              <a:t>2024-06-24 - Mon</a:t>
+              <a:t>2024. 6. 25.</a:t>
             </a:fld>
             <a:endParaRPr lang="ko-KR" altLang="en-US"/>
           </a:p>
@@ -843,7 +843,7 @@
           <a:p>
             <a:fld id="{4AAD347D-5ACD-4C99-B74B-A9C85AD731AF}" type="datetimeFigureOut">
               <a:rPr lang="en-US" dirty="0"/>
-              <a:t>6/24/2024</a:t>
+              <a:t>6/25/24</a:t>
             </a:fld>
             <a:endParaRPr lang="en-US" dirty="0"/>
           </a:p>
@@ -1113,7 +1113,7 @@
           <a:p>
             <a:fld id="{4509A250-FF31-4206-8172-F9D3106AACB1}" type="datetimeFigureOut">
               <a:rPr lang="en-US" dirty="0"/>
-              <a:t>6/24/2024</a:t>
+              <a:t>6/25/24</a:t>
             </a:fld>
             <a:endParaRPr lang="en-US" dirty="0"/>
           </a:p>
@@ -1302,7 +1302,7 @@
           <a:p>
             <a:fld id="{4509A250-FF31-4206-8172-F9D3106AACB1}" type="datetimeFigureOut">
               <a:rPr lang="en-US" dirty="0"/>
-              <a:t>6/24/2024</a:t>
+              <a:t>6/25/24</a:t>
             </a:fld>
             <a:endParaRPr lang="en-US" dirty="0"/>
           </a:p>
@@ -1570,7 +1570,7 @@
           <a:p>
             <a:fld id="{4509A250-FF31-4206-8172-F9D3106AACB1}" type="datetimeFigureOut">
               <a:rPr lang="en-US" dirty="0"/>
-              <a:t>6/24/2024</a:t>
+              <a:t>6/25/24</a:t>
             </a:fld>
             <a:endParaRPr lang="en-US" dirty="0"/>
           </a:p>
@@ -1906,7 +1906,7 @@
           <a:p>
             <a:fld id="{4509A250-FF31-4206-8172-F9D3106AACB1}" type="datetimeFigureOut">
               <a:rPr lang="en-US" dirty="0"/>
-              <a:t>6/24/2024</a:t>
+              <a:t>6/25/24</a:t>
             </a:fld>
             <a:endParaRPr lang="en-US" dirty="0"/>
           </a:p>
@@ -2524,7 +2524,7 @@
           <a:p>
             <a:fld id="{4509A250-FF31-4206-8172-F9D3106AACB1}" type="datetimeFigureOut">
               <a:rPr lang="en-US" dirty="0"/>
-              <a:t>6/24/2024</a:t>
+              <a:t>6/25/24</a:t>
             </a:fld>
             <a:endParaRPr lang="en-US" dirty="0"/>
           </a:p>
@@ -3379,7 +3379,7 @@
           <a:p>
             <a:fld id="{4509A250-FF31-4206-8172-F9D3106AACB1}" type="datetimeFigureOut">
               <a:rPr lang="en-US" dirty="0"/>
-              <a:t>6/24/2024</a:t>
+              <a:t>6/25/24</a:t>
             </a:fld>
             <a:endParaRPr lang="en-US" dirty="0"/>
           </a:p>
@@ -3544,7 +3544,7 @@
           <a:p>
             <a:fld id="{4509A250-FF31-4206-8172-F9D3106AACB1}" type="datetimeFigureOut">
               <a:rPr lang="en-US" dirty="0"/>
-              <a:t>6/24/2024</a:t>
+              <a:t>6/25/24</a:t>
             </a:fld>
             <a:endParaRPr lang="en-US" dirty="0"/>
           </a:p>
@@ -3719,7 +3719,7 @@
           <a:p>
             <a:fld id="{4509A250-FF31-4206-8172-F9D3106AACB1}" type="datetimeFigureOut">
               <a:rPr lang="en-US" dirty="0"/>
-              <a:t>6/24/2024</a:t>
+              <a:t>6/25/24</a:t>
             </a:fld>
             <a:endParaRPr lang="en-US" dirty="0"/>
           </a:p>
@@ -3884,7 +3884,7 @@
           <a:p>
             <a:fld id="{4509A250-FF31-4206-8172-F9D3106AACB1}" type="datetimeFigureOut">
               <a:rPr lang="en-US" dirty="0"/>
-              <a:t>6/24/2024</a:t>
+              <a:t>6/25/24</a:t>
             </a:fld>
             <a:endParaRPr lang="en-US" dirty="0"/>
           </a:p>
@@ -4126,7 +4126,7 @@
           <a:p>
             <a:fld id="{9796027F-7875-4030-9381-8BD8C4F21935}" type="datetimeFigureOut">
               <a:rPr lang="en-US" dirty="0"/>
-              <a:t>6/24/2024</a:t>
+              <a:t>6/25/24</a:t>
             </a:fld>
             <a:endParaRPr lang="en-US" dirty="0"/>
           </a:p>
@@ -4413,7 +4413,7 @@
           <a:p>
             <a:fld id="{9796027F-7875-4030-9381-8BD8C4F21935}" type="datetimeFigureOut">
               <a:rPr lang="en-US" dirty="0"/>
-              <a:t>6/24/2024</a:t>
+              <a:t>6/25/24</a:t>
             </a:fld>
             <a:endParaRPr lang="en-US" dirty="0"/>
           </a:p>
@@ -4852,7 +4852,7 @@
           <a:p>
             <a:fld id="{9796027F-7875-4030-9381-8BD8C4F21935}" type="datetimeFigureOut">
               <a:rPr lang="en-US" dirty="0"/>
-              <a:t>6/24/2024</a:t>
+              <a:t>6/25/24</a:t>
             </a:fld>
             <a:endParaRPr lang="en-US" dirty="0"/>
           </a:p>
@@ -4965,7 +4965,7 @@
           <a:p>
             <a:fld id="{4509A250-FF31-4206-8172-F9D3106AACB1}" type="datetimeFigureOut">
               <a:rPr lang="en-US" dirty="0"/>
-              <a:t>6/24/2024</a:t>
+              <a:t>6/25/24</a:t>
             </a:fld>
             <a:endParaRPr lang="en-US" dirty="0"/>
           </a:p>
@@ -5055,7 +5055,7 @@
           <a:p>
             <a:fld id="{4509A250-FF31-4206-8172-F9D3106AACB1}" type="datetimeFigureOut">
               <a:rPr lang="en-US" dirty="0"/>
-              <a:t>6/24/2024</a:t>
+              <a:t>6/25/24</a:t>
             </a:fld>
             <a:endParaRPr lang="en-US" dirty="0"/>
           </a:p>
@@ -5329,7 +5329,7 @@
           <a:p>
             <a:fld id="{4509A250-FF31-4206-8172-F9D3106AACB1}" type="datetimeFigureOut">
               <a:rPr lang="en-US" dirty="0"/>
-              <a:t>6/24/2024</a:t>
+              <a:t>6/25/24</a:t>
             </a:fld>
             <a:endParaRPr lang="en-US" dirty="0"/>
           </a:p>
@@ -5599,7 +5599,7 @@
           <a:p>
             <a:fld id="{4509A250-FF31-4206-8172-F9D3106AACB1}" type="datetimeFigureOut">
               <a:rPr lang="en-US" dirty="0"/>
-              <a:t>6/24/2024</a:t>
+              <a:t>6/25/24</a:t>
             </a:fld>
             <a:endParaRPr lang="en-US" dirty="0"/>
           </a:p>
@@ -6023,7 +6023,7 @@
           <a:p>
             <a:fld id="{4AAD347D-5ACD-4C99-B74B-A9C85AD731AF}" type="datetimeFigureOut">
               <a:rPr lang="en-US" dirty="0"/>
-              <a:t>6/24/2024</a:t>
+              <a:t>6/25/24</a:t>
             </a:fld>
             <a:endParaRPr lang="en-US" dirty="0"/>
           </a:p>
@@ -17325,7 +17325,7 @@
 </file>
 
 <file path=ppt/slides/slide3.xml><?xml version="1.0" encoding="utf-8"?>
-<p:sld xmlns:a="http://schemas.openxmlformats.org/drawingml/2006/main" xmlns:r="http://schemas.openxmlformats.org/officeDocument/2006/relationships" xmlns:p="http://schemas.openxmlformats.org/presentationml/2006/main" show="0">
+<p:sld xmlns:a="http://schemas.openxmlformats.org/drawingml/2006/main" xmlns:r="http://schemas.openxmlformats.org/officeDocument/2006/relationships" xmlns:p="http://schemas.openxmlformats.org/presentationml/2006/main">
   <p:cSld>
     <p:spTree>
       <p:nvGrpSpPr>
@@ -20010,13 +20010,13 @@
             </a:r>
             <a:r>
               <a:rPr lang="en-US" altLang="ko-KR" sz="1200" dirty="0"/>
-              <a:t>  Staged File  </a:t>
+              <a:t>  Tracked(Staged File  </a:t>
             </a:r>
             <a:r>
               <a:rPr lang="en-US" altLang="ko-KR" sz="1200" dirty="0">
                 <a:sym typeface="Wingdings" panose="05000000000000000000" pitchFamily="2" charset="2"/>
               </a:rPr>
-              <a:t> </a:t>
+              <a:t> Committed File)</a:t>
             </a:r>
           </a:p>
           <a:p>
@@ -20262,11 +20262,88 @@
             </a:r>
             <a:r>
               <a:rPr lang="ko-KR" altLang="en-US" sz="1200" dirty="0"/>
-              <a:t>주의</a:t>
+              <a:t>주의 </a:t>
             </a:r>
             <a:r>
               <a:rPr lang="en-US" altLang="ko-KR" sz="1200" dirty="0"/>
               <a:t>!!!</a:t>
+            </a:r>
+          </a:p>
+          <a:p>
+            <a:pPr marL="0" indent="0">
+              <a:buNone/>
+            </a:pPr>
+            <a:r>
+              <a:rPr lang="en-US" altLang="ko-KR" sz="1200" b="1" dirty="0">
+                <a:solidFill>
+                  <a:srgbClr val="FFFF00"/>
+                </a:solidFill>
+              </a:rPr>
+              <a:t>$ git  rm  --cached  -r  *  </a:t>
+            </a:r>
+            <a:r>
+              <a:rPr lang="en-US" altLang="ko-KR" sz="1200" b="1" dirty="0"/>
+              <a:t>//</a:t>
+            </a:r>
+            <a:r>
+              <a:rPr lang="en-US" altLang="ko-KR" sz="1200" dirty="0"/>
+              <a:t> Staged</a:t>
+            </a:r>
+            <a:r>
+              <a:rPr lang="ko-KR" altLang="en-US" sz="1200" dirty="0"/>
+              <a:t> 된</a:t>
+            </a:r>
+            <a:r>
+              <a:rPr lang="en-US" altLang="ko-KR" sz="1200" dirty="0"/>
+              <a:t>(add</a:t>
+            </a:r>
+            <a:r>
+              <a:rPr lang="ko-KR" altLang="en-US" sz="1200" dirty="0"/>
+              <a:t> 된</a:t>
+            </a:r>
+            <a:r>
+              <a:rPr lang="en-US" altLang="ko-KR" sz="1200" dirty="0"/>
+              <a:t>)</a:t>
+            </a:r>
+            <a:r>
+              <a:rPr lang="ko-KR" altLang="en-US" sz="1200" dirty="0"/>
+              <a:t> 파일을 취소</a:t>
+            </a:r>
+            <a:r>
+              <a:rPr lang="en-US" altLang="ko-KR" sz="1200" dirty="0"/>
+              <a:t>,</a:t>
+            </a:r>
+            <a:r>
+              <a:rPr lang="ko-KR" altLang="en-US" sz="1200" dirty="0"/>
+              <a:t> 즉 </a:t>
+            </a:r>
+            <a:r>
+              <a:rPr lang="en-US" altLang="ko-KR" sz="1200" dirty="0"/>
+              <a:t>git add</a:t>
+            </a:r>
+            <a:r>
+              <a:rPr lang="ko-KR" altLang="en-US" sz="1200" dirty="0"/>
+              <a:t> 명령을 취소하는 명령 </a:t>
+            </a:r>
+            <a:r>
+              <a:rPr lang="en-US" altLang="ko-KR" sz="1200" dirty="0"/>
+              <a:t>(-r</a:t>
+            </a:r>
+            <a:r>
+              <a:rPr lang="ko-KR" altLang="en-US" sz="1200" dirty="0"/>
+              <a:t> 옵션은 서브</a:t>
+            </a:r>
+            <a:r>
+              <a:rPr lang="en-US" altLang="ko-KR" sz="1200" dirty="0"/>
+              <a:t> </a:t>
+            </a:r>
+            <a:r>
+              <a:rPr lang="ko-KR" altLang="en-US" sz="1200" dirty="0"/>
+              <a:t>디렉토리까지 적용의 의미</a:t>
+            </a:r>
+            <a:r>
+              <a:rPr lang="en-US" altLang="ko-KR" sz="1200" dirty="0"/>
+              <a:t>)</a:t>
             </a:r>
           </a:p>
           <a:p>
@@ -20574,7 +20651,7 @@
                   <a:srgbClr val="FFFF00"/>
                 </a:solidFill>
               </a:rPr>
-              <a:t>–A </a:t>
+              <a:t>–A, -u </a:t>
             </a:r>
             <a:r>
               <a:rPr lang="ko-KR" altLang="en-US" sz="1400" b="1" dirty="0">
@@ -20582,7 +20659,7 @@
                   <a:srgbClr val="FFFF00"/>
                 </a:solidFill>
               </a:rPr>
-              <a:t>또는 </a:t>
+              <a:t>그리고  </a:t>
             </a:r>
             <a:r>
               <a:rPr lang="en-US" altLang="ko-KR" sz="1400" b="1" dirty="0">
@@ -20591,6 +20668,14 @@
                 </a:solidFill>
               </a:rPr>
               <a:t>.</a:t>
+            </a:r>
+            <a:r>
+              <a:rPr lang="ko-KR" altLang="en-US" sz="1400" b="1" dirty="0">
+                <a:solidFill>
+                  <a:srgbClr val="FFFF00"/>
+                </a:solidFill>
+              </a:rPr>
+              <a:t>   *</a:t>
             </a:r>
             <a:endParaRPr lang="fr-FR" altLang="ko-KR" sz="1400" b="1" dirty="0">
               <a:solidFill>
@@ -22061,188 +22146,114 @@
                   <a:srgbClr val="FFFF00"/>
                 </a:solidFill>
               </a:rPr>
-              <a:t>--soft  HEAD  &lt;</a:t>
-            </a:r>
-            <a:r>
-              <a:rPr lang="ko-KR" altLang="en-US" sz="1400" b="1" dirty="0">
-                <a:solidFill>
-                  <a:srgbClr val="FFFF00"/>
-                </a:solidFill>
-              </a:rPr>
-              <a:t>파일명</a:t>
-            </a:r>
-            <a:r>
-              <a:rPr lang="en-US" altLang="ko-KR" sz="1400" b="1" dirty="0">
-                <a:solidFill>
-                  <a:srgbClr val="FFFF00"/>
-                </a:solidFill>
-              </a:rPr>
-              <a:t>&gt;</a:t>
-            </a:r>
-            <a:endParaRPr lang="fr-FR" altLang="ko-KR" sz="1400" b="1" dirty="0">
-              <a:solidFill>
-                <a:srgbClr val="FFFF00"/>
-              </a:solidFill>
-            </a:endParaRPr>
-          </a:p>
-          <a:p>
-            <a:pPr marL="0" indent="0">
-              <a:buNone/>
-            </a:pPr>
+              <a:t>--soft  HEAD~   :  </a:t>
+            </a:r>
             <a:r>
               <a:rPr lang="en-US" altLang="ko-KR" sz="1200" dirty="0"/>
-              <a:t>commit &lt;</a:t>
+              <a:t>Local Repository</a:t>
             </a:r>
             <a:r>
               <a:rPr lang="ko-KR" altLang="en-US" sz="1200" dirty="0"/>
-              <a:t>파일명</a:t>
+              <a:t>의 </a:t>
             </a:r>
             <a:r>
               <a:rPr lang="en-US" altLang="ko-KR" sz="1200" dirty="0"/>
-              <a:t>&gt;</a:t>
+              <a:t>HEAD</a:t>
+            </a:r>
+            <a:r>
+              <a:rPr lang="ko-KR" altLang="en-US" sz="1200" dirty="0" err="1"/>
+              <a:t>를</a:t>
             </a:r>
             <a:r>
               <a:rPr lang="ko-KR" altLang="en-US" sz="1200" dirty="0"/>
-              <a:t>을  취소</a:t>
+              <a:t> 이전 </a:t>
+            </a:r>
+            <a:r>
+              <a:rPr lang="en-US" altLang="ko-KR" sz="1200" dirty="0"/>
+              <a:t>commit</a:t>
+            </a:r>
+            <a:r>
+              <a:rPr lang="ko-KR" altLang="en-US" sz="1200" dirty="0" err="1"/>
+              <a:t>으로</a:t>
+            </a:r>
+            <a:r>
+              <a:rPr lang="ko-KR" altLang="en-US" sz="1200" dirty="0"/>
+              <a:t> 이동</a:t>
             </a:r>
             <a:r>
               <a:rPr lang="en-US" altLang="ko-KR" sz="1200" dirty="0"/>
               <a:t>.</a:t>
             </a:r>
-            <a:endParaRPr lang="fr-FR" altLang="ko-KR" sz="1200" dirty="0"/>
           </a:p>
           <a:p>
             <a:pPr marL="0" indent="0">
               <a:buNone/>
             </a:pPr>
             <a:r>
+              <a:rPr lang="fr-FR" altLang="ko-KR" sz="1200" b="1" dirty="0">
+                <a:solidFill>
+                  <a:srgbClr val="FFFF00"/>
+                </a:solidFill>
+              </a:rPr>
+              <a:t>$ git  </a:t>
+            </a:r>
+            <a:r>
+              <a:rPr lang="en-US" altLang="ko-KR" sz="1200" b="1" dirty="0">
+                <a:solidFill>
+                  <a:srgbClr val="FFFF00"/>
+                </a:solidFill>
+              </a:rPr>
+              <a:t>reset</a:t>
+            </a:r>
+            <a:r>
+              <a:rPr lang="ko-KR" altLang="en-US" sz="1200" b="1" dirty="0">
+                <a:solidFill>
+                  <a:srgbClr val="FFFF00"/>
+                </a:solidFill>
+              </a:rPr>
+              <a:t> </a:t>
+            </a:r>
+            <a:r>
+              <a:rPr lang="en-US" altLang="ko-KR" sz="1200" b="1" dirty="0">
+                <a:solidFill>
+                  <a:srgbClr val="FFFF00"/>
+                </a:solidFill>
+              </a:rPr>
+              <a:t> HEAD~   ==   $ git  reset  --mixed  HEAD~  :  </a:t>
+            </a:r>
+            <a:r>
               <a:rPr lang="en-US" altLang="ko-KR" sz="1200" dirty="0"/>
-              <a:t>** </a:t>
+              <a:t>Staged File</a:t>
             </a:r>
             <a:r>
               <a:rPr lang="ko-KR" altLang="en-US" sz="1200" dirty="0"/>
-              <a:t>참고 </a:t>
+              <a:t>도 이전 </a:t>
             </a:r>
             <a:r>
               <a:rPr lang="en-US" altLang="ko-KR" sz="1200" dirty="0"/>
-              <a:t>: git  reset</a:t>
-            </a:r>
+              <a:t>commit</a:t>
+            </a:r>
+            <a:r>
+              <a:rPr lang="ko-KR" altLang="en-US" sz="1200" dirty="0" err="1"/>
+              <a:t>으로</a:t>
+            </a:r>
+            <a:r>
+              <a:rPr lang="ko-KR" altLang="en-US" sz="1200" dirty="0"/>
+              <a:t> 이동</a:t>
+            </a:r>
+            <a:endParaRPr lang="en-US" altLang="ko-KR" sz="1200" dirty="0"/>
           </a:p>
           <a:p>
             <a:pPr marL="0" indent="0">
               <a:buNone/>
             </a:pPr>
             <a:r>
-              <a:rPr lang="fr-FR" altLang="ko-KR" sz="1200" b="1" dirty="0">
+              <a:rPr lang="en-US" altLang="ko-KR" sz="1200" b="1" dirty="0">
                 <a:solidFill>
                   <a:srgbClr val="FFFF00"/>
                 </a:solidFill>
               </a:rPr>
-              <a:t>$ git  </a:t>
-            </a:r>
-            <a:r>
-              <a:rPr lang="en-US" altLang="ko-KR" sz="1200" b="1" dirty="0">
-                <a:solidFill>
-                  <a:srgbClr val="FFFF00"/>
-                </a:solidFill>
-              </a:rPr>
-              <a:t>reset</a:t>
-            </a:r>
-            <a:r>
-              <a:rPr lang="ko-KR" altLang="en-US" sz="1200" b="1" dirty="0">
-                <a:solidFill>
-                  <a:srgbClr val="FFFF00"/>
-                </a:solidFill>
-              </a:rPr>
-              <a:t> </a:t>
-            </a:r>
-            <a:r>
-              <a:rPr lang="en-US" altLang="ko-KR" sz="1200" b="1" dirty="0">
-                <a:solidFill>
-                  <a:srgbClr val="FFFF00"/>
-                </a:solidFill>
-              </a:rPr>
-              <a:t> &lt;</a:t>
-            </a:r>
-            <a:r>
-              <a:rPr lang="ko-KR" altLang="en-US" sz="1200" b="1" dirty="0">
-                <a:solidFill>
-                  <a:srgbClr val="FFFF00"/>
-                </a:solidFill>
-              </a:rPr>
-              <a:t>파일명</a:t>
-            </a:r>
-            <a:r>
-              <a:rPr lang="en-US" altLang="ko-KR" sz="1200" b="1" dirty="0">
-                <a:solidFill>
-                  <a:srgbClr val="FFFF00"/>
-                </a:solidFill>
-              </a:rPr>
-              <a:t>&gt;     ===     $ git  reset  --mixed  HEAD  &lt;</a:t>
-            </a:r>
-            <a:r>
-              <a:rPr lang="ko-KR" altLang="en-US" sz="1200" b="1" dirty="0">
-                <a:solidFill>
-                  <a:srgbClr val="FFFF00"/>
-                </a:solidFill>
-              </a:rPr>
-              <a:t>파일명</a:t>
-            </a:r>
-            <a:r>
-              <a:rPr lang="en-US" altLang="ko-KR" sz="1200" b="1" dirty="0">
-                <a:solidFill>
-                  <a:srgbClr val="FFFF00"/>
-                </a:solidFill>
-              </a:rPr>
-              <a:t>&gt;     </a:t>
-            </a:r>
-            <a:r>
-              <a:rPr lang="ko-KR" altLang="en-US" sz="1200" b="1" dirty="0">
-                <a:solidFill>
-                  <a:srgbClr val="FFFF00"/>
-                </a:solidFill>
-              </a:rPr>
-              <a:t>즉</a:t>
-            </a:r>
-            <a:r>
-              <a:rPr lang="en-US" altLang="ko-KR" sz="1200" b="1" dirty="0">
-                <a:solidFill>
-                  <a:srgbClr val="FFFF00"/>
-                </a:solidFill>
-              </a:rPr>
-              <a:t>, commit</a:t>
-            </a:r>
-            <a:r>
-              <a:rPr lang="ko-KR" altLang="en-US" sz="1200" b="1" dirty="0">
-                <a:solidFill>
-                  <a:srgbClr val="FFFF00"/>
-                </a:solidFill>
-              </a:rPr>
-              <a:t>과 </a:t>
-            </a:r>
-            <a:r>
-              <a:rPr lang="en-US" altLang="ko-KR" sz="1200" b="1" dirty="0">
-                <a:solidFill>
-                  <a:srgbClr val="FFFF00"/>
-                </a:solidFill>
-              </a:rPr>
-              <a:t>add</a:t>
-            </a:r>
-            <a:r>
-              <a:rPr lang="ko-KR" altLang="en-US" sz="1200" b="1" dirty="0">
-                <a:solidFill>
-                  <a:srgbClr val="FFFF00"/>
-                </a:solidFill>
-              </a:rPr>
-              <a:t>를 취소 </a:t>
-            </a:r>
-            <a:r>
-              <a:rPr lang="en-US" altLang="ko-KR" sz="1200" b="1" dirty="0">
-                <a:solidFill>
-                  <a:srgbClr val="FFFF00"/>
-                </a:solidFill>
-              </a:rPr>
-              <a:t>!</a:t>
+              <a:t>$ git  reset  --hard  HEAD~</a:t>
             </a:r>
             <a:endParaRPr lang="fr-FR" altLang="ko-KR" sz="1200" b="1" dirty="0">
               <a:solidFill>

--- a/Tools/git/SW 형상 관리.pptx
+++ b/Tools/git/SW 형상 관리.pptx
@@ -222,7 +222,7 @@
           <a:p>
             <a:fld id="{A8024B54-3D20-42B6-A112-BFED72D3BCE0}" type="datetimeFigureOut">
               <a:rPr lang="ko-KR" altLang="en-US" smtClean="0"/>
-              <a:t>2024. 6. 25.</a:t>
+              <a:t>2024-06-25 - Tue</a:t>
             </a:fld>
             <a:endParaRPr lang="ko-KR" altLang="en-US"/>
           </a:p>
@@ -843,7 +843,7 @@
           <a:p>
             <a:fld id="{4AAD347D-5ACD-4C99-B74B-A9C85AD731AF}" type="datetimeFigureOut">
               <a:rPr lang="en-US" dirty="0"/>
-              <a:t>6/25/24</a:t>
+              <a:t>6/25/2024</a:t>
             </a:fld>
             <a:endParaRPr lang="en-US" dirty="0"/>
           </a:p>
@@ -1113,7 +1113,7 @@
           <a:p>
             <a:fld id="{4509A250-FF31-4206-8172-F9D3106AACB1}" type="datetimeFigureOut">
               <a:rPr lang="en-US" dirty="0"/>
-              <a:t>6/25/24</a:t>
+              <a:t>6/25/2024</a:t>
             </a:fld>
             <a:endParaRPr lang="en-US" dirty="0"/>
           </a:p>
@@ -1302,7 +1302,7 @@
           <a:p>
             <a:fld id="{4509A250-FF31-4206-8172-F9D3106AACB1}" type="datetimeFigureOut">
               <a:rPr lang="en-US" dirty="0"/>
-              <a:t>6/25/24</a:t>
+              <a:t>6/25/2024</a:t>
             </a:fld>
             <a:endParaRPr lang="en-US" dirty="0"/>
           </a:p>
@@ -1570,7 +1570,7 @@
           <a:p>
             <a:fld id="{4509A250-FF31-4206-8172-F9D3106AACB1}" type="datetimeFigureOut">
               <a:rPr lang="en-US" dirty="0"/>
-              <a:t>6/25/24</a:t>
+              <a:t>6/25/2024</a:t>
             </a:fld>
             <a:endParaRPr lang="en-US" dirty="0"/>
           </a:p>
@@ -1906,7 +1906,7 @@
           <a:p>
             <a:fld id="{4509A250-FF31-4206-8172-F9D3106AACB1}" type="datetimeFigureOut">
               <a:rPr lang="en-US" dirty="0"/>
-              <a:t>6/25/24</a:t>
+              <a:t>6/25/2024</a:t>
             </a:fld>
             <a:endParaRPr lang="en-US" dirty="0"/>
           </a:p>
@@ -2524,7 +2524,7 @@
           <a:p>
             <a:fld id="{4509A250-FF31-4206-8172-F9D3106AACB1}" type="datetimeFigureOut">
               <a:rPr lang="en-US" dirty="0"/>
-              <a:t>6/25/24</a:t>
+              <a:t>6/25/2024</a:t>
             </a:fld>
             <a:endParaRPr lang="en-US" dirty="0"/>
           </a:p>
@@ -3379,7 +3379,7 @@
           <a:p>
             <a:fld id="{4509A250-FF31-4206-8172-F9D3106AACB1}" type="datetimeFigureOut">
               <a:rPr lang="en-US" dirty="0"/>
-              <a:t>6/25/24</a:t>
+              <a:t>6/25/2024</a:t>
             </a:fld>
             <a:endParaRPr lang="en-US" dirty="0"/>
           </a:p>
@@ -3544,7 +3544,7 @@
           <a:p>
             <a:fld id="{4509A250-FF31-4206-8172-F9D3106AACB1}" type="datetimeFigureOut">
               <a:rPr lang="en-US" dirty="0"/>
-              <a:t>6/25/24</a:t>
+              <a:t>6/25/2024</a:t>
             </a:fld>
             <a:endParaRPr lang="en-US" dirty="0"/>
           </a:p>
@@ -3719,7 +3719,7 @@
           <a:p>
             <a:fld id="{4509A250-FF31-4206-8172-F9D3106AACB1}" type="datetimeFigureOut">
               <a:rPr lang="en-US" dirty="0"/>
-              <a:t>6/25/24</a:t>
+              <a:t>6/25/2024</a:t>
             </a:fld>
             <a:endParaRPr lang="en-US" dirty="0"/>
           </a:p>
@@ -3884,7 +3884,7 @@
           <a:p>
             <a:fld id="{4509A250-FF31-4206-8172-F9D3106AACB1}" type="datetimeFigureOut">
               <a:rPr lang="en-US" dirty="0"/>
-              <a:t>6/25/24</a:t>
+              <a:t>6/25/2024</a:t>
             </a:fld>
             <a:endParaRPr lang="en-US" dirty="0"/>
           </a:p>
@@ -4126,7 +4126,7 @@
           <a:p>
             <a:fld id="{9796027F-7875-4030-9381-8BD8C4F21935}" type="datetimeFigureOut">
               <a:rPr lang="en-US" dirty="0"/>
-              <a:t>6/25/24</a:t>
+              <a:t>6/25/2024</a:t>
             </a:fld>
             <a:endParaRPr lang="en-US" dirty="0"/>
           </a:p>
@@ -4413,7 +4413,7 @@
           <a:p>
             <a:fld id="{9796027F-7875-4030-9381-8BD8C4F21935}" type="datetimeFigureOut">
               <a:rPr lang="en-US" dirty="0"/>
-              <a:t>6/25/24</a:t>
+              <a:t>6/25/2024</a:t>
             </a:fld>
             <a:endParaRPr lang="en-US" dirty="0"/>
           </a:p>
@@ -4852,7 +4852,7 @@
           <a:p>
             <a:fld id="{9796027F-7875-4030-9381-8BD8C4F21935}" type="datetimeFigureOut">
               <a:rPr lang="en-US" dirty="0"/>
-              <a:t>6/25/24</a:t>
+              <a:t>6/25/2024</a:t>
             </a:fld>
             <a:endParaRPr lang="en-US" dirty="0"/>
           </a:p>
@@ -4965,7 +4965,7 @@
           <a:p>
             <a:fld id="{4509A250-FF31-4206-8172-F9D3106AACB1}" type="datetimeFigureOut">
               <a:rPr lang="en-US" dirty="0"/>
-              <a:t>6/25/24</a:t>
+              <a:t>6/25/2024</a:t>
             </a:fld>
             <a:endParaRPr lang="en-US" dirty="0"/>
           </a:p>
@@ -5055,7 +5055,7 @@
           <a:p>
             <a:fld id="{4509A250-FF31-4206-8172-F9D3106AACB1}" type="datetimeFigureOut">
               <a:rPr lang="en-US" dirty="0"/>
-              <a:t>6/25/24</a:t>
+              <a:t>6/25/2024</a:t>
             </a:fld>
             <a:endParaRPr lang="en-US" dirty="0"/>
           </a:p>
@@ -5329,7 +5329,7 @@
           <a:p>
             <a:fld id="{4509A250-FF31-4206-8172-F9D3106AACB1}" type="datetimeFigureOut">
               <a:rPr lang="en-US" dirty="0"/>
-              <a:t>6/25/24</a:t>
+              <a:t>6/25/2024</a:t>
             </a:fld>
             <a:endParaRPr lang="en-US" dirty="0"/>
           </a:p>
@@ -5599,7 +5599,7 @@
           <a:p>
             <a:fld id="{4509A250-FF31-4206-8172-F9D3106AACB1}" type="datetimeFigureOut">
               <a:rPr lang="en-US" dirty="0"/>
-              <a:t>6/25/24</a:t>
+              <a:t>6/25/2024</a:t>
             </a:fld>
             <a:endParaRPr lang="en-US" dirty="0"/>
           </a:p>
@@ -6023,7 +6023,7 @@
           <a:p>
             <a:fld id="{4AAD347D-5ACD-4C99-B74B-A9C85AD731AF}" type="datetimeFigureOut">
               <a:rPr lang="en-US" dirty="0"/>
-              <a:t>6/25/24</a:t>
+              <a:t>6/25/2024</a:t>
             </a:fld>
             <a:endParaRPr lang="en-US" dirty="0"/>
           </a:p>
@@ -7335,7 +7335,7 @@
             </a:r>
             <a:r>
               <a:rPr lang="en-US" altLang="ko-KR" sz="1400" b="1" dirty="0"/>
-              <a:t>“master” </a:t>
+              <a:t>“main” </a:t>
             </a:r>
             <a:r>
               <a:rPr lang="ko-KR" altLang="en-US" sz="1400" b="1" dirty="0"/>
@@ -7419,7 +7419,7 @@
             </a:r>
             <a:r>
               <a:rPr lang="en-US" altLang="ko-KR" sz="1400" b="1" dirty="0"/>
-              <a:t>racos.html </a:t>
+              <a:t>racos.txt </a:t>
             </a:r>
             <a:r>
               <a:rPr lang="ko-KR" altLang="en-US" sz="1400" b="1" dirty="0"/>
@@ -19017,7 +19017,7 @@
             </a:pPr>
             <a:r>
               <a:rPr lang="en-US" altLang="ko-KR" sz="1200" dirty="0"/>
-              <a:t>master</a:t>
+              <a:t>main</a:t>
             </a:r>
             <a:r>
               <a:rPr lang="ko-KR" altLang="en-US" sz="1200" dirty="0"/>
@@ -19049,7 +19049,7 @@
             </a:r>
             <a:r>
               <a:rPr lang="en-US" altLang="ko-KR" sz="1200" dirty="0"/>
-              <a:t>master Branch</a:t>
+              <a:t>main Branch</a:t>
             </a:r>
             <a:r>
               <a:rPr lang="ko-KR" altLang="en-US" sz="1200" dirty="0"/>
@@ -21636,7 +21636,7 @@
             <a:pPr algn="ctr"/>
             <a:r>
               <a:rPr lang="en-US" altLang="ko-KR" sz="1050" dirty="0"/>
-              <a:t>racos.html</a:t>
+              <a:t>racos.txt</a:t>
             </a:r>
           </a:p>
           <a:p>
@@ -21691,7 +21691,7 @@
             <a:pPr algn="ctr"/>
             <a:r>
               <a:rPr lang="en-US" altLang="ko-KR" sz="1050" dirty="0"/>
-              <a:t>racos.html</a:t>
+              <a:t>racos.txt</a:t>
             </a:r>
           </a:p>
           <a:p>
@@ -22911,7 +22911,7 @@
             <a:pPr algn="ctr"/>
             <a:r>
               <a:rPr lang="en-US" altLang="ko-KR" sz="1050" dirty="0"/>
-              <a:t>racos.html</a:t>
+              <a:t>racos.txt</a:t>
             </a:r>
           </a:p>
           <a:p>
@@ -22966,7 +22966,7 @@
             <a:pPr algn="ctr"/>
             <a:r>
               <a:rPr lang="en-US" altLang="ko-KR" sz="1050" dirty="0"/>
-              <a:t>racos.html</a:t>
+              <a:t>racos.txt</a:t>
             </a:r>
           </a:p>
           <a:p>
@@ -23021,7 +23021,7 @@
             <a:pPr algn="ctr"/>
             <a:r>
               <a:rPr lang="en-US" altLang="ko-KR" sz="1050" dirty="0"/>
-              <a:t>racos.html</a:t>
+              <a:t>racos.txt</a:t>
             </a:r>
           </a:p>
           <a:p>
@@ -23076,7 +23076,7 @@
             <a:pPr algn="ctr"/>
             <a:r>
               <a:rPr lang="en-US" altLang="ko-KR" sz="1050" dirty="0"/>
-              <a:t>racos.html</a:t>
+              <a:t>racos.txt</a:t>
             </a:r>
           </a:p>
           <a:p>

--- a/Tools/git/SW 형상 관리.pptx
+++ b/Tools/git/SW 형상 관리.pptx
@@ -17,11 +17,11 @@
     <p:sldId id="269" r:id="rId8"/>
     <p:sldId id="276" r:id="rId9"/>
     <p:sldId id="277" r:id="rId10"/>
-    <p:sldId id="278" r:id="rId11"/>
-    <p:sldId id="267" r:id="rId12"/>
-    <p:sldId id="282" r:id="rId13"/>
-    <p:sldId id="283" r:id="rId14"/>
-    <p:sldId id="279" r:id="rId15"/>
+    <p:sldId id="279" r:id="rId11"/>
+    <p:sldId id="278" r:id="rId12"/>
+    <p:sldId id="267" r:id="rId13"/>
+    <p:sldId id="282" r:id="rId14"/>
+    <p:sldId id="283" r:id="rId15"/>
     <p:sldId id="273" r:id="rId16"/>
     <p:sldId id="280" r:id="rId17"/>
     <p:sldId id="272" r:id="rId18"/>
@@ -6666,1787 +6666,6 @@
           <a:p>
             <a:r>
               <a:rPr lang="en-US" altLang="ko-KR" sz="3600" dirty="0"/>
-              <a:t>git  log</a:t>
-            </a:r>
-            <a:endParaRPr lang="ko-KR" altLang="en-US" sz="3600" dirty="0"/>
-          </a:p>
-        </p:txBody>
-      </p:sp>
-      <p:sp>
-        <p:nvSpPr>
-          <p:cNvPr id="3" name="내용 개체 틀 2">
-            <a:extLst>
-              <a:ext uri="{FF2B5EF4-FFF2-40B4-BE49-F238E27FC236}">
-                <a16:creationId xmlns:a16="http://schemas.microsoft.com/office/drawing/2014/main" id="{07429EB3-8B4E-466C-8ACA-0242AC361BE1}"/>
-              </a:ext>
-            </a:extLst>
-          </p:cNvPr>
-          <p:cNvSpPr>
-            <a:spLocks noGrp="1"/>
-          </p:cNvSpPr>
-          <p:nvPr>
-            <p:ph idx="1"/>
-          </p:nvPr>
-        </p:nvSpPr>
-        <p:spPr>
-          <a:xfrm>
-            <a:off x="645130" y="1474238"/>
-            <a:ext cx="11260731" cy="4774162"/>
-          </a:xfrm>
-        </p:spPr>
-        <p:txBody>
-          <a:bodyPr>
-            <a:normAutofit/>
-          </a:bodyPr>
-          <a:lstStyle/>
-          <a:p>
-            <a:pPr marL="0" indent="0">
-              <a:buNone/>
-            </a:pPr>
-            <a:r>
-              <a:rPr lang="en-US" altLang="ko-KR" sz="1600" dirty="0"/>
-              <a:t>commit log</a:t>
-            </a:r>
-            <a:endParaRPr lang="en-US" altLang="ko-KR" sz="1200" dirty="0"/>
-          </a:p>
-          <a:p>
-            <a:pPr marL="0" indent="0">
-              <a:buNone/>
-            </a:pPr>
-            <a:r>
-              <a:rPr lang="en-US" altLang="ko-KR" sz="1400" b="1" dirty="0">
-                <a:solidFill>
-                  <a:srgbClr val="FFFF00"/>
-                </a:solidFill>
-              </a:rPr>
-              <a:t>$ git log </a:t>
-            </a:r>
-            <a:r>
-              <a:rPr lang="en-US" altLang="ko-KR" sz="1400" b="1" dirty="0">
-                <a:solidFill>
-                  <a:schemeClr val="accent2">
-                    <a:lumMod val="40000"/>
-                    <a:lumOff val="60000"/>
-                  </a:schemeClr>
-                </a:solidFill>
-              </a:rPr>
-              <a:t>: </a:t>
-            </a:r>
-            <a:r>
-              <a:rPr lang="en-US" altLang="ko-KR" sz="1400" dirty="0"/>
-              <a:t> commit log </a:t>
-            </a:r>
-            <a:r>
-              <a:rPr lang="ko-KR" altLang="en-US" sz="1400" dirty="0"/>
-              <a:t>보여 줌</a:t>
-            </a:r>
-            <a:endParaRPr lang="en-US" altLang="ko-KR" sz="1400" dirty="0"/>
-          </a:p>
-          <a:p>
-            <a:pPr marL="0" indent="0">
-              <a:buNone/>
-            </a:pPr>
-            <a:r>
-              <a:rPr lang="en-US" altLang="ko-KR" sz="1400" b="1" dirty="0">
-                <a:solidFill>
-                  <a:srgbClr val="FFFF00"/>
-                </a:solidFill>
-              </a:rPr>
-              <a:t>$ git log -p </a:t>
-            </a:r>
-            <a:r>
-              <a:rPr lang="en-US" altLang="ko-KR" sz="1400" b="1" dirty="0">
-                <a:solidFill>
-                  <a:schemeClr val="accent2">
-                    <a:lumMod val="40000"/>
-                    <a:lumOff val="60000"/>
-                  </a:schemeClr>
-                </a:solidFill>
-              </a:rPr>
-              <a:t>: </a:t>
-            </a:r>
-            <a:r>
-              <a:rPr lang="en-US" altLang="ko-KR" sz="1400" dirty="0"/>
-              <a:t> </a:t>
-            </a:r>
-            <a:r>
-              <a:rPr lang="ko-KR" altLang="en-US" sz="1400" dirty="0"/>
-              <a:t>각 </a:t>
-            </a:r>
-            <a:r>
-              <a:rPr lang="en-US" altLang="ko-KR" sz="1400" dirty="0"/>
-              <a:t>commit</a:t>
-            </a:r>
-            <a:r>
-              <a:rPr lang="ko-KR" altLang="en-US" sz="1400" dirty="0"/>
-              <a:t>의 </a:t>
-            </a:r>
-            <a:r>
-              <a:rPr lang="en-US" altLang="ko-KR" sz="1400" dirty="0"/>
-              <a:t>diff </a:t>
-            </a:r>
-            <a:r>
-              <a:rPr lang="ko-KR" altLang="en-US" sz="1400" dirty="0"/>
-              <a:t>결과를 줄 단위로 보여줌</a:t>
-            </a:r>
-            <a:endParaRPr lang="en-US" altLang="ko-KR" sz="1400" dirty="0"/>
-          </a:p>
-          <a:p>
-            <a:pPr marL="0" indent="0">
-              <a:buNone/>
-            </a:pPr>
-            <a:r>
-              <a:rPr lang="en-US" altLang="ko-KR" sz="1400" b="1" dirty="0">
-                <a:solidFill>
-                  <a:srgbClr val="FFFF00"/>
-                </a:solidFill>
-              </a:rPr>
-              <a:t>$ git log -2 </a:t>
-            </a:r>
-            <a:r>
-              <a:rPr lang="en-US" altLang="ko-KR" sz="1400" b="1" dirty="0">
-                <a:solidFill>
-                  <a:schemeClr val="accent2">
-                    <a:lumMod val="40000"/>
-                    <a:lumOff val="60000"/>
-                  </a:schemeClr>
-                </a:solidFill>
-              </a:rPr>
-              <a:t>: </a:t>
-            </a:r>
-            <a:r>
-              <a:rPr lang="en-US" altLang="ko-KR" sz="1400" dirty="0"/>
-              <a:t> </a:t>
-            </a:r>
-            <a:r>
-              <a:rPr lang="ko-KR" altLang="en-US" sz="1400" dirty="0"/>
-              <a:t>최근에 </a:t>
-            </a:r>
-            <a:r>
-              <a:rPr lang="en-US" altLang="ko-KR" sz="1400" dirty="0"/>
-              <a:t>commit </a:t>
-            </a:r>
-            <a:r>
-              <a:rPr lang="ko-KR" altLang="en-US" sz="1400" dirty="0"/>
-              <a:t>된 </a:t>
-            </a:r>
-            <a:r>
-              <a:rPr lang="en-US" altLang="ko-KR" sz="1400" dirty="0"/>
-              <a:t>2</a:t>
-            </a:r>
-            <a:r>
-              <a:rPr lang="ko-KR" altLang="en-US" sz="1400" dirty="0"/>
-              <a:t>건에 대한 </a:t>
-            </a:r>
-            <a:r>
-              <a:rPr lang="en-US" altLang="ko-KR" sz="1400" dirty="0"/>
-              <a:t>log </a:t>
-            </a:r>
-            <a:r>
-              <a:rPr lang="ko-KR" altLang="en-US" sz="1400" dirty="0"/>
-              <a:t>보여 줌</a:t>
-            </a:r>
-            <a:endParaRPr lang="en-US" altLang="ko-KR" sz="1400" dirty="0"/>
-          </a:p>
-          <a:p>
-            <a:pPr marL="0" indent="0">
-              <a:buNone/>
-            </a:pPr>
-            <a:r>
-              <a:rPr lang="en-US" altLang="ko-KR" sz="1400" b="1" dirty="0">
-                <a:solidFill>
-                  <a:srgbClr val="FFFF00"/>
-                </a:solidFill>
-              </a:rPr>
-              <a:t>$ git log  -3  --pretty=</a:t>
-            </a:r>
-            <a:r>
-              <a:rPr lang="en-US" altLang="ko-KR" sz="1400" b="1" dirty="0" err="1">
-                <a:solidFill>
-                  <a:srgbClr val="FFFF00"/>
-                </a:solidFill>
-              </a:rPr>
-              <a:t>oneline</a:t>
-            </a:r>
-            <a:r>
-              <a:rPr lang="en-US" altLang="ko-KR" sz="1400" b="1" dirty="0">
-                <a:solidFill>
-                  <a:srgbClr val="FFFF00"/>
-                </a:solidFill>
-              </a:rPr>
-              <a:t> </a:t>
-            </a:r>
-            <a:r>
-              <a:rPr lang="en-US" altLang="ko-KR" sz="1400" b="1" dirty="0">
-                <a:solidFill>
-                  <a:schemeClr val="accent2">
-                    <a:lumMod val="40000"/>
-                    <a:lumOff val="60000"/>
-                  </a:schemeClr>
-                </a:solidFill>
-              </a:rPr>
-              <a:t>:  </a:t>
-            </a:r>
-            <a:r>
-              <a:rPr lang="ko-KR" altLang="en-US" sz="1400" dirty="0"/>
-              <a:t>최근에 </a:t>
-            </a:r>
-            <a:r>
-              <a:rPr lang="en-US" altLang="ko-KR" sz="1400" dirty="0"/>
-              <a:t>commit </a:t>
-            </a:r>
-            <a:r>
-              <a:rPr lang="ko-KR" altLang="en-US" sz="1400" dirty="0"/>
-              <a:t>된 </a:t>
-            </a:r>
-            <a:r>
-              <a:rPr lang="en-US" altLang="ko-KR" sz="1400" dirty="0"/>
-              <a:t>3</a:t>
-            </a:r>
-            <a:r>
-              <a:rPr lang="ko-KR" altLang="en-US" sz="1400" dirty="0"/>
-              <a:t>건에 대한 </a:t>
-            </a:r>
-            <a:r>
-              <a:rPr lang="en-US" altLang="ko-KR" sz="1400" dirty="0"/>
-              <a:t>log</a:t>
-            </a:r>
-            <a:r>
-              <a:rPr lang="ko-KR" altLang="en-US" sz="1400" dirty="0"/>
-              <a:t>를 한 줄로 축약해서 보여줌</a:t>
-            </a:r>
-            <a:endParaRPr lang="en-US" altLang="ko-KR" sz="1400" dirty="0"/>
-          </a:p>
-          <a:p>
-            <a:pPr marL="0" indent="0">
-              <a:buNone/>
-            </a:pPr>
-            <a:r>
-              <a:rPr lang="fr-FR" altLang="ko-KR" sz="1400" b="1" dirty="0">
-                <a:solidFill>
-                  <a:srgbClr val="FFFF00"/>
-                </a:solidFill>
-              </a:rPr>
-              <a:t>$ git log  --since= 2021-01-05 </a:t>
-            </a:r>
-            <a:r>
-              <a:rPr lang="fr-FR" altLang="ko-KR" sz="1400" b="1" dirty="0">
-                <a:solidFill>
-                  <a:schemeClr val="accent2">
-                    <a:lumMod val="40000"/>
-                    <a:lumOff val="60000"/>
-                  </a:schemeClr>
-                </a:solidFill>
-              </a:rPr>
-              <a:t>:  </a:t>
-            </a:r>
-            <a:r>
-              <a:rPr lang="en-US" altLang="ko-KR" sz="1400" dirty="0"/>
-              <a:t>2021</a:t>
-            </a:r>
-            <a:r>
-              <a:rPr lang="ko-KR" altLang="en-US" sz="1400" dirty="0"/>
-              <a:t>년 </a:t>
-            </a:r>
-            <a:r>
-              <a:rPr lang="en-US" altLang="ko-KR" sz="1400" dirty="0"/>
-              <a:t>1</a:t>
-            </a:r>
-            <a:r>
-              <a:rPr lang="ko-KR" altLang="en-US" sz="1400" dirty="0"/>
-              <a:t>월 </a:t>
-            </a:r>
-            <a:r>
-              <a:rPr lang="en-US" altLang="ko-KR" sz="1400" dirty="0"/>
-              <a:t>5</a:t>
-            </a:r>
-            <a:r>
-              <a:rPr lang="ko-KR" altLang="en-US" sz="1400" dirty="0"/>
-              <a:t>일 이후 </a:t>
-            </a:r>
-            <a:r>
-              <a:rPr lang="en-US" altLang="ko-KR" sz="1400" dirty="0"/>
-              <a:t>commit</a:t>
-            </a:r>
-            <a:r>
-              <a:rPr lang="ko-KR" altLang="en-US" sz="1400" dirty="0"/>
-              <a:t>된 </a:t>
-            </a:r>
-            <a:r>
-              <a:rPr lang="en-US" altLang="ko-KR" sz="1400" dirty="0"/>
-              <a:t>log </a:t>
-            </a:r>
-            <a:r>
-              <a:rPr lang="ko-KR" altLang="en-US" sz="1400" dirty="0"/>
-              <a:t>보여줌 </a:t>
-            </a:r>
-            <a:r>
-              <a:rPr lang="en-US" altLang="ko-KR" sz="1400" dirty="0"/>
-              <a:t>(after, before, until)</a:t>
-            </a:r>
-          </a:p>
-          <a:p>
-            <a:pPr marL="0" indent="0">
-              <a:buNone/>
-            </a:pPr>
-            <a:r>
-              <a:rPr lang="fr-FR" altLang="ko-KR" sz="1400" b="1" dirty="0">
-                <a:solidFill>
-                  <a:srgbClr val="FFFF00"/>
-                </a:solidFill>
-              </a:rPr>
-              <a:t>$ git log  --author=username </a:t>
-            </a:r>
-            <a:r>
-              <a:rPr lang="fr-FR" altLang="ko-KR" sz="1400" b="1" dirty="0">
-                <a:solidFill>
-                  <a:schemeClr val="accent2">
-                    <a:lumMod val="40000"/>
-                    <a:lumOff val="60000"/>
-                  </a:schemeClr>
-                </a:solidFill>
-              </a:rPr>
-              <a:t>:  </a:t>
-            </a:r>
-            <a:r>
-              <a:rPr lang="en-US" altLang="ko-KR" sz="1400" dirty="0"/>
-              <a:t>2021</a:t>
-            </a:r>
-            <a:r>
-              <a:rPr lang="ko-KR" altLang="en-US" sz="1400" dirty="0"/>
-              <a:t>년 </a:t>
-            </a:r>
-            <a:r>
-              <a:rPr lang="en-US" altLang="ko-KR" sz="1400" dirty="0"/>
-              <a:t>1</a:t>
-            </a:r>
-            <a:r>
-              <a:rPr lang="ko-KR" altLang="en-US" sz="1400" dirty="0"/>
-              <a:t>월 </a:t>
-            </a:r>
-            <a:r>
-              <a:rPr lang="en-US" altLang="ko-KR" sz="1400" dirty="0"/>
-              <a:t>5</a:t>
-            </a:r>
-            <a:r>
-              <a:rPr lang="ko-KR" altLang="en-US" sz="1400" dirty="0"/>
-              <a:t>일 이후 </a:t>
-            </a:r>
-            <a:r>
-              <a:rPr lang="en-US" altLang="ko-KR" sz="1400" dirty="0"/>
-              <a:t>commit</a:t>
-            </a:r>
-            <a:r>
-              <a:rPr lang="ko-KR" altLang="en-US" sz="1400" dirty="0"/>
-              <a:t>된 </a:t>
-            </a:r>
-            <a:r>
-              <a:rPr lang="en-US" altLang="ko-KR" sz="1400" dirty="0"/>
-              <a:t>log </a:t>
-            </a:r>
-            <a:r>
-              <a:rPr lang="ko-KR" altLang="en-US" sz="1400" dirty="0"/>
-              <a:t>보여줌 </a:t>
-            </a:r>
-            <a:r>
-              <a:rPr lang="en-US" altLang="ko-KR" sz="1400" dirty="0"/>
-              <a:t>(after, before, until)</a:t>
-            </a:r>
-          </a:p>
-          <a:p>
-            <a:pPr marL="0" indent="0">
-              <a:buNone/>
-            </a:pPr>
-            <a:r>
-              <a:rPr lang="fr-FR" altLang="ko-KR" sz="1400" b="1" dirty="0">
-                <a:solidFill>
-                  <a:srgbClr val="FFFF00"/>
-                </a:solidFill>
-              </a:rPr>
-              <a:t>$ git log  ./1.html  ./2.html </a:t>
-            </a:r>
-            <a:r>
-              <a:rPr lang="fr-FR" altLang="ko-KR" sz="1400" b="1" dirty="0">
-                <a:solidFill>
-                  <a:schemeClr val="accent2">
-                    <a:lumMod val="40000"/>
-                    <a:lumOff val="60000"/>
-                  </a:schemeClr>
-                </a:solidFill>
-              </a:rPr>
-              <a:t>:  </a:t>
-            </a:r>
-            <a:r>
-              <a:rPr lang="en-US" altLang="ko-KR" sz="1400" dirty="0"/>
-              <a:t>1.html</a:t>
-            </a:r>
-            <a:r>
-              <a:rPr lang="ko-KR" altLang="en-US" sz="1400" dirty="0"/>
-              <a:t>과 </a:t>
-            </a:r>
-            <a:r>
-              <a:rPr lang="en-US" altLang="ko-KR" sz="1400" dirty="0"/>
-              <a:t>2.html</a:t>
-            </a:r>
-            <a:r>
-              <a:rPr lang="ko-KR" altLang="en-US" sz="1400" dirty="0"/>
-              <a:t>을 포함한 </a:t>
-            </a:r>
-            <a:r>
-              <a:rPr lang="en-US" altLang="ko-KR" sz="1400" dirty="0"/>
-              <a:t>commit log</a:t>
-            </a:r>
-            <a:r>
-              <a:rPr lang="ko-KR" altLang="en-US" sz="1400" dirty="0"/>
-              <a:t>를 보여줌</a:t>
-            </a:r>
-            <a:endParaRPr lang="en-US" altLang="ko-KR" sz="1400" dirty="0"/>
-          </a:p>
-          <a:p>
-            <a:pPr marL="0" indent="0">
-              <a:buNone/>
-            </a:pPr>
-            <a:endParaRPr lang="en-US" altLang="ko-KR" sz="1200" dirty="0"/>
-          </a:p>
-          <a:p>
-            <a:pPr marL="0" indent="0">
-              <a:buNone/>
-            </a:pPr>
-            <a:endParaRPr lang="fr-FR" altLang="ko-KR" sz="1400" b="1" dirty="0">
-              <a:solidFill>
-                <a:srgbClr val="FFFF00"/>
-              </a:solidFill>
-            </a:endParaRPr>
-          </a:p>
-        </p:txBody>
-      </p:sp>
-    </p:spTree>
-    <p:extLst>
-      <p:ext uri="{BB962C8B-B14F-4D97-AF65-F5344CB8AC3E}">
-        <p14:creationId xmlns:p14="http://schemas.microsoft.com/office/powerpoint/2010/main" val="381880285"/>
-      </p:ext>
-    </p:extLst>
-  </p:cSld>
-  <p:clrMapOvr>
-    <a:masterClrMapping/>
-  </p:clrMapOvr>
-</p:sld>
-</file>
-
-<file path=ppt/slides/slide11.xml><?xml version="1.0" encoding="utf-8"?>
-<p:sld xmlns:a="http://schemas.openxmlformats.org/drawingml/2006/main" xmlns:r="http://schemas.openxmlformats.org/officeDocument/2006/relationships" xmlns:p="http://schemas.openxmlformats.org/presentationml/2006/main">
-  <p:cSld>
-    <p:spTree>
-      <p:nvGrpSpPr>
-        <p:cNvPr id="1" name=""/>
-        <p:cNvGrpSpPr/>
-        <p:nvPr/>
-      </p:nvGrpSpPr>
-      <p:grpSpPr>
-        <a:xfrm>
-          <a:off x="0" y="0"/>
-          <a:ext cx="0" cy="0"/>
-          <a:chOff x="0" y="0"/>
-          <a:chExt cx="0" cy="0"/>
-        </a:xfrm>
-      </p:grpSpPr>
-      <p:sp>
-        <p:nvSpPr>
-          <p:cNvPr id="2" name="제목 1">
-            <a:extLst>
-              <a:ext uri="{FF2B5EF4-FFF2-40B4-BE49-F238E27FC236}">
-                <a16:creationId xmlns:a16="http://schemas.microsoft.com/office/drawing/2014/main" id="{E2871850-CF09-45E5-B263-C7D69F92B878}"/>
-              </a:ext>
-            </a:extLst>
-          </p:cNvPr>
-          <p:cNvSpPr>
-            <a:spLocks noGrp="1"/>
-          </p:cNvSpPr>
-          <p:nvPr>
-            <p:ph type="title"/>
-          </p:nvPr>
-        </p:nvSpPr>
-        <p:spPr>
-          <a:xfrm>
-            <a:off x="645130" y="389107"/>
-            <a:ext cx="9404723" cy="899004"/>
-          </a:xfrm>
-        </p:spPr>
-        <p:txBody>
-          <a:bodyPr anchor="ctr" anchorCtr="0"/>
-          <a:lstStyle/>
-          <a:p>
-            <a:r>
-              <a:rPr lang="en-US" altLang="ko-KR" sz="3600" dirty="0"/>
-              <a:t>Scenario 1-1</a:t>
-            </a:r>
-            <a:endParaRPr lang="ko-KR" altLang="en-US" sz="3600" dirty="0"/>
-          </a:p>
-        </p:txBody>
-      </p:sp>
-      <p:sp>
-        <p:nvSpPr>
-          <p:cNvPr id="3" name="내용 개체 틀 2">
-            <a:extLst>
-              <a:ext uri="{FF2B5EF4-FFF2-40B4-BE49-F238E27FC236}">
-                <a16:creationId xmlns:a16="http://schemas.microsoft.com/office/drawing/2014/main" id="{07429EB3-8B4E-466C-8ACA-0242AC361BE1}"/>
-              </a:ext>
-            </a:extLst>
-          </p:cNvPr>
-          <p:cNvSpPr>
-            <a:spLocks noGrp="1"/>
-          </p:cNvSpPr>
-          <p:nvPr>
-            <p:ph idx="1"/>
-          </p:nvPr>
-        </p:nvSpPr>
-        <p:spPr>
-          <a:xfrm>
-            <a:off x="645130" y="1474238"/>
-            <a:ext cx="11008805" cy="4774162"/>
-          </a:xfrm>
-        </p:spPr>
-        <p:txBody>
-          <a:bodyPr>
-            <a:normAutofit/>
-          </a:bodyPr>
-          <a:lstStyle/>
-          <a:p>
-            <a:pPr marL="0" indent="0" fontAlgn="base">
-              <a:buNone/>
-            </a:pPr>
-            <a:r>
-              <a:rPr lang="en-US" altLang="ko-KR" sz="1400" b="1" dirty="0">
-                <a:solidFill>
-                  <a:srgbClr val="FFFF00"/>
-                </a:solidFill>
-              </a:rPr>
-              <a:t>** </a:t>
-            </a:r>
-            <a:r>
-              <a:rPr lang="ko-KR" altLang="en-US" sz="1400" b="1" dirty="0">
-                <a:solidFill>
-                  <a:srgbClr val="FFFF00"/>
-                </a:solidFill>
-              </a:rPr>
-              <a:t>각 시나리오에서 스텝별로 </a:t>
-            </a:r>
-            <a:r>
-              <a:rPr lang="en-US" altLang="ko-KR" sz="1400" b="1" dirty="0">
-                <a:solidFill>
-                  <a:srgbClr val="FFFF00"/>
-                </a:solidFill>
-              </a:rPr>
-              <a:t>git status, git log, git show, git tag </a:t>
-            </a:r>
-            <a:r>
-              <a:rPr lang="ko-KR" altLang="en-US" sz="1400" b="1" dirty="0">
-                <a:solidFill>
-                  <a:srgbClr val="FFFF00"/>
-                </a:solidFill>
-              </a:rPr>
-              <a:t>등 수행하여 내용 확인하며 진행 요망</a:t>
-            </a:r>
-            <a:r>
-              <a:rPr lang="en-US" altLang="ko-KR" sz="1400" b="1" dirty="0">
-                <a:solidFill>
-                  <a:srgbClr val="FFFF00"/>
-                </a:solidFill>
-              </a:rPr>
-              <a:t>.</a:t>
-            </a:r>
-            <a:r>
-              <a:rPr lang="ko-KR" altLang="en-US" sz="1400" b="1" dirty="0">
-                <a:solidFill>
-                  <a:srgbClr val="FFFF00"/>
-                </a:solidFill>
-              </a:rPr>
-              <a:t> </a:t>
-            </a:r>
-            <a:endParaRPr lang="en-US" altLang="ko-KR" sz="1400" b="1" dirty="0">
-              <a:solidFill>
-                <a:srgbClr val="FFFF00"/>
-              </a:solidFill>
-            </a:endParaRPr>
-          </a:p>
-          <a:p>
-            <a:pPr fontAlgn="base">
-              <a:buFont typeface="+mj-lt"/>
-              <a:buAutoNum type="arabicPeriod"/>
-            </a:pPr>
-            <a:r>
-              <a:rPr lang="ko-KR" altLang="en-US" sz="1400" b="1" dirty="0"/>
-              <a:t>본인이 테스트 할 적당한 위치에 </a:t>
-            </a:r>
-            <a:r>
-              <a:rPr lang="en-US" altLang="ko-KR" sz="1400" b="1" dirty="0" err="1"/>
-              <a:t>gitTest</a:t>
-            </a:r>
-            <a:r>
-              <a:rPr lang="en-US" altLang="ko-KR" sz="1400" b="1" dirty="0"/>
-              <a:t> </a:t>
-            </a:r>
-            <a:r>
-              <a:rPr lang="ko-KR" altLang="en-US" sz="1400" b="1" dirty="0"/>
-              <a:t>이라는 폴더를 생성한다</a:t>
-            </a:r>
-            <a:endParaRPr lang="en-US" altLang="ko-KR" sz="1400" b="1" dirty="0"/>
-          </a:p>
-          <a:p>
-            <a:pPr fontAlgn="base">
-              <a:buFont typeface="+mj-lt"/>
-              <a:buAutoNum type="arabicPeriod"/>
-            </a:pPr>
-            <a:r>
-              <a:rPr lang="en-US" altLang="ko-KR" sz="1400" b="1" dirty="0"/>
-              <a:t>$ git </a:t>
-            </a:r>
-            <a:r>
-              <a:rPr lang="en-US" altLang="ko-KR" sz="1400" b="1" dirty="0" err="1"/>
-              <a:t>init</a:t>
-            </a:r>
-            <a:r>
-              <a:rPr lang="ko-KR" altLang="en-US" sz="1400" b="1" dirty="0"/>
-              <a:t>으로 새로운 저장소와 </a:t>
-            </a:r>
-            <a:r>
-              <a:rPr lang="en-US" altLang="ko-KR" sz="1400" b="1" dirty="0"/>
-              <a:t>main Branch</a:t>
-            </a:r>
-            <a:r>
-              <a:rPr lang="ko-KR" altLang="en-US" sz="1400" b="1" dirty="0"/>
-              <a:t>를 생성한다</a:t>
-            </a:r>
-            <a:r>
-              <a:rPr lang="en-US" altLang="ko-KR" sz="1400" b="1" dirty="0"/>
-              <a:t>. (</a:t>
-            </a:r>
-            <a:r>
-              <a:rPr lang="ko-KR" altLang="en-US" sz="1400" b="1" dirty="0"/>
-              <a:t>만약 기본 </a:t>
-            </a:r>
-            <a:r>
-              <a:rPr lang="en-US" altLang="ko-KR" sz="1400" b="1" dirty="0"/>
-              <a:t>Branch</a:t>
-            </a:r>
-            <a:r>
-              <a:rPr lang="ko-KR" altLang="en-US" sz="1400" b="1" dirty="0"/>
-              <a:t>가 </a:t>
-            </a:r>
-            <a:r>
-              <a:rPr lang="en-US" altLang="ko-KR" sz="1400" b="1" dirty="0"/>
-              <a:t>“main” </a:t>
-            </a:r>
-            <a:r>
-              <a:rPr lang="ko-KR" altLang="en-US" sz="1400" b="1" dirty="0"/>
-              <a:t>이면 </a:t>
-            </a:r>
-            <a:r>
-              <a:rPr lang="en-US" altLang="ko-KR" sz="1400" b="1" dirty="0"/>
-              <a:t>“main”</a:t>
-            </a:r>
-            <a:r>
-              <a:rPr lang="ko-KR" altLang="en-US" sz="1400" b="1" dirty="0"/>
-              <a:t>으로 변경할 것</a:t>
-            </a:r>
-            <a:r>
-              <a:rPr lang="en-US" altLang="ko-KR" sz="1400" b="1" dirty="0"/>
-              <a:t>)</a:t>
-            </a:r>
-          </a:p>
-          <a:p>
-            <a:pPr fontAlgn="base">
-              <a:buFont typeface="+mj-lt"/>
-              <a:buAutoNum type="arabicPeriod"/>
-            </a:pPr>
-            <a:r>
-              <a:rPr lang="ko-KR" altLang="en-US" sz="1400" b="1" dirty="0"/>
-              <a:t>최초 </a:t>
-            </a:r>
-            <a:r>
-              <a:rPr lang="en-US" altLang="ko-KR" sz="1400" b="1" dirty="0"/>
-              <a:t>Local </a:t>
-            </a:r>
-            <a:r>
-              <a:rPr lang="ko-KR" altLang="en-US" sz="1400" b="1" dirty="0"/>
-              <a:t>파일 </a:t>
-            </a:r>
-            <a:r>
-              <a:rPr lang="en-US" altLang="ko-KR" sz="1400" b="1" dirty="0"/>
-              <a:t>1</a:t>
-            </a:r>
-            <a:r>
-              <a:rPr lang="ko-KR" altLang="en-US" sz="1400" b="1" dirty="0"/>
-              <a:t>개 작성</a:t>
-            </a:r>
-            <a:r>
-              <a:rPr lang="en-US" altLang="ko-KR" sz="1400" b="1" dirty="0"/>
-              <a:t>(racos.txt)</a:t>
-            </a:r>
-            <a:r>
-              <a:rPr lang="ko-KR" altLang="en-US" sz="1400" b="1" dirty="0"/>
-              <a:t>하여 </a:t>
-            </a:r>
-            <a:r>
-              <a:rPr lang="en-US" altLang="ko-KR" sz="1400" b="1" dirty="0" err="1"/>
-              <a:t>gitTest</a:t>
-            </a:r>
-            <a:r>
-              <a:rPr lang="en-US" altLang="ko-KR" sz="1400" b="1" dirty="0"/>
-              <a:t> </a:t>
-            </a:r>
-            <a:r>
-              <a:rPr lang="ko-KR" altLang="en-US" sz="1400" b="1" dirty="0"/>
-              <a:t>폴더에 복사한다</a:t>
-            </a:r>
-            <a:r>
-              <a:rPr lang="en-US" altLang="ko-KR" sz="1400" b="1" dirty="0"/>
-              <a:t>.</a:t>
-            </a:r>
-          </a:p>
-          <a:p>
-            <a:pPr fontAlgn="base">
-              <a:buFont typeface="+mj-lt"/>
-              <a:buAutoNum type="arabicPeriod"/>
-            </a:pPr>
-            <a:r>
-              <a:rPr lang="en-US" altLang="ko-KR" sz="1400" b="1" dirty="0"/>
-              <a:t>$ git status </a:t>
-            </a:r>
-            <a:r>
-              <a:rPr lang="ko-KR" altLang="en-US" sz="1400" b="1" dirty="0"/>
-              <a:t>명령으로 </a:t>
-            </a:r>
-            <a:r>
-              <a:rPr lang="en-US" altLang="ko-KR" sz="1400" b="1" dirty="0"/>
-              <a:t>racos.txt </a:t>
-            </a:r>
-            <a:r>
-              <a:rPr lang="ko-KR" altLang="en-US" sz="1400" b="1" dirty="0"/>
-              <a:t>파일이 </a:t>
-            </a:r>
-            <a:r>
-              <a:rPr lang="en-US" altLang="ko-KR" sz="1400" b="1" dirty="0"/>
-              <a:t>Untracked file </a:t>
-            </a:r>
-            <a:r>
-              <a:rPr lang="ko-KR" altLang="en-US" sz="1400" b="1" dirty="0"/>
-              <a:t>인 것을 확인하고 </a:t>
-            </a:r>
-            <a:r>
-              <a:rPr lang="en-US" altLang="ko-KR" sz="1400" b="1" dirty="0"/>
-              <a:t>Untracked file</a:t>
-            </a:r>
-            <a:r>
-              <a:rPr lang="ko-KR" altLang="en-US" sz="1400" b="1" dirty="0"/>
-              <a:t>의 의미를 이해한다</a:t>
-            </a:r>
-            <a:r>
-              <a:rPr lang="en-US" altLang="ko-KR" sz="1400" b="1" dirty="0"/>
-              <a:t>.</a:t>
-            </a:r>
-          </a:p>
-          <a:p>
-            <a:pPr fontAlgn="base">
-              <a:buFont typeface="+mj-lt"/>
-              <a:buAutoNum type="arabicPeriod"/>
-            </a:pPr>
-            <a:r>
-              <a:rPr lang="en-US" altLang="ko-KR" sz="1400" b="1" dirty="0"/>
-              <a:t>racos.txt </a:t>
-            </a:r>
-            <a:r>
-              <a:rPr lang="ko-KR" altLang="en-US" sz="1400" b="1" dirty="0"/>
-              <a:t>파일의 첫번째 줄 내용을 </a:t>
-            </a:r>
-            <a:r>
-              <a:rPr lang="en-US" altLang="ko-KR" sz="1400" b="1" dirty="0"/>
-              <a:t>“1-1”</a:t>
-            </a:r>
-            <a:r>
-              <a:rPr lang="ko-KR" altLang="en-US" sz="1400" b="1" dirty="0"/>
-              <a:t>으로 수정하고 저장한다</a:t>
-            </a:r>
-            <a:r>
-              <a:rPr lang="en-US" altLang="ko-KR" sz="1400" b="1" dirty="0"/>
-              <a:t>.</a:t>
-            </a:r>
-          </a:p>
-          <a:p>
-            <a:pPr fontAlgn="base">
-              <a:buFont typeface="+mj-lt"/>
-              <a:buAutoNum type="arabicPeriod"/>
-            </a:pPr>
-            <a:r>
-              <a:rPr lang="en-US" altLang="ko-KR" sz="1400" b="1" dirty="0"/>
-              <a:t>$ git add racos.txt </a:t>
-            </a:r>
-            <a:r>
-              <a:rPr lang="ko-KR" altLang="en-US" sz="1400" b="1" dirty="0"/>
-              <a:t>명령으로 </a:t>
-            </a:r>
-            <a:r>
-              <a:rPr lang="en-US" altLang="ko-KR" sz="1400" b="1" dirty="0"/>
-              <a:t>racos.txt </a:t>
-            </a:r>
-            <a:r>
-              <a:rPr lang="ko-KR" altLang="en-US" sz="1400" b="1" dirty="0"/>
-              <a:t>파일을 </a:t>
-            </a:r>
-            <a:r>
-              <a:rPr lang="en-US" altLang="ko-KR" sz="1400" b="1" dirty="0"/>
-              <a:t>staging(index</a:t>
-            </a:r>
-            <a:r>
-              <a:rPr lang="ko-KR" altLang="en-US" sz="1400" b="1" dirty="0"/>
-              <a:t>에 등록</a:t>
-            </a:r>
-            <a:r>
-              <a:rPr lang="en-US" altLang="ko-KR" sz="1400" b="1" dirty="0"/>
-              <a:t>) </a:t>
-            </a:r>
-            <a:r>
-              <a:rPr lang="ko-KR" altLang="en-US" sz="1400" b="1" dirty="0"/>
-              <a:t>한다</a:t>
-            </a:r>
-            <a:r>
-              <a:rPr lang="en-US" altLang="ko-KR" sz="1400" b="1" dirty="0"/>
-              <a:t>.</a:t>
-            </a:r>
-          </a:p>
-          <a:p>
-            <a:pPr fontAlgn="base">
-              <a:buFont typeface="+mj-lt"/>
-              <a:buAutoNum type="arabicPeriod"/>
-            </a:pPr>
-            <a:r>
-              <a:rPr lang="en-US" altLang="ko-KR" sz="1400" b="1" dirty="0"/>
-              <a:t>$ git status </a:t>
-            </a:r>
-            <a:r>
-              <a:rPr lang="ko-KR" altLang="en-US" sz="1400" b="1" dirty="0"/>
-              <a:t>명령으로 </a:t>
-            </a:r>
-            <a:r>
-              <a:rPr lang="en-US" altLang="ko-KR" sz="1400" b="1" dirty="0"/>
-              <a:t>staging </a:t>
-            </a:r>
-            <a:r>
-              <a:rPr lang="ko-KR" altLang="en-US" sz="1400" b="1" dirty="0"/>
-              <a:t>된 것을 확인한다</a:t>
-            </a:r>
-            <a:r>
-              <a:rPr lang="en-US" altLang="ko-KR" sz="1400" b="1" dirty="0"/>
-              <a:t>.</a:t>
-            </a:r>
-          </a:p>
-          <a:p>
-            <a:pPr fontAlgn="base">
-              <a:buFont typeface="+mj-lt"/>
-              <a:buAutoNum type="arabicPeriod"/>
-            </a:pPr>
-            <a:r>
-              <a:rPr lang="en-US" altLang="ko-KR" sz="1400" b="1" dirty="0"/>
-              <a:t>$ git commit –m “</a:t>
-            </a:r>
-            <a:r>
-              <a:rPr lang="ko-KR" altLang="en-US" sz="1400" b="1" dirty="0"/>
-              <a:t>이것은 </a:t>
-            </a:r>
-            <a:r>
-              <a:rPr lang="en-US" altLang="ko-KR" sz="1400" b="1" dirty="0"/>
-              <a:t>1-1</a:t>
-            </a:r>
-            <a:r>
-              <a:rPr lang="ko-KR" altLang="en-US" sz="1400" b="1" dirty="0"/>
-              <a:t>이고 첫번째줄 수정했음</a:t>
-            </a:r>
-            <a:r>
-              <a:rPr lang="en-US" altLang="ko-KR" sz="1400" b="1" dirty="0"/>
-              <a:t>” </a:t>
-            </a:r>
-            <a:r>
-              <a:rPr lang="ko-KR" altLang="en-US" sz="1400" b="1" dirty="0"/>
-              <a:t>명령으로 </a:t>
-            </a:r>
-            <a:r>
-              <a:rPr lang="en-US" altLang="ko-KR" sz="1400" b="1" dirty="0"/>
-              <a:t>commit </a:t>
-            </a:r>
-            <a:r>
-              <a:rPr lang="ko-KR" altLang="en-US" sz="1400" b="1" dirty="0"/>
-              <a:t>한다</a:t>
-            </a:r>
-            <a:r>
-              <a:rPr lang="en-US" altLang="ko-KR" sz="1400" b="1" dirty="0"/>
-              <a:t>.</a:t>
-            </a:r>
-          </a:p>
-          <a:p>
-            <a:pPr fontAlgn="base">
-              <a:buFont typeface="+mj-lt"/>
-              <a:buAutoNum type="arabicPeriod"/>
-            </a:pPr>
-            <a:r>
-              <a:rPr lang="en-US" altLang="ko-KR" sz="1400" b="1" dirty="0"/>
-              <a:t>$ git status </a:t>
-            </a:r>
-            <a:r>
-              <a:rPr lang="ko-KR" altLang="en-US" sz="1400" b="1" dirty="0"/>
-              <a:t>명령으로 </a:t>
-            </a:r>
-            <a:r>
-              <a:rPr lang="en-US" altLang="ko-KR" sz="1400" b="1" dirty="0"/>
-              <a:t>racos.txt </a:t>
-            </a:r>
-            <a:r>
-              <a:rPr lang="ko-KR" altLang="en-US" sz="1400" b="1" dirty="0"/>
-              <a:t>이 </a:t>
-            </a:r>
-            <a:r>
-              <a:rPr lang="en-US" altLang="ko-KR" sz="1400" b="1" dirty="0"/>
-              <a:t>commit </a:t>
-            </a:r>
-            <a:r>
-              <a:rPr lang="ko-KR" altLang="en-US" sz="1400" b="1" dirty="0"/>
-              <a:t>된 것을 확인한다</a:t>
-            </a:r>
-            <a:r>
-              <a:rPr lang="en-US" altLang="ko-KR" sz="1400" b="1" dirty="0"/>
-              <a:t>.</a:t>
-            </a:r>
-          </a:p>
-          <a:p>
-            <a:pPr fontAlgn="base">
-              <a:buFont typeface="+mj-lt"/>
-              <a:buAutoNum type="arabicPeriod"/>
-            </a:pPr>
-            <a:r>
-              <a:rPr lang="en-US" altLang="ko-KR" sz="1400" b="1" dirty="0"/>
-              <a:t>$ git log </a:t>
-            </a:r>
-            <a:r>
-              <a:rPr lang="ko-KR" altLang="en-US" sz="1400" b="1" dirty="0"/>
-              <a:t>명령으로 전체 </a:t>
-            </a:r>
-            <a:r>
-              <a:rPr lang="en-US" altLang="ko-KR" sz="1400" b="1" dirty="0"/>
-              <a:t>commit </a:t>
-            </a:r>
-            <a:r>
-              <a:rPr lang="ko-KR" altLang="en-US" sz="1400" b="1" dirty="0"/>
-              <a:t>된 로그를 확인한다</a:t>
-            </a:r>
-            <a:r>
-              <a:rPr lang="en-US" altLang="ko-KR" sz="1400" b="1" dirty="0"/>
-              <a:t>.</a:t>
-            </a:r>
-          </a:p>
-        </p:txBody>
-      </p:sp>
-    </p:spTree>
-    <p:extLst>
-      <p:ext uri="{BB962C8B-B14F-4D97-AF65-F5344CB8AC3E}">
-        <p14:creationId xmlns:p14="http://schemas.microsoft.com/office/powerpoint/2010/main" val="3491415827"/>
-      </p:ext>
-    </p:extLst>
-  </p:cSld>
-  <p:clrMapOvr>
-    <a:masterClrMapping/>
-  </p:clrMapOvr>
-</p:sld>
-</file>
-
-<file path=ppt/slides/slide12.xml><?xml version="1.0" encoding="utf-8"?>
-<p:sld xmlns:a="http://schemas.openxmlformats.org/drawingml/2006/main" xmlns:r="http://schemas.openxmlformats.org/officeDocument/2006/relationships" xmlns:p="http://schemas.openxmlformats.org/presentationml/2006/main">
-  <p:cSld>
-    <p:spTree>
-      <p:nvGrpSpPr>
-        <p:cNvPr id="1" name=""/>
-        <p:cNvGrpSpPr/>
-        <p:nvPr/>
-      </p:nvGrpSpPr>
-      <p:grpSpPr>
-        <a:xfrm>
-          <a:off x="0" y="0"/>
-          <a:ext cx="0" cy="0"/>
-          <a:chOff x="0" y="0"/>
-          <a:chExt cx="0" cy="0"/>
-        </a:xfrm>
-      </p:grpSpPr>
-      <p:sp>
-        <p:nvSpPr>
-          <p:cNvPr id="2" name="제목 1">
-            <a:extLst>
-              <a:ext uri="{FF2B5EF4-FFF2-40B4-BE49-F238E27FC236}">
-                <a16:creationId xmlns:a16="http://schemas.microsoft.com/office/drawing/2014/main" id="{E2871850-CF09-45E5-B263-C7D69F92B878}"/>
-              </a:ext>
-            </a:extLst>
-          </p:cNvPr>
-          <p:cNvSpPr>
-            <a:spLocks noGrp="1"/>
-          </p:cNvSpPr>
-          <p:nvPr>
-            <p:ph type="title"/>
-          </p:nvPr>
-        </p:nvSpPr>
-        <p:spPr>
-          <a:xfrm>
-            <a:off x="645130" y="389107"/>
-            <a:ext cx="9404723" cy="899004"/>
-          </a:xfrm>
-        </p:spPr>
-        <p:txBody>
-          <a:bodyPr anchor="ctr" anchorCtr="0"/>
-          <a:lstStyle/>
-          <a:p>
-            <a:r>
-              <a:rPr lang="en-US" altLang="ko-KR" sz="3600" dirty="0"/>
-              <a:t>Scenario 1-2</a:t>
-            </a:r>
-            <a:endParaRPr lang="ko-KR" altLang="en-US" sz="3600" dirty="0"/>
-          </a:p>
-        </p:txBody>
-      </p:sp>
-      <p:sp>
-        <p:nvSpPr>
-          <p:cNvPr id="3" name="내용 개체 틀 2">
-            <a:extLst>
-              <a:ext uri="{FF2B5EF4-FFF2-40B4-BE49-F238E27FC236}">
-                <a16:creationId xmlns:a16="http://schemas.microsoft.com/office/drawing/2014/main" id="{07429EB3-8B4E-466C-8ACA-0242AC361BE1}"/>
-              </a:ext>
-            </a:extLst>
-          </p:cNvPr>
-          <p:cNvSpPr>
-            <a:spLocks noGrp="1"/>
-          </p:cNvSpPr>
-          <p:nvPr>
-            <p:ph idx="1"/>
-          </p:nvPr>
-        </p:nvSpPr>
-        <p:spPr>
-          <a:xfrm>
-            <a:off x="645130" y="1474238"/>
-            <a:ext cx="11008805" cy="4774162"/>
-          </a:xfrm>
-        </p:spPr>
-        <p:txBody>
-          <a:bodyPr>
-            <a:normAutofit/>
-          </a:bodyPr>
-          <a:lstStyle/>
-          <a:p>
-            <a:pPr marL="0" indent="0" fontAlgn="base">
-              <a:buNone/>
-            </a:pPr>
-            <a:r>
-              <a:rPr lang="en-US" altLang="ko-KR" sz="1400" b="1" dirty="0">
-                <a:solidFill>
-                  <a:srgbClr val="FFFF00"/>
-                </a:solidFill>
-              </a:rPr>
-              <a:t>** </a:t>
-            </a:r>
-            <a:r>
-              <a:rPr lang="ko-KR" altLang="en-US" sz="1400" b="1" dirty="0">
-                <a:solidFill>
-                  <a:srgbClr val="FFFF00"/>
-                </a:solidFill>
-              </a:rPr>
-              <a:t>각 시나리오에서 스텝별로 </a:t>
-            </a:r>
-            <a:r>
-              <a:rPr lang="en-US" altLang="ko-KR" sz="1400" b="1" dirty="0">
-                <a:solidFill>
-                  <a:srgbClr val="FFFF00"/>
-                </a:solidFill>
-              </a:rPr>
-              <a:t>git status, git log, git show, git tag </a:t>
-            </a:r>
-            <a:r>
-              <a:rPr lang="ko-KR" altLang="en-US" sz="1400" b="1" dirty="0">
-                <a:solidFill>
-                  <a:srgbClr val="FFFF00"/>
-                </a:solidFill>
-              </a:rPr>
-              <a:t>등 수행하여 내용 확인하며 진행 요망</a:t>
-            </a:r>
-            <a:r>
-              <a:rPr lang="en-US" altLang="ko-KR" sz="1400" b="1" dirty="0">
-                <a:solidFill>
-                  <a:srgbClr val="FFFF00"/>
-                </a:solidFill>
-              </a:rPr>
-              <a:t>.</a:t>
-            </a:r>
-            <a:r>
-              <a:rPr lang="ko-KR" altLang="en-US" sz="1400" b="1" dirty="0">
-                <a:solidFill>
-                  <a:srgbClr val="FFFF00"/>
-                </a:solidFill>
-              </a:rPr>
-              <a:t> </a:t>
-            </a:r>
-            <a:endParaRPr lang="en-US" altLang="ko-KR" sz="1400" b="1" dirty="0">
-              <a:solidFill>
-                <a:srgbClr val="FFFF00"/>
-              </a:solidFill>
-            </a:endParaRPr>
-          </a:p>
-          <a:p>
-            <a:pPr fontAlgn="base">
-              <a:buFont typeface="+mj-lt"/>
-              <a:buAutoNum type="arabicPeriod"/>
-            </a:pPr>
-            <a:r>
-              <a:rPr lang="ko-KR" altLang="en-US" sz="1400" b="1" dirty="0"/>
-              <a:t>다시 </a:t>
-            </a:r>
-            <a:r>
-              <a:rPr lang="en-US" altLang="ko-KR" sz="1400" b="1" dirty="0"/>
-              <a:t>racos.txt </a:t>
-            </a:r>
-            <a:r>
-              <a:rPr lang="ko-KR" altLang="en-US" sz="1400" b="1" dirty="0"/>
-              <a:t>에 대해 이전과 동일한 부분을 이번에는 </a:t>
-            </a:r>
-            <a:r>
-              <a:rPr lang="en-US" altLang="ko-KR" sz="1400" b="1" dirty="0"/>
-              <a:t>“1-2”</a:t>
-            </a:r>
-            <a:r>
-              <a:rPr lang="ko-KR" altLang="en-US" sz="1400" b="1" dirty="0"/>
-              <a:t>로 수정하고 저장한다</a:t>
-            </a:r>
-            <a:r>
-              <a:rPr lang="en-US" altLang="ko-KR" sz="1400" b="1" dirty="0"/>
-              <a:t>.</a:t>
-            </a:r>
-          </a:p>
-          <a:p>
-            <a:pPr fontAlgn="base">
-              <a:buFont typeface="+mj-lt"/>
-              <a:buAutoNum type="arabicPeriod"/>
-            </a:pPr>
-            <a:r>
-              <a:rPr lang="en-US" altLang="ko-KR" sz="1400" b="1" dirty="0"/>
-              <a:t>$ git status </a:t>
-            </a:r>
-            <a:r>
-              <a:rPr lang="ko-KR" altLang="en-US" sz="1400" b="1" dirty="0"/>
-              <a:t>명령으로 상태를 확인하고 어떤 의미인지 이해한다</a:t>
-            </a:r>
-            <a:r>
-              <a:rPr lang="en-US" altLang="ko-KR" sz="1400" b="1" dirty="0"/>
-              <a:t>.</a:t>
-            </a:r>
-          </a:p>
-          <a:p>
-            <a:pPr fontAlgn="base">
-              <a:buFont typeface="+mj-lt"/>
-              <a:buAutoNum type="arabicPeriod"/>
-            </a:pPr>
-            <a:r>
-              <a:rPr lang="en-US" altLang="ko-KR" sz="1400" b="1" dirty="0"/>
-              <a:t>$ git add racos.txt </a:t>
-            </a:r>
-            <a:r>
-              <a:rPr lang="ko-KR" altLang="en-US" sz="1400" b="1" dirty="0"/>
-              <a:t>명령으로 </a:t>
-            </a:r>
-            <a:r>
-              <a:rPr lang="en-US" altLang="ko-KR" sz="1400" b="1" dirty="0"/>
-              <a:t>staging </a:t>
-            </a:r>
-            <a:r>
-              <a:rPr lang="ko-KR" altLang="en-US" sz="1400" b="1" dirty="0"/>
-              <a:t>한다</a:t>
-            </a:r>
-            <a:r>
-              <a:rPr lang="en-US" altLang="ko-KR" sz="1400" b="1" dirty="0"/>
-              <a:t>.</a:t>
-            </a:r>
-          </a:p>
-          <a:p>
-            <a:pPr fontAlgn="base">
-              <a:buFont typeface="+mj-lt"/>
-              <a:buAutoNum type="arabicPeriod"/>
-            </a:pPr>
-            <a:r>
-              <a:rPr lang="en-US" altLang="ko-KR" sz="1400" b="1" dirty="0"/>
-              <a:t>$ git status </a:t>
-            </a:r>
-            <a:r>
-              <a:rPr lang="ko-KR" altLang="en-US" sz="1400" b="1" dirty="0"/>
-              <a:t>명령으로 상태를 확인하고 어떤 의미인지 이해한다</a:t>
-            </a:r>
-            <a:r>
-              <a:rPr lang="en-US" altLang="ko-KR" sz="1400" b="1" dirty="0"/>
-              <a:t>.</a:t>
-            </a:r>
-          </a:p>
-          <a:p>
-            <a:pPr fontAlgn="base">
-              <a:buFont typeface="+mj-lt"/>
-              <a:buAutoNum type="arabicPeriod"/>
-            </a:pPr>
-            <a:r>
-              <a:rPr lang="ko-KR" altLang="en-US" sz="1400" b="1" dirty="0"/>
-              <a:t>이 때 </a:t>
-            </a:r>
-            <a:r>
-              <a:rPr lang="en-US" altLang="ko-KR" sz="1400" b="1" dirty="0"/>
-              <a:t>Working Dir</a:t>
-            </a:r>
-            <a:r>
-              <a:rPr lang="ko-KR" altLang="en-US" sz="1400" b="1" dirty="0"/>
-              <a:t>과 </a:t>
-            </a:r>
-            <a:r>
-              <a:rPr lang="en-US" altLang="ko-KR" sz="1400" b="1" dirty="0"/>
-              <a:t>Index, Head</a:t>
-            </a:r>
-            <a:r>
-              <a:rPr lang="ko-KR" altLang="en-US" sz="1400" b="1" dirty="0"/>
-              <a:t>는 어떤 정보들을 가지고 있는지 이해한다</a:t>
-            </a:r>
-            <a:r>
-              <a:rPr lang="en-US" altLang="ko-KR" sz="1400" b="1" dirty="0"/>
-              <a:t>.</a:t>
-            </a:r>
-          </a:p>
-          <a:p>
-            <a:pPr fontAlgn="base">
-              <a:buFont typeface="+mj-lt"/>
-              <a:buAutoNum type="arabicPeriod"/>
-            </a:pPr>
-            <a:r>
-              <a:rPr lang="en-US" altLang="ko-KR" sz="1400" b="1" dirty="0"/>
-              <a:t>$ git commit –m “</a:t>
-            </a:r>
-            <a:r>
-              <a:rPr lang="ko-KR" altLang="en-US" sz="1400" b="1" dirty="0"/>
-              <a:t>이번에는 </a:t>
-            </a:r>
-            <a:r>
-              <a:rPr lang="en-US" altLang="ko-KR" sz="1400" b="1" dirty="0"/>
-              <a:t>1-2</a:t>
-            </a:r>
-            <a:r>
-              <a:rPr lang="ko-KR" altLang="en-US" sz="1400" b="1" dirty="0"/>
-              <a:t>이며 첫번째 줄 추가 수정</a:t>
-            </a:r>
-            <a:r>
-              <a:rPr lang="en-US" altLang="ko-KR" sz="1400" b="1" dirty="0"/>
-              <a:t>”</a:t>
-            </a:r>
-          </a:p>
-          <a:p>
-            <a:pPr fontAlgn="base">
-              <a:buFont typeface="+mj-lt"/>
-              <a:buAutoNum type="arabicPeriod"/>
-            </a:pPr>
-            <a:r>
-              <a:rPr lang="en-US" altLang="ko-KR" sz="1400" b="1" dirty="0"/>
-              <a:t>$ git status </a:t>
-            </a:r>
-            <a:r>
-              <a:rPr lang="ko-KR" altLang="en-US" sz="1400" b="1" dirty="0"/>
-              <a:t>명령으로 상태를 확인하고 어떤 의미인지 이해한다</a:t>
-            </a:r>
-            <a:r>
-              <a:rPr lang="en-US" altLang="ko-KR" sz="1400" b="1" dirty="0"/>
-              <a:t>.</a:t>
-            </a:r>
-          </a:p>
-          <a:p>
-            <a:pPr fontAlgn="base">
-              <a:buFont typeface="+mj-lt"/>
-              <a:buAutoNum type="arabicPeriod"/>
-            </a:pPr>
-            <a:r>
-              <a:rPr lang="en-US" altLang="ko-KR" sz="1400" b="1" dirty="0"/>
-              <a:t>$ git log </a:t>
-            </a:r>
-            <a:r>
-              <a:rPr lang="ko-KR" altLang="en-US" sz="1400" b="1" dirty="0"/>
-              <a:t>명령으로 </a:t>
-            </a:r>
-            <a:r>
-              <a:rPr lang="en-US" altLang="ko-KR" sz="1400" b="1" dirty="0"/>
-              <a:t>commit </a:t>
-            </a:r>
-            <a:r>
-              <a:rPr lang="ko-KR" altLang="en-US" sz="1400" b="1" dirty="0"/>
-              <a:t>내역 확인한다</a:t>
-            </a:r>
-            <a:r>
-              <a:rPr lang="en-US" altLang="ko-KR" sz="1400" b="1" dirty="0"/>
-              <a:t>.</a:t>
-            </a:r>
-          </a:p>
-          <a:p>
-            <a:pPr fontAlgn="base">
-              <a:buFont typeface="+mj-lt"/>
-              <a:buAutoNum type="arabicPeriod"/>
-            </a:pPr>
-            <a:endParaRPr lang="en-US" altLang="ko-KR" sz="1400" b="1" dirty="0"/>
-          </a:p>
-        </p:txBody>
-      </p:sp>
-    </p:spTree>
-    <p:extLst>
-      <p:ext uri="{BB962C8B-B14F-4D97-AF65-F5344CB8AC3E}">
-        <p14:creationId xmlns:p14="http://schemas.microsoft.com/office/powerpoint/2010/main" val="1275241941"/>
-      </p:ext>
-    </p:extLst>
-  </p:cSld>
-  <p:clrMapOvr>
-    <a:masterClrMapping/>
-  </p:clrMapOvr>
-</p:sld>
-</file>
-
-<file path=ppt/slides/slide13.xml><?xml version="1.0" encoding="utf-8"?>
-<p:sld xmlns:a="http://schemas.openxmlformats.org/drawingml/2006/main" xmlns:r="http://schemas.openxmlformats.org/officeDocument/2006/relationships" xmlns:p="http://schemas.openxmlformats.org/presentationml/2006/main">
-  <p:cSld>
-    <p:spTree>
-      <p:nvGrpSpPr>
-        <p:cNvPr id="1" name=""/>
-        <p:cNvGrpSpPr/>
-        <p:nvPr/>
-      </p:nvGrpSpPr>
-      <p:grpSpPr>
-        <a:xfrm>
-          <a:off x="0" y="0"/>
-          <a:ext cx="0" cy="0"/>
-          <a:chOff x="0" y="0"/>
-          <a:chExt cx="0" cy="0"/>
-        </a:xfrm>
-      </p:grpSpPr>
-      <p:sp>
-        <p:nvSpPr>
-          <p:cNvPr id="2" name="제목 1">
-            <a:extLst>
-              <a:ext uri="{FF2B5EF4-FFF2-40B4-BE49-F238E27FC236}">
-                <a16:creationId xmlns:a16="http://schemas.microsoft.com/office/drawing/2014/main" id="{E2871850-CF09-45E5-B263-C7D69F92B878}"/>
-              </a:ext>
-            </a:extLst>
-          </p:cNvPr>
-          <p:cNvSpPr>
-            <a:spLocks noGrp="1"/>
-          </p:cNvSpPr>
-          <p:nvPr>
-            <p:ph type="title"/>
-          </p:nvPr>
-        </p:nvSpPr>
-        <p:spPr>
-          <a:xfrm>
-            <a:off x="645130" y="389107"/>
-            <a:ext cx="9404723" cy="899004"/>
-          </a:xfrm>
-        </p:spPr>
-        <p:txBody>
-          <a:bodyPr anchor="ctr" anchorCtr="0"/>
-          <a:lstStyle/>
-          <a:p>
-            <a:r>
-              <a:rPr lang="en-US" altLang="ko-KR" sz="3600" dirty="0"/>
-              <a:t>Scenario 1-3</a:t>
-            </a:r>
-            <a:endParaRPr lang="ko-KR" altLang="en-US" sz="3600" dirty="0"/>
-          </a:p>
-        </p:txBody>
-      </p:sp>
-      <p:sp>
-        <p:nvSpPr>
-          <p:cNvPr id="3" name="내용 개체 틀 2">
-            <a:extLst>
-              <a:ext uri="{FF2B5EF4-FFF2-40B4-BE49-F238E27FC236}">
-                <a16:creationId xmlns:a16="http://schemas.microsoft.com/office/drawing/2014/main" id="{07429EB3-8B4E-466C-8ACA-0242AC361BE1}"/>
-              </a:ext>
-            </a:extLst>
-          </p:cNvPr>
-          <p:cNvSpPr>
-            <a:spLocks noGrp="1"/>
-          </p:cNvSpPr>
-          <p:nvPr>
-            <p:ph idx="1"/>
-          </p:nvPr>
-        </p:nvSpPr>
-        <p:spPr>
-          <a:xfrm>
-            <a:off x="645130" y="1474238"/>
-            <a:ext cx="11008805" cy="4774162"/>
-          </a:xfrm>
-        </p:spPr>
-        <p:txBody>
-          <a:bodyPr>
-            <a:normAutofit/>
-          </a:bodyPr>
-          <a:lstStyle/>
-          <a:p>
-            <a:pPr marL="0" indent="0" fontAlgn="base">
-              <a:buNone/>
-            </a:pPr>
-            <a:r>
-              <a:rPr lang="en-US" altLang="ko-KR" sz="1400" b="1" dirty="0">
-                <a:solidFill>
-                  <a:srgbClr val="FFFF00"/>
-                </a:solidFill>
-              </a:rPr>
-              <a:t>** </a:t>
-            </a:r>
-            <a:r>
-              <a:rPr lang="ko-KR" altLang="en-US" sz="1400" b="1" dirty="0">
-                <a:solidFill>
-                  <a:srgbClr val="FFFF00"/>
-                </a:solidFill>
-              </a:rPr>
-              <a:t>각 시나리오에서 스텝별로 </a:t>
-            </a:r>
-            <a:r>
-              <a:rPr lang="en-US" altLang="ko-KR" sz="1400" b="1" dirty="0">
-                <a:solidFill>
-                  <a:srgbClr val="FFFF00"/>
-                </a:solidFill>
-              </a:rPr>
-              <a:t>git status, git log, git show, git tag </a:t>
-            </a:r>
-            <a:r>
-              <a:rPr lang="ko-KR" altLang="en-US" sz="1400" b="1" dirty="0">
-                <a:solidFill>
-                  <a:srgbClr val="FFFF00"/>
-                </a:solidFill>
-              </a:rPr>
-              <a:t>등 수행하여 내용 확인하며 진행 요망</a:t>
-            </a:r>
-            <a:r>
-              <a:rPr lang="en-US" altLang="ko-KR" sz="1400" b="1" dirty="0">
-                <a:solidFill>
-                  <a:srgbClr val="FFFF00"/>
-                </a:solidFill>
-              </a:rPr>
-              <a:t>.</a:t>
-            </a:r>
-            <a:r>
-              <a:rPr lang="ko-KR" altLang="en-US" sz="1400" b="1" dirty="0">
-                <a:solidFill>
-                  <a:srgbClr val="FFFF00"/>
-                </a:solidFill>
-              </a:rPr>
-              <a:t> </a:t>
-            </a:r>
-            <a:endParaRPr lang="en-US" altLang="ko-KR" sz="1400" b="1" dirty="0">
-              <a:solidFill>
-                <a:srgbClr val="FFFF00"/>
-              </a:solidFill>
-            </a:endParaRPr>
-          </a:p>
-          <a:p>
-            <a:pPr fontAlgn="base">
-              <a:buFont typeface="+mj-lt"/>
-              <a:buAutoNum type="arabicPeriod"/>
-            </a:pPr>
-            <a:r>
-              <a:rPr lang="ko-KR" altLang="en-US" sz="1400" b="1" dirty="0"/>
-              <a:t>다시 </a:t>
-            </a:r>
-            <a:r>
-              <a:rPr lang="en-US" altLang="ko-KR" sz="1400" b="1" dirty="0"/>
-              <a:t>racos.txt </a:t>
-            </a:r>
-            <a:r>
-              <a:rPr lang="ko-KR" altLang="en-US" sz="1400" b="1" dirty="0"/>
-              <a:t>에 대해 이전과 동일한 부분을 이번에는 </a:t>
-            </a:r>
-            <a:r>
-              <a:rPr lang="en-US" altLang="ko-KR" sz="1400" b="1" dirty="0"/>
-              <a:t>“1-3”</a:t>
-            </a:r>
-            <a:r>
-              <a:rPr lang="ko-KR" altLang="en-US" sz="1400" b="1" dirty="0"/>
-              <a:t>로 수정하고 저장한다</a:t>
-            </a:r>
-            <a:r>
-              <a:rPr lang="en-US" altLang="ko-KR" sz="1400" b="1" dirty="0"/>
-              <a:t>.</a:t>
-            </a:r>
-          </a:p>
-          <a:p>
-            <a:pPr fontAlgn="base">
-              <a:buFont typeface="+mj-lt"/>
-              <a:buAutoNum type="arabicPeriod"/>
-            </a:pPr>
-            <a:r>
-              <a:rPr lang="en-US" altLang="ko-KR" sz="1400" b="1" dirty="0"/>
-              <a:t>$ git status </a:t>
-            </a:r>
-            <a:r>
-              <a:rPr lang="ko-KR" altLang="en-US" sz="1400" b="1" dirty="0"/>
-              <a:t>명령으로 상태를 확인하고 어떤 의미인지 이해한다</a:t>
-            </a:r>
-            <a:r>
-              <a:rPr lang="en-US" altLang="ko-KR" sz="1400" b="1" dirty="0"/>
-              <a:t>.</a:t>
-            </a:r>
-          </a:p>
-          <a:p>
-            <a:pPr fontAlgn="base">
-              <a:buFont typeface="+mj-lt"/>
-              <a:buAutoNum type="arabicPeriod"/>
-            </a:pPr>
-            <a:r>
-              <a:rPr lang="en-US" altLang="ko-KR" sz="1400" b="1" dirty="0"/>
-              <a:t>$ git add racos.txt </a:t>
-            </a:r>
-            <a:r>
-              <a:rPr lang="ko-KR" altLang="en-US" sz="1400" b="1" dirty="0"/>
-              <a:t>명령으로 </a:t>
-            </a:r>
-            <a:r>
-              <a:rPr lang="en-US" altLang="ko-KR" sz="1400" b="1" dirty="0"/>
-              <a:t>staging </a:t>
-            </a:r>
-            <a:r>
-              <a:rPr lang="ko-KR" altLang="en-US" sz="1400" b="1" dirty="0"/>
-              <a:t>한다</a:t>
-            </a:r>
-            <a:r>
-              <a:rPr lang="en-US" altLang="ko-KR" sz="1400" b="1" dirty="0"/>
-              <a:t>.</a:t>
-            </a:r>
-          </a:p>
-          <a:p>
-            <a:pPr fontAlgn="base">
-              <a:buFont typeface="+mj-lt"/>
-              <a:buAutoNum type="arabicPeriod"/>
-            </a:pPr>
-            <a:r>
-              <a:rPr lang="en-US" altLang="ko-KR" sz="1400" b="1" dirty="0"/>
-              <a:t>$ git status </a:t>
-            </a:r>
-            <a:r>
-              <a:rPr lang="ko-KR" altLang="en-US" sz="1400" b="1" dirty="0"/>
-              <a:t>명령으로 상태를 확인하고 어떤 의미인지 이해한다</a:t>
-            </a:r>
-            <a:r>
-              <a:rPr lang="en-US" altLang="ko-KR" sz="1400" b="1" dirty="0"/>
-              <a:t>.</a:t>
-            </a:r>
-          </a:p>
-          <a:p>
-            <a:pPr fontAlgn="base">
-              <a:buFont typeface="+mj-lt"/>
-              <a:buAutoNum type="arabicPeriod"/>
-            </a:pPr>
-            <a:r>
-              <a:rPr lang="ko-KR" altLang="en-US" sz="1400" b="1" dirty="0"/>
-              <a:t>이 때 </a:t>
-            </a:r>
-            <a:r>
-              <a:rPr lang="en-US" altLang="ko-KR" sz="1400" b="1" dirty="0"/>
-              <a:t>Working Dir</a:t>
-            </a:r>
-            <a:r>
-              <a:rPr lang="ko-KR" altLang="en-US" sz="1400" b="1" dirty="0"/>
-              <a:t>과 </a:t>
-            </a:r>
-            <a:r>
-              <a:rPr lang="en-US" altLang="ko-KR" sz="1400" b="1" dirty="0"/>
-              <a:t>Index, Head</a:t>
-            </a:r>
-            <a:r>
-              <a:rPr lang="ko-KR" altLang="en-US" sz="1400" b="1" dirty="0"/>
-              <a:t>는 어떤 정보들을 가지고 있는지 이해한다</a:t>
-            </a:r>
-            <a:r>
-              <a:rPr lang="en-US" altLang="ko-KR" sz="1400" b="1" dirty="0"/>
-              <a:t>.</a:t>
-            </a:r>
-          </a:p>
-          <a:p>
-            <a:pPr fontAlgn="base">
-              <a:buFont typeface="+mj-lt"/>
-              <a:buAutoNum type="arabicPeriod"/>
-            </a:pPr>
-            <a:r>
-              <a:rPr lang="en-US" altLang="ko-KR" sz="1400" b="1" dirty="0"/>
-              <a:t>$ git commit –m “</a:t>
-            </a:r>
-            <a:r>
-              <a:rPr lang="ko-KR" altLang="en-US" sz="1400" b="1" dirty="0"/>
-              <a:t>이번에는 </a:t>
-            </a:r>
-            <a:r>
-              <a:rPr lang="en-US" altLang="ko-KR" sz="1400" b="1" dirty="0"/>
-              <a:t>1-3</a:t>
-            </a:r>
-            <a:r>
-              <a:rPr lang="ko-KR" altLang="en-US" sz="1400" b="1" dirty="0"/>
-              <a:t>이며 첫번째 줄</a:t>
-            </a:r>
-            <a:r>
-              <a:rPr lang="en-US" altLang="ko-KR" sz="1400" b="1" dirty="0"/>
-              <a:t> </a:t>
-            </a:r>
-            <a:r>
-              <a:rPr lang="ko-KR" altLang="en-US" sz="1400" b="1" dirty="0"/>
-              <a:t>부분 추가 수정</a:t>
-            </a:r>
-            <a:r>
-              <a:rPr lang="en-US" altLang="ko-KR" sz="1400" b="1" dirty="0"/>
-              <a:t>”</a:t>
-            </a:r>
-          </a:p>
-          <a:p>
-            <a:pPr fontAlgn="base">
-              <a:buFont typeface="+mj-lt"/>
-              <a:buAutoNum type="arabicPeriod"/>
-            </a:pPr>
-            <a:r>
-              <a:rPr lang="en-US" altLang="ko-KR" sz="1400" b="1" dirty="0"/>
-              <a:t>$ git status </a:t>
-            </a:r>
-            <a:r>
-              <a:rPr lang="ko-KR" altLang="en-US" sz="1400" b="1" dirty="0"/>
-              <a:t>명령으로 상태를 확인하고 어떤 의미인지 이해한다</a:t>
-            </a:r>
-            <a:r>
-              <a:rPr lang="en-US" altLang="ko-KR" sz="1400" b="1" dirty="0"/>
-              <a:t>.</a:t>
-            </a:r>
-          </a:p>
-          <a:p>
-            <a:pPr fontAlgn="base">
-              <a:buFont typeface="+mj-lt"/>
-              <a:buAutoNum type="arabicPeriod"/>
-            </a:pPr>
-            <a:r>
-              <a:rPr lang="en-US" altLang="ko-KR" sz="1400" b="1" dirty="0"/>
-              <a:t>$ git log </a:t>
-            </a:r>
-            <a:r>
-              <a:rPr lang="ko-KR" altLang="en-US" sz="1400" b="1" dirty="0"/>
-              <a:t>명령으로 </a:t>
-            </a:r>
-            <a:r>
-              <a:rPr lang="en-US" altLang="ko-KR" sz="1400" b="1" dirty="0"/>
-              <a:t>commit </a:t>
-            </a:r>
-            <a:r>
-              <a:rPr lang="ko-KR" altLang="en-US" sz="1400" b="1" dirty="0"/>
-              <a:t>내역 확인한다</a:t>
-            </a:r>
-            <a:r>
-              <a:rPr lang="en-US" altLang="ko-KR" sz="1400" b="1" dirty="0"/>
-              <a:t>.</a:t>
-            </a:r>
-          </a:p>
-          <a:p>
-            <a:pPr fontAlgn="base">
-              <a:buFont typeface="+mj-lt"/>
-              <a:buAutoNum type="arabicPeriod"/>
-            </a:pPr>
-            <a:r>
-              <a:rPr lang="en-US" altLang="ko-KR" sz="1400" b="1" dirty="0"/>
-              <a:t>$ git push origin main </a:t>
-            </a:r>
-            <a:r>
-              <a:rPr lang="ko-KR" altLang="en-US" sz="1400" b="1" dirty="0"/>
-              <a:t>명령으로 로컬저장소의 변경 내용을 원격 저장소에 저장한다</a:t>
-            </a:r>
-            <a:r>
-              <a:rPr lang="en-US" altLang="ko-KR" sz="1400" b="1" dirty="0"/>
-              <a:t>.</a:t>
-            </a:r>
-          </a:p>
-          <a:p>
-            <a:pPr fontAlgn="base">
-              <a:buFont typeface="+mj-lt"/>
-              <a:buAutoNum type="arabicPeriod"/>
-            </a:pPr>
-            <a:r>
-              <a:rPr lang="en-US" altLang="ko-KR" sz="1400" b="1" dirty="0" err="1"/>
-              <a:t>gitHub</a:t>
-            </a:r>
-            <a:r>
-              <a:rPr lang="ko-KR" altLang="en-US" sz="1400" b="1" dirty="0"/>
-              <a:t>에서 해당 </a:t>
-            </a:r>
-            <a:r>
-              <a:rPr lang="en-US" altLang="ko-KR" sz="1400" b="1" dirty="0"/>
-              <a:t>repository</a:t>
-            </a:r>
-            <a:r>
-              <a:rPr lang="ko-KR" altLang="en-US" sz="1400" b="1" dirty="0"/>
-              <a:t>에서 파일이 저장된 것을 확인한다</a:t>
-            </a:r>
-            <a:r>
-              <a:rPr lang="en-US" altLang="ko-KR" sz="1400" b="1" dirty="0"/>
-              <a:t>.</a:t>
-            </a:r>
-          </a:p>
-        </p:txBody>
-      </p:sp>
-    </p:spTree>
-    <p:extLst>
-      <p:ext uri="{BB962C8B-B14F-4D97-AF65-F5344CB8AC3E}">
-        <p14:creationId xmlns:p14="http://schemas.microsoft.com/office/powerpoint/2010/main" val="1200282192"/>
-      </p:ext>
-    </p:extLst>
-  </p:cSld>
-  <p:clrMapOvr>
-    <a:masterClrMapping/>
-  </p:clrMapOvr>
-</p:sld>
-</file>
-
-<file path=ppt/slides/slide14.xml><?xml version="1.0" encoding="utf-8"?>
-<p:sld xmlns:a="http://schemas.openxmlformats.org/drawingml/2006/main" xmlns:r="http://schemas.openxmlformats.org/officeDocument/2006/relationships" xmlns:p="http://schemas.openxmlformats.org/presentationml/2006/main">
-  <p:cSld>
-    <p:spTree>
-      <p:nvGrpSpPr>
-        <p:cNvPr id="1" name=""/>
-        <p:cNvGrpSpPr/>
-        <p:nvPr/>
-      </p:nvGrpSpPr>
-      <p:grpSpPr>
-        <a:xfrm>
-          <a:off x="0" y="0"/>
-          <a:ext cx="0" cy="0"/>
-          <a:chOff x="0" y="0"/>
-          <a:chExt cx="0" cy="0"/>
-        </a:xfrm>
-      </p:grpSpPr>
-      <p:sp>
-        <p:nvSpPr>
-          <p:cNvPr id="2" name="제목 1">
-            <a:extLst>
-              <a:ext uri="{FF2B5EF4-FFF2-40B4-BE49-F238E27FC236}">
-                <a16:creationId xmlns:a16="http://schemas.microsoft.com/office/drawing/2014/main" id="{E2871850-CF09-45E5-B263-C7D69F92B878}"/>
-              </a:ext>
-            </a:extLst>
-          </p:cNvPr>
-          <p:cNvSpPr>
-            <a:spLocks noGrp="1"/>
-          </p:cNvSpPr>
-          <p:nvPr>
-            <p:ph type="title"/>
-          </p:nvPr>
-        </p:nvSpPr>
-        <p:spPr>
-          <a:xfrm>
-            <a:off x="645130" y="389107"/>
-            <a:ext cx="9404723" cy="899004"/>
-          </a:xfrm>
-        </p:spPr>
-        <p:txBody>
-          <a:bodyPr anchor="ctr" anchorCtr="0"/>
-          <a:lstStyle/>
-          <a:p>
-            <a:r>
-              <a:rPr lang="en-US" altLang="ko-KR" sz="3600" dirty="0"/>
               <a:t>git  reset</a:t>
             </a:r>
             <a:endParaRPr lang="ko-KR" altLang="en-US" sz="3600" dirty="0"/>
@@ -11357,10 +9576,1867 @@
           </a:p>
         </p:txBody>
       </p:sp>
+      <p:sp>
+        <p:nvSpPr>
+          <p:cNvPr id="3" name="TextBox 2">
+            <a:extLst>
+              <a:ext uri="{FF2B5EF4-FFF2-40B4-BE49-F238E27FC236}">
+                <a16:creationId xmlns:a16="http://schemas.microsoft.com/office/drawing/2014/main" id="{D0274B47-EBF0-8733-3AF9-74390185CB62}"/>
+              </a:ext>
+            </a:extLst>
+          </p:cNvPr>
+          <p:cNvSpPr txBox="1"/>
+          <p:nvPr/>
+        </p:nvSpPr>
+        <p:spPr>
+          <a:xfrm>
+            <a:off x="2768005" y="1074211"/>
+            <a:ext cx="6655989" cy="307777"/>
+          </a:xfrm>
+          <a:prstGeom prst="rect">
+            <a:avLst/>
+          </a:prstGeom>
+          <a:noFill/>
+        </p:spPr>
+        <p:txBody>
+          <a:bodyPr wrap="none" rtlCol="0">
+            <a:spAutoFit/>
+          </a:bodyPr>
+          <a:lstStyle/>
+          <a:p>
+            <a:r>
+              <a:rPr lang="ko-KR" altLang="en-US" sz="1400" b="1" dirty="0">
+                <a:solidFill>
+                  <a:srgbClr val="FF0000"/>
+                </a:solidFill>
+              </a:rPr>
+              <a:t>여러 명이 원격저장소 사용하여 공유하는 경우에는 사용금지</a:t>
+            </a:r>
+            <a:r>
+              <a:rPr lang="en-US" altLang="ko-KR" sz="1400" b="1" dirty="0">
+                <a:solidFill>
+                  <a:srgbClr val="FF0000"/>
+                </a:solidFill>
+              </a:rPr>
+              <a:t>, </a:t>
+            </a:r>
+            <a:r>
+              <a:rPr lang="ko-KR" altLang="en-US" sz="1400" b="1" dirty="0">
+                <a:solidFill>
+                  <a:srgbClr val="FF0000"/>
+                </a:solidFill>
+              </a:rPr>
+              <a:t>대신 </a:t>
+            </a:r>
+            <a:r>
+              <a:rPr lang="en-US" altLang="ko-KR" sz="1400" b="1" dirty="0">
+                <a:solidFill>
+                  <a:srgbClr val="FF0000"/>
+                </a:solidFill>
+              </a:rPr>
+              <a:t>git revert </a:t>
+            </a:r>
+            <a:r>
+              <a:rPr lang="ko-KR" altLang="en-US" sz="1400" b="1" dirty="0">
+                <a:solidFill>
+                  <a:srgbClr val="FF0000"/>
+                </a:solidFill>
+              </a:rPr>
+              <a:t>사용</a:t>
+            </a:r>
+            <a:endParaRPr lang="en-US" sz="1400" b="1" dirty="0">
+              <a:solidFill>
+                <a:srgbClr val="FF0000"/>
+              </a:solidFill>
+            </a:endParaRPr>
+          </a:p>
+        </p:txBody>
+      </p:sp>
     </p:spTree>
     <p:extLst>
       <p:ext uri="{BB962C8B-B14F-4D97-AF65-F5344CB8AC3E}">
         <p14:creationId xmlns:p14="http://schemas.microsoft.com/office/powerpoint/2010/main" val="197782113"/>
+      </p:ext>
+    </p:extLst>
+  </p:cSld>
+  <p:clrMapOvr>
+    <a:masterClrMapping/>
+  </p:clrMapOvr>
+</p:sld>
+</file>
+
+<file path=ppt/slides/slide11.xml><?xml version="1.0" encoding="utf-8"?>
+<p:sld xmlns:a="http://schemas.openxmlformats.org/drawingml/2006/main" xmlns:r="http://schemas.openxmlformats.org/officeDocument/2006/relationships" xmlns:p="http://schemas.openxmlformats.org/presentationml/2006/main">
+  <p:cSld>
+    <p:spTree>
+      <p:nvGrpSpPr>
+        <p:cNvPr id="1" name=""/>
+        <p:cNvGrpSpPr/>
+        <p:nvPr/>
+      </p:nvGrpSpPr>
+      <p:grpSpPr>
+        <a:xfrm>
+          <a:off x="0" y="0"/>
+          <a:ext cx="0" cy="0"/>
+          <a:chOff x="0" y="0"/>
+          <a:chExt cx="0" cy="0"/>
+        </a:xfrm>
+      </p:grpSpPr>
+      <p:sp>
+        <p:nvSpPr>
+          <p:cNvPr id="2" name="제목 1">
+            <a:extLst>
+              <a:ext uri="{FF2B5EF4-FFF2-40B4-BE49-F238E27FC236}">
+                <a16:creationId xmlns:a16="http://schemas.microsoft.com/office/drawing/2014/main" id="{E2871850-CF09-45E5-B263-C7D69F92B878}"/>
+              </a:ext>
+            </a:extLst>
+          </p:cNvPr>
+          <p:cNvSpPr>
+            <a:spLocks noGrp="1"/>
+          </p:cNvSpPr>
+          <p:nvPr>
+            <p:ph type="title"/>
+          </p:nvPr>
+        </p:nvSpPr>
+        <p:spPr>
+          <a:xfrm>
+            <a:off x="645130" y="389107"/>
+            <a:ext cx="9404723" cy="899004"/>
+          </a:xfrm>
+        </p:spPr>
+        <p:txBody>
+          <a:bodyPr anchor="ctr" anchorCtr="0"/>
+          <a:lstStyle/>
+          <a:p>
+            <a:r>
+              <a:rPr lang="en-US" altLang="ko-KR" sz="3600" dirty="0"/>
+              <a:t>git  log</a:t>
+            </a:r>
+            <a:endParaRPr lang="ko-KR" altLang="en-US" sz="3600" dirty="0"/>
+          </a:p>
+        </p:txBody>
+      </p:sp>
+      <p:sp>
+        <p:nvSpPr>
+          <p:cNvPr id="3" name="내용 개체 틀 2">
+            <a:extLst>
+              <a:ext uri="{FF2B5EF4-FFF2-40B4-BE49-F238E27FC236}">
+                <a16:creationId xmlns:a16="http://schemas.microsoft.com/office/drawing/2014/main" id="{07429EB3-8B4E-466C-8ACA-0242AC361BE1}"/>
+              </a:ext>
+            </a:extLst>
+          </p:cNvPr>
+          <p:cNvSpPr>
+            <a:spLocks noGrp="1"/>
+          </p:cNvSpPr>
+          <p:nvPr>
+            <p:ph idx="1"/>
+          </p:nvPr>
+        </p:nvSpPr>
+        <p:spPr>
+          <a:xfrm>
+            <a:off x="645130" y="1474238"/>
+            <a:ext cx="11260731" cy="4774162"/>
+          </a:xfrm>
+        </p:spPr>
+        <p:txBody>
+          <a:bodyPr>
+            <a:normAutofit/>
+          </a:bodyPr>
+          <a:lstStyle/>
+          <a:p>
+            <a:pPr marL="0" indent="0">
+              <a:buNone/>
+            </a:pPr>
+            <a:r>
+              <a:rPr lang="en-US" altLang="ko-KR" sz="1600" dirty="0"/>
+              <a:t>commit log</a:t>
+            </a:r>
+            <a:endParaRPr lang="en-US" altLang="ko-KR" sz="1200" dirty="0"/>
+          </a:p>
+          <a:p>
+            <a:pPr marL="0" indent="0">
+              <a:buNone/>
+            </a:pPr>
+            <a:r>
+              <a:rPr lang="en-US" altLang="ko-KR" sz="1400" b="1" dirty="0">
+                <a:solidFill>
+                  <a:srgbClr val="FFFF00"/>
+                </a:solidFill>
+              </a:rPr>
+              <a:t>$ git log </a:t>
+            </a:r>
+            <a:r>
+              <a:rPr lang="en-US" altLang="ko-KR" sz="1400" b="1" dirty="0">
+                <a:solidFill>
+                  <a:schemeClr val="accent2">
+                    <a:lumMod val="40000"/>
+                    <a:lumOff val="60000"/>
+                  </a:schemeClr>
+                </a:solidFill>
+              </a:rPr>
+              <a:t>: </a:t>
+            </a:r>
+            <a:r>
+              <a:rPr lang="en-US" altLang="ko-KR" sz="1400" dirty="0"/>
+              <a:t> commit log </a:t>
+            </a:r>
+            <a:r>
+              <a:rPr lang="ko-KR" altLang="en-US" sz="1400" dirty="0"/>
+              <a:t>보여 줌</a:t>
+            </a:r>
+            <a:endParaRPr lang="en-US" altLang="ko-KR" sz="1400" dirty="0"/>
+          </a:p>
+          <a:p>
+            <a:pPr marL="0" indent="0">
+              <a:buNone/>
+            </a:pPr>
+            <a:r>
+              <a:rPr lang="en-US" altLang="ko-KR" sz="1400" b="1" dirty="0">
+                <a:solidFill>
+                  <a:srgbClr val="FFFF00"/>
+                </a:solidFill>
+              </a:rPr>
+              <a:t>$ git log -p </a:t>
+            </a:r>
+            <a:r>
+              <a:rPr lang="en-US" altLang="ko-KR" sz="1400" b="1" dirty="0">
+                <a:solidFill>
+                  <a:schemeClr val="accent2">
+                    <a:lumMod val="40000"/>
+                    <a:lumOff val="60000"/>
+                  </a:schemeClr>
+                </a:solidFill>
+              </a:rPr>
+              <a:t>: </a:t>
+            </a:r>
+            <a:r>
+              <a:rPr lang="en-US" altLang="ko-KR" sz="1400" dirty="0"/>
+              <a:t> </a:t>
+            </a:r>
+            <a:r>
+              <a:rPr lang="ko-KR" altLang="en-US" sz="1400" dirty="0"/>
+              <a:t>각 </a:t>
+            </a:r>
+            <a:r>
+              <a:rPr lang="en-US" altLang="ko-KR" sz="1400" dirty="0"/>
+              <a:t>commit</a:t>
+            </a:r>
+            <a:r>
+              <a:rPr lang="ko-KR" altLang="en-US" sz="1400" dirty="0"/>
+              <a:t>의 </a:t>
+            </a:r>
+            <a:r>
+              <a:rPr lang="en-US" altLang="ko-KR" sz="1400" dirty="0"/>
+              <a:t>diff </a:t>
+            </a:r>
+            <a:r>
+              <a:rPr lang="ko-KR" altLang="en-US" sz="1400" dirty="0"/>
+              <a:t>결과를 줄 단위로 보여줌</a:t>
+            </a:r>
+            <a:endParaRPr lang="en-US" altLang="ko-KR" sz="1400" dirty="0"/>
+          </a:p>
+          <a:p>
+            <a:pPr marL="0" indent="0">
+              <a:buNone/>
+            </a:pPr>
+            <a:r>
+              <a:rPr lang="en-US" altLang="ko-KR" sz="1400" b="1" dirty="0">
+                <a:solidFill>
+                  <a:srgbClr val="FFFF00"/>
+                </a:solidFill>
+              </a:rPr>
+              <a:t>$ git log -2 </a:t>
+            </a:r>
+            <a:r>
+              <a:rPr lang="en-US" altLang="ko-KR" sz="1400" b="1" dirty="0">
+                <a:solidFill>
+                  <a:schemeClr val="accent2">
+                    <a:lumMod val="40000"/>
+                    <a:lumOff val="60000"/>
+                  </a:schemeClr>
+                </a:solidFill>
+              </a:rPr>
+              <a:t>: </a:t>
+            </a:r>
+            <a:r>
+              <a:rPr lang="en-US" altLang="ko-KR" sz="1400" dirty="0"/>
+              <a:t> </a:t>
+            </a:r>
+            <a:r>
+              <a:rPr lang="ko-KR" altLang="en-US" sz="1400" dirty="0"/>
+              <a:t>최근에 </a:t>
+            </a:r>
+            <a:r>
+              <a:rPr lang="en-US" altLang="ko-KR" sz="1400" dirty="0"/>
+              <a:t>commit </a:t>
+            </a:r>
+            <a:r>
+              <a:rPr lang="ko-KR" altLang="en-US" sz="1400" dirty="0"/>
+              <a:t>된 </a:t>
+            </a:r>
+            <a:r>
+              <a:rPr lang="en-US" altLang="ko-KR" sz="1400" dirty="0"/>
+              <a:t>2</a:t>
+            </a:r>
+            <a:r>
+              <a:rPr lang="ko-KR" altLang="en-US" sz="1400" dirty="0"/>
+              <a:t>건에 대한 </a:t>
+            </a:r>
+            <a:r>
+              <a:rPr lang="en-US" altLang="ko-KR" sz="1400" dirty="0"/>
+              <a:t>log </a:t>
+            </a:r>
+            <a:r>
+              <a:rPr lang="ko-KR" altLang="en-US" sz="1400" dirty="0"/>
+              <a:t>보여 줌</a:t>
+            </a:r>
+            <a:endParaRPr lang="en-US" altLang="ko-KR" sz="1400" dirty="0"/>
+          </a:p>
+          <a:p>
+            <a:pPr marL="0" indent="0">
+              <a:buNone/>
+            </a:pPr>
+            <a:r>
+              <a:rPr lang="en-US" altLang="ko-KR" sz="1400" b="1" dirty="0">
+                <a:solidFill>
+                  <a:srgbClr val="FFFF00"/>
+                </a:solidFill>
+              </a:rPr>
+              <a:t>$ git log  -3  --pretty=</a:t>
+            </a:r>
+            <a:r>
+              <a:rPr lang="en-US" altLang="ko-KR" sz="1400" b="1" dirty="0" err="1">
+                <a:solidFill>
+                  <a:srgbClr val="FFFF00"/>
+                </a:solidFill>
+              </a:rPr>
+              <a:t>oneline</a:t>
+            </a:r>
+            <a:r>
+              <a:rPr lang="en-US" altLang="ko-KR" sz="1400" b="1" dirty="0">
+                <a:solidFill>
+                  <a:srgbClr val="FFFF00"/>
+                </a:solidFill>
+              </a:rPr>
+              <a:t> </a:t>
+            </a:r>
+            <a:r>
+              <a:rPr lang="en-US" altLang="ko-KR" sz="1400" b="1" dirty="0">
+                <a:solidFill>
+                  <a:schemeClr val="accent2">
+                    <a:lumMod val="40000"/>
+                    <a:lumOff val="60000"/>
+                  </a:schemeClr>
+                </a:solidFill>
+              </a:rPr>
+              <a:t>:  </a:t>
+            </a:r>
+            <a:r>
+              <a:rPr lang="ko-KR" altLang="en-US" sz="1400" dirty="0"/>
+              <a:t>최근에 </a:t>
+            </a:r>
+            <a:r>
+              <a:rPr lang="en-US" altLang="ko-KR" sz="1400" dirty="0"/>
+              <a:t>commit </a:t>
+            </a:r>
+            <a:r>
+              <a:rPr lang="ko-KR" altLang="en-US" sz="1400" dirty="0"/>
+              <a:t>된 </a:t>
+            </a:r>
+            <a:r>
+              <a:rPr lang="en-US" altLang="ko-KR" sz="1400" dirty="0"/>
+              <a:t>3</a:t>
+            </a:r>
+            <a:r>
+              <a:rPr lang="ko-KR" altLang="en-US" sz="1400" dirty="0"/>
+              <a:t>건에 대한 </a:t>
+            </a:r>
+            <a:r>
+              <a:rPr lang="en-US" altLang="ko-KR" sz="1400" dirty="0"/>
+              <a:t>log</a:t>
+            </a:r>
+            <a:r>
+              <a:rPr lang="ko-KR" altLang="en-US" sz="1400" dirty="0"/>
+              <a:t>를 한 줄로 축약해서 보여줌</a:t>
+            </a:r>
+            <a:endParaRPr lang="en-US" altLang="ko-KR" sz="1400" dirty="0"/>
+          </a:p>
+          <a:p>
+            <a:pPr marL="0" indent="0">
+              <a:buNone/>
+            </a:pPr>
+            <a:r>
+              <a:rPr lang="fr-FR" altLang="ko-KR" sz="1400" b="1" dirty="0">
+                <a:solidFill>
+                  <a:srgbClr val="FFFF00"/>
+                </a:solidFill>
+              </a:rPr>
+              <a:t>$ git log  --since= 2021-01-05 </a:t>
+            </a:r>
+            <a:r>
+              <a:rPr lang="fr-FR" altLang="ko-KR" sz="1400" b="1" dirty="0">
+                <a:solidFill>
+                  <a:schemeClr val="accent2">
+                    <a:lumMod val="40000"/>
+                    <a:lumOff val="60000"/>
+                  </a:schemeClr>
+                </a:solidFill>
+              </a:rPr>
+              <a:t>:  </a:t>
+            </a:r>
+            <a:r>
+              <a:rPr lang="en-US" altLang="ko-KR" sz="1400" dirty="0"/>
+              <a:t>2021</a:t>
+            </a:r>
+            <a:r>
+              <a:rPr lang="ko-KR" altLang="en-US" sz="1400" dirty="0"/>
+              <a:t>년 </a:t>
+            </a:r>
+            <a:r>
+              <a:rPr lang="en-US" altLang="ko-KR" sz="1400" dirty="0"/>
+              <a:t>1</a:t>
+            </a:r>
+            <a:r>
+              <a:rPr lang="ko-KR" altLang="en-US" sz="1400" dirty="0"/>
+              <a:t>월 </a:t>
+            </a:r>
+            <a:r>
+              <a:rPr lang="en-US" altLang="ko-KR" sz="1400" dirty="0"/>
+              <a:t>5</a:t>
+            </a:r>
+            <a:r>
+              <a:rPr lang="ko-KR" altLang="en-US" sz="1400" dirty="0"/>
+              <a:t>일 이후 </a:t>
+            </a:r>
+            <a:r>
+              <a:rPr lang="en-US" altLang="ko-KR" sz="1400" dirty="0"/>
+              <a:t>commit</a:t>
+            </a:r>
+            <a:r>
+              <a:rPr lang="ko-KR" altLang="en-US" sz="1400" dirty="0"/>
+              <a:t>된 </a:t>
+            </a:r>
+            <a:r>
+              <a:rPr lang="en-US" altLang="ko-KR" sz="1400" dirty="0"/>
+              <a:t>log </a:t>
+            </a:r>
+            <a:r>
+              <a:rPr lang="ko-KR" altLang="en-US" sz="1400" dirty="0"/>
+              <a:t>보여줌 </a:t>
+            </a:r>
+            <a:r>
+              <a:rPr lang="en-US" altLang="ko-KR" sz="1400" dirty="0"/>
+              <a:t>(after, before, until)</a:t>
+            </a:r>
+          </a:p>
+          <a:p>
+            <a:pPr marL="0" indent="0">
+              <a:buNone/>
+            </a:pPr>
+            <a:r>
+              <a:rPr lang="fr-FR" altLang="ko-KR" sz="1400" b="1" dirty="0">
+                <a:solidFill>
+                  <a:srgbClr val="FFFF00"/>
+                </a:solidFill>
+              </a:rPr>
+              <a:t>$ git log  --author=username </a:t>
+            </a:r>
+            <a:r>
+              <a:rPr lang="fr-FR" altLang="ko-KR" sz="1400" b="1" dirty="0">
+                <a:solidFill>
+                  <a:schemeClr val="accent2">
+                    <a:lumMod val="40000"/>
+                    <a:lumOff val="60000"/>
+                  </a:schemeClr>
+                </a:solidFill>
+              </a:rPr>
+              <a:t>:  </a:t>
+            </a:r>
+            <a:r>
+              <a:rPr lang="en-US" altLang="ko-KR" sz="1400" dirty="0"/>
+              <a:t>2021</a:t>
+            </a:r>
+            <a:r>
+              <a:rPr lang="ko-KR" altLang="en-US" sz="1400" dirty="0"/>
+              <a:t>년 </a:t>
+            </a:r>
+            <a:r>
+              <a:rPr lang="en-US" altLang="ko-KR" sz="1400" dirty="0"/>
+              <a:t>1</a:t>
+            </a:r>
+            <a:r>
+              <a:rPr lang="ko-KR" altLang="en-US" sz="1400" dirty="0"/>
+              <a:t>월 </a:t>
+            </a:r>
+            <a:r>
+              <a:rPr lang="en-US" altLang="ko-KR" sz="1400" dirty="0"/>
+              <a:t>5</a:t>
+            </a:r>
+            <a:r>
+              <a:rPr lang="ko-KR" altLang="en-US" sz="1400" dirty="0"/>
+              <a:t>일 이후 </a:t>
+            </a:r>
+            <a:r>
+              <a:rPr lang="en-US" altLang="ko-KR" sz="1400" dirty="0"/>
+              <a:t>commit</a:t>
+            </a:r>
+            <a:r>
+              <a:rPr lang="ko-KR" altLang="en-US" sz="1400" dirty="0"/>
+              <a:t>된 </a:t>
+            </a:r>
+            <a:r>
+              <a:rPr lang="en-US" altLang="ko-KR" sz="1400" dirty="0"/>
+              <a:t>log </a:t>
+            </a:r>
+            <a:r>
+              <a:rPr lang="ko-KR" altLang="en-US" sz="1400" dirty="0"/>
+              <a:t>보여줌 </a:t>
+            </a:r>
+            <a:r>
+              <a:rPr lang="en-US" altLang="ko-KR" sz="1400" dirty="0"/>
+              <a:t>(after, before, until)</a:t>
+            </a:r>
+          </a:p>
+          <a:p>
+            <a:pPr marL="0" indent="0">
+              <a:buNone/>
+            </a:pPr>
+            <a:r>
+              <a:rPr lang="fr-FR" altLang="ko-KR" sz="1400" b="1" dirty="0">
+                <a:solidFill>
+                  <a:srgbClr val="FFFF00"/>
+                </a:solidFill>
+              </a:rPr>
+              <a:t>$ git log  ./1.html  ./2.html </a:t>
+            </a:r>
+            <a:r>
+              <a:rPr lang="fr-FR" altLang="ko-KR" sz="1400" b="1" dirty="0">
+                <a:solidFill>
+                  <a:schemeClr val="accent2">
+                    <a:lumMod val="40000"/>
+                    <a:lumOff val="60000"/>
+                  </a:schemeClr>
+                </a:solidFill>
+              </a:rPr>
+              <a:t>:  </a:t>
+            </a:r>
+            <a:r>
+              <a:rPr lang="en-US" altLang="ko-KR" sz="1400" dirty="0"/>
+              <a:t>1.html</a:t>
+            </a:r>
+            <a:r>
+              <a:rPr lang="ko-KR" altLang="en-US" sz="1400" dirty="0"/>
+              <a:t>과 </a:t>
+            </a:r>
+            <a:r>
+              <a:rPr lang="en-US" altLang="ko-KR" sz="1400" dirty="0"/>
+              <a:t>2.html</a:t>
+            </a:r>
+            <a:r>
+              <a:rPr lang="ko-KR" altLang="en-US" sz="1400" dirty="0"/>
+              <a:t>을 포함한 </a:t>
+            </a:r>
+            <a:r>
+              <a:rPr lang="en-US" altLang="ko-KR" sz="1400" dirty="0"/>
+              <a:t>commit log</a:t>
+            </a:r>
+            <a:r>
+              <a:rPr lang="ko-KR" altLang="en-US" sz="1400" dirty="0"/>
+              <a:t>를 보여줌</a:t>
+            </a:r>
+            <a:endParaRPr lang="en-US" altLang="ko-KR" sz="1400" dirty="0"/>
+          </a:p>
+          <a:p>
+            <a:pPr marL="0" indent="0">
+              <a:buNone/>
+            </a:pPr>
+            <a:endParaRPr lang="en-US" altLang="ko-KR" sz="1200" dirty="0"/>
+          </a:p>
+          <a:p>
+            <a:pPr marL="0" indent="0">
+              <a:buNone/>
+            </a:pPr>
+            <a:endParaRPr lang="fr-FR" altLang="ko-KR" sz="1400" b="1" dirty="0">
+              <a:solidFill>
+                <a:srgbClr val="FFFF00"/>
+              </a:solidFill>
+            </a:endParaRPr>
+          </a:p>
+        </p:txBody>
+      </p:sp>
+    </p:spTree>
+    <p:extLst>
+      <p:ext uri="{BB962C8B-B14F-4D97-AF65-F5344CB8AC3E}">
+        <p14:creationId xmlns:p14="http://schemas.microsoft.com/office/powerpoint/2010/main" val="381880285"/>
+      </p:ext>
+    </p:extLst>
+  </p:cSld>
+  <p:clrMapOvr>
+    <a:masterClrMapping/>
+  </p:clrMapOvr>
+</p:sld>
+</file>
+
+<file path=ppt/slides/slide12.xml><?xml version="1.0" encoding="utf-8"?>
+<p:sld xmlns:a="http://schemas.openxmlformats.org/drawingml/2006/main" xmlns:r="http://schemas.openxmlformats.org/officeDocument/2006/relationships" xmlns:p="http://schemas.openxmlformats.org/presentationml/2006/main">
+  <p:cSld>
+    <p:spTree>
+      <p:nvGrpSpPr>
+        <p:cNvPr id="1" name=""/>
+        <p:cNvGrpSpPr/>
+        <p:nvPr/>
+      </p:nvGrpSpPr>
+      <p:grpSpPr>
+        <a:xfrm>
+          <a:off x="0" y="0"/>
+          <a:ext cx="0" cy="0"/>
+          <a:chOff x="0" y="0"/>
+          <a:chExt cx="0" cy="0"/>
+        </a:xfrm>
+      </p:grpSpPr>
+      <p:sp>
+        <p:nvSpPr>
+          <p:cNvPr id="2" name="제목 1">
+            <a:extLst>
+              <a:ext uri="{FF2B5EF4-FFF2-40B4-BE49-F238E27FC236}">
+                <a16:creationId xmlns:a16="http://schemas.microsoft.com/office/drawing/2014/main" id="{E2871850-CF09-45E5-B263-C7D69F92B878}"/>
+              </a:ext>
+            </a:extLst>
+          </p:cNvPr>
+          <p:cNvSpPr>
+            <a:spLocks noGrp="1"/>
+          </p:cNvSpPr>
+          <p:nvPr>
+            <p:ph type="title"/>
+          </p:nvPr>
+        </p:nvSpPr>
+        <p:spPr>
+          <a:xfrm>
+            <a:off x="645130" y="389107"/>
+            <a:ext cx="9404723" cy="899004"/>
+          </a:xfrm>
+        </p:spPr>
+        <p:txBody>
+          <a:bodyPr anchor="ctr" anchorCtr="0"/>
+          <a:lstStyle/>
+          <a:p>
+            <a:r>
+              <a:rPr lang="en-US" altLang="ko-KR" sz="3600" dirty="0"/>
+              <a:t>Scenario 1-1</a:t>
+            </a:r>
+            <a:endParaRPr lang="ko-KR" altLang="en-US" sz="3600" dirty="0"/>
+          </a:p>
+        </p:txBody>
+      </p:sp>
+      <p:sp>
+        <p:nvSpPr>
+          <p:cNvPr id="3" name="내용 개체 틀 2">
+            <a:extLst>
+              <a:ext uri="{FF2B5EF4-FFF2-40B4-BE49-F238E27FC236}">
+                <a16:creationId xmlns:a16="http://schemas.microsoft.com/office/drawing/2014/main" id="{07429EB3-8B4E-466C-8ACA-0242AC361BE1}"/>
+              </a:ext>
+            </a:extLst>
+          </p:cNvPr>
+          <p:cNvSpPr>
+            <a:spLocks noGrp="1"/>
+          </p:cNvSpPr>
+          <p:nvPr>
+            <p:ph idx="1"/>
+          </p:nvPr>
+        </p:nvSpPr>
+        <p:spPr>
+          <a:xfrm>
+            <a:off x="645130" y="1474238"/>
+            <a:ext cx="11008805" cy="4774162"/>
+          </a:xfrm>
+        </p:spPr>
+        <p:txBody>
+          <a:bodyPr>
+            <a:normAutofit/>
+          </a:bodyPr>
+          <a:lstStyle/>
+          <a:p>
+            <a:pPr marL="0" indent="0" fontAlgn="base">
+              <a:buNone/>
+            </a:pPr>
+            <a:r>
+              <a:rPr lang="en-US" altLang="ko-KR" sz="1400" b="1" dirty="0">
+                <a:solidFill>
+                  <a:srgbClr val="FFFF00"/>
+                </a:solidFill>
+              </a:rPr>
+              <a:t>** </a:t>
+            </a:r>
+            <a:r>
+              <a:rPr lang="ko-KR" altLang="en-US" sz="1400" b="1" dirty="0">
+                <a:solidFill>
+                  <a:srgbClr val="FFFF00"/>
+                </a:solidFill>
+              </a:rPr>
+              <a:t>각 시나리오에서 스텝별로 </a:t>
+            </a:r>
+            <a:r>
+              <a:rPr lang="en-US" altLang="ko-KR" sz="1400" b="1" dirty="0">
+                <a:solidFill>
+                  <a:srgbClr val="FFFF00"/>
+                </a:solidFill>
+              </a:rPr>
+              <a:t>git status, git log, git show, git tag </a:t>
+            </a:r>
+            <a:r>
+              <a:rPr lang="ko-KR" altLang="en-US" sz="1400" b="1" dirty="0">
+                <a:solidFill>
+                  <a:srgbClr val="FFFF00"/>
+                </a:solidFill>
+              </a:rPr>
+              <a:t>등 수행하여 내용 확인하며 진행 요망</a:t>
+            </a:r>
+            <a:r>
+              <a:rPr lang="en-US" altLang="ko-KR" sz="1400" b="1" dirty="0">
+                <a:solidFill>
+                  <a:srgbClr val="FFFF00"/>
+                </a:solidFill>
+              </a:rPr>
+              <a:t>.</a:t>
+            </a:r>
+            <a:r>
+              <a:rPr lang="ko-KR" altLang="en-US" sz="1400" b="1" dirty="0">
+                <a:solidFill>
+                  <a:srgbClr val="FFFF00"/>
+                </a:solidFill>
+              </a:rPr>
+              <a:t> </a:t>
+            </a:r>
+            <a:endParaRPr lang="en-US" altLang="ko-KR" sz="1400" b="1" dirty="0">
+              <a:solidFill>
+                <a:srgbClr val="FFFF00"/>
+              </a:solidFill>
+            </a:endParaRPr>
+          </a:p>
+          <a:p>
+            <a:pPr fontAlgn="base">
+              <a:buFont typeface="+mj-lt"/>
+              <a:buAutoNum type="arabicPeriod"/>
+            </a:pPr>
+            <a:r>
+              <a:rPr lang="ko-KR" altLang="en-US" sz="1400" b="1" dirty="0"/>
+              <a:t>본인이 테스트 할 적당한 위치에 </a:t>
+            </a:r>
+            <a:r>
+              <a:rPr lang="en-US" altLang="ko-KR" sz="1400" b="1" dirty="0" err="1"/>
+              <a:t>gitTest</a:t>
+            </a:r>
+            <a:r>
+              <a:rPr lang="en-US" altLang="ko-KR" sz="1400" b="1" dirty="0"/>
+              <a:t> </a:t>
+            </a:r>
+            <a:r>
+              <a:rPr lang="ko-KR" altLang="en-US" sz="1400" b="1" dirty="0"/>
+              <a:t>이라는 폴더를 생성한다</a:t>
+            </a:r>
+            <a:endParaRPr lang="en-US" altLang="ko-KR" sz="1400" b="1" dirty="0"/>
+          </a:p>
+          <a:p>
+            <a:pPr fontAlgn="base">
+              <a:buFont typeface="+mj-lt"/>
+              <a:buAutoNum type="arabicPeriod"/>
+            </a:pPr>
+            <a:r>
+              <a:rPr lang="en-US" altLang="ko-KR" sz="1400" b="1" dirty="0"/>
+              <a:t>$ git </a:t>
+            </a:r>
+            <a:r>
+              <a:rPr lang="en-US" altLang="ko-KR" sz="1400" b="1" dirty="0" err="1"/>
+              <a:t>init</a:t>
+            </a:r>
+            <a:r>
+              <a:rPr lang="ko-KR" altLang="en-US" sz="1400" b="1" dirty="0"/>
+              <a:t>으로 새로운 저장소와 </a:t>
+            </a:r>
+            <a:r>
+              <a:rPr lang="en-US" altLang="ko-KR" sz="1400" b="1" dirty="0"/>
+              <a:t>main Branch</a:t>
+            </a:r>
+            <a:r>
+              <a:rPr lang="ko-KR" altLang="en-US" sz="1400" b="1" dirty="0"/>
+              <a:t>를 생성한다</a:t>
+            </a:r>
+            <a:r>
+              <a:rPr lang="en-US" altLang="ko-KR" sz="1400" b="1" dirty="0"/>
+              <a:t>. (</a:t>
+            </a:r>
+            <a:r>
+              <a:rPr lang="ko-KR" altLang="en-US" sz="1400" b="1" dirty="0"/>
+              <a:t>만약 기본 </a:t>
+            </a:r>
+            <a:r>
+              <a:rPr lang="en-US" altLang="ko-KR" sz="1400" b="1" dirty="0"/>
+              <a:t>Branch</a:t>
+            </a:r>
+            <a:r>
+              <a:rPr lang="ko-KR" altLang="en-US" sz="1400" b="1" dirty="0"/>
+              <a:t>가 </a:t>
+            </a:r>
+            <a:r>
+              <a:rPr lang="en-US" altLang="ko-KR" sz="1400" b="1" dirty="0"/>
+              <a:t>“master” </a:t>
+            </a:r>
+            <a:r>
+              <a:rPr lang="ko-KR" altLang="en-US" sz="1400" b="1" dirty="0"/>
+              <a:t>이면 </a:t>
+            </a:r>
+            <a:r>
+              <a:rPr lang="en-US" altLang="ko-KR" sz="1400" b="1" dirty="0"/>
+              <a:t>“main”</a:t>
+            </a:r>
+            <a:r>
+              <a:rPr lang="ko-KR" altLang="en-US" sz="1400" b="1" dirty="0"/>
+              <a:t>으로 변경할 것</a:t>
+            </a:r>
+            <a:r>
+              <a:rPr lang="en-US" altLang="ko-KR" sz="1400" b="1" dirty="0"/>
+              <a:t>)</a:t>
+            </a:r>
+          </a:p>
+          <a:p>
+            <a:pPr fontAlgn="base">
+              <a:buFont typeface="+mj-lt"/>
+              <a:buAutoNum type="arabicPeriod"/>
+            </a:pPr>
+            <a:r>
+              <a:rPr lang="ko-KR" altLang="en-US" sz="1400" b="1" dirty="0"/>
+              <a:t>최초 </a:t>
+            </a:r>
+            <a:r>
+              <a:rPr lang="en-US" altLang="ko-KR" sz="1400" b="1" dirty="0"/>
+              <a:t>Local </a:t>
+            </a:r>
+            <a:r>
+              <a:rPr lang="ko-KR" altLang="en-US" sz="1400" b="1" dirty="0"/>
+              <a:t>파일 </a:t>
+            </a:r>
+            <a:r>
+              <a:rPr lang="en-US" altLang="ko-KR" sz="1400" b="1" dirty="0"/>
+              <a:t>1</a:t>
+            </a:r>
+            <a:r>
+              <a:rPr lang="ko-KR" altLang="en-US" sz="1400" b="1" dirty="0"/>
+              <a:t>개 작성</a:t>
+            </a:r>
+            <a:r>
+              <a:rPr lang="en-US" altLang="ko-KR" sz="1400" b="1" dirty="0"/>
+              <a:t>(racos.txt)</a:t>
+            </a:r>
+            <a:r>
+              <a:rPr lang="ko-KR" altLang="en-US" sz="1400" b="1" dirty="0"/>
+              <a:t>하여 </a:t>
+            </a:r>
+            <a:r>
+              <a:rPr lang="en-US" altLang="ko-KR" sz="1400" b="1" dirty="0" err="1"/>
+              <a:t>gitTest</a:t>
+            </a:r>
+            <a:r>
+              <a:rPr lang="en-US" altLang="ko-KR" sz="1400" b="1" dirty="0"/>
+              <a:t> </a:t>
+            </a:r>
+            <a:r>
+              <a:rPr lang="ko-KR" altLang="en-US" sz="1400" b="1" dirty="0"/>
+              <a:t>폴더에 복사한다</a:t>
+            </a:r>
+            <a:r>
+              <a:rPr lang="en-US" altLang="ko-KR" sz="1400" b="1" dirty="0"/>
+              <a:t>.</a:t>
+            </a:r>
+          </a:p>
+          <a:p>
+            <a:pPr fontAlgn="base">
+              <a:buFont typeface="+mj-lt"/>
+              <a:buAutoNum type="arabicPeriod"/>
+            </a:pPr>
+            <a:r>
+              <a:rPr lang="en-US" altLang="ko-KR" sz="1400" b="1" dirty="0"/>
+              <a:t>$ git status </a:t>
+            </a:r>
+            <a:r>
+              <a:rPr lang="ko-KR" altLang="en-US" sz="1400" b="1" dirty="0"/>
+              <a:t>명령으로 </a:t>
+            </a:r>
+            <a:r>
+              <a:rPr lang="en-US" altLang="ko-KR" sz="1400" b="1" dirty="0"/>
+              <a:t>racos.txt </a:t>
+            </a:r>
+            <a:r>
+              <a:rPr lang="ko-KR" altLang="en-US" sz="1400" b="1" dirty="0"/>
+              <a:t>파일이 </a:t>
+            </a:r>
+            <a:r>
+              <a:rPr lang="en-US" altLang="ko-KR" sz="1400" b="1" dirty="0"/>
+              <a:t>Untracked file </a:t>
+            </a:r>
+            <a:r>
+              <a:rPr lang="ko-KR" altLang="en-US" sz="1400" b="1" dirty="0"/>
+              <a:t>인 것을 확인하고 </a:t>
+            </a:r>
+            <a:r>
+              <a:rPr lang="en-US" altLang="ko-KR" sz="1400" b="1" dirty="0"/>
+              <a:t>Untracked file</a:t>
+            </a:r>
+            <a:r>
+              <a:rPr lang="ko-KR" altLang="en-US" sz="1400" b="1" dirty="0"/>
+              <a:t>의 의미를 이해한다</a:t>
+            </a:r>
+            <a:r>
+              <a:rPr lang="en-US" altLang="ko-KR" sz="1400" b="1" dirty="0"/>
+              <a:t>.</a:t>
+            </a:r>
+          </a:p>
+          <a:p>
+            <a:pPr fontAlgn="base">
+              <a:buFont typeface="+mj-lt"/>
+              <a:buAutoNum type="arabicPeriod"/>
+            </a:pPr>
+            <a:r>
+              <a:rPr lang="en-US" altLang="ko-KR" sz="1400" b="1" dirty="0"/>
+              <a:t>racos.txt </a:t>
+            </a:r>
+            <a:r>
+              <a:rPr lang="ko-KR" altLang="en-US" sz="1400" b="1" dirty="0"/>
+              <a:t>파일의 첫번째 줄 내용을 </a:t>
+            </a:r>
+            <a:r>
+              <a:rPr lang="en-US" altLang="ko-KR" sz="1400" b="1" dirty="0"/>
+              <a:t>“1-1”</a:t>
+            </a:r>
+            <a:r>
+              <a:rPr lang="ko-KR" altLang="en-US" sz="1400" b="1" dirty="0"/>
+              <a:t>으로 수정하고 저장한다</a:t>
+            </a:r>
+            <a:r>
+              <a:rPr lang="en-US" altLang="ko-KR" sz="1400" b="1" dirty="0"/>
+              <a:t>.</a:t>
+            </a:r>
+          </a:p>
+          <a:p>
+            <a:pPr fontAlgn="base">
+              <a:buFont typeface="+mj-lt"/>
+              <a:buAutoNum type="arabicPeriod"/>
+            </a:pPr>
+            <a:r>
+              <a:rPr lang="en-US" altLang="ko-KR" sz="1400" b="1" dirty="0"/>
+              <a:t>$ git add racos.txt </a:t>
+            </a:r>
+            <a:r>
+              <a:rPr lang="ko-KR" altLang="en-US" sz="1400" b="1" dirty="0"/>
+              <a:t>명령으로 </a:t>
+            </a:r>
+            <a:r>
+              <a:rPr lang="en-US" altLang="ko-KR" sz="1400" b="1" dirty="0"/>
+              <a:t>racos.txt </a:t>
+            </a:r>
+            <a:r>
+              <a:rPr lang="ko-KR" altLang="en-US" sz="1400" b="1" dirty="0"/>
+              <a:t>파일을 </a:t>
+            </a:r>
+            <a:r>
+              <a:rPr lang="en-US" altLang="ko-KR" sz="1400" b="1" dirty="0"/>
+              <a:t>staging(index</a:t>
+            </a:r>
+            <a:r>
+              <a:rPr lang="ko-KR" altLang="en-US" sz="1400" b="1" dirty="0"/>
+              <a:t>에 등록</a:t>
+            </a:r>
+            <a:r>
+              <a:rPr lang="en-US" altLang="ko-KR" sz="1400" b="1" dirty="0"/>
+              <a:t>) </a:t>
+            </a:r>
+            <a:r>
+              <a:rPr lang="ko-KR" altLang="en-US" sz="1400" b="1" dirty="0"/>
+              <a:t>한다</a:t>
+            </a:r>
+            <a:r>
+              <a:rPr lang="en-US" altLang="ko-KR" sz="1400" b="1" dirty="0"/>
+              <a:t>.</a:t>
+            </a:r>
+          </a:p>
+          <a:p>
+            <a:pPr fontAlgn="base">
+              <a:buFont typeface="+mj-lt"/>
+              <a:buAutoNum type="arabicPeriod"/>
+            </a:pPr>
+            <a:r>
+              <a:rPr lang="en-US" altLang="ko-KR" sz="1400" b="1" dirty="0"/>
+              <a:t>$ git status </a:t>
+            </a:r>
+            <a:r>
+              <a:rPr lang="ko-KR" altLang="en-US" sz="1400" b="1" dirty="0"/>
+              <a:t>명령으로 </a:t>
+            </a:r>
+            <a:r>
+              <a:rPr lang="en-US" altLang="ko-KR" sz="1400" b="1" dirty="0"/>
+              <a:t>staging </a:t>
+            </a:r>
+            <a:r>
+              <a:rPr lang="ko-KR" altLang="en-US" sz="1400" b="1" dirty="0"/>
+              <a:t>된 것을 확인한다</a:t>
+            </a:r>
+            <a:r>
+              <a:rPr lang="en-US" altLang="ko-KR" sz="1400" b="1" dirty="0"/>
+              <a:t>.</a:t>
+            </a:r>
+          </a:p>
+          <a:p>
+            <a:pPr fontAlgn="base">
+              <a:buFont typeface="+mj-lt"/>
+              <a:buAutoNum type="arabicPeriod"/>
+            </a:pPr>
+            <a:r>
+              <a:rPr lang="en-US" altLang="ko-KR" sz="1400" b="1" dirty="0"/>
+              <a:t>$ git commit –m “</a:t>
+            </a:r>
+            <a:r>
+              <a:rPr lang="ko-KR" altLang="en-US" sz="1400" b="1" dirty="0"/>
+              <a:t>이것은 </a:t>
+            </a:r>
+            <a:r>
+              <a:rPr lang="en-US" altLang="ko-KR" sz="1400" b="1" dirty="0"/>
+              <a:t>1-1</a:t>
+            </a:r>
+            <a:r>
+              <a:rPr lang="ko-KR" altLang="en-US" sz="1400" b="1" dirty="0"/>
+              <a:t>이고 첫번째줄 수정했음</a:t>
+            </a:r>
+            <a:r>
+              <a:rPr lang="en-US" altLang="ko-KR" sz="1400" b="1" dirty="0"/>
+              <a:t>” </a:t>
+            </a:r>
+            <a:r>
+              <a:rPr lang="ko-KR" altLang="en-US" sz="1400" b="1" dirty="0"/>
+              <a:t>명령으로 </a:t>
+            </a:r>
+            <a:r>
+              <a:rPr lang="en-US" altLang="ko-KR" sz="1400" b="1" dirty="0"/>
+              <a:t>commit </a:t>
+            </a:r>
+            <a:r>
+              <a:rPr lang="ko-KR" altLang="en-US" sz="1400" b="1" dirty="0"/>
+              <a:t>한다</a:t>
+            </a:r>
+            <a:r>
+              <a:rPr lang="en-US" altLang="ko-KR" sz="1400" b="1" dirty="0"/>
+              <a:t>.</a:t>
+            </a:r>
+          </a:p>
+          <a:p>
+            <a:pPr fontAlgn="base">
+              <a:buFont typeface="+mj-lt"/>
+              <a:buAutoNum type="arabicPeriod"/>
+            </a:pPr>
+            <a:r>
+              <a:rPr lang="en-US" altLang="ko-KR" sz="1400" b="1" dirty="0"/>
+              <a:t>$ git status </a:t>
+            </a:r>
+            <a:r>
+              <a:rPr lang="ko-KR" altLang="en-US" sz="1400" b="1" dirty="0"/>
+              <a:t>명령으로 </a:t>
+            </a:r>
+            <a:r>
+              <a:rPr lang="en-US" altLang="ko-KR" sz="1400" b="1" dirty="0"/>
+              <a:t>racos.txt </a:t>
+            </a:r>
+            <a:r>
+              <a:rPr lang="ko-KR" altLang="en-US" sz="1400" b="1" dirty="0"/>
+              <a:t>이 </a:t>
+            </a:r>
+            <a:r>
+              <a:rPr lang="en-US" altLang="ko-KR" sz="1400" b="1" dirty="0"/>
+              <a:t>commit </a:t>
+            </a:r>
+            <a:r>
+              <a:rPr lang="ko-KR" altLang="en-US" sz="1400" b="1" dirty="0"/>
+              <a:t>된 것을 확인한다</a:t>
+            </a:r>
+            <a:r>
+              <a:rPr lang="en-US" altLang="ko-KR" sz="1400" b="1" dirty="0"/>
+              <a:t>.</a:t>
+            </a:r>
+          </a:p>
+          <a:p>
+            <a:pPr fontAlgn="base">
+              <a:buFont typeface="+mj-lt"/>
+              <a:buAutoNum type="arabicPeriod"/>
+            </a:pPr>
+            <a:r>
+              <a:rPr lang="en-US" altLang="ko-KR" sz="1400" b="1" dirty="0"/>
+              <a:t>$ git log </a:t>
+            </a:r>
+            <a:r>
+              <a:rPr lang="ko-KR" altLang="en-US" sz="1400" b="1" dirty="0"/>
+              <a:t>명령으로 전체 </a:t>
+            </a:r>
+            <a:r>
+              <a:rPr lang="en-US" altLang="ko-KR" sz="1400" b="1" dirty="0"/>
+              <a:t>commit </a:t>
+            </a:r>
+            <a:r>
+              <a:rPr lang="ko-KR" altLang="en-US" sz="1400" b="1" dirty="0"/>
+              <a:t>된 로그를 확인한다</a:t>
+            </a:r>
+            <a:r>
+              <a:rPr lang="en-US" altLang="ko-KR" sz="1400" b="1" dirty="0"/>
+              <a:t>.</a:t>
+            </a:r>
+          </a:p>
+        </p:txBody>
+      </p:sp>
+    </p:spTree>
+    <p:extLst>
+      <p:ext uri="{BB962C8B-B14F-4D97-AF65-F5344CB8AC3E}">
+        <p14:creationId xmlns:p14="http://schemas.microsoft.com/office/powerpoint/2010/main" val="3491415827"/>
+      </p:ext>
+    </p:extLst>
+  </p:cSld>
+  <p:clrMapOvr>
+    <a:masterClrMapping/>
+  </p:clrMapOvr>
+</p:sld>
+</file>
+
+<file path=ppt/slides/slide13.xml><?xml version="1.0" encoding="utf-8"?>
+<p:sld xmlns:a="http://schemas.openxmlformats.org/drawingml/2006/main" xmlns:r="http://schemas.openxmlformats.org/officeDocument/2006/relationships" xmlns:p="http://schemas.openxmlformats.org/presentationml/2006/main">
+  <p:cSld>
+    <p:spTree>
+      <p:nvGrpSpPr>
+        <p:cNvPr id="1" name=""/>
+        <p:cNvGrpSpPr/>
+        <p:nvPr/>
+      </p:nvGrpSpPr>
+      <p:grpSpPr>
+        <a:xfrm>
+          <a:off x="0" y="0"/>
+          <a:ext cx="0" cy="0"/>
+          <a:chOff x="0" y="0"/>
+          <a:chExt cx="0" cy="0"/>
+        </a:xfrm>
+      </p:grpSpPr>
+      <p:sp>
+        <p:nvSpPr>
+          <p:cNvPr id="2" name="제목 1">
+            <a:extLst>
+              <a:ext uri="{FF2B5EF4-FFF2-40B4-BE49-F238E27FC236}">
+                <a16:creationId xmlns:a16="http://schemas.microsoft.com/office/drawing/2014/main" id="{E2871850-CF09-45E5-B263-C7D69F92B878}"/>
+              </a:ext>
+            </a:extLst>
+          </p:cNvPr>
+          <p:cNvSpPr>
+            <a:spLocks noGrp="1"/>
+          </p:cNvSpPr>
+          <p:nvPr>
+            <p:ph type="title"/>
+          </p:nvPr>
+        </p:nvSpPr>
+        <p:spPr>
+          <a:xfrm>
+            <a:off x="645130" y="389107"/>
+            <a:ext cx="9404723" cy="899004"/>
+          </a:xfrm>
+        </p:spPr>
+        <p:txBody>
+          <a:bodyPr anchor="ctr" anchorCtr="0"/>
+          <a:lstStyle/>
+          <a:p>
+            <a:r>
+              <a:rPr lang="en-US" altLang="ko-KR" sz="3600" dirty="0"/>
+              <a:t>Scenario 1-2</a:t>
+            </a:r>
+            <a:endParaRPr lang="ko-KR" altLang="en-US" sz="3600" dirty="0"/>
+          </a:p>
+        </p:txBody>
+      </p:sp>
+      <p:sp>
+        <p:nvSpPr>
+          <p:cNvPr id="3" name="내용 개체 틀 2">
+            <a:extLst>
+              <a:ext uri="{FF2B5EF4-FFF2-40B4-BE49-F238E27FC236}">
+                <a16:creationId xmlns:a16="http://schemas.microsoft.com/office/drawing/2014/main" id="{07429EB3-8B4E-466C-8ACA-0242AC361BE1}"/>
+              </a:ext>
+            </a:extLst>
+          </p:cNvPr>
+          <p:cNvSpPr>
+            <a:spLocks noGrp="1"/>
+          </p:cNvSpPr>
+          <p:nvPr>
+            <p:ph idx="1"/>
+          </p:nvPr>
+        </p:nvSpPr>
+        <p:spPr>
+          <a:xfrm>
+            <a:off x="645130" y="1474238"/>
+            <a:ext cx="11008805" cy="4774162"/>
+          </a:xfrm>
+        </p:spPr>
+        <p:txBody>
+          <a:bodyPr>
+            <a:normAutofit/>
+          </a:bodyPr>
+          <a:lstStyle/>
+          <a:p>
+            <a:pPr marL="0" indent="0" fontAlgn="base">
+              <a:buNone/>
+            </a:pPr>
+            <a:r>
+              <a:rPr lang="en-US" altLang="ko-KR" sz="1400" b="1" dirty="0">
+                <a:solidFill>
+                  <a:srgbClr val="FFFF00"/>
+                </a:solidFill>
+              </a:rPr>
+              <a:t>** </a:t>
+            </a:r>
+            <a:r>
+              <a:rPr lang="ko-KR" altLang="en-US" sz="1400" b="1" dirty="0">
+                <a:solidFill>
+                  <a:srgbClr val="FFFF00"/>
+                </a:solidFill>
+              </a:rPr>
+              <a:t>각 시나리오에서 스텝별로 </a:t>
+            </a:r>
+            <a:r>
+              <a:rPr lang="en-US" altLang="ko-KR" sz="1400" b="1" dirty="0">
+                <a:solidFill>
+                  <a:srgbClr val="FFFF00"/>
+                </a:solidFill>
+              </a:rPr>
+              <a:t>git status, git log, git show, git tag </a:t>
+            </a:r>
+            <a:r>
+              <a:rPr lang="ko-KR" altLang="en-US" sz="1400" b="1" dirty="0">
+                <a:solidFill>
+                  <a:srgbClr val="FFFF00"/>
+                </a:solidFill>
+              </a:rPr>
+              <a:t>등 수행하여 내용 확인하며 진행 요망</a:t>
+            </a:r>
+            <a:r>
+              <a:rPr lang="en-US" altLang="ko-KR" sz="1400" b="1" dirty="0">
+                <a:solidFill>
+                  <a:srgbClr val="FFFF00"/>
+                </a:solidFill>
+              </a:rPr>
+              <a:t>.</a:t>
+            </a:r>
+            <a:r>
+              <a:rPr lang="ko-KR" altLang="en-US" sz="1400" b="1" dirty="0">
+                <a:solidFill>
+                  <a:srgbClr val="FFFF00"/>
+                </a:solidFill>
+              </a:rPr>
+              <a:t> </a:t>
+            </a:r>
+            <a:endParaRPr lang="en-US" altLang="ko-KR" sz="1400" b="1" dirty="0">
+              <a:solidFill>
+                <a:srgbClr val="FFFF00"/>
+              </a:solidFill>
+            </a:endParaRPr>
+          </a:p>
+          <a:p>
+            <a:pPr fontAlgn="base">
+              <a:buFont typeface="+mj-lt"/>
+              <a:buAutoNum type="arabicPeriod"/>
+            </a:pPr>
+            <a:r>
+              <a:rPr lang="ko-KR" altLang="en-US" sz="1400" b="1" dirty="0"/>
+              <a:t>다시 </a:t>
+            </a:r>
+            <a:r>
+              <a:rPr lang="en-US" altLang="ko-KR" sz="1400" b="1" dirty="0"/>
+              <a:t>racos.txt </a:t>
+            </a:r>
+            <a:r>
+              <a:rPr lang="ko-KR" altLang="en-US" sz="1400" b="1" dirty="0"/>
+              <a:t>에 대해 이전과 동일한 부분을 이번에는 </a:t>
+            </a:r>
+            <a:r>
+              <a:rPr lang="en-US" altLang="ko-KR" sz="1400" b="1" dirty="0"/>
+              <a:t>“1-2”</a:t>
+            </a:r>
+            <a:r>
+              <a:rPr lang="ko-KR" altLang="en-US" sz="1400" b="1" dirty="0"/>
+              <a:t>로 수정하고 저장한다</a:t>
+            </a:r>
+            <a:r>
+              <a:rPr lang="en-US" altLang="ko-KR" sz="1400" b="1" dirty="0"/>
+              <a:t>.</a:t>
+            </a:r>
+          </a:p>
+          <a:p>
+            <a:pPr fontAlgn="base">
+              <a:buFont typeface="+mj-lt"/>
+              <a:buAutoNum type="arabicPeriod"/>
+            </a:pPr>
+            <a:r>
+              <a:rPr lang="en-US" altLang="ko-KR" sz="1400" b="1" dirty="0"/>
+              <a:t>$ git status </a:t>
+            </a:r>
+            <a:r>
+              <a:rPr lang="ko-KR" altLang="en-US" sz="1400" b="1" dirty="0"/>
+              <a:t>명령으로 상태를 확인하고 어떤 의미인지 이해한다</a:t>
+            </a:r>
+            <a:r>
+              <a:rPr lang="en-US" altLang="ko-KR" sz="1400" b="1" dirty="0"/>
+              <a:t>.</a:t>
+            </a:r>
+          </a:p>
+          <a:p>
+            <a:pPr fontAlgn="base">
+              <a:buFont typeface="+mj-lt"/>
+              <a:buAutoNum type="arabicPeriod"/>
+            </a:pPr>
+            <a:r>
+              <a:rPr lang="en-US" altLang="ko-KR" sz="1400" b="1" dirty="0"/>
+              <a:t>$ git add racos.txt </a:t>
+            </a:r>
+            <a:r>
+              <a:rPr lang="ko-KR" altLang="en-US" sz="1400" b="1" dirty="0"/>
+              <a:t>명령으로 </a:t>
+            </a:r>
+            <a:r>
+              <a:rPr lang="en-US" altLang="ko-KR" sz="1400" b="1" dirty="0"/>
+              <a:t>staging </a:t>
+            </a:r>
+            <a:r>
+              <a:rPr lang="ko-KR" altLang="en-US" sz="1400" b="1" dirty="0"/>
+              <a:t>한다</a:t>
+            </a:r>
+            <a:r>
+              <a:rPr lang="en-US" altLang="ko-KR" sz="1400" b="1" dirty="0"/>
+              <a:t>.</a:t>
+            </a:r>
+          </a:p>
+          <a:p>
+            <a:pPr fontAlgn="base">
+              <a:buFont typeface="+mj-lt"/>
+              <a:buAutoNum type="arabicPeriod"/>
+            </a:pPr>
+            <a:r>
+              <a:rPr lang="en-US" altLang="ko-KR" sz="1400" b="1" dirty="0"/>
+              <a:t>$ git status </a:t>
+            </a:r>
+            <a:r>
+              <a:rPr lang="ko-KR" altLang="en-US" sz="1400" b="1" dirty="0"/>
+              <a:t>명령으로 상태를 확인하고 어떤 의미인지 이해한다</a:t>
+            </a:r>
+            <a:r>
+              <a:rPr lang="en-US" altLang="ko-KR" sz="1400" b="1" dirty="0"/>
+              <a:t>.</a:t>
+            </a:r>
+          </a:p>
+          <a:p>
+            <a:pPr fontAlgn="base">
+              <a:buFont typeface="+mj-lt"/>
+              <a:buAutoNum type="arabicPeriod"/>
+            </a:pPr>
+            <a:r>
+              <a:rPr lang="ko-KR" altLang="en-US" sz="1400" b="1" dirty="0"/>
+              <a:t>이 때 </a:t>
+            </a:r>
+            <a:r>
+              <a:rPr lang="en-US" altLang="ko-KR" sz="1400" b="1" dirty="0"/>
+              <a:t>Working Dir</a:t>
+            </a:r>
+            <a:r>
+              <a:rPr lang="ko-KR" altLang="en-US" sz="1400" b="1" dirty="0"/>
+              <a:t>과 </a:t>
+            </a:r>
+            <a:r>
+              <a:rPr lang="en-US" altLang="ko-KR" sz="1400" b="1" dirty="0"/>
+              <a:t>Index, Head</a:t>
+            </a:r>
+            <a:r>
+              <a:rPr lang="ko-KR" altLang="en-US" sz="1400" b="1" dirty="0"/>
+              <a:t>는 어떤 정보들을 가지고 있는지 이해한다</a:t>
+            </a:r>
+            <a:r>
+              <a:rPr lang="en-US" altLang="ko-KR" sz="1400" b="1" dirty="0"/>
+              <a:t>.</a:t>
+            </a:r>
+          </a:p>
+          <a:p>
+            <a:pPr fontAlgn="base">
+              <a:buFont typeface="+mj-lt"/>
+              <a:buAutoNum type="arabicPeriod"/>
+            </a:pPr>
+            <a:r>
+              <a:rPr lang="en-US" altLang="ko-KR" sz="1400" b="1" dirty="0"/>
+              <a:t>$ git commit –m “</a:t>
+            </a:r>
+            <a:r>
+              <a:rPr lang="ko-KR" altLang="en-US" sz="1400" b="1" dirty="0"/>
+              <a:t>이번에는 </a:t>
+            </a:r>
+            <a:r>
+              <a:rPr lang="en-US" altLang="ko-KR" sz="1400" b="1" dirty="0"/>
+              <a:t>1-2</a:t>
+            </a:r>
+            <a:r>
+              <a:rPr lang="ko-KR" altLang="en-US" sz="1400" b="1" dirty="0"/>
+              <a:t>이며 첫번째 줄 추가 수정</a:t>
+            </a:r>
+            <a:r>
+              <a:rPr lang="en-US" altLang="ko-KR" sz="1400" b="1" dirty="0"/>
+              <a:t>”</a:t>
+            </a:r>
+          </a:p>
+          <a:p>
+            <a:pPr fontAlgn="base">
+              <a:buFont typeface="+mj-lt"/>
+              <a:buAutoNum type="arabicPeriod"/>
+            </a:pPr>
+            <a:r>
+              <a:rPr lang="en-US" altLang="ko-KR" sz="1400" b="1" dirty="0"/>
+              <a:t>$ git status </a:t>
+            </a:r>
+            <a:r>
+              <a:rPr lang="ko-KR" altLang="en-US" sz="1400" b="1" dirty="0"/>
+              <a:t>명령으로 상태를 확인하고 어떤 의미인지 이해한다</a:t>
+            </a:r>
+            <a:r>
+              <a:rPr lang="en-US" altLang="ko-KR" sz="1400" b="1" dirty="0"/>
+              <a:t>.</a:t>
+            </a:r>
+          </a:p>
+          <a:p>
+            <a:pPr fontAlgn="base">
+              <a:buFont typeface="+mj-lt"/>
+              <a:buAutoNum type="arabicPeriod"/>
+            </a:pPr>
+            <a:r>
+              <a:rPr lang="en-US" altLang="ko-KR" sz="1400" b="1" dirty="0"/>
+              <a:t>$ git log </a:t>
+            </a:r>
+            <a:r>
+              <a:rPr lang="ko-KR" altLang="en-US" sz="1400" b="1" dirty="0"/>
+              <a:t>명령으로 </a:t>
+            </a:r>
+            <a:r>
+              <a:rPr lang="en-US" altLang="ko-KR" sz="1400" b="1" dirty="0"/>
+              <a:t>commit </a:t>
+            </a:r>
+            <a:r>
+              <a:rPr lang="ko-KR" altLang="en-US" sz="1400" b="1" dirty="0"/>
+              <a:t>내역 확인한다</a:t>
+            </a:r>
+            <a:r>
+              <a:rPr lang="en-US" altLang="ko-KR" sz="1400" b="1" dirty="0"/>
+              <a:t>.</a:t>
+            </a:r>
+          </a:p>
+          <a:p>
+            <a:pPr fontAlgn="base">
+              <a:buFont typeface="+mj-lt"/>
+              <a:buAutoNum type="arabicPeriod"/>
+            </a:pPr>
+            <a:endParaRPr lang="en-US" altLang="ko-KR" sz="1400" b="1" dirty="0"/>
+          </a:p>
+        </p:txBody>
+      </p:sp>
+    </p:spTree>
+    <p:extLst>
+      <p:ext uri="{BB962C8B-B14F-4D97-AF65-F5344CB8AC3E}">
+        <p14:creationId xmlns:p14="http://schemas.microsoft.com/office/powerpoint/2010/main" val="1275241941"/>
+      </p:ext>
+    </p:extLst>
+  </p:cSld>
+  <p:clrMapOvr>
+    <a:masterClrMapping/>
+  </p:clrMapOvr>
+</p:sld>
+</file>
+
+<file path=ppt/slides/slide14.xml><?xml version="1.0" encoding="utf-8"?>
+<p:sld xmlns:a="http://schemas.openxmlformats.org/drawingml/2006/main" xmlns:r="http://schemas.openxmlformats.org/officeDocument/2006/relationships" xmlns:p="http://schemas.openxmlformats.org/presentationml/2006/main">
+  <p:cSld>
+    <p:spTree>
+      <p:nvGrpSpPr>
+        <p:cNvPr id="1" name=""/>
+        <p:cNvGrpSpPr/>
+        <p:nvPr/>
+      </p:nvGrpSpPr>
+      <p:grpSpPr>
+        <a:xfrm>
+          <a:off x="0" y="0"/>
+          <a:ext cx="0" cy="0"/>
+          <a:chOff x="0" y="0"/>
+          <a:chExt cx="0" cy="0"/>
+        </a:xfrm>
+      </p:grpSpPr>
+      <p:sp>
+        <p:nvSpPr>
+          <p:cNvPr id="2" name="제목 1">
+            <a:extLst>
+              <a:ext uri="{FF2B5EF4-FFF2-40B4-BE49-F238E27FC236}">
+                <a16:creationId xmlns:a16="http://schemas.microsoft.com/office/drawing/2014/main" id="{E2871850-CF09-45E5-B263-C7D69F92B878}"/>
+              </a:ext>
+            </a:extLst>
+          </p:cNvPr>
+          <p:cNvSpPr>
+            <a:spLocks noGrp="1"/>
+          </p:cNvSpPr>
+          <p:nvPr>
+            <p:ph type="title"/>
+          </p:nvPr>
+        </p:nvSpPr>
+        <p:spPr>
+          <a:xfrm>
+            <a:off x="645130" y="389107"/>
+            <a:ext cx="9404723" cy="899004"/>
+          </a:xfrm>
+        </p:spPr>
+        <p:txBody>
+          <a:bodyPr anchor="ctr" anchorCtr="0"/>
+          <a:lstStyle/>
+          <a:p>
+            <a:r>
+              <a:rPr lang="en-US" altLang="ko-KR" sz="3600" dirty="0"/>
+              <a:t>Scenario 1-3</a:t>
+            </a:r>
+            <a:endParaRPr lang="ko-KR" altLang="en-US" sz="3600" dirty="0"/>
+          </a:p>
+        </p:txBody>
+      </p:sp>
+      <p:sp>
+        <p:nvSpPr>
+          <p:cNvPr id="3" name="내용 개체 틀 2">
+            <a:extLst>
+              <a:ext uri="{FF2B5EF4-FFF2-40B4-BE49-F238E27FC236}">
+                <a16:creationId xmlns:a16="http://schemas.microsoft.com/office/drawing/2014/main" id="{07429EB3-8B4E-466C-8ACA-0242AC361BE1}"/>
+              </a:ext>
+            </a:extLst>
+          </p:cNvPr>
+          <p:cNvSpPr>
+            <a:spLocks noGrp="1"/>
+          </p:cNvSpPr>
+          <p:nvPr>
+            <p:ph idx="1"/>
+          </p:nvPr>
+        </p:nvSpPr>
+        <p:spPr>
+          <a:xfrm>
+            <a:off x="645130" y="1474238"/>
+            <a:ext cx="11008805" cy="4774162"/>
+          </a:xfrm>
+        </p:spPr>
+        <p:txBody>
+          <a:bodyPr>
+            <a:normAutofit/>
+          </a:bodyPr>
+          <a:lstStyle/>
+          <a:p>
+            <a:pPr marL="0" indent="0" fontAlgn="base">
+              <a:buNone/>
+            </a:pPr>
+            <a:r>
+              <a:rPr lang="en-US" altLang="ko-KR" sz="1400" b="1" dirty="0">
+                <a:solidFill>
+                  <a:srgbClr val="FFFF00"/>
+                </a:solidFill>
+              </a:rPr>
+              <a:t>** </a:t>
+            </a:r>
+            <a:r>
+              <a:rPr lang="ko-KR" altLang="en-US" sz="1400" b="1" dirty="0">
+                <a:solidFill>
+                  <a:srgbClr val="FFFF00"/>
+                </a:solidFill>
+              </a:rPr>
+              <a:t>각 시나리오에서 스텝별로 </a:t>
+            </a:r>
+            <a:r>
+              <a:rPr lang="en-US" altLang="ko-KR" sz="1400" b="1" dirty="0">
+                <a:solidFill>
+                  <a:srgbClr val="FFFF00"/>
+                </a:solidFill>
+              </a:rPr>
+              <a:t>git status, git log, git show, git tag </a:t>
+            </a:r>
+            <a:r>
+              <a:rPr lang="ko-KR" altLang="en-US" sz="1400" b="1" dirty="0">
+                <a:solidFill>
+                  <a:srgbClr val="FFFF00"/>
+                </a:solidFill>
+              </a:rPr>
+              <a:t>등 수행하여 내용 확인하며 진행 요망</a:t>
+            </a:r>
+            <a:r>
+              <a:rPr lang="en-US" altLang="ko-KR" sz="1400" b="1" dirty="0">
+                <a:solidFill>
+                  <a:srgbClr val="FFFF00"/>
+                </a:solidFill>
+              </a:rPr>
+              <a:t>.</a:t>
+            </a:r>
+            <a:r>
+              <a:rPr lang="ko-KR" altLang="en-US" sz="1400" b="1" dirty="0">
+                <a:solidFill>
+                  <a:srgbClr val="FFFF00"/>
+                </a:solidFill>
+              </a:rPr>
+              <a:t> </a:t>
+            </a:r>
+            <a:endParaRPr lang="en-US" altLang="ko-KR" sz="1400" b="1" dirty="0">
+              <a:solidFill>
+                <a:srgbClr val="FFFF00"/>
+              </a:solidFill>
+            </a:endParaRPr>
+          </a:p>
+          <a:p>
+            <a:pPr fontAlgn="base">
+              <a:buFont typeface="+mj-lt"/>
+              <a:buAutoNum type="arabicPeriod"/>
+            </a:pPr>
+            <a:r>
+              <a:rPr lang="ko-KR" altLang="en-US" sz="1400" b="1" dirty="0"/>
+              <a:t>다시 </a:t>
+            </a:r>
+            <a:r>
+              <a:rPr lang="en-US" altLang="ko-KR" sz="1400" b="1" dirty="0"/>
+              <a:t>racos.txt </a:t>
+            </a:r>
+            <a:r>
+              <a:rPr lang="ko-KR" altLang="en-US" sz="1400" b="1" dirty="0"/>
+              <a:t>에 대해 이전과 동일한 부분을 이번에는 </a:t>
+            </a:r>
+            <a:r>
+              <a:rPr lang="en-US" altLang="ko-KR" sz="1400" b="1" dirty="0"/>
+              <a:t>“1-3”</a:t>
+            </a:r>
+            <a:r>
+              <a:rPr lang="ko-KR" altLang="en-US" sz="1400" b="1" dirty="0"/>
+              <a:t>로 수정하고 저장한다</a:t>
+            </a:r>
+            <a:r>
+              <a:rPr lang="en-US" altLang="ko-KR" sz="1400" b="1" dirty="0"/>
+              <a:t>.</a:t>
+            </a:r>
+          </a:p>
+          <a:p>
+            <a:pPr fontAlgn="base">
+              <a:buFont typeface="+mj-lt"/>
+              <a:buAutoNum type="arabicPeriod"/>
+            </a:pPr>
+            <a:r>
+              <a:rPr lang="en-US" altLang="ko-KR" sz="1400" b="1" dirty="0"/>
+              <a:t>$ git status </a:t>
+            </a:r>
+            <a:r>
+              <a:rPr lang="ko-KR" altLang="en-US" sz="1400" b="1" dirty="0"/>
+              <a:t>명령으로 상태를 확인하고 어떤 의미인지 이해한다</a:t>
+            </a:r>
+            <a:r>
+              <a:rPr lang="en-US" altLang="ko-KR" sz="1400" b="1" dirty="0"/>
+              <a:t>.</a:t>
+            </a:r>
+          </a:p>
+          <a:p>
+            <a:pPr fontAlgn="base">
+              <a:buFont typeface="+mj-lt"/>
+              <a:buAutoNum type="arabicPeriod"/>
+            </a:pPr>
+            <a:r>
+              <a:rPr lang="en-US" altLang="ko-KR" sz="1400" b="1" dirty="0"/>
+              <a:t>$ git add racos.txt </a:t>
+            </a:r>
+            <a:r>
+              <a:rPr lang="ko-KR" altLang="en-US" sz="1400" b="1" dirty="0"/>
+              <a:t>명령으로 </a:t>
+            </a:r>
+            <a:r>
+              <a:rPr lang="en-US" altLang="ko-KR" sz="1400" b="1" dirty="0"/>
+              <a:t>staging </a:t>
+            </a:r>
+            <a:r>
+              <a:rPr lang="ko-KR" altLang="en-US" sz="1400" b="1" dirty="0"/>
+              <a:t>한다</a:t>
+            </a:r>
+            <a:r>
+              <a:rPr lang="en-US" altLang="ko-KR" sz="1400" b="1" dirty="0"/>
+              <a:t>.</a:t>
+            </a:r>
+          </a:p>
+          <a:p>
+            <a:pPr fontAlgn="base">
+              <a:buFont typeface="+mj-lt"/>
+              <a:buAutoNum type="arabicPeriod"/>
+            </a:pPr>
+            <a:r>
+              <a:rPr lang="en-US" altLang="ko-KR" sz="1400" b="1" dirty="0"/>
+              <a:t>$ git status </a:t>
+            </a:r>
+            <a:r>
+              <a:rPr lang="ko-KR" altLang="en-US" sz="1400" b="1" dirty="0"/>
+              <a:t>명령으로 상태를 확인하고 어떤 의미인지 이해한다</a:t>
+            </a:r>
+            <a:r>
+              <a:rPr lang="en-US" altLang="ko-KR" sz="1400" b="1" dirty="0"/>
+              <a:t>.</a:t>
+            </a:r>
+          </a:p>
+          <a:p>
+            <a:pPr fontAlgn="base">
+              <a:buFont typeface="+mj-lt"/>
+              <a:buAutoNum type="arabicPeriod"/>
+            </a:pPr>
+            <a:r>
+              <a:rPr lang="ko-KR" altLang="en-US" sz="1400" b="1" dirty="0"/>
+              <a:t>이 때 </a:t>
+            </a:r>
+            <a:r>
+              <a:rPr lang="en-US" altLang="ko-KR" sz="1400" b="1" dirty="0"/>
+              <a:t>Working Dir</a:t>
+            </a:r>
+            <a:r>
+              <a:rPr lang="ko-KR" altLang="en-US" sz="1400" b="1" dirty="0"/>
+              <a:t>과 </a:t>
+            </a:r>
+            <a:r>
+              <a:rPr lang="en-US" altLang="ko-KR" sz="1400" b="1" dirty="0"/>
+              <a:t>Index, Head</a:t>
+            </a:r>
+            <a:r>
+              <a:rPr lang="ko-KR" altLang="en-US" sz="1400" b="1" dirty="0"/>
+              <a:t>는 어떤 정보들을 가지고 있는지 이해한다</a:t>
+            </a:r>
+            <a:r>
+              <a:rPr lang="en-US" altLang="ko-KR" sz="1400" b="1" dirty="0"/>
+              <a:t>.</a:t>
+            </a:r>
+          </a:p>
+          <a:p>
+            <a:pPr fontAlgn="base">
+              <a:buFont typeface="+mj-lt"/>
+              <a:buAutoNum type="arabicPeriod"/>
+            </a:pPr>
+            <a:r>
+              <a:rPr lang="en-US" altLang="ko-KR" sz="1400" b="1" dirty="0"/>
+              <a:t>$ git commit –m “</a:t>
+            </a:r>
+            <a:r>
+              <a:rPr lang="ko-KR" altLang="en-US" sz="1400" b="1" dirty="0"/>
+              <a:t>이번에는 </a:t>
+            </a:r>
+            <a:r>
+              <a:rPr lang="en-US" altLang="ko-KR" sz="1400" b="1" dirty="0"/>
+              <a:t>1-3</a:t>
+            </a:r>
+            <a:r>
+              <a:rPr lang="ko-KR" altLang="en-US" sz="1400" b="1" dirty="0"/>
+              <a:t>이며 첫번째 줄</a:t>
+            </a:r>
+            <a:r>
+              <a:rPr lang="en-US" altLang="ko-KR" sz="1400" b="1" dirty="0"/>
+              <a:t> </a:t>
+            </a:r>
+            <a:r>
+              <a:rPr lang="ko-KR" altLang="en-US" sz="1400" b="1" dirty="0"/>
+              <a:t>부분 추가 수정</a:t>
+            </a:r>
+            <a:r>
+              <a:rPr lang="en-US" altLang="ko-KR" sz="1400" b="1" dirty="0"/>
+              <a:t>”</a:t>
+            </a:r>
+          </a:p>
+          <a:p>
+            <a:pPr fontAlgn="base">
+              <a:buFont typeface="+mj-lt"/>
+              <a:buAutoNum type="arabicPeriod"/>
+            </a:pPr>
+            <a:r>
+              <a:rPr lang="en-US" altLang="ko-KR" sz="1400" b="1" dirty="0"/>
+              <a:t>$ git status </a:t>
+            </a:r>
+            <a:r>
+              <a:rPr lang="ko-KR" altLang="en-US" sz="1400" b="1" dirty="0"/>
+              <a:t>명령으로 상태를 확인하고 어떤 의미인지 이해한다</a:t>
+            </a:r>
+            <a:r>
+              <a:rPr lang="en-US" altLang="ko-KR" sz="1400" b="1" dirty="0"/>
+              <a:t>.</a:t>
+            </a:r>
+          </a:p>
+          <a:p>
+            <a:pPr fontAlgn="base">
+              <a:buFont typeface="+mj-lt"/>
+              <a:buAutoNum type="arabicPeriod"/>
+            </a:pPr>
+            <a:r>
+              <a:rPr lang="en-US" altLang="ko-KR" sz="1400" b="1" dirty="0"/>
+              <a:t>$ git log </a:t>
+            </a:r>
+            <a:r>
+              <a:rPr lang="ko-KR" altLang="en-US" sz="1400" b="1" dirty="0"/>
+              <a:t>명령으로 </a:t>
+            </a:r>
+            <a:r>
+              <a:rPr lang="en-US" altLang="ko-KR" sz="1400" b="1" dirty="0"/>
+              <a:t>commit </a:t>
+            </a:r>
+            <a:r>
+              <a:rPr lang="ko-KR" altLang="en-US" sz="1400" b="1" dirty="0"/>
+              <a:t>내역 확인한다</a:t>
+            </a:r>
+            <a:r>
+              <a:rPr lang="en-US" altLang="ko-KR" sz="1400" b="1" dirty="0"/>
+              <a:t>.</a:t>
+            </a:r>
+          </a:p>
+          <a:p>
+            <a:pPr fontAlgn="base">
+              <a:buFont typeface="+mj-lt"/>
+              <a:buAutoNum type="arabicPeriod"/>
+            </a:pPr>
+            <a:r>
+              <a:rPr lang="en-US" altLang="ko-KR" sz="1400" b="1" dirty="0"/>
+              <a:t>$ git push origin main </a:t>
+            </a:r>
+            <a:r>
+              <a:rPr lang="ko-KR" altLang="en-US" sz="1400" b="1" dirty="0"/>
+              <a:t>명령으로 로컬저장소의 변경 내용을 원격 저장소에 저장한다</a:t>
+            </a:r>
+            <a:r>
+              <a:rPr lang="en-US" altLang="ko-KR" sz="1400" b="1" dirty="0"/>
+              <a:t>.</a:t>
+            </a:r>
+          </a:p>
+          <a:p>
+            <a:pPr fontAlgn="base">
+              <a:buFont typeface="+mj-lt"/>
+              <a:buAutoNum type="arabicPeriod"/>
+            </a:pPr>
+            <a:r>
+              <a:rPr lang="en-US" altLang="ko-KR" sz="1400" b="1" dirty="0" err="1"/>
+              <a:t>gitHub</a:t>
+            </a:r>
+            <a:r>
+              <a:rPr lang="ko-KR" altLang="en-US" sz="1400" b="1" dirty="0"/>
+              <a:t>에서 해당 </a:t>
+            </a:r>
+            <a:r>
+              <a:rPr lang="en-US" altLang="ko-KR" sz="1400" b="1" dirty="0"/>
+              <a:t>repository</a:t>
+            </a:r>
+            <a:r>
+              <a:rPr lang="ko-KR" altLang="en-US" sz="1400" b="1" dirty="0"/>
+              <a:t>에서 파일이 저장된 것을 확인한다</a:t>
+            </a:r>
+            <a:r>
+              <a:rPr lang="en-US" altLang="ko-KR" sz="1400" b="1" dirty="0"/>
+              <a:t>.</a:t>
+            </a:r>
+          </a:p>
+        </p:txBody>
+      </p:sp>
+    </p:spTree>
+    <p:extLst>
+      <p:ext uri="{BB962C8B-B14F-4D97-AF65-F5344CB8AC3E}">
+        <p14:creationId xmlns:p14="http://schemas.microsoft.com/office/powerpoint/2010/main" val="1200282192"/>
       </p:ext>
     </p:extLst>
   </p:cSld>
@@ -19958,7 +20034,7 @@
           <a:p>
             <a:r>
               <a:rPr lang="en-US" altLang="ko-KR" sz="3600" dirty="0"/>
-              <a:t>git </a:t>
+              <a:t>git status : </a:t>
             </a:r>
             <a:r>
               <a:rPr lang="ko-KR" altLang="en-US" sz="3600" dirty="0"/>
@@ -20023,9 +20099,51 @@
             <a:pPr marL="0" indent="0">
               <a:buNone/>
             </a:pPr>
-            <a:endParaRPr lang="en-US" altLang="ko-KR" sz="1200" dirty="0">
-              <a:sym typeface="Wingdings" panose="05000000000000000000" pitchFamily="2" charset="2"/>
-            </a:endParaRPr>
+            <a:r>
+              <a:rPr lang="en-US" altLang="ko-KR" sz="1400" b="1" dirty="0">
+                <a:solidFill>
+                  <a:srgbClr val="FFFF00"/>
+                </a:solidFill>
+                <a:sym typeface="Wingdings" panose="05000000000000000000" pitchFamily="2" charset="2"/>
+              </a:rPr>
+              <a:t>$ git</a:t>
+            </a:r>
+            <a:r>
+              <a:rPr lang="ko-KR" altLang="en-US" sz="1400" b="1" dirty="0">
+                <a:solidFill>
+                  <a:srgbClr val="FFFF00"/>
+                </a:solidFill>
+                <a:sym typeface="Wingdings" panose="05000000000000000000" pitchFamily="2" charset="2"/>
+              </a:rPr>
+              <a:t>  </a:t>
+            </a:r>
+            <a:r>
+              <a:rPr lang="en-US" altLang="ko-KR" sz="1400" b="1" dirty="0">
+                <a:solidFill>
+                  <a:srgbClr val="FFFF00"/>
+                </a:solidFill>
+                <a:sym typeface="Wingdings" panose="05000000000000000000" pitchFamily="2" charset="2"/>
+              </a:rPr>
+              <a:t>status</a:t>
+            </a:r>
+            <a:r>
+              <a:rPr lang="ko-KR" altLang="en-US" sz="1400" b="1" dirty="0">
+                <a:solidFill>
+                  <a:srgbClr val="FFFF00"/>
+                </a:solidFill>
+                <a:sym typeface="Wingdings" panose="05000000000000000000" pitchFamily="2" charset="2"/>
+              </a:rPr>
+              <a:t>  </a:t>
+            </a:r>
+            <a:r>
+              <a:rPr lang="en-US" altLang="ko-KR" sz="1400" b="1" dirty="0">
+                <a:solidFill>
+                  <a:srgbClr val="FFFF00"/>
+                </a:solidFill>
+                <a:sym typeface="Wingdings" panose="05000000000000000000" pitchFamily="2" charset="2"/>
+              </a:rPr>
+              <a:t>--short</a:t>
+            </a:r>
           </a:p>
           <a:p>
             <a:pPr marL="0" indent="0">
@@ -20035,40 +20153,175 @@
               <a:rPr lang="en-US" altLang="ko-KR" sz="1200" dirty="0">
                 <a:sym typeface="Wingdings" panose="05000000000000000000" pitchFamily="2" charset="2"/>
               </a:rPr>
-              <a:t>Untracked : </a:t>
+              <a:t>//  ?? : Untracked,   ! : ignored,   </a:t>
             </a:r>
             <a:r>
               <a:rPr lang="ko-KR" altLang="en-US" sz="1200" dirty="0">
                 <a:sym typeface="Wingdings" panose="05000000000000000000" pitchFamily="2" charset="2"/>
               </a:rPr>
-              <a:t>한</a:t>
+              <a:t>나머지는 </a:t>
             </a:r>
             <a:r>
               <a:rPr lang="en-US" altLang="ko-KR" sz="1200" dirty="0">
                 <a:sym typeface="Wingdings" panose="05000000000000000000" pitchFamily="2" charset="2"/>
               </a:rPr>
-              <a:t> </a:t>
+              <a:t>Staged (A: Added,  M: Modified, R : Renamed, C: Copied, D: Deleted, U: Updated but unmerged )</a:t>
+            </a:r>
+          </a:p>
+          <a:p>
+            <a:pPr marL="0" indent="0">
+              <a:buNone/>
+            </a:pPr>
+            <a:endParaRPr lang="fr-FR" altLang="ko-KR" sz="1400" b="1" dirty="0">
+              <a:solidFill>
+                <a:srgbClr val="FFFF00"/>
+              </a:solidFill>
+            </a:endParaRPr>
+          </a:p>
+          <a:p>
+            <a:pPr marL="0" indent="0">
+              <a:buNone/>
+            </a:pPr>
+            <a:r>
+              <a:rPr lang="fr-FR" altLang="ko-KR" sz="1400" b="1" dirty="0">
+                <a:solidFill>
+                  <a:srgbClr val="FFFF00"/>
+                </a:solidFill>
+              </a:rPr>
+              <a:t>$ git  </a:t>
+            </a:r>
+            <a:r>
+              <a:rPr lang="fr-FR" altLang="ko-KR" sz="1400" b="1" dirty="0" err="1">
+                <a:solidFill>
+                  <a:srgbClr val="FFFF00"/>
+                </a:solidFill>
+              </a:rPr>
+              <a:t>status</a:t>
+            </a:r>
+            <a:endParaRPr lang="fr-FR" altLang="ko-KR" sz="1400" b="1" dirty="0">
+              <a:solidFill>
+                <a:srgbClr val="FFFF00"/>
+              </a:solidFill>
+            </a:endParaRPr>
+          </a:p>
+          <a:p>
+            <a:pPr marL="0" indent="0">
+              <a:buNone/>
+            </a:pPr>
+            <a:r>
+              <a:rPr lang="en-US" altLang="ko-KR" sz="1200" dirty="0"/>
+              <a:t>Working Directory</a:t>
+            </a:r>
+            <a:r>
+              <a:rPr lang="ko-KR" altLang="en-US" sz="1200" dirty="0"/>
+              <a:t>와 </a:t>
+            </a:r>
+            <a:r>
+              <a:rPr lang="en-US" altLang="ko-KR" sz="1200" dirty="0"/>
+              <a:t>Index</a:t>
+            </a:r>
+            <a:r>
+              <a:rPr lang="ko-KR" altLang="en-US" sz="1200" dirty="0"/>
+              <a:t>의 상태를 확인하기 위해 사용</a:t>
+            </a:r>
+            <a:endParaRPr lang="en-US" altLang="ko-KR" sz="1200" dirty="0"/>
+          </a:p>
+          <a:p>
+            <a:pPr marL="0" indent="0">
+              <a:buNone/>
+            </a:pPr>
+            <a:r>
+              <a:rPr lang="fr-FR" altLang="ko-KR" sz="1200" b="1" dirty="0" err="1">
+                <a:solidFill>
+                  <a:schemeClr val="accent2">
+                    <a:lumMod val="40000"/>
+                    <a:lumOff val="60000"/>
+                  </a:schemeClr>
+                </a:solidFill>
+              </a:rPr>
+              <a:t>Untracked</a:t>
+            </a:r>
+            <a:r>
+              <a:rPr lang="fr-FR" altLang="ko-KR" sz="1200" b="1" dirty="0">
+                <a:solidFill>
+                  <a:schemeClr val="accent2">
+                    <a:lumMod val="40000"/>
+                    <a:lumOff val="60000"/>
+                  </a:schemeClr>
+                </a:solidFill>
+              </a:rPr>
+              <a:t> files :  </a:t>
+            </a:r>
+            <a:r>
+              <a:rPr lang="fr-FR" altLang="ko-KR" sz="1200" dirty="0" err="1"/>
+              <a:t>Working</a:t>
+            </a:r>
+            <a:r>
+              <a:rPr lang="fr-FR" altLang="ko-KR" sz="1200" dirty="0"/>
+              <a:t> Directory</a:t>
+            </a:r>
+            <a:r>
+              <a:rPr lang="ko-KR" altLang="en-US" sz="1200" dirty="0"/>
+              <a:t>에 있는</a:t>
+            </a:r>
+            <a:r>
+              <a:rPr lang="en-US" altLang="ko-KR" sz="1200" dirty="0"/>
+              <a:t>,</a:t>
+            </a:r>
+            <a:r>
+              <a:rPr lang="ko-KR" altLang="en-US" sz="1200" dirty="0"/>
+              <a:t> 한 번도 </a:t>
+            </a:r>
+            <a:r>
+              <a:rPr lang="en-US" altLang="ko-KR" sz="1200" dirty="0"/>
+              <a:t>git </a:t>
+            </a:r>
+            <a:r>
+              <a:rPr lang="ko-KR" altLang="en-US" sz="1200" dirty="0"/>
+              <a:t>저장소에 관리된 적이 없는 파일 목록</a:t>
+            </a:r>
+            <a:endParaRPr lang="en-US" altLang="ko-KR" sz="1200" dirty="0"/>
+          </a:p>
+          <a:p>
+            <a:pPr marL="0" indent="0">
+              <a:buNone/>
+            </a:pPr>
+            <a:r>
+              <a:rPr lang="en-US" altLang="ko-KR" sz="1200" b="1" dirty="0">
+                <a:solidFill>
+                  <a:schemeClr val="accent2">
+                    <a:lumMod val="40000"/>
+                    <a:lumOff val="60000"/>
+                  </a:schemeClr>
+                </a:solidFill>
+              </a:rPr>
+              <a:t>Tracked Files : </a:t>
             </a:r>
             <a:r>
               <a:rPr lang="ko-KR" altLang="en-US" sz="1200" dirty="0">
                 <a:sym typeface="Wingdings" panose="05000000000000000000" pitchFamily="2" charset="2"/>
               </a:rPr>
-              <a:t>번도 </a:t>
+              <a:t>한 번 이라도 </a:t>
             </a:r>
             <a:r>
               <a:rPr lang="en-US" altLang="ko-KR" sz="1200" dirty="0">
                 <a:sym typeface="Wingdings" panose="05000000000000000000" pitchFamily="2" charset="2"/>
               </a:rPr>
-              <a:t>git</a:t>
+              <a:t>commit</a:t>
             </a:r>
             <a:r>
               <a:rPr lang="ko-KR" altLang="en-US" sz="1200" dirty="0">
                 <a:sym typeface="Wingdings" panose="05000000000000000000" pitchFamily="2" charset="2"/>
               </a:rPr>
-              <a:t>에서 버전 관리를 하지 않았기 때문에 수정 내역을 추적하지 않는 상태</a:t>
-            </a:r>
-            <a:endParaRPr lang="en-US" altLang="ko-KR" sz="1200" dirty="0">
-              <a:sym typeface="Wingdings" panose="05000000000000000000" pitchFamily="2" charset="2"/>
+              <a:t>을 한 파일의 수정 여부를 계속 추적하는 상태</a:t>
+            </a:r>
+            <a:endParaRPr lang="en-US" altLang="ko-KR" sz="1200" b="1" dirty="0">
+              <a:solidFill>
+                <a:schemeClr val="accent2">
+                  <a:lumMod val="40000"/>
+                  <a:lumOff val="60000"/>
+                </a:schemeClr>
+              </a:solidFill>
             </a:endParaRPr>
           </a:p>
           <a:p>
@@ -20076,113 +20329,62 @@
               <a:buNone/>
             </a:pPr>
             <a:r>
-              <a:rPr lang="en-US" altLang="ko-KR" sz="1200" dirty="0">
-                <a:sym typeface="Wingdings" panose="05000000000000000000" pitchFamily="2" charset="2"/>
-              </a:rPr>
-              <a:t>Tracked : </a:t>
-            </a:r>
-            <a:r>
-              <a:rPr lang="ko-KR" altLang="en-US" sz="1200" dirty="0">
-                <a:sym typeface="Wingdings" panose="05000000000000000000" pitchFamily="2" charset="2"/>
-              </a:rPr>
-              <a:t>한 번 이라도 </a:t>
-            </a:r>
-            <a:r>
-              <a:rPr lang="en-US" altLang="ko-KR" sz="1200" dirty="0">
-                <a:sym typeface="Wingdings" panose="05000000000000000000" pitchFamily="2" charset="2"/>
-              </a:rPr>
-              <a:t>commit</a:t>
-            </a:r>
-            <a:r>
-              <a:rPr lang="ko-KR" altLang="en-US" sz="1200" dirty="0">
-                <a:sym typeface="Wingdings" panose="05000000000000000000" pitchFamily="2" charset="2"/>
-              </a:rPr>
-              <a:t>을 한 파일의 수정 여부를 계속 추적하는 상태</a:t>
-            </a:r>
-            <a:endParaRPr lang="en-US" altLang="ko-KR" sz="1200" dirty="0">
-              <a:sym typeface="Wingdings" panose="05000000000000000000" pitchFamily="2" charset="2"/>
-            </a:endParaRPr>
+              <a:rPr lang="en-US" altLang="ko-KR" sz="1200" b="1" dirty="0">
+                <a:solidFill>
+                  <a:schemeClr val="accent2">
+                    <a:lumMod val="40000"/>
+                    <a:lumOff val="60000"/>
+                  </a:schemeClr>
+                </a:solidFill>
+              </a:rPr>
+              <a:t>		- Changes to be committed: </a:t>
+            </a:r>
+            <a:r>
+              <a:rPr lang="en-US" altLang="ko-KR" sz="1200" dirty="0"/>
+              <a:t> Staging </a:t>
+            </a:r>
+            <a:r>
+              <a:rPr lang="ko-KR" altLang="en-US" sz="1200" dirty="0"/>
+              <a:t>되었으며</a:t>
+            </a:r>
+            <a:r>
+              <a:rPr lang="en-US" altLang="ko-KR" sz="1200" dirty="0"/>
+              <a:t>, commit </a:t>
+            </a:r>
+            <a:r>
+              <a:rPr lang="ko-KR" altLang="en-US" sz="1200" dirty="0"/>
+              <a:t>될 수 있는 파일 목록</a:t>
+            </a:r>
+            <a:endParaRPr lang="en-US" altLang="ko-KR" sz="1200" dirty="0"/>
           </a:p>
           <a:p>
             <a:pPr marL="0" indent="0">
               <a:buNone/>
             </a:pPr>
-            <a:endParaRPr lang="en-US" altLang="ko-KR" sz="1200" dirty="0">
-              <a:sym typeface="Wingdings" panose="05000000000000000000" pitchFamily="2" charset="2"/>
-            </a:endParaRPr>
-          </a:p>
-          <a:p>
-            <a:pPr marL="0" indent="0">
-              <a:buNone/>
-            </a:pPr>
-            <a:r>
-              <a:rPr lang="en-US" altLang="ko-KR" sz="1200" dirty="0">
-                <a:solidFill>
-                  <a:srgbClr val="FFFF00"/>
-                </a:solidFill>
-                <a:sym typeface="Wingdings" panose="05000000000000000000" pitchFamily="2" charset="2"/>
-              </a:rPr>
-              <a:t>$ git</a:t>
-            </a:r>
-            <a:r>
-              <a:rPr lang="ko-KR" altLang="en-US" sz="1200" dirty="0">
-                <a:solidFill>
-                  <a:srgbClr val="FFFF00"/>
-                </a:solidFill>
-                <a:sym typeface="Wingdings" panose="05000000000000000000" pitchFamily="2" charset="2"/>
-              </a:rPr>
-              <a:t>  </a:t>
-            </a:r>
-            <a:r>
-              <a:rPr lang="en-US" altLang="ko-KR" sz="1200" dirty="0">
-                <a:solidFill>
-                  <a:srgbClr val="FFFF00"/>
-                </a:solidFill>
-                <a:sym typeface="Wingdings" panose="05000000000000000000" pitchFamily="2" charset="2"/>
-              </a:rPr>
-              <a:t>status</a:t>
-            </a:r>
-            <a:r>
-              <a:rPr lang="ko-KR" altLang="en-US" sz="1200" dirty="0">
-                <a:solidFill>
-                  <a:srgbClr val="FFFF00"/>
-                </a:solidFill>
-                <a:sym typeface="Wingdings" panose="05000000000000000000" pitchFamily="2" charset="2"/>
-              </a:rPr>
-              <a:t>  </a:t>
-            </a:r>
-            <a:r>
-              <a:rPr lang="en-US" altLang="ko-KR" sz="1200" dirty="0">
-                <a:solidFill>
-                  <a:srgbClr val="FFFF00"/>
-                </a:solidFill>
-                <a:sym typeface="Wingdings" panose="05000000000000000000" pitchFamily="2" charset="2"/>
-              </a:rPr>
-              <a:t>--short</a:t>
-            </a:r>
-          </a:p>
-          <a:p>
-            <a:pPr marL="0" indent="0">
-              <a:buNone/>
-            </a:pPr>
-            <a:r>
-              <a:rPr lang="en-US" altLang="ko-KR" sz="1200" dirty="0">
-                <a:sym typeface="Wingdings" panose="05000000000000000000" pitchFamily="2" charset="2"/>
-              </a:rPr>
-              <a:t>//  ?? : Untracked,   ! : ignored,   </a:t>
-            </a:r>
-            <a:r>
-              <a:rPr lang="ko-KR" altLang="en-US" sz="1200" dirty="0">
-                <a:sym typeface="Wingdings" panose="05000000000000000000" pitchFamily="2" charset="2"/>
-              </a:rPr>
-              <a:t>나머지는 </a:t>
-            </a:r>
-            <a:r>
-              <a:rPr lang="en-US" altLang="ko-KR" sz="1200" dirty="0">
-                <a:sym typeface="Wingdings" panose="05000000000000000000" pitchFamily="2" charset="2"/>
-              </a:rPr>
-              <a:t>Staged (A: Added,  M: Modified, R : Renamed, C: Copied, D: Deleted, U: Updated but unmerged )</a:t>
-            </a:r>
+            <a:r>
+              <a:rPr lang="en-US" altLang="ko-KR" sz="1200" b="1" dirty="0">
+                <a:solidFill>
+                  <a:schemeClr val="accent2">
+                    <a:lumMod val="40000"/>
+                    <a:lumOff val="60000"/>
+                  </a:schemeClr>
+                </a:solidFill>
+              </a:rPr>
+              <a:t>		- Changes not staged for commit:  </a:t>
+            </a:r>
+            <a:r>
+              <a:rPr lang="ko-KR" altLang="en-US" sz="1200" dirty="0"/>
+              <a:t>수정되었으나 아직 </a:t>
+            </a:r>
+            <a:r>
+              <a:rPr lang="en-US" altLang="ko-KR" sz="1200" dirty="0"/>
+              <a:t>Staging </a:t>
+            </a:r>
+            <a:r>
+              <a:rPr lang="ko-KR" altLang="en-US" sz="1200" dirty="0"/>
+              <a:t>되지 않은 파일 목록</a:t>
+            </a:r>
+            <a:endParaRPr lang="en-US" altLang="ko-KR" sz="1200" dirty="0"/>
           </a:p>
           <a:p>
             <a:pPr marL="0" indent="0">
@@ -20611,15 +20813,77 @@
                   <a:srgbClr val="FFFF00"/>
                 </a:solidFill>
               </a:rPr>
+              <a:t>  파일명 </a:t>
+            </a:r>
+            <a:r>
+              <a:rPr lang="en-US" altLang="ko-KR" sz="1400" b="1" dirty="0">
+                <a:solidFill>
+                  <a:srgbClr val="FFFF00"/>
+                </a:solidFill>
+              </a:rPr>
+              <a:t>:</a:t>
+            </a:r>
+            <a:r>
+              <a:rPr lang="ko-KR" altLang="en-US" sz="1400" b="1" dirty="0">
+                <a:solidFill>
+                  <a:srgbClr val="FFFF00"/>
+                </a:solidFill>
+              </a:rPr>
               <a:t> </a:t>
             </a:r>
             <a:r>
+              <a:rPr lang="ko-KR" altLang="en-US" sz="1400" dirty="0"/>
+              <a:t>기술된  파일이 </a:t>
+            </a:r>
+            <a:r>
+              <a:rPr lang="en-US" altLang="ko-KR" sz="1400" dirty="0"/>
+              <a:t>Staging </a:t>
+            </a:r>
+            <a:r>
+              <a:rPr lang="ko-KR" altLang="en-US" sz="1400" dirty="0"/>
+              <a:t>된다</a:t>
+            </a:r>
+            <a:r>
+              <a:rPr lang="en-US" altLang="ko-KR" sz="1400" dirty="0"/>
+              <a:t>. </a:t>
+            </a:r>
+            <a:r>
+              <a:rPr lang="ko-KR" altLang="en-US" sz="1400" dirty="0"/>
+              <a:t>여러 파일 가능</a:t>
+            </a:r>
+            <a:r>
+              <a:rPr lang="en-US" altLang="ko-KR" sz="1400" dirty="0"/>
+              <a:t>(</a:t>
+            </a:r>
+            <a:r>
+              <a:rPr lang="ko-KR" altLang="en-US" sz="1400" dirty="0"/>
+              <a:t>스페이스로 구분</a:t>
+            </a:r>
+            <a:r>
+              <a:rPr lang="en-US" altLang="ko-KR" sz="1400" dirty="0"/>
+              <a:t>)</a:t>
+            </a:r>
+            <a:endParaRPr lang="fr-FR" altLang="ko-KR" sz="1400" dirty="0"/>
+          </a:p>
+          <a:p>
+            <a:pPr marL="0" indent="0">
+              <a:buNone/>
+            </a:pPr>
+            <a:r>
+              <a:rPr lang="fr-FR" altLang="ko-KR" sz="1400" b="1" dirty="0">
+                <a:solidFill>
+                  <a:srgbClr val="FFFF00"/>
+                </a:solidFill>
+              </a:rPr>
+              <a:t>$ git  </a:t>
+            </a:r>
+            <a:r>
               <a:rPr lang="en-US" altLang="ko-KR" sz="1400" b="1" dirty="0">
                 <a:solidFill>
                   <a:srgbClr val="FFFF00"/>
                 </a:solidFill>
               </a:rPr>
-              <a:t>&lt;</a:t>
+              <a:t>add</a:t>
             </a:r>
             <a:r>
               <a:rPr lang="ko-KR" altLang="en-US" sz="1400" b="1" dirty="0">
@@ -20627,7 +20891,7 @@
                   <a:srgbClr val="FFFF00"/>
                 </a:solidFill>
               </a:rPr>
-              <a:t>파일명</a:t>
+              <a:t>   *  </a:t>
             </a:r>
             <a:r>
               <a:rPr lang="en-US" altLang="ko-KR" sz="1400" b="1" dirty="0">
@@ -20635,7 +20899,53 @@
                   <a:srgbClr val="FFFF00"/>
                 </a:solidFill>
               </a:rPr>
-              <a:t>&gt; </a:t>
+              <a:t>:  </a:t>
+            </a:r>
+            <a:r>
+              <a:rPr lang="ko-KR" altLang="en-US" sz="1400" dirty="0"/>
+              <a:t>현 위치 디렉토리 이하의 모든 변화를 </a:t>
+            </a:r>
+            <a:r>
+              <a:rPr lang="en-US" altLang="ko-KR" sz="1400" dirty="0"/>
+              <a:t>Staging (.</a:t>
+            </a:r>
+            <a:r>
+              <a:rPr lang="en-US" altLang="ko-KR" sz="1400" dirty="0" err="1"/>
+              <a:t>gitignore</a:t>
+            </a:r>
+            <a:r>
+              <a:rPr lang="en-US" altLang="ko-KR" sz="1400" dirty="0"/>
+              <a:t> </a:t>
+            </a:r>
+            <a:r>
+              <a:rPr lang="ko-KR" altLang="en-US" sz="1400" dirty="0"/>
+              <a:t>포함 될 수도</a:t>
+            </a:r>
+            <a:r>
+              <a:rPr lang="en-US" altLang="ko-KR" sz="1400" dirty="0"/>
+              <a:t>)</a:t>
+            </a:r>
+            <a:endParaRPr lang="fr-FR" altLang="ko-KR" sz="1400" dirty="0"/>
+          </a:p>
+          <a:p>
+            <a:pPr marL="0" indent="0">
+              <a:buNone/>
+            </a:pPr>
+            <a:r>
+              <a:rPr lang="fr-FR" altLang="ko-KR" sz="1400" b="1" dirty="0">
+                <a:solidFill>
+                  <a:srgbClr val="FFFF00"/>
+                </a:solidFill>
+              </a:rPr>
+              <a:t>$ git  </a:t>
+            </a:r>
+            <a:r>
+              <a:rPr lang="en-US" altLang="ko-KR" sz="1400" b="1" dirty="0">
+                <a:solidFill>
+                  <a:srgbClr val="FFFF00"/>
+                </a:solidFill>
+              </a:rPr>
+              <a:t>add</a:t>
             </a:r>
             <a:r>
               <a:rPr lang="ko-KR" altLang="en-US" sz="1400" b="1" dirty="0">
@@ -20643,7 +20953,7 @@
                   <a:srgbClr val="FFFF00"/>
                 </a:solidFill>
               </a:rPr>
-              <a:t>또는 </a:t>
+              <a:t> </a:t>
             </a:r>
             <a:r>
               <a:rPr lang="en-US" altLang="ko-KR" sz="1400" b="1" dirty="0">
@@ -20651,7 +20961,7 @@
                   <a:srgbClr val="FFFF00"/>
                 </a:solidFill>
               </a:rPr>
-              <a:t>–A, -u </a:t>
+              <a:t>  .</a:t>
             </a:r>
             <a:r>
               <a:rPr lang="ko-KR" altLang="en-US" sz="1400" b="1" dirty="0">
@@ -20659,7 +20969,7 @@
                   <a:srgbClr val="FFFF00"/>
                 </a:solidFill>
               </a:rPr>
-              <a:t>그리고  </a:t>
+              <a:t>   </a:t>
             </a:r>
             <a:r>
               <a:rPr lang="en-US" altLang="ko-KR" sz="1400" b="1" dirty="0">
@@ -20667,15 +20977,27 @@
                   <a:srgbClr val="FFFF00"/>
                 </a:solidFill>
               </a:rPr>
-              <a:t>.</a:t>
-            </a:r>
-            <a:r>
-              <a:rPr lang="ko-KR" altLang="en-US" sz="1400" b="1" dirty="0">
-                <a:solidFill>
-                  <a:srgbClr val="FFFF00"/>
-                </a:solidFill>
-              </a:rPr>
-              <a:t>   *</a:t>
+              <a:t>:  </a:t>
+            </a:r>
+            <a:r>
+              <a:rPr lang="ko-KR" altLang="en-US" sz="1400" dirty="0"/>
+              <a:t>현 위치 디렉토리 이하의 모든 변화를 </a:t>
+            </a:r>
+            <a:r>
+              <a:rPr lang="en-US" altLang="ko-KR" sz="1400" dirty="0"/>
+              <a:t>Staging (.</a:t>
+            </a:r>
+            <a:r>
+              <a:rPr lang="en-US" altLang="ko-KR" sz="1400" dirty="0" err="1"/>
+              <a:t>gitignore</a:t>
+            </a:r>
+            <a:r>
+              <a:rPr lang="ko-KR" altLang="en-US" sz="1400" dirty="0"/>
+              <a:t> 제외</a:t>
+            </a:r>
+            <a:r>
+              <a:rPr lang="en-US" altLang="ko-KR" sz="1400" dirty="0"/>
+              <a:t>)</a:t>
             </a:r>
             <a:endParaRPr lang="fr-FR" altLang="ko-KR" sz="1400" b="1" dirty="0">
               <a:solidFill>
@@ -20688,34 +21010,271 @@
               <a:buNone/>
             </a:pPr>
             <a:r>
-              <a:rPr lang="ko-KR" altLang="en-US" sz="1200" dirty="0"/>
-              <a:t>원격저장소의 </a:t>
-            </a:r>
-            <a:r>
-              <a:rPr lang="en-US" altLang="ko-KR" sz="1200" dirty="0"/>
-              <a:t>repository </a:t>
-            </a:r>
-            <a:r>
-              <a:rPr lang="ko-KR" altLang="en-US" sz="1200" dirty="0"/>
-              <a:t>이름을 기본값으로 사용하며 아래 </a:t>
-            </a:r>
-            <a:r>
-              <a:rPr lang="en-US" altLang="ko-KR" sz="1200" dirty="0"/>
-              <a:t>3</a:t>
-            </a:r>
-            <a:r>
-              <a:rPr lang="ko-KR" altLang="en-US" sz="1200" dirty="0"/>
-              <a:t>가지 정보로 구분되어 진다</a:t>
-            </a:r>
-            <a:r>
-              <a:rPr lang="en-US" altLang="ko-KR" sz="1200" dirty="0"/>
-              <a:t>.</a:t>
-            </a:r>
+              <a:rPr lang="fr-FR" altLang="ko-KR" sz="1400" b="1" dirty="0">
+                <a:solidFill>
+                  <a:srgbClr val="FFFF00"/>
+                </a:solidFill>
+              </a:rPr>
+              <a:t>$ git  </a:t>
+            </a:r>
+            <a:r>
+              <a:rPr lang="en-US" altLang="ko-KR" sz="1400" b="1" dirty="0">
+                <a:solidFill>
+                  <a:srgbClr val="FFFF00"/>
+                </a:solidFill>
+              </a:rPr>
+              <a:t>add</a:t>
+            </a:r>
+            <a:r>
+              <a:rPr lang="ko-KR" altLang="en-US" sz="1400" b="1" dirty="0">
+                <a:solidFill>
+                  <a:srgbClr val="FFFF00"/>
+                </a:solidFill>
+              </a:rPr>
+              <a:t> </a:t>
+            </a:r>
+            <a:r>
+              <a:rPr lang="en-US" altLang="ko-KR" sz="1400" b="1" dirty="0">
+                <a:solidFill>
+                  <a:srgbClr val="FFFF00"/>
+                </a:solidFill>
+              </a:rPr>
+              <a:t> -u  :  </a:t>
+            </a:r>
+            <a:r>
+              <a:rPr lang="ko-KR" altLang="en-US" sz="1400" dirty="0"/>
+              <a:t>이미 </a:t>
+            </a:r>
+            <a:r>
+              <a:rPr lang="en-US" altLang="ko-KR" sz="1400" dirty="0"/>
+              <a:t>add </a:t>
+            </a:r>
+            <a:r>
+              <a:rPr lang="ko-KR" altLang="en-US" sz="1400" dirty="0"/>
+              <a:t>파일을 업데이트 하는 경우</a:t>
+            </a:r>
+            <a:r>
+              <a:rPr lang="en-US" altLang="ko-KR" sz="1400" dirty="0"/>
+              <a:t>, </a:t>
+            </a:r>
+            <a:r>
+              <a:rPr lang="ko-KR" altLang="en-US" sz="1400" dirty="0"/>
+              <a:t>끝에 </a:t>
+            </a:r>
+            <a:r>
+              <a:rPr lang="en-US" altLang="ko-KR" sz="1400" dirty="0"/>
+              <a:t>path</a:t>
+            </a:r>
+            <a:r>
+              <a:rPr lang="ko-KR" altLang="en-US" sz="1400" dirty="0"/>
+              <a:t>를 주지 않으면 전체</a:t>
+            </a:r>
+            <a:endParaRPr lang="fr-FR" altLang="ko-KR" sz="1400" dirty="0"/>
           </a:p>
           <a:p>
             <a:pPr marL="0" indent="0">
               <a:buNone/>
             </a:pPr>
+            <a:r>
+              <a:rPr lang="fr-FR" altLang="ko-KR" sz="1400" b="1" dirty="0">
+                <a:solidFill>
+                  <a:srgbClr val="FFFF00"/>
+                </a:solidFill>
+              </a:rPr>
+              <a:t>$ git  </a:t>
+            </a:r>
+            <a:r>
+              <a:rPr lang="en-US" altLang="ko-KR" sz="1400" b="1" dirty="0">
+                <a:solidFill>
+                  <a:srgbClr val="FFFF00"/>
+                </a:solidFill>
+              </a:rPr>
+              <a:t>add</a:t>
+            </a:r>
+            <a:r>
+              <a:rPr lang="ko-KR" altLang="en-US" sz="1400" b="1" dirty="0">
+                <a:solidFill>
+                  <a:srgbClr val="FFFF00"/>
+                </a:solidFill>
+              </a:rPr>
+              <a:t>  </a:t>
+            </a:r>
+            <a:r>
+              <a:rPr lang="en-US" altLang="ko-KR" sz="1400" b="1" dirty="0">
+                <a:solidFill>
+                  <a:srgbClr val="FFFF00"/>
+                </a:solidFill>
+              </a:rPr>
+              <a:t>-A  :  </a:t>
+            </a:r>
+            <a:r>
+              <a:rPr lang="en-US" altLang="ko-KR" sz="1400" dirty="0"/>
+              <a:t>git  </a:t>
+            </a:r>
+            <a:r>
+              <a:rPr lang="en-US" altLang="ko-KR" sz="1400" dirty="0" err="1"/>
+              <a:t>init</a:t>
+            </a:r>
+            <a:r>
+              <a:rPr lang="ko-KR" altLang="en-US" sz="1400" dirty="0"/>
+              <a:t>를 실행한 저장소 이하 모든 곳의 모든 변화를 </a:t>
+            </a:r>
+            <a:r>
+              <a:rPr lang="en-US" altLang="ko-KR" sz="1400" dirty="0"/>
+              <a:t>Staging</a:t>
+            </a:r>
+            <a:r>
+              <a:rPr lang="ko-KR" altLang="en-US" sz="1400" dirty="0"/>
+              <a:t> </a:t>
+            </a:r>
+            <a:endParaRPr lang="en-US" altLang="ko-KR" sz="1400" dirty="0"/>
+          </a:p>
+          <a:p>
+            <a:pPr marL="0" indent="0">
+              <a:buNone/>
+            </a:pPr>
+            <a:r>
+              <a:rPr lang="fr-FR" altLang="ko-KR" sz="1400" b="1" dirty="0">
+                <a:solidFill>
+                  <a:srgbClr val="FFFF00"/>
+                </a:solidFill>
+              </a:rPr>
+              <a:t>$ git  </a:t>
+            </a:r>
+            <a:r>
+              <a:rPr lang="en-US" altLang="ko-KR" sz="1400" b="1" dirty="0">
+                <a:solidFill>
+                  <a:srgbClr val="FFFF00"/>
+                </a:solidFill>
+              </a:rPr>
+              <a:t>add</a:t>
+            </a:r>
+            <a:r>
+              <a:rPr lang="ko-KR" altLang="en-US" sz="1400" b="1" dirty="0">
+                <a:solidFill>
+                  <a:srgbClr val="FFFF00"/>
+                </a:solidFill>
+              </a:rPr>
+              <a:t>  </a:t>
+            </a:r>
+            <a:r>
+              <a:rPr lang="en-US" altLang="ko-KR" sz="1400" b="1" dirty="0">
+                <a:solidFill>
+                  <a:srgbClr val="FFFF00"/>
+                </a:solidFill>
+              </a:rPr>
+              <a:t>-p  :  </a:t>
+            </a:r>
+            <a:r>
+              <a:rPr lang="en-US" altLang="ko-KR" sz="1400" dirty="0"/>
+              <a:t>-A </a:t>
+            </a:r>
+            <a:r>
+              <a:rPr lang="ko-KR" altLang="en-US" sz="1400" dirty="0"/>
+              <a:t>옵션과 동일하며 추가로 변경 내용 확인하며 </a:t>
+            </a:r>
+            <a:r>
+              <a:rPr lang="en-US" altLang="ko-KR" sz="1400" dirty="0"/>
+              <a:t>Staging </a:t>
+            </a:r>
+            <a:r>
+              <a:rPr lang="ko-KR" altLang="en-US" sz="1400" dirty="0"/>
+              <a:t>가능</a:t>
+            </a:r>
+            <a:endParaRPr lang="fr-FR" altLang="ko-KR" sz="1400" dirty="0"/>
+          </a:p>
+          <a:p>
+            <a:pPr marL="0" indent="0">
+              <a:buNone/>
+            </a:pPr>
+            <a:r>
+              <a:rPr lang="fr-FR" altLang="ko-KR" sz="1400" b="1" dirty="0">
+                <a:solidFill>
+                  <a:srgbClr val="FFFF00"/>
+                </a:solidFill>
+              </a:rPr>
+              <a:t>$ git  </a:t>
+            </a:r>
+            <a:r>
+              <a:rPr lang="en-US" altLang="ko-KR" sz="1400" b="1" dirty="0">
+                <a:solidFill>
+                  <a:srgbClr val="FFFF00"/>
+                </a:solidFill>
+              </a:rPr>
+              <a:t>add</a:t>
+            </a:r>
+            <a:r>
+              <a:rPr lang="ko-KR" altLang="en-US" sz="1400" b="1" dirty="0">
+                <a:solidFill>
+                  <a:srgbClr val="FFFF00"/>
+                </a:solidFill>
+              </a:rPr>
+              <a:t>  </a:t>
+            </a:r>
+            <a:r>
+              <a:rPr lang="en-US" altLang="ko-KR" sz="1400" b="1" dirty="0">
+                <a:solidFill>
+                  <a:srgbClr val="FFFF00"/>
+                </a:solidFill>
+              </a:rPr>
+              <a:t>-</a:t>
+            </a:r>
+            <a:r>
+              <a:rPr lang="en-US" altLang="ko-KR" sz="1400" b="1" dirty="0" err="1">
+                <a:solidFill>
+                  <a:srgbClr val="FFFF00"/>
+                </a:solidFill>
+              </a:rPr>
+              <a:t>i</a:t>
+            </a:r>
+            <a:r>
+              <a:rPr lang="en-US" altLang="ko-KR" sz="1400" b="1" dirty="0">
+                <a:solidFill>
+                  <a:srgbClr val="FFFF00"/>
+                </a:solidFill>
+              </a:rPr>
+              <a:t>  :  </a:t>
+            </a:r>
+            <a:r>
+              <a:rPr lang="ko-KR" altLang="en-US" sz="1400" dirty="0"/>
+              <a:t>명령어를 선택해서 </a:t>
+            </a:r>
+            <a:r>
+              <a:rPr lang="en-US" altLang="ko-KR" sz="1400" dirty="0"/>
+              <a:t>Staging </a:t>
+            </a:r>
+            <a:r>
+              <a:rPr lang="ko-KR" altLang="en-US" sz="1400" dirty="0"/>
+              <a:t>가능</a:t>
+            </a:r>
+            <a:endParaRPr lang="fr-FR" altLang="ko-KR" sz="1400" dirty="0"/>
+          </a:p>
+          <a:p>
+            <a:pPr marL="0" indent="0">
+              <a:buNone/>
+            </a:pPr>
+            <a:endParaRPr lang="en-US" altLang="ko-KR" sz="1200" dirty="0"/>
+          </a:p>
+          <a:p>
+            <a:pPr marL="0" indent="0">
+              <a:buNone/>
+            </a:pPr>
+            <a:r>
+              <a:rPr lang="fr-FR" altLang="ko-KR" sz="1400" b="1" dirty="0">
+                <a:solidFill>
+                  <a:srgbClr val="FFFF00"/>
+                </a:solidFill>
+              </a:rPr>
+              <a:t>$ git   </a:t>
+            </a:r>
+            <a:r>
+              <a:rPr lang="en-US" altLang="ko-KR" sz="1400" b="1" dirty="0">
+                <a:solidFill>
+                  <a:srgbClr val="FFFF00"/>
+                </a:solidFill>
+              </a:rPr>
+              <a:t>rm  --cached  -r  *</a:t>
+            </a:r>
             <a:endParaRPr lang="fr-FR" altLang="ko-KR" sz="1400" b="1" dirty="0">
               <a:solidFill>
                 <a:srgbClr val="FFFF00"/>
@@ -20727,224 +21286,6 @@
               <a:buNone/>
             </a:pPr>
             <a:r>
-              <a:rPr lang="fr-FR" altLang="ko-KR" sz="1400" b="1" dirty="0">
-                <a:solidFill>
-                  <a:srgbClr val="FFFF00"/>
-                </a:solidFill>
-              </a:rPr>
-              <a:t>$ git  status</a:t>
-            </a:r>
-          </a:p>
-          <a:p>
-            <a:pPr marL="0" indent="0">
-              <a:buNone/>
-            </a:pPr>
-            <a:r>
-              <a:rPr lang="en-US" altLang="ko-KR" sz="1200" dirty="0"/>
-              <a:t>Working Directory</a:t>
-            </a:r>
-            <a:r>
-              <a:rPr lang="ko-KR" altLang="en-US" sz="1200" dirty="0"/>
-              <a:t>와 </a:t>
-            </a:r>
-            <a:r>
-              <a:rPr lang="en-US" altLang="ko-KR" sz="1200" dirty="0"/>
-              <a:t>Index</a:t>
-            </a:r>
-            <a:r>
-              <a:rPr lang="ko-KR" altLang="en-US" sz="1200" dirty="0"/>
-              <a:t>의 상태를 확인하기 위해 사용</a:t>
-            </a:r>
-            <a:endParaRPr lang="en-US" altLang="ko-KR" sz="1200" dirty="0"/>
-          </a:p>
-          <a:p>
-            <a:pPr marL="0" indent="0">
-              <a:buNone/>
-            </a:pPr>
-            <a:r>
-              <a:rPr lang="en-US" altLang="ko-KR" sz="1200" b="1" dirty="0">
-                <a:solidFill>
-                  <a:schemeClr val="accent2">
-                    <a:lumMod val="40000"/>
-                    <a:lumOff val="60000"/>
-                  </a:schemeClr>
-                </a:solidFill>
-              </a:rPr>
-              <a:t>Changes to be committed: </a:t>
-            </a:r>
-            <a:r>
-              <a:rPr lang="en-US" altLang="ko-KR" sz="1200" dirty="0"/>
-              <a:t> Staging </a:t>
-            </a:r>
-            <a:r>
-              <a:rPr lang="ko-KR" altLang="en-US" sz="1200" dirty="0"/>
-              <a:t>되었으며</a:t>
-            </a:r>
-            <a:r>
-              <a:rPr lang="en-US" altLang="ko-KR" sz="1200" dirty="0"/>
-              <a:t>, commit </a:t>
-            </a:r>
-            <a:r>
-              <a:rPr lang="ko-KR" altLang="en-US" sz="1200" dirty="0"/>
-              <a:t>될 수 있는 파일 목록</a:t>
-            </a:r>
-            <a:endParaRPr lang="en-US" altLang="ko-KR" sz="1200" dirty="0"/>
-          </a:p>
-          <a:p>
-            <a:pPr marL="0" indent="0">
-              <a:buNone/>
-            </a:pPr>
-            <a:r>
-              <a:rPr lang="en-US" altLang="ko-KR" sz="1200" b="1" dirty="0">
-                <a:solidFill>
-                  <a:schemeClr val="accent2">
-                    <a:lumMod val="40000"/>
-                    <a:lumOff val="60000"/>
-                  </a:schemeClr>
-                </a:solidFill>
-              </a:rPr>
-              <a:t>Changes not staged for commit:  </a:t>
-            </a:r>
-            <a:r>
-              <a:rPr lang="ko-KR" altLang="en-US" sz="1200" dirty="0"/>
-              <a:t>수정되었으나 아직 </a:t>
-            </a:r>
-            <a:r>
-              <a:rPr lang="en-US" altLang="ko-KR" sz="1200" dirty="0"/>
-              <a:t>Staging </a:t>
-            </a:r>
-            <a:r>
-              <a:rPr lang="ko-KR" altLang="en-US" sz="1200" dirty="0"/>
-              <a:t>되지 않은 파일 목록</a:t>
-            </a:r>
-            <a:endParaRPr lang="en-US" altLang="ko-KR" sz="1200" dirty="0"/>
-          </a:p>
-          <a:p>
-            <a:pPr marL="0" indent="0">
-              <a:buNone/>
-            </a:pPr>
-            <a:r>
-              <a:rPr lang="fr-FR" altLang="ko-KR" sz="1200" b="1" dirty="0">
-                <a:solidFill>
-                  <a:schemeClr val="accent2">
-                    <a:lumMod val="40000"/>
-                    <a:lumOff val="60000"/>
-                  </a:schemeClr>
-                </a:solidFill>
-              </a:rPr>
-              <a:t>Untracked files:  </a:t>
-            </a:r>
-            <a:r>
-              <a:rPr lang="fr-FR" altLang="ko-KR" sz="1200" dirty="0"/>
-              <a:t>Working Directory</a:t>
-            </a:r>
-            <a:r>
-              <a:rPr lang="ko-KR" altLang="en-US" sz="1200" dirty="0"/>
-              <a:t>에 있는</a:t>
-            </a:r>
-            <a:r>
-              <a:rPr lang="en-US" altLang="ko-KR" sz="1200" dirty="0"/>
-              <a:t>,</a:t>
-            </a:r>
-            <a:r>
-              <a:rPr lang="ko-KR" altLang="en-US" sz="1200" dirty="0"/>
-              <a:t> 한 번도 </a:t>
-            </a:r>
-            <a:r>
-              <a:rPr lang="en-US" altLang="ko-KR" sz="1200" dirty="0"/>
-              <a:t>git </a:t>
-            </a:r>
-            <a:r>
-              <a:rPr lang="ko-KR" altLang="en-US" sz="1200" dirty="0"/>
-              <a:t>저장소에 관리된 적이 없는 파일 목록</a:t>
-            </a:r>
-            <a:endParaRPr lang="en-US" altLang="ko-KR" sz="1200" dirty="0"/>
-          </a:p>
-          <a:p>
-            <a:pPr marL="0" indent="0">
-              <a:buNone/>
-            </a:pPr>
-            <a:endParaRPr lang="en-US" altLang="ko-KR" sz="1200" dirty="0"/>
-          </a:p>
-          <a:p>
-            <a:pPr marL="0" indent="0">
-              <a:buNone/>
-            </a:pPr>
-            <a:r>
-              <a:rPr lang="fr-FR" altLang="ko-KR" sz="1400" b="1" dirty="0">
-                <a:solidFill>
-                  <a:srgbClr val="FFFF00"/>
-                </a:solidFill>
-              </a:rPr>
-              <a:t>$ git  </a:t>
-            </a:r>
-            <a:r>
-              <a:rPr lang="en-US" altLang="ko-KR" sz="1400" b="1" dirty="0">
-                <a:solidFill>
-                  <a:srgbClr val="FFFF00"/>
-                </a:solidFill>
-              </a:rPr>
-              <a:t>reset</a:t>
-            </a:r>
-            <a:r>
-              <a:rPr lang="ko-KR" altLang="en-US" sz="1400" b="1" dirty="0">
-                <a:solidFill>
-                  <a:srgbClr val="FFFF00"/>
-                </a:solidFill>
-              </a:rPr>
-              <a:t> </a:t>
-            </a:r>
-            <a:r>
-              <a:rPr lang="en-US" altLang="ko-KR" sz="1400" b="1" dirty="0">
-                <a:solidFill>
-                  <a:srgbClr val="FFFF00"/>
-                </a:solidFill>
-              </a:rPr>
-              <a:t>HEAD</a:t>
-            </a:r>
-            <a:r>
-              <a:rPr lang="ko-KR" altLang="en-US" sz="1400" b="1" dirty="0">
-                <a:solidFill>
-                  <a:srgbClr val="FFFF00"/>
-                </a:solidFill>
-              </a:rPr>
-              <a:t> </a:t>
-            </a:r>
-            <a:r>
-              <a:rPr lang="en-US" altLang="ko-KR" sz="1400" b="1" dirty="0">
-                <a:solidFill>
-                  <a:srgbClr val="FFFF00"/>
-                </a:solidFill>
-              </a:rPr>
-              <a:t>&lt;</a:t>
-            </a:r>
-            <a:r>
-              <a:rPr lang="ko-KR" altLang="en-US" sz="1400" b="1" dirty="0">
-                <a:solidFill>
-                  <a:srgbClr val="FFFF00"/>
-                </a:solidFill>
-              </a:rPr>
-              <a:t>파일명</a:t>
-            </a:r>
-            <a:r>
-              <a:rPr lang="en-US" altLang="ko-KR" sz="1400" b="1" dirty="0">
-                <a:solidFill>
-                  <a:srgbClr val="FFFF00"/>
-                </a:solidFill>
-              </a:rPr>
-              <a:t>&gt;</a:t>
-            </a:r>
-            <a:endParaRPr lang="fr-FR" altLang="ko-KR" sz="1400" b="1" dirty="0">
-              <a:solidFill>
-                <a:srgbClr val="FFFF00"/>
-              </a:solidFill>
-            </a:endParaRPr>
-          </a:p>
-          <a:p>
-            <a:pPr marL="0" indent="0">
-              <a:buNone/>
-            </a:pPr>
-            <a:r>
               <a:rPr lang="en-US" altLang="ko-KR" sz="1200" dirty="0"/>
               <a:t>Staging</a:t>
             </a:r>
@@ -20968,28 +21309,20 @@
               <a:rPr lang="en-US" altLang="ko-KR" sz="1200" dirty="0"/>
               <a:t>, </a:t>
             </a:r>
+            <a:endParaRPr lang="fr-FR" altLang="ko-KR" sz="1200" dirty="0"/>
+          </a:p>
+          <a:p>
+            <a:pPr marL="0" indent="0">
+              <a:buNone/>
+            </a:pPr>
+            <a:r>
+              <a:rPr lang="en-US" altLang="ko-KR" sz="1200" dirty="0"/>
+              <a:t>-r  : </a:t>
+            </a:r>
             <a:r>
               <a:rPr lang="ko-KR" altLang="en-US" sz="1200" dirty="0"/>
-              <a:t>즉 </a:t>
-            </a:r>
-            <a:r>
-              <a:rPr lang="en-US" altLang="ko-KR" sz="1200" dirty="0"/>
-              <a:t>git add </a:t>
-            </a:r>
-            <a:r>
-              <a:rPr lang="ko-KR" altLang="en-US" sz="1200" dirty="0"/>
-              <a:t>된 파일을 취소</a:t>
-            </a:r>
-            <a:r>
-              <a:rPr lang="en-US" altLang="ko-KR" sz="1200" dirty="0"/>
-              <a:t>.</a:t>
-            </a:r>
-            <a:endParaRPr lang="fr-FR" altLang="ko-KR" sz="1200" dirty="0"/>
-          </a:p>
-          <a:p>
-            <a:pPr marL="0" indent="0">
-              <a:buNone/>
-            </a:pPr>
+              <a:t>하위 디렉토리까지 변경</a:t>
+            </a:r>
             <a:endParaRPr lang="en-US" altLang="ko-KR" sz="1200" dirty="0"/>
           </a:p>
         </p:txBody>
@@ -21643,7 +21976,7 @@
             <a:pPr algn="ctr"/>
             <a:r>
               <a:rPr lang="en-US" altLang="ko-KR" sz="1050" dirty="0"/>
-              <a:t>v1</a:t>
+              <a:t>1-1</a:t>
             </a:r>
             <a:endParaRPr lang="ko-KR" altLang="en-US" sz="1050" dirty="0"/>
           </a:p>
@@ -21698,7 +22031,7 @@
             <a:pPr algn="ctr"/>
             <a:r>
               <a:rPr lang="en-US" altLang="ko-KR" sz="1050" dirty="0"/>
-              <a:t>v1</a:t>
+              <a:t>1-1</a:t>
             </a:r>
             <a:endParaRPr lang="ko-KR" altLang="en-US" sz="1050" dirty="0"/>
           </a:p>
@@ -21800,43 +22133,73 @@
               <a:buNone/>
             </a:pPr>
             <a:r>
-              <a:rPr lang="ko-KR" altLang="en-US" sz="1600" dirty="0"/>
+              <a:rPr lang="ko-KR" altLang="en-US" sz="1200" dirty="0">
+                <a:latin typeface="+mn-ea"/>
+                <a:ea typeface="+mn-ea"/>
+              </a:rPr>
               <a:t>새로 파일을 추가하거나 또는 기존 파일을 편집하여 수정하여</a:t>
             </a:r>
             <a:r>
-              <a:rPr lang="en-US" altLang="ko-KR" sz="1600" dirty="0"/>
+              <a:rPr lang="en-US" altLang="ko-KR" sz="1200" dirty="0">
+                <a:latin typeface="+mn-ea"/>
+                <a:ea typeface="+mn-ea"/>
+              </a:rPr>
               <a:t>,</a:t>
             </a:r>
             <a:r>
-              <a:rPr lang="ko-KR" altLang="en-US" sz="1600" dirty="0"/>
+              <a:rPr lang="ko-KR" altLang="en-US" sz="1200" dirty="0">
+                <a:latin typeface="+mn-ea"/>
+                <a:ea typeface="+mn-ea"/>
+              </a:rPr>
               <a:t> 작업 디렉토리</a:t>
             </a:r>
             <a:r>
-              <a:rPr lang="en-US" altLang="ko-KR" sz="1600" dirty="0"/>
+              <a:rPr lang="en-US" altLang="ko-KR" sz="1200" dirty="0">
+                <a:latin typeface="+mn-ea"/>
+                <a:ea typeface="+mn-ea"/>
+              </a:rPr>
               <a:t>(working directory) </a:t>
             </a:r>
             <a:r>
-              <a:rPr lang="ko-KR" altLang="en-US" sz="1600" dirty="0"/>
+              <a:rPr lang="ko-KR" altLang="en-US" sz="1200" dirty="0">
+                <a:latin typeface="+mn-ea"/>
+                <a:ea typeface="+mn-ea"/>
+              </a:rPr>
               <a:t>상의 변경 내용을 </a:t>
             </a:r>
             <a:r>
-              <a:rPr lang="ko-KR" altLang="en-US" sz="1600" dirty="0" err="1"/>
+              <a:rPr lang="ko-KR" altLang="en-US" sz="1200" dirty="0" err="1">
+                <a:latin typeface="+mn-ea"/>
+                <a:ea typeface="+mn-ea"/>
+              </a:rPr>
               <a:t>스테이징</a:t>
             </a:r>
             <a:r>
-              <a:rPr lang="ko-KR" altLang="en-US" sz="1600" dirty="0"/>
+              <a:rPr lang="ko-KR" altLang="en-US" sz="1200" dirty="0">
+                <a:latin typeface="+mn-ea"/>
+                <a:ea typeface="+mn-ea"/>
+              </a:rPr>
               <a:t> 영역</a:t>
             </a:r>
             <a:r>
-              <a:rPr lang="en-US" altLang="ko-KR" sz="1600" dirty="0"/>
+              <a:rPr lang="en-US" altLang="ko-KR" sz="1200" dirty="0">
+                <a:latin typeface="+mn-ea"/>
+                <a:ea typeface="+mn-ea"/>
+              </a:rPr>
               <a:t>(staging area, index)</a:t>
             </a:r>
             <a:r>
-              <a:rPr lang="ko-KR" altLang="en-US" sz="1600" dirty="0"/>
+              <a:rPr lang="ko-KR" altLang="en-US" sz="1200" dirty="0">
+                <a:latin typeface="+mn-ea"/>
+                <a:ea typeface="+mn-ea"/>
+              </a:rPr>
               <a:t>에 추가</a:t>
             </a:r>
             <a:r>
-              <a:rPr lang="en-US" altLang="ko-KR" sz="1600" dirty="0"/>
+              <a:rPr lang="en-US" altLang="ko-KR" sz="1200" dirty="0">
+                <a:latin typeface="+mn-ea"/>
+                <a:ea typeface="+mn-ea"/>
+              </a:rPr>
               <a:t>. </a:t>
             </a:r>
           </a:p>
@@ -22056,7 +22419,198 @@
                   <a:srgbClr val="FFFF00"/>
                 </a:solidFill>
               </a:rPr>
-              <a:t>log</a:t>
+              <a:t>log  : </a:t>
+            </a:r>
+            <a:r>
+              <a:rPr lang="en-US" altLang="ko-KR" sz="1200" dirty="0" err="1"/>
+              <a:t>commiit</a:t>
+            </a:r>
+            <a:r>
+              <a:rPr lang="ko-KR" altLang="en-US" sz="1200" dirty="0"/>
+              <a:t>된 </a:t>
+            </a:r>
+            <a:r>
+              <a:rPr lang="en-US" altLang="ko-KR" sz="1200" dirty="0"/>
+              <a:t>log </a:t>
+            </a:r>
+            <a:r>
+              <a:rPr lang="ko-KR" altLang="en-US" sz="1200" dirty="0"/>
+              <a:t>정보를 보여줌</a:t>
+            </a:r>
+            <a:r>
+              <a:rPr lang="en-US" altLang="ko-KR" sz="1200" dirty="0"/>
+              <a:t>.  ** </a:t>
+            </a:r>
+            <a:r>
+              <a:rPr lang="ko-KR" altLang="en-US" sz="1200" dirty="0"/>
+              <a:t>참고 </a:t>
+            </a:r>
+            <a:r>
+              <a:rPr lang="en-US" altLang="ko-KR" sz="1200" dirty="0"/>
+              <a:t>: git  log</a:t>
+            </a:r>
+          </a:p>
+          <a:p>
+            <a:pPr marL="0" indent="0">
+              <a:buNone/>
+            </a:pPr>
+            <a:endParaRPr lang="en-US" altLang="ko-KR" sz="1200" dirty="0"/>
+          </a:p>
+          <a:p>
+            <a:pPr marL="0" indent="0">
+              <a:buNone/>
+            </a:pPr>
+            <a:r>
+              <a:rPr lang="fr-FR" altLang="ko-KR" sz="1400" b="1" dirty="0">
+                <a:solidFill>
+                  <a:srgbClr val="FFFF00"/>
+                </a:solidFill>
+              </a:rPr>
+              <a:t>$ git  </a:t>
+            </a:r>
+            <a:r>
+              <a:rPr lang="en-US" altLang="ko-KR" sz="1400" b="1" dirty="0">
+                <a:solidFill>
+                  <a:srgbClr val="FFFF00"/>
+                </a:solidFill>
+              </a:rPr>
+              <a:t>reset</a:t>
+            </a:r>
+            <a:r>
+              <a:rPr lang="ko-KR" altLang="en-US" sz="1400" b="1" dirty="0">
+                <a:solidFill>
+                  <a:srgbClr val="FFFF00"/>
+                </a:solidFill>
+              </a:rPr>
+              <a:t>  </a:t>
+            </a:r>
+            <a:r>
+              <a:rPr lang="en-US" altLang="ko-KR" sz="1400" b="1" dirty="0">
+                <a:solidFill>
+                  <a:srgbClr val="FFFF00"/>
+                </a:solidFill>
+              </a:rPr>
+              <a:t>--soft  HEAD~   :  </a:t>
+            </a:r>
+            <a:r>
+              <a:rPr lang="en-US" altLang="ko-KR" sz="1200" dirty="0"/>
+              <a:t>Local Repository</a:t>
+            </a:r>
+            <a:r>
+              <a:rPr lang="ko-KR" altLang="en-US" sz="1200" dirty="0"/>
+              <a:t>의 </a:t>
+            </a:r>
+            <a:r>
+              <a:rPr lang="en-US" altLang="ko-KR" sz="1200" dirty="0"/>
+              <a:t>HEAD</a:t>
+            </a:r>
+            <a:r>
+              <a:rPr lang="ko-KR" altLang="en-US" sz="1200" dirty="0" err="1"/>
+              <a:t>를</a:t>
+            </a:r>
+            <a:r>
+              <a:rPr lang="ko-KR" altLang="en-US" sz="1200" dirty="0"/>
+              <a:t> 이전 </a:t>
+            </a:r>
+            <a:r>
+              <a:rPr lang="en-US" altLang="ko-KR" sz="1200" dirty="0"/>
+              <a:t>commit</a:t>
+            </a:r>
+            <a:r>
+              <a:rPr lang="ko-KR" altLang="en-US" sz="1200" dirty="0" err="1"/>
+              <a:t>으로</a:t>
+            </a:r>
+            <a:r>
+              <a:rPr lang="ko-KR" altLang="en-US" sz="1200" dirty="0"/>
+              <a:t> 이동</a:t>
+            </a:r>
+            <a:r>
+              <a:rPr lang="en-US" altLang="ko-KR" sz="1200" dirty="0"/>
+              <a:t>.</a:t>
+            </a:r>
+          </a:p>
+          <a:p>
+            <a:pPr marL="0" indent="0">
+              <a:buNone/>
+            </a:pPr>
+            <a:r>
+              <a:rPr lang="fr-FR" altLang="ko-KR" sz="1400" b="1" dirty="0">
+                <a:solidFill>
+                  <a:srgbClr val="FFFF00"/>
+                </a:solidFill>
+              </a:rPr>
+              <a:t>$ git  </a:t>
+            </a:r>
+            <a:r>
+              <a:rPr lang="en-US" altLang="ko-KR" sz="1400" b="1" dirty="0">
+                <a:solidFill>
+                  <a:srgbClr val="FFFF00"/>
+                </a:solidFill>
+              </a:rPr>
+              <a:t>reset</a:t>
+            </a:r>
+            <a:r>
+              <a:rPr lang="ko-KR" altLang="en-US" sz="1400" b="1" dirty="0">
+                <a:solidFill>
+                  <a:srgbClr val="FFFF00"/>
+                </a:solidFill>
+              </a:rPr>
+              <a:t> </a:t>
+            </a:r>
+            <a:r>
+              <a:rPr lang="en-US" altLang="ko-KR" sz="1400" b="1" dirty="0">
+                <a:solidFill>
+                  <a:srgbClr val="FFFF00"/>
+                </a:solidFill>
+              </a:rPr>
+              <a:t> HEAD~   ==   $ git  reset  --mixed  HEAD~  </a:t>
+            </a:r>
+          </a:p>
+          <a:p>
+            <a:pPr marL="0" indent="0">
+              <a:buNone/>
+            </a:pPr>
+            <a:r>
+              <a:rPr lang="en-US" altLang="ko-KR" sz="1400" b="1" dirty="0">
+                <a:solidFill>
+                  <a:srgbClr val="FFFF00"/>
+                </a:solidFill>
+              </a:rPr>
+              <a:t>:  </a:t>
+            </a:r>
+            <a:r>
+              <a:rPr lang="en-US" altLang="ko-KR" sz="1200" dirty="0"/>
+              <a:t>Staged File</a:t>
+            </a:r>
+            <a:r>
+              <a:rPr lang="ko-KR" altLang="en-US" sz="1200" dirty="0"/>
+              <a:t>도 이전 </a:t>
+            </a:r>
+            <a:r>
+              <a:rPr lang="en-US" altLang="ko-KR" sz="1200" dirty="0"/>
+              <a:t>commit</a:t>
+            </a:r>
+            <a:r>
+              <a:rPr lang="ko-KR" altLang="en-US" sz="1200" dirty="0" err="1"/>
+              <a:t>으로</a:t>
+            </a:r>
+            <a:r>
+              <a:rPr lang="ko-KR" altLang="en-US" sz="1200" dirty="0"/>
+              <a:t> 이동</a:t>
+            </a:r>
+            <a:endParaRPr lang="en-US" altLang="ko-KR" sz="1200" dirty="0"/>
+          </a:p>
+          <a:p>
+            <a:pPr marL="0" indent="0">
+              <a:buNone/>
+            </a:pPr>
+            <a:r>
+              <a:rPr lang="en-US" altLang="ko-KR" sz="1400" b="1" dirty="0">
+                <a:solidFill>
+                  <a:srgbClr val="FFFF00"/>
+                </a:solidFill>
+              </a:rPr>
+              <a:t>$ git  reset  --hard  HEAD~</a:t>
             </a:r>
             <a:endParaRPr lang="fr-FR" altLang="ko-KR" sz="1400" b="1" dirty="0">
               <a:solidFill>
@@ -22069,203 +22623,49 @@
               <a:buNone/>
             </a:pPr>
             <a:r>
-              <a:rPr lang="en-US" altLang="ko-KR" sz="1200" dirty="0" err="1"/>
-              <a:t>commiit</a:t>
+              <a:rPr lang="en-US" altLang="ko-KR" sz="1200" dirty="0"/>
+              <a:t>***  HEAD^</a:t>
             </a:r>
             <a:r>
               <a:rPr lang="ko-KR" altLang="en-US" sz="1200" dirty="0"/>
-              <a:t>된 </a:t>
+              <a:t>    </a:t>
             </a:r>
             <a:r>
               <a:rPr lang="en-US" altLang="ko-KR" sz="1200" dirty="0"/>
-              <a:t>log </a:t>
+              <a:t>HEAD^^</a:t>
             </a:r>
             <a:r>
               <a:rPr lang="ko-KR" altLang="en-US" sz="1200" dirty="0"/>
-              <a:t>정보를 보여줌</a:t>
+              <a:t>   </a:t>
             </a:r>
             <a:r>
               <a:rPr lang="en-US" altLang="ko-KR" sz="1200" dirty="0"/>
-              <a:t>. </a:t>
-            </a:r>
-          </a:p>
-          <a:p>
-            <a:pPr marL="0" indent="0">
-              <a:buNone/>
-            </a:pPr>
+              <a:t>HEAD~</a:t>
+            </a:r>
+            <a:r>
+              <a:rPr lang="ko-KR" altLang="en-US" sz="1200" dirty="0"/>
+              <a:t>   </a:t>
+            </a:r>
             <a:r>
               <a:rPr lang="en-US" altLang="ko-KR" sz="1200" dirty="0"/>
-              <a:t>** </a:t>
+              <a:t>HEAD~2</a:t>
             </a:r>
             <a:r>
               <a:rPr lang="ko-KR" altLang="en-US" sz="1200" dirty="0"/>
-              <a:t>참고 </a:t>
+              <a:t>   </a:t>
             </a:r>
             <a:r>
               <a:rPr lang="en-US" altLang="ko-KR" sz="1200" dirty="0"/>
-              <a:t>: git  log</a:t>
-            </a:r>
-          </a:p>
-          <a:p>
-            <a:pPr marL="0" indent="0">
-              <a:buNone/>
-            </a:pPr>
-            <a:endParaRPr lang="en-US" altLang="ko-KR" sz="1200" dirty="0"/>
-          </a:p>
-          <a:p>
-            <a:pPr marL="0" indent="0">
-              <a:buNone/>
-            </a:pPr>
-            <a:r>
-              <a:rPr lang="fr-FR" altLang="ko-KR" sz="1400" b="1" dirty="0">
-                <a:solidFill>
-                  <a:srgbClr val="FFFF00"/>
-                </a:solidFill>
-              </a:rPr>
-              <a:t>$ git  </a:t>
-            </a:r>
-            <a:r>
-              <a:rPr lang="en-US" altLang="ko-KR" sz="1400" b="1" dirty="0">
-                <a:solidFill>
-                  <a:srgbClr val="FFFF00"/>
-                </a:solidFill>
-              </a:rPr>
-              <a:t>reset</a:t>
-            </a:r>
-            <a:r>
-              <a:rPr lang="ko-KR" altLang="en-US" sz="1400" b="1" dirty="0">
-                <a:solidFill>
-                  <a:srgbClr val="FFFF00"/>
-                </a:solidFill>
-              </a:rPr>
-              <a:t>  </a:t>
-            </a:r>
-            <a:r>
-              <a:rPr lang="en-US" altLang="ko-KR" sz="1400" b="1" dirty="0">
-                <a:solidFill>
-                  <a:srgbClr val="FFFF00"/>
-                </a:solidFill>
-              </a:rPr>
-              <a:t>--soft  HEAD~   :  </a:t>
-            </a:r>
-            <a:r>
-              <a:rPr lang="en-US" altLang="ko-KR" sz="1200" dirty="0"/>
-              <a:t>Local Repository</a:t>
+              <a:t>HEAD~3  : </a:t>
             </a:r>
             <a:r>
               <a:rPr lang="ko-KR" altLang="en-US" sz="1200" dirty="0"/>
-              <a:t>의 </a:t>
-            </a:r>
-            <a:r>
-              <a:rPr lang="en-US" altLang="ko-KR" sz="1200" dirty="0"/>
-              <a:t>HEAD</a:t>
-            </a:r>
-            <a:r>
-              <a:rPr lang="ko-KR" altLang="en-US" sz="1200" dirty="0" err="1"/>
-              <a:t>를</a:t>
-            </a:r>
-            <a:r>
-              <a:rPr lang="ko-KR" altLang="en-US" sz="1200" dirty="0"/>
-              <a:t> 이전 </a:t>
-            </a:r>
-            <a:r>
-              <a:rPr lang="en-US" altLang="ko-KR" sz="1200" dirty="0"/>
-              <a:t>commit</a:t>
-            </a:r>
-            <a:r>
-              <a:rPr lang="ko-KR" altLang="en-US" sz="1200" dirty="0" err="1"/>
-              <a:t>으로</a:t>
-            </a:r>
-            <a:r>
-              <a:rPr lang="ko-KR" altLang="en-US" sz="1200" dirty="0"/>
-              <a:t> 이동</a:t>
+              <a:t>의미  이해 할 것</a:t>
             </a:r>
             <a:r>
               <a:rPr lang="en-US" altLang="ko-KR" sz="1200" dirty="0"/>
               <a:t>.</a:t>
             </a:r>
-          </a:p>
-          <a:p>
-            <a:pPr marL="0" indent="0">
-              <a:buNone/>
-            </a:pPr>
-            <a:r>
-              <a:rPr lang="fr-FR" altLang="ko-KR" sz="1200" b="1" dirty="0">
-                <a:solidFill>
-                  <a:srgbClr val="FFFF00"/>
-                </a:solidFill>
-              </a:rPr>
-              <a:t>$ git  </a:t>
-            </a:r>
-            <a:r>
-              <a:rPr lang="en-US" altLang="ko-KR" sz="1200" b="1" dirty="0">
-                <a:solidFill>
-                  <a:srgbClr val="FFFF00"/>
-                </a:solidFill>
-              </a:rPr>
-              <a:t>reset</a:t>
-            </a:r>
-            <a:r>
-              <a:rPr lang="ko-KR" altLang="en-US" sz="1200" b="1" dirty="0">
-                <a:solidFill>
-                  <a:srgbClr val="FFFF00"/>
-                </a:solidFill>
-              </a:rPr>
-              <a:t> </a:t>
-            </a:r>
-            <a:r>
-              <a:rPr lang="en-US" altLang="ko-KR" sz="1200" b="1" dirty="0">
-                <a:solidFill>
-                  <a:srgbClr val="FFFF00"/>
-                </a:solidFill>
-              </a:rPr>
-              <a:t> HEAD~   ==   $ git  reset  --mixed  HEAD~  :  </a:t>
-            </a:r>
-            <a:r>
-              <a:rPr lang="en-US" altLang="ko-KR" sz="1200" dirty="0"/>
-              <a:t>Staged File</a:t>
-            </a:r>
-            <a:r>
-              <a:rPr lang="ko-KR" altLang="en-US" sz="1200" dirty="0"/>
-              <a:t>도 이전 </a:t>
-            </a:r>
-            <a:r>
-              <a:rPr lang="en-US" altLang="ko-KR" sz="1200" dirty="0"/>
-              <a:t>commit</a:t>
-            </a:r>
-            <a:r>
-              <a:rPr lang="ko-KR" altLang="en-US" sz="1200" dirty="0" err="1"/>
-              <a:t>으로</a:t>
-            </a:r>
-            <a:r>
-              <a:rPr lang="ko-KR" altLang="en-US" sz="1200" dirty="0"/>
-              <a:t> 이동</a:t>
-            </a:r>
-            <a:endParaRPr lang="en-US" altLang="ko-KR" sz="1200" dirty="0"/>
-          </a:p>
-          <a:p>
-            <a:pPr marL="0" indent="0">
-              <a:buNone/>
-            </a:pPr>
-            <a:r>
-              <a:rPr lang="en-US" altLang="ko-KR" sz="1200" b="1" dirty="0">
-                <a:solidFill>
-                  <a:srgbClr val="FFFF00"/>
-                </a:solidFill>
-              </a:rPr>
-              <a:t>$ git  reset  --hard  HEAD~</a:t>
-            </a:r>
-            <a:endParaRPr lang="fr-FR" altLang="ko-KR" sz="1200" b="1" dirty="0">
-              <a:solidFill>
-                <a:srgbClr val="FFFF00"/>
-              </a:solidFill>
-            </a:endParaRPr>
-          </a:p>
-          <a:p>
-            <a:pPr marL="0" indent="0">
-              <a:buNone/>
-            </a:pPr>
-            <a:endParaRPr lang="en-US" altLang="ko-KR" sz="1200" dirty="0"/>
           </a:p>
         </p:txBody>
       </p:sp>
@@ -22918,7 +23318,7 @@
             <a:pPr algn="ctr"/>
             <a:r>
               <a:rPr lang="en-US" altLang="ko-KR" sz="1050" dirty="0"/>
-              <a:t>v1</a:t>
+              <a:t>1-1</a:t>
             </a:r>
             <a:endParaRPr lang="ko-KR" altLang="en-US" sz="1050" dirty="0"/>
           </a:p>
@@ -22973,7 +23373,7 @@
             <a:pPr algn="ctr"/>
             <a:r>
               <a:rPr lang="en-US" altLang="ko-KR" sz="1050" dirty="0"/>
-              <a:t>v1</a:t>
+              <a:t>1-1</a:t>
             </a:r>
             <a:endParaRPr lang="ko-KR" altLang="en-US" sz="1050" dirty="0"/>
           </a:p>
@@ -23028,7 +23428,7 @@
             <a:pPr algn="ctr"/>
             <a:r>
               <a:rPr lang="en-US" altLang="ko-KR" sz="1050" dirty="0"/>
-              <a:t>v1</a:t>
+              <a:t>1-1</a:t>
             </a:r>
             <a:endParaRPr lang="ko-KR" altLang="en-US" sz="1050" dirty="0"/>
           </a:p>
@@ -23083,7 +23483,7 @@
             <a:pPr algn="ctr"/>
             <a:r>
               <a:rPr lang="en-US" altLang="ko-KR" sz="1050" dirty="0"/>
-              <a:t>v1</a:t>
+              <a:t>1-1</a:t>
             </a:r>
             <a:endParaRPr lang="ko-KR" altLang="en-US" sz="1050" dirty="0"/>
           </a:p>

--- a/Tools/git/SW 형상 관리.pptx
+++ b/Tools/git/SW 형상 관리.pptx
@@ -1,6 +1,6 @@
 
 <file path=ppt/presentation.xml><?xml version="1.0" encoding="utf-8"?>
-<p:presentation xmlns:a="http://schemas.openxmlformats.org/drawingml/2006/main" xmlns:r="http://schemas.openxmlformats.org/officeDocument/2006/relationships" xmlns:p="http://schemas.openxmlformats.org/presentationml/2006/main" autoCompressPictures="0">
+<p:presentation xmlns:a="http://schemas.openxmlformats.org/drawingml/2006/main" xmlns:r="http://schemas.openxmlformats.org/officeDocument/2006/relationships" xmlns:p="http://schemas.openxmlformats.org/presentationml/2006/main" showSpecialPlsOnTitleSld="0" autoCompressPictures="0">
   <p:sldMasterIdLst>
     <p:sldMasterId id="2147483648" r:id="rId1"/>
   </p:sldMasterIdLst>
@@ -222,7 +222,7 @@
           <a:p>
             <a:fld id="{A8024B54-3D20-42B6-A112-BFED72D3BCE0}" type="datetimeFigureOut">
               <a:rPr lang="ko-KR" altLang="en-US" smtClean="0"/>
-              <a:t>2024-06-25 - Tue</a:t>
+              <a:t>2024. 6. 26.</a:t>
             </a:fld>
             <a:endParaRPr lang="ko-KR" altLang="en-US"/>
           </a:p>
@@ -841,9 +841,9 @@
           <a:bodyPr/>
           <a:lstStyle/>
           <a:p>
-            <a:fld id="{4AAD347D-5ACD-4C99-B74B-A9C85AD731AF}" type="datetimeFigureOut">
-              <a:rPr lang="en-US" dirty="0"/>
-              <a:t>6/25/2024</a:t>
+            <a:fld id="{EDB9387A-6E2C-B246-B443-8C6807E54A99}" type="datetime1">
+              <a:rPr lang="ko-KR" altLang="en-US" smtClean="0"/>
+              <a:t>2024. 6. 26.</a:t>
             </a:fld>
             <a:endParaRPr lang="en-US" dirty="0"/>
           </a:p>
@@ -878,7 +878,12 @@
             <p:ph type="sldNum" sz="quarter" idx="12"/>
           </p:nvPr>
         </p:nvSpPr>
-        <p:spPr/>
+        <p:spPr>
+          <a:xfrm>
+            <a:off x="11287566" y="6009010"/>
+            <a:ext cx="838199" cy="767687"/>
+          </a:xfrm>
+        </p:spPr>
         <p:txBody>
           <a:bodyPr/>
           <a:lstStyle/>
@@ -1111,9 +1116,9 @@
           <a:bodyPr/>
           <a:lstStyle/>
           <a:p>
-            <a:fld id="{4509A250-FF31-4206-8172-F9D3106AACB1}" type="datetimeFigureOut">
-              <a:rPr lang="en-US" dirty="0"/>
-              <a:t>6/25/2024</a:t>
+            <a:fld id="{FD73072E-9E70-AC41-B766-652E27B91254}" type="datetime1">
+              <a:rPr lang="ko-KR" altLang="en-US" smtClean="0"/>
+              <a:t>2024. 6. 26.</a:t>
             </a:fld>
             <a:endParaRPr lang="en-US" dirty="0"/>
           </a:p>
@@ -1148,7 +1153,12 @@
             <p:ph type="sldNum" sz="quarter" idx="12"/>
           </p:nvPr>
         </p:nvSpPr>
-        <p:spPr/>
+        <p:spPr>
+          <a:xfrm>
+            <a:off x="11266940" y="6009010"/>
+            <a:ext cx="838199" cy="767687"/>
+          </a:xfrm>
+        </p:spPr>
         <p:txBody>
           <a:bodyPr/>
           <a:lstStyle/>
@@ -1300,9 +1310,9 @@
           <a:bodyPr/>
           <a:lstStyle/>
           <a:p>
-            <a:fld id="{4509A250-FF31-4206-8172-F9D3106AACB1}" type="datetimeFigureOut">
-              <a:rPr lang="en-US" dirty="0"/>
-              <a:t>6/25/2024</a:t>
+            <a:fld id="{287C2908-D02A-724D-B4B8-69C7DBF1E793}" type="datetime1">
+              <a:rPr lang="ko-KR" altLang="en-US" smtClean="0"/>
+              <a:t>2024. 6. 26.</a:t>
             </a:fld>
             <a:endParaRPr lang="en-US" dirty="0"/>
           </a:p>
@@ -1337,7 +1347,12 @@
             <p:ph type="sldNum" sz="quarter" idx="12"/>
           </p:nvPr>
         </p:nvSpPr>
-        <p:spPr/>
+        <p:spPr>
+          <a:xfrm>
+            <a:off x="11260066" y="5964798"/>
+            <a:ext cx="838199" cy="767687"/>
+          </a:xfrm>
+        </p:spPr>
         <p:txBody>
           <a:bodyPr/>
           <a:lstStyle/>
@@ -1568,9 +1583,9 @@
           <a:bodyPr/>
           <a:lstStyle/>
           <a:p>
-            <a:fld id="{4509A250-FF31-4206-8172-F9D3106AACB1}" type="datetimeFigureOut">
-              <a:rPr lang="en-US" dirty="0"/>
-              <a:t>6/25/2024</a:t>
+            <a:fld id="{BB5F981A-283A-8C41-BA9C-B5A9FB391436}" type="datetime1">
+              <a:rPr lang="ko-KR" altLang="en-US" smtClean="0"/>
+              <a:t>2024. 6. 26.</a:t>
             </a:fld>
             <a:endParaRPr lang="en-US" dirty="0"/>
           </a:p>
@@ -1605,7 +1620,12 @@
             <p:ph type="sldNum" sz="quarter" idx="12"/>
           </p:nvPr>
         </p:nvSpPr>
-        <p:spPr/>
+        <p:spPr>
+          <a:xfrm>
+            <a:off x="11266940" y="5967759"/>
+            <a:ext cx="838199" cy="767687"/>
+          </a:xfrm>
+        </p:spPr>
         <p:txBody>
           <a:bodyPr/>
           <a:lstStyle/>
@@ -1904,9 +1924,9 @@
           <a:bodyPr/>
           <a:lstStyle/>
           <a:p>
-            <a:fld id="{4509A250-FF31-4206-8172-F9D3106AACB1}" type="datetimeFigureOut">
-              <a:rPr lang="en-US" dirty="0"/>
-              <a:t>6/25/2024</a:t>
+            <a:fld id="{4D0A8110-9C21-A144-9082-289893FA67E4}" type="datetime1">
+              <a:rPr lang="ko-KR" altLang="en-US" smtClean="0"/>
+              <a:t>2024. 6. 26.</a:t>
             </a:fld>
             <a:endParaRPr lang="en-US" dirty="0"/>
           </a:p>
@@ -1941,7 +1961,12 @@
             <p:ph type="sldNum" sz="quarter" idx="12"/>
           </p:nvPr>
         </p:nvSpPr>
-        <p:spPr/>
+        <p:spPr>
+          <a:xfrm>
+            <a:off x="11246315" y="5988385"/>
+            <a:ext cx="838199" cy="767687"/>
+          </a:xfrm>
+        </p:spPr>
         <p:txBody>
           <a:bodyPr/>
           <a:lstStyle/>
@@ -2522,9 +2547,9 @@
           <a:bodyPr/>
           <a:lstStyle/>
           <a:p>
-            <a:fld id="{4509A250-FF31-4206-8172-F9D3106AACB1}" type="datetimeFigureOut">
-              <a:rPr lang="en-US" dirty="0"/>
-              <a:t>6/25/2024</a:t>
+            <a:fld id="{9B61DE03-EFB5-B249-9D18-C13D44718C0B}" type="datetime1">
+              <a:rPr lang="ko-KR" altLang="en-US" smtClean="0"/>
+              <a:t>2024. 6. 26.</a:t>
             </a:fld>
             <a:endParaRPr lang="en-US" dirty="0"/>
           </a:p>
@@ -2559,7 +2584,12 @@
             <p:ph type="sldNum" sz="quarter" idx="12"/>
           </p:nvPr>
         </p:nvSpPr>
-        <p:spPr/>
+        <p:spPr>
+          <a:xfrm>
+            <a:off x="11266940" y="5988384"/>
+            <a:ext cx="838199" cy="767687"/>
+          </a:xfrm>
+        </p:spPr>
         <p:txBody>
           <a:bodyPr/>
           <a:lstStyle/>
@@ -3377,9 +3407,9 @@
           <a:bodyPr/>
           <a:lstStyle/>
           <a:p>
-            <a:fld id="{4509A250-FF31-4206-8172-F9D3106AACB1}" type="datetimeFigureOut">
-              <a:rPr lang="en-US" dirty="0"/>
-              <a:t>6/25/2024</a:t>
+            <a:fld id="{B47D6547-F59A-8E43-BD7C-934028311802}" type="datetime1">
+              <a:rPr lang="ko-KR" altLang="en-US" smtClean="0"/>
+              <a:t>2024. 6. 26.</a:t>
             </a:fld>
             <a:endParaRPr lang="en-US" dirty="0"/>
           </a:p>
@@ -3414,7 +3444,12 @@
             <p:ph type="sldNum" sz="quarter" idx="12"/>
           </p:nvPr>
         </p:nvSpPr>
-        <p:spPr/>
+        <p:spPr>
+          <a:xfrm>
+            <a:off x="11246314" y="5988385"/>
+            <a:ext cx="838199" cy="767687"/>
+          </a:xfrm>
+        </p:spPr>
         <p:txBody>
           <a:bodyPr/>
           <a:lstStyle/>
@@ -3542,9 +3577,9 @@
           <a:bodyPr/>
           <a:lstStyle/>
           <a:p>
-            <a:fld id="{4509A250-FF31-4206-8172-F9D3106AACB1}" type="datetimeFigureOut">
-              <a:rPr lang="en-US" dirty="0"/>
-              <a:t>6/25/2024</a:t>
+            <a:fld id="{5444C532-5981-BC46-8888-85596E3A4FC1}" type="datetime1">
+              <a:rPr lang="ko-KR" altLang="en-US" smtClean="0"/>
+              <a:t>2024. 6. 26.</a:t>
             </a:fld>
             <a:endParaRPr lang="en-US" dirty="0"/>
           </a:p>
@@ -3579,7 +3614,12 @@
             <p:ph type="sldNum" sz="quarter" idx="12"/>
           </p:nvPr>
         </p:nvSpPr>
-        <p:spPr/>
+        <p:spPr>
+          <a:xfrm>
+            <a:off x="11253189" y="5988385"/>
+            <a:ext cx="838199" cy="767687"/>
+          </a:xfrm>
+        </p:spPr>
         <p:txBody>
           <a:bodyPr/>
           <a:lstStyle/>
@@ -3717,9 +3757,9 @@
           <a:bodyPr/>
           <a:lstStyle/>
           <a:p>
-            <a:fld id="{4509A250-FF31-4206-8172-F9D3106AACB1}" type="datetimeFigureOut">
-              <a:rPr lang="en-US" dirty="0"/>
-              <a:t>6/25/2024</a:t>
+            <a:fld id="{D9C58DF4-D8DB-144A-9701-E27133B386AC}" type="datetime1">
+              <a:rPr lang="ko-KR" altLang="en-US" smtClean="0"/>
+              <a:t>2024. 6. 26.</a:t>
             </a:fld>
             <a:endParaRPr lang="en-US" dirty="0"/>
           </a:p>
@@ -3754,7 +3794,12 @@
             <p:ph type="sldNum" sz="quarter" idx="12"/>
           </p:nvPr>
         </p:nvSpPr>
-        <p:spPr/>
+        <p:spPr>
+          <a:xfrm>
+            <a:off x="11232564" y="5981509"/>
+            <a:ext cx="838199" cy="767687"/>
+          </a:xfrm>
+        </p:spPr>
         <p:txBody>
           <a:bodyPr/>
           <a:lstStyle/>
@@ -3882,9 +3927,9 @@
           <a:bodyPr/>
           <a:lstStyle/>
           <a:p>
-            <a:fld id="{4509A250-FF31-4206-8172-F9D3106AACB1}" type="datetimeFigureOut">
-              <a:rPr lang="en-US" dirty="0"/>
-              <a:t>6/25/2024</a:t>
+            <a:fld id="{3FC891BF-DD01-4946-9386-7315BD1F9213}" type="datetime1">
+              <a:rPr lang="ko-KR" altLang="en-US" smtClean="0"/>
+              <a:t>2024. 6. 26.</a:t>
             </a:fld>
             <a:endParaRPr lang="en-US" dirty="0"/>
           </a:p>
@@ -3919,13 +3964,23 @@
             <p:ph type="sldNum" sz="quarter" idx="12"/>
           </p:nvPr>
         </p:nvSpPr>
-        <p:spPr/>
+        <p:spPr>
+          <a:xfrm>
+            <a:off x="11280690" y="6009010"/>
+            <a:ext cx="838199" cy="767687"/>
+          </a:xfrm>
+        </p:spPr>
         <p:txBody>
           <a:bodyPr/>
-          <a:lstStyle/>
+          <a:lstStyle>
+            <a:lvl1pPr>
+              <a:defRPr sz="1600"/>
+            </a:lvl1pPr>
+          </a:lstStyle>
           <a:p>
             <a:fld id="{D57F1E4F-1CFF-5643-939E-02111984F565}" type="slidenum">
-              <a:rPr lang="en-US" dirty="0"/>
+              <a:rPr lang="en-US" smtClean="0"/>
+              <a:pPr/>
               <a:t>‹#›</a:t>
             </a:fld>
             <a:endParaRPr lang="en-US" dirty="0"/>
@@ -4124,9 +4179,9 @@
           <a:bodyPr/>
           <a:lstStyle/>
           <a:p>
-            <a:fld id="{9796027F-7875-4030-9381-8BD8C4F21935}" type="datetimeFigureOut">
-              <a:rPr lang="en-US" dirty="0"/>
-              <a:t>6/25/2024</a:t>
+            <a:fld id="{A2477A0F-6D41-7B49-B22C-A9F236C52729}" type="datetime1">
+              <a:rPr lang="ko-KR" altLang="en-US" smtClean="0"/>
+              <a:t>2024. 6. 26.</a:t>
             </a:fld>
             <a:endParaRPr lang="en-US" dirty="0"/>
           </a:p>
@@ -4161,7 +4216,12 @@
             <p:ph type="sldNum" sz="quarter" idx="12"/>
           </p:nvPr>
         </p:nvSpPr>
-        <p:spPr/>
+        <p:spPr>
+          <a:xfrm>
+            <a:off x="11266940" y="6002135"/>
+            <a:ext cx="838199" cy="767687"/>
+          </a:xfrm>
+        </p:spPr>
         <p:txBody>
           <a:bodyPr/>
           <a:lstStyle/>
@@ -4411,9 +4471,9 @@
           <a:bodyPr/>
           <a:lstStyle/>
           <a:p>
-            <a:fld id="{9796027F-7875-4030-9381-8BD8C4F21935}" type="datetimeFigureOut">
-              <a:rPr lang="en-US" dirty="0"/>
-              <a:t>6/25/2024</a:t>
+            <a:fld id="{E8C8EC8B-BECC-1C46-B381-022BF3F0F7F3}" type="datetime1">
+              <a:rPr lang="ko-KR" altLang="en-US" smtClean="0"/>
+              <a:t>2024. 6. 26.</a:t>
             </a:fld>
             <a:endParaRPr lang="en-US" dirty="0"/>
           </a:p>
@@ -4448,7 +4508,12 @@
             <p:ph type="sldNum" sz="quarter" idx="12"/>
           </p:nvPr>
         </p:nvSpPr>
-        <p:spPr/>
+        <p:spPr>
+          <a:xfrm>
+            <a:off x="11280691" y="6002135"/>
+            <a:ext cx="838199" cy="767687"/>
+          </a:xfrm>
+        </p:spPr>
         <p:txBody>
           <a:bodyPr/>
           <a:lstStyle/>
@@ -4850,9 +4915,9 @@
           <a:bodyPr/>
           <a:lstStyle/>
           <a:p>
-            <a:fld id="{9796027F-7875-4030-9381-8BD8C4F21935}" type="datetimeFigureOut">
-              <a:rPr lang="en-US" dirty="0"/>
-              <a:t>6/25/2024</a:t>
+            <a:fld id="{FC59D470-6CCC-F648-970D-2F7FF58DFBDE}" type="datetime1">
+              <a:rPr lang="ko-KR" altLang="en-US" smtClean="0"/>
+              <a:t>2024. 6. 26.</a:t>
             </a:fld>
             <a:endParaRPr lang="en-US" dirty="0"/>
           </a:p>
@@ -4887,7 +4952,12 @@
             <p:ph type="sldNum" sz="quarter" idx="12"/>
           </p:nvPr>
         </p:nvSpPr>
-        <p:spPr/>
+        <p:spPr>
+          <a:xfrm>
+            <a:off x="11280690" y="6009011"/>
+            <a:ext cx="838199" cy="767687"/>
+          </a:xfrm>
+        </p:spPr>
         <p:txBody>
           <a:bodyPr/>
           <a:lstStyle/>
@@ -4963,9 +5033,9 @@
           <a:bodyPr/>
           <a:lstStyle/>
           <a:p>
-            <a:fld id="{4509A250-FF31-4206-8172-F9D3106AACB1}" type="datetimeFigureOut">
-              <a:rPr lang="en-US" dirty="0"/>
-              <a:t>6/25/2024</a:t>
+            <a:fld id="{37206BBD-4B9A-1B4B-9F55-C0406533B442}" type="datetime1">
+              <a:rPr lang="ko-KR" altLang="en-US" smtClean="0"/>
+              <a:t>2024. 6. 26.</a:t>
             </a:fld>
             <a:endParaRPr lang="en-US" dirty="0"/>
           </a:p>
@@ -5000,7 +5070,12 @@
             <p:ph type="sldNum" sz="quarter" idx="12"/>
           </p:nvPr>
         </p:nvSpPr>
-        <p:spPr/>
+        <p:spPr>
+          <a:xfrm>
+            <a:off x="11243637" y="6009010"/>
+            <a:ext cx="838199" cy="767687"/>
+          </a:xfrm>
+        </p:spPr>
         <p:txBody>
           <a:bodyPr/>
           <a:lstStyle/>
@@ -5053,9 +5128,9 @@
           <a:bodyPr/>
           <a:lstStyle/>
           <a:p>
-            <a:fld id="{4509A250-FF31-4206-8172-F9D3106AACB1}" type="datetimeFigureOut">
-              <a:rPr lang="en-US" dirty="0"/>
-              <a:t>6/25/2024</a:t>
+            <a:fld id="{ED536FBC-5C13-6A40-9237-5E05BB068118}" type="datetime1">
+              <a:rPr lang="ko-KR" altLang="en-US" smtClean="0"/>
+              <a:t>2024. 6. 26.</a:t>
             </a:fld>
             <a:endParaRPr lang="en-US" dirty="0"/>
           </a:p>
@@ -5090,7 +5165,12 @@
             <p:ph type="sldNum" sz="quarter" idx="12"/>
           </p:nvPr>
         </p:nvSpPr>
-        <p:spPr/>
+        <p:spPr>
+          <a:xfrm>
+            <a:off x="11260065" y="6002135"/>
+            <a:ext cx="838199" cy="767687"/>
+          </a:xfrm>
+        </p:spPr>
         <p:txBody>
           <a:bodyPr/>
           <a:lstStyle/>
@@ -5327,9 +5407,9 @@
           <a:bodyPr/>
           <a:lstStyle/>
           <a:p>
-            <a:fld id="{4509A250-FF31-4206-8172-F9D3106AACB1}" type="datetimeFigureOut">
-              <a:rPr lang="en-US" dirty="0"/>
-              <a:t>6/25/2024</a:t>
+            <a:fld id="{2F2A25AD-69FB-F644-BB07-54B586E66AF3}" type="datetime1">
+              <a:rPr lang="ko-KR" altLang="en-US" smtClean="0"/>
+              <a:t>2024. 6. 26.</a:t>
             </a:fld>
             <a:endParaRPr lang="en-US" dirty="0"/>
           </a:p>
@@ -5364,7 +5444,12 @@
             <p:ph type="sldNum" sz="quarter" idx="12"/>
           </p:nvPr>
         </p:nvSpPr>
-        <p:spPr/>
+        <p:spPr>
+          <a:xfrm>
+            <a:off x="11266940" y="6019800"/>
+            <a:ext cx="838199" cy="767687"/>
+          </a:xfrm>
+        </p:spPr>
         <p:txBody>
           <a:bodyPr/>
           <a:lstStyle/>
@@ -5597,9 +5682,9 @@
           <a:bodyPr/>
           <a:lstStyle/>
           <a:p>
-            <a:fld id="{4509A250-FF31-4206-8172-F9D3106AACB1}" type="datetimeFigureOut">
-              <a:rPr lang="en-US" dirty="0"/>
-              <a:t>6/25/2024</a:t>
+            <a:fld id="{0F90D38D-5C38-CF44-9C59-A625202462C2}" type="datetime1">
+              <a:rPr lang="ko-KR" altLang="en-US" smtClean="0"/>
+              <a:t>2024. 6. 26.</a:t>
             </a:fld>
             <a:endParaRPr lang="en-US" dirty="0"/>
           </a:p>
@@ -5634,7 +5719,12 @@
             <p:ph type="sldNum" sz="quarter" idx="12"/>
           </p:nvPr>
         </p:nvSpPr>
-        <p:spPr/>
+        <p:spPr>
+          <a:xfrm>
+            <a:off x="11273816" y="6009010"/>
+            <a:ext cx="838199" cy="767687"/>
+          </a:xfrm>
+        </p:spPr>
         <p:txBody>
           <a:bodyPr/>
           <a:lstStyle/>
@@ -6021,9 +6111,9 @@
             </a:lvl1pPr>
           </a:lstStyle>
           <a:p>
-            <a:fld id="{4AAD347D-5ACD-4C99-B74B-A9C85AD731AF}" type="datetimeFigureOut">
-              <a:rPr lang="en-US" dirty="0"/>
-              <a:t>6/25/2024</a:t>
+            <a:fld id="{CBD38A69-533C-AF4E-992D-2B9AC4FB3149}" type="datetime1">
+              <a:rPr lang="ko-KR" altLang="en-US" smtClean="0"/>
+              <a:t>2024. 6. 26.</a:t>
             </a:fld>
             <a:endParaRPr lang="en-US" dirty="0"/>
           </a:p>
@@ -6079,7 +6169,7 @@
         </p:nvSpPr>
         <p:spPr bwMode="gray">
           <a:xfrm>
-            <a:off x="10352540" y="295729"/>
+            <a:off x="11239439" y="5981509"/>
             <a:ext cx="838199" cy="767687"/>
           </a:xfrm>
           <a:prstGeom prst="rect">
@@ -6090,18 +6180,17 @@
           <a:bodyPr vert="horz" lIns="91440" tIns="45720" rIns="91440" bIns="45720" rtlCol="0" anchor="b"/>
           <a:lstStyle>
             <a:lvl1pPr algn="ctr">
-              <a:defRPr sz="2800" b="0" i="0">
-                <a:solidFill>
-                  <a:schemeClr val="tx1">
-                    <a:tint val="75000"/>
-                  </a:schemeClr>
+              <a:defRPr sz="1600" b="0" i="0">
+                <a:solidFill>
+                  <a:srgbClr val="FFFF00"/>
                 </a:solidFill>
               </a:defRPr>
             </a:lvl1pPr>
           </a:lstStyle>
           <a:p>
-            <a:fld id="{D57F1E4F-1CFF-5643-939E-02111984F565}" type="slidenum">
-              <a:rPr lang="en-US" dirty="0"/>
+            <a:fld id="{58EAE3A8-C6AA-4E4E-BC12-CC67E422A6B9}" type="slidenum">
+              <a:rPr lang="en-US" smtClean="0"/>
+              <a:pPr/>
               <a:t>‹#›</a:t>
             </a:fld>
             <a:endParaRPr lang="en-US" dirty="0"/>
@@ -6130,7 +6219,7 @@
     <p:sldLayoutId id="2147483658" r:id="rId16"/>
     <p:sldLayoutId id="2147483659" r:id="rId17"/>
   </p:sldLayoutIdLst>
-  <p:hf sldNum="0" hdr="0" ftr="0" dt="0"/>
+  <p:hf hdr="0" ftr="0" dt="0"/>
   <p:txStyles>
     <p:titleStyle>
       <a:lvl1pPr algn="l" defTabSz="457200" rtl="0" eaLnBrk="1" latinLnBrk="1" hangingPunct="1">
@@ -6568,14 +6657,16 @@
           <a:bodyPr anchor="ctr" anchorCtr="0"/>
           <a:lstStyle/>
           <a:p>
+            <a:pPr algn="ctr"/>
             <a:r>
               <a:rPr lang="en-US" altLang="ko-KR" dirty="0"/>
-              <a:t>Software</a:t>
-            </a:r>
-            <a:r>
-              <a:rPr lang="ko-KR" altLang="en-US" dirty="0"/>
-              <a:t> 형상 관리</a:t>
-            </a:r>
+              <a:t>git &amp; </a:t>
+            </a:r>
+            <a:r>
+              <a:rPr lang="en-US" altLang="ko-KR" dirty="0" err="1"/>
+              <a:t>gitHub</a:t>
+            </a:r>
+            <a:endParaRPr lang="ko-KR" altLang="en-US" dirty="0"/>
           </a:p>
         </p:txBody>
       </p:sp>
@@ -6758,14 +6849,14 @@
           <a:p>
             <a:pPr algn="ctr"/>
             <a:r>
-              <a:rPr lang="en-US" altLang="ko-KR" b="1" dirty="0">
+              <a:rPr lang="en-US" altLang="ko-KR" sz="1400" b="1" dirty="0">
                 <a:solidFill>
                   <a:srgbClr val="0070C0"/>
                 </a:solidFill>
               </a:rPr>
-              <a:t>HEAD</a:t>
-            </a:r>
-            <a:endParaRPr lang="ko-KR" altLang="en-US" b="1" dirty="0">
+              <a:t>Local Repository</a:t>
+            </a:r>
+            <a:endParaRPr lang="ko-KR" altLang="en-US" sz="1400" b="1" dirty="0">
               <a:solidFill>
                 <a:srgbClr val="0070C0"/>
               </a:solidFill>
@@ -7649,62 +7740,6 @@
       </p:sp>
       <p:sp>
         <p:nvSpPr>
-          <p:cNvPr id="57" name="직사각형 56">
-            <a:extLst>
-              <a:ext uri="{FF2B5EF4-FFF2-40B4-BE49-F238E27FC236}">
-                <a16:creationId xmlns:a16="http://schemas.microsoft.com/office/drawing/2014/main" id="{2B5021A5-11B0-4B75-AD56-C98CC742F67D}"/>
-              </a:ext>
-            </a:extLst>
-          </p:cNvPr>
-          <p:cNvSpPr/>
-          <p:nvPr/>
-        </p:nvSpPr>
-        <p:spPr>
-          <a:xfrm>
-            <a:off x="6812777" y="4539981"/>
-            <a:ext cx="1089046" cy="535603"/>
-          </a:xfrm>
-          <a:prstGeom prst="rect">
-            <a:avLst/>
-          </a:prstGeom>
-        </p:spPr>
-        <p:style>
-          <a:lnRef idx="1">
-            <a:schemeClr val="accent4"/>
-          </a:lnRef>
-          <a:fillRef idx="2">
-            <a:schemeClr val="accent4"/>
-          </a:fillRef>
-          <a:effectRef idx="1">
-            <a:schemeClr val="accent4"/>
-          </a:effectRef>
-          <a:fontRef idx="minor">
-            <a:schemeClr val="dk1"/>
-          </a:fontRef>
-        </p:style>
-        <p:txBody>
-          <a:bodyPr rtlCol="0" anchor="t" anchorCtr="0"/>
-          <a:lstStyle/>
-          <a:p>
-            <a:pPr algn="ctr"/>
-            <a:r>
-              <a:rPr lang="en-US" altLang="ko-KR" b="1" dirty="0">
-                <a:solidFill>
-                  <a:srgbClr val="0070C0"/>
-                </a:solidFill>
-              </a:rPr>
-              <a:t>HEAD</a:t>
-            </a:r>
-            <a:endParaRPr lang="ko-KR" altLang="en-US" b="1" dirty="0">
-              <a:solidFill>
-                <a:srgbClr val="0070C0"/>
-              </a:solidFill>
-            </a:endParaRPr>
-          </a:p>
-        </p:txBody>
-      </p:sp>
-      <p:sp>
-        <p:nvSpPr>
           <p:cNvPr id="58" name="직사각형 57">
             <a:extLst>
               <a:ext uri="{FF2B5EF4-FFF2-40B4-BE49-F238E27FC236}">
@@ -8579,62 +8614,6 @@
       </p:sp>
       <p:sp>
         <p:nvSpPr>
-          <p:cNvPr id="75" name="직사각형 74">
-            <a:extLst>
-              <a:ext uri="{FF2B5EF4-FFF2-40B4-BE49-F238E27FC236}">
-                <a16:creationId xmlns:a16="http://schemas.microsoft.com/office/drawing/2014/main" id="{80ABE70F-B431-44A6-B8D3-02C0E9FE6A53}"/>
-              </a:ext>
-            </a:extLst>
-          </p:cNvPr>
-          <p:cNvSpPr/>
-          <p:nvPr/>
-        </p:nvSpPr>
-        <p:spPr>
-          <a:xfrm>
-            <a:off x="10761854" y="4539981"/>
-            <a:ext cx="1089046" cy="535603"/>
-          </a:xfrm>
-          <a:prstGeom prst="rect">
-            <a:avLst/>
-          </a:prstGeom>
-        </p:spPr>
-        <p:style>
-          <a:lnRef idx="1">
-            <a:schemeClr val="accent4"/>
-          </a:lnRef>
-          <a:fillRef idx="2">
-            <a:schemeClr val="accent4"/>
-          </a:fillRef>
-          <a:effectRef idx="1">
-            <a:schemeClr val="accent4"/>
-          </a:effectRef>
-          <a:fontRef idx="minor">
-            <a:schemeClr val="dk1"/>
-          </a:fontRef>
-        </p:style>
-        <p:txBody>
-          <a:bodyPr rtlCol="0" anchor="t" anchorCtr="0"/>
-          <a:lstStyle/>
-          <a:p>
-            <a:pPr algn="ctr"/>
-            <a:r>
-              <a:rPr lang="en-US" altLang="ko-KR" b="1" dirty="0">
-                <a:solidFill>
-                  <a:srgbClr val="0070C0"/>
-                </a:solidFill>
-              </a:rPr>
-              <a:t>HEAD</a:t>
-            </a:r>
-            <a:endParaRPr lang="ko-KR" altLang="en-US" b="1" dirty="0">
-              <a:solidFill>
-                <a:srgbClr val="0070C0"/>
-              </a:solidFill>
-            </a:endParaRPr>
-          </a:p>
-        </p:txBody>
-      </p:sp>
-      <p:sp>
-        <p:nvSpPr>
           <p:cNvPr id="76" name="직사각형 75">
             <a:extLst>
               <a:ext uri="{FF2B5EF4-FFF2-40B4-BE49-F238E27FC236}">
@@ -9476,7 +9455,7 @@
         </p:nvSpPr>
         <p:spPr>
           <a:xfrm>
-            <a:off x="391632" y="1469067"/>
+            <a:off x="597634" y="6214883"/>
             <a:ext cx="2901756" cy="369332"/>
           </a:xfrm>
           <a:prstGeom prst="rect">
@@ -9514,7 +9493,7 @@
         </p:nvSpPr>
         <p:spPr>
           <a:xfrm>
-            <a:off x="4202999" y="1447146"/>
+            <a:off x="4419822" y="6250265"/>
             <a:ext cx="3222357" cy="369332"/>
           </a:xfrm>
           <a:prstGeom prst="rect">
@@ -9552,7 +9531,7 @@
         </p:nvSpPr>
         <p:spPr>
           <a:xfrm>
-            <a:off x="8115220" y="1447146"/>
+            <a:off x="8401225" y="6222494"/>
             <a:ext cx="3036409" cy="369332"/>
           </a:xfrm>
           <a:prstGeom prst="rect">
@@ -9649,6 +9628,255 @@
                 <a:srgbClr val="FF0000"/>
               </a:solidFill>
             </a:endParaRPr>
+          </a:p>
+        </p:txBody>
+      </p:sp>
+      <p:sp>
+        <p:nvSpPr>
+          <p:cNvPr id="4" name="슬라이드 번호 개체 틀 3">
+            <a:extLst>
+              <a:ext uri="{FF2B5EF4-FFF2-40B4-BE49-F238E27FC236}">
+                <a16:creationId xmlns:a16="http://schemas.microsoft.com/office/drawing/2014/main" id="{DC84D2E7-D94A-D20D-0BB1-5BA925D88EBD}"/>
+              </a:ext>
+            </a:extLst>
+          </p:cNvPr>
+          <p:cNvSpPr>
+            <a:spLocks noGrp="1"/>
+          </p:cNvSpPr>
+          <p:nvPr>
+            <p:ph type="sldNum" sz="quarter" idx="12"/>
+          </p:nvPr>
+        </p:nvSpPr>
+        <p:spPr/>
+        <p:txBody>
+          <a:bodyPr/>
+          <a:lstStyle/>
+          <a:p>
+            <a:fld id="{D57F1E4F-1CFF-5643-939E-02111984F565}" type="slidenum">
+              <a:rPr lang="en-US" smtClean="0"/>
+              <a:t>10</a:t>
+            </a:fld>
+            <a:endParaRPr lang="en-US" dirty="0"/>
+          </a:p>
+        </p:txBody>
+      </p:sp>
+      <p:sp>
+        <p:nvSpPr>
+          <p:cNvPr id="5" name="직사각형 4">
+            <a:extLst>
+              <a:ext uri="{FF2B5EF4-FFF2-40B4-BE49-F238E27FC236}">
+                <a16:creationId xmlns:a16="http://schemas.microsoft.com/office/drawing/2014/main" id="{FC205AE6-53A6-E27D-77AB-0712E0537221}"/>
+              </a:ext>
+            </a:extLst>
+          </p:cNvPr>
+          <p:cNvSpPr/>
+          <p:nvPr/>
+        </p:nvSpPr>
+        <p:spPr>
+          <a:xfrm>
+            <a:off x="6825490" y="4527122"/>
+            <a:ext cx="1089046" cy="535603"/>
+          </a:xfrm>
+          <a:prstGeom prst="rect">
+            <a:avLst/>
+          </a:prstGeom>
+        </p:spPr>
+        <p:style>
+          <a:lnRef idx="1">
+            <a:schemeClr val="accent4"/>
+          </a:lnRef>
+          <a:fillRef idx="2">
+            <a:schemeClr val="accent4"/>
+          </a:fillRef>
+          <a:effectRef idx="1">
+            <a:schemeClr val="accent4"/>
+          </a:effectRef>
+          <a:fontRef idx="minor">
+            <a:schemeClr val="dk1"/>
+          </a:fontRef>
+        </p:style>
+        <p:txBody>
+          <a:bodyPr rtlCol="0" anchor="t" anchorCtr="0"/>
+          <a:lstStyle/>
+          <a:p>
+            <a:pPr algn="ctr"/>
+            <a:r>
+              <a:rPr lang="en-US" altLang="ko-KR" sz="1400" b="1" dirty="0">
+                <a:solidFill>
+                  <a:srgbClr val="0070C0"/>
+                </a:solidFill>
+              </a:rPr>
+              <a:t>Local Repository</a:t>
+            </a:r>
+            <a:endParaRPr lang="ko-KR" altLang="en-US" sz="1400" b="1" dirty="0">
+              <a:solidFill>
+                <a:srgbClr val="0070C0"/>
+              </a:solidFill>
+            </a:endParaRPr>
+          </a:p>
+        </p:txBody>
+      </p:sp>
+      <p:sp>
+        <p:nvSpPr>
+          <p:cNvPr id="6" name="직사각형 5">
+            <a:extLst>
+              <a:ext uri="{FF2B5EF4-FFF2-40B4-BE49-F238E27FC236}">
+                <a16:creationId xmlns:a16="http://schemas.microsoft.com/office/drawing/2014/main" id="{0CB8391C-63E9-471D-F2A6-26EF7069DD0E}"/>
+              </a:ext>
+            </a:extLst>
+          </p:cNvPr>
+          <p:cNvSpPr/>
+          <p:nvPr/>
+        </p:nvSpPr>
+        <p:spPr>
+          <a:xfrm>
+            <a:off x="10774567" y="4521614"/>
+            <a:ext cx="1089046" cy="535603"/>
+          </a:xfrm>
+          <a:prstGeom prst="rect">
+            <a:avLst/>
+          </a:prstGeom>
+        </p:spPr>
+        <p:style>
+          <a:lnRef idx="1">
+            <a:schemeClr val="accent4"/>
+          </a:lnRef>
+          <a:fillRef idx="2">
+            <a:schemeClr val="accent4"/>
+          </a:fillRef>
+          <a:effectRef idx="1">
+            <a:schemeClr val="accent4"/>
+          </a:effectRef>
+          <a:fontRef idx="minor">
+            <a:schemeClr val="dk1"/>
+          </a:fontRef>
+        </p:style>
+        <p:txBody>
+          <a:bodyPr rtlCol="0" anchor="t" anchorCtr="0"/>
+          <a:lstStyle/>
+          <a:p>
+            <a:pPr algn="ctr"/>
+            <a:r>
+              <a:rPr lang="en-US" altLang="ko-KR" sz="1400" b="1" dirty="0">
+                <a:solidFill>
+                  <a:srgbClr val="0070C0"/>
+                </a:solidFill>
+              </a:rPr>
+              <a:t>Local Repository</a:t>
+            </a:r>
+            <a:endParaRPr lang="ko-KR" altLang="en-US" sz="1400" b="1" dirty="0">
+              <a:solidFill>
+                <a:srgbClr val="0070C0"/>
+              </a:solidFill>
+            </a:endParaRPr>
+          </a:p>
+        </p:txBody>
+      </p:sp>
+      <p:sp>
+        <p:nvSpPr>
+          <p:cNvPr id="7" name="TextBox 6">
+            <a:extLst>
+              <a:ext uri="{FF2B5EF4-FFF2-40B4-BE49-F238E27FC236}">
+                <a16:creationId xmlns:a16="http://schemas.microsoft.com/office/drawing/2014/main" id="{8DACF22A-7106-3556-08CC-4DC02446F44B}"/>
+              </a:ext>
+            </a:extLst>
+          </p:cNvPr>
+          <p:cNvSpPr txBox="1"/>
+          <p:nvPr/>
+        </p:nvSpPr>
+        <p:spPr>
+          <a:xfrm>
+            <a:off x="8115220" y="1460022"/>
+            <a:ext cx="1606530" cy="307777"/>
+          </a:xfrm>
+          <a:prstGeom prst="rect">
+            <a:avLst/>
+          </a:prstGeom>
+          <a:noFill/>
+        </p:spPr>
+        <p:txBody>
+          <a:bodyPr wrap="none" rtlCol="0">
+            <a:spAutoFit/>
+          </a:bodyPr>
+          <a:lstStyle/>
+          <a:p>
+            <a:r>
+              <a:rPr kumimoji="1" lang="en-US" altLang="ko-KR" sz="1400" dirty="0"/>
+              <a:t>Local Repository</a:t>
+            </a:r>
+            <a:endParaRPr kumimoji="1" lang="ko-KR" altLang="en-US" sz="1400" dirty="0"/>
+          </a:p>
+        </p:txBody>
+      </p:sp>
+      <p:sp>
+        <p:nvSpPr>
+          <p:cNvPr id="8" name="TextBox 7">
+            <a:extLst>
+              <a:ext uri="{FF2B5EF4-FFF2-40B4-BE49-F238E27FC236}">
+                <a16:creationId xmlns:a16="http://schemas.microsoft.com/office/drawing/2014/main" id="{711B15A8-4303-0BB4-C274-74DAF217FC83}"/>
+              </a:ext>
+            </a:extLst>
+          </p:cNvPr>
+          <p:cNvSpPr txBox="1"/>
+          <p:nvPr/>
+        </p:nvSpPr>
+        <p:spPr>
+          <a:xfrm>
+            <a:off x="4167125" y="1436069"/>
+            <a:ext cx="1606530" cy="307777"/>
+          </a:xfrm>
+          <a:prstGeom prst="rect">
+            <a:avLst/>
+          </a:prstGeom>
+          <a:noFill/>
+        </p:spPr>
+        <p:txBody>
+          <a:bodyPr wrap="none" rtlCol="0">
+            <a:spAutoFit/>
+          </a:bodyPr>
+          <a:lstStyle/>
+          <a:p>
+            <a:r>
+              <a:rPr kumimoji="1" lang="en-US" altLang="ko-KR" sz="1400" dirty="0"/>
+              <a:t>Local Repository</a:t>
+            </a:r>
+            <a:endParaRPr kumimoji="1" lang="ko-KR" altLang="en-US" sz="1400" dirty="0"/>
+          </a:p>
+        </p:txBody>
+      </p:sp>
+      <p:sp>
+        <p:nvSpPr>
+          <p:cNvPr id="9" name="TextBox 8">
+            <a:extLst>
+              <a:ext uri="{FF2B5EF4-FFF2-40B4-BE49-F238E27FC236}">
+                <a16:creationId xmlns:a16="http://schemas.microsoft.com/office/drawing/2014/main" id="{1426EDB4-E8D2-A045-9EB7-FAA4A700768B}"/>
+              </a:ext>
+            </a:extLst>
+          </p:cNvPr>
+          <p:cNvSpPr txBox="1"/>
+          <p:nvPr/>
+        </p:nvSpPr>
+        <p:spPr>
+          <a:xfrm>
+            <a:off x="219030" y="1456402"/>
+            <a:ext cx="1606530" cy="307777"/>
+          </a:xfrm>
+          <a:prstGeom prst="rect">
+            <a:avLst/>
+          </a:prstGeom>
+          <a:noFill/>
+        </p:spPr>
+        <p:txBody>
+          <a:bodyPr wrap="none" rtlCol="0">
+            <a:spAutoFit/>
+          </a:bodyPr>
+          <a:lstStyle/>
+          <a:p>
+            <a:r>
+              <a:rPr kumimoji="1" lang="en-US" altLang="ko-KR" sz="1400" dirty="0"/>
+              <a:t>Local Repository</a:t>
+            </a:r>
+            <a:endParaRPr kumimoji="1" lang="ko-KR" altLang="en-US" sz="1400" dirty="0"/>
           </a:p>
         </p:txBody>
       </p:sp>
@@ -10107,7 +10335,7 @@
                   <a:srgbClr val="FFFF00"/>
                 </a:solidFill>
               </a:rPr>
-              <a:t>$ git log  ./1.html  ./2.html </a:t>
+              <a:t>$ git log  ./1.txt  ./2.txt </a:t>
             </a:r>
             <a:r>
               <a:rPr lang="fr-FR" altLang="ko-KR" sz="1400" b="1" dirty="0">
@@ -10161,6 +10389,35 @@
                 <a:srgbClr val="FFFF00"/>
               </a:solidFill>
             </a:endParaRPr>
+          </a:p>
+        </p:txBody>
+      </p:sp>
+      <p:sp>
+        <p:nvSpPr>
+          <p:cNvPr id="4" name="슬라이드 번호 개체 틀 3">
+            <a:extLst>
+              <a:ext uri="{FF2B5EF4-FFF2-40B4-BE49-F238E27FC236}">
+                <a16:creationId xmlns:a16="http://schemas.microsoft.com/office/drawing/2014/main" id="{2E5A3943-7F72-CDF6-A8E1-33AE08D84FAF}"/>
+              </a:ext>
+            </a:extLst>
+          </p:cNvPr>
+          <p:cNvSpPr>
+            <a:spLocks noGrp="1"/>
+          </p:cNvSpPr>
+          <p:nvPr>
+            <p:ph type="sldNum" sz="quarter" idx="12"/>
+          </p:nvPr>
+        </p:nvSpPr>
+        <p:spPr/>
+        <p:txBody>
+          <a:bodyPr/>
+          <a:lstStyle/>
+          <a:p>
+            <a:fld id="{D57F1E4F-1CFF-5643-939E-02111984F565}" type="slidenum">
+              <a:rPr lang="en-US" smtClean="0"/>
+              <a:t>11</a:t>
+            </a:fld>
+            <a:endParaRPr lang="en-US" dirty="0"/>
           </a:p>
         </p:txBody>
       </p:sp>
@@ -10688,6 +10945,35 @@
           </a:p>
         </p:txBody>
       </p:sp>
+      <p:sp>
+        <p:nvSpPr>
+          <p:cNvPr id="4" name="슬라이드 번호 개체 틀 3">
+            <a:extLst>
+              <a:ext uri="{FF2B5EF4-FFF2-40B4-BE49-F238E27FC236}">
+                <a16:creationId xmlns:a16="http://schemas.microsoft.com/office/drawing/2014/main" id="{BE8A4EB2-5396-5B31-9538-DC3374136214}"/>
+              </a:ext>
+            </a:extLst>
+          </p:cNvPr>
+          <p:cNvSpPr>
+            <a:spLocks noGrp="1"/>
+          </p:cNvSpPr>
+          <p:nvPr>
+            <p:ph type="sldNum" sz="quarter" idx="12"/>
+          </p:nvPr>
+        </p:nvSpPr>
+        <p:spPr/>
+        <p:txBody>
+          <a:bodyPr/>
+          <a:lstStyle/>
+          <a:p>
+            <a:fld id="{D57F1E4F-1CFF-5643-939E-02111984F565}" type="slidenum">
+              <a:rPr lang="en-US" smtClean="0"/>
+              <a:t>12</a:t>
+            </a:fld>
+            <a:endParaRPr lang="en-US" dirty="0"/>
+          </a:p>
+        </p:txBody>
+      </p:sp>
     </p:spTree>
     <p:extLst>
       <p:ext uri="{BB962C8B-B14F-4D97-AF65-F5344CB8AC3E}">
@@ -11038,6 +11324,35 @@
           </a:p>
         </p:txBody>
       </p:sp>
+      <p:sp>
+        <p:nvSpPr>
+          <p:cNvPr id="4" name="슬라이드 번호 개체 틀 3">
+            <a:extLst>
+              <a:ext uri="{FF2B5EF4-FFF2-40B4-BE49-F238E27FC236}">
+                <a16:creationId xmlns:a16="http://schemas.microsoft.com/office/drawing/2014/main" id="{CDB4932C-DECF-2A28-263A-C7CE00F35DD0}"/>
+              </a:ext>
+            </a:extLst>
+          </p:cNvPr>
+          <p:cNvSpPr>
+            <a:spLocks noGrp="1"/>
+          </p:cNvSpPr>
+          <p:nvPr>
+            <p:ph type="sldNum" sz="quarter" idx="12"/>
+          </p:nvPr>
+        </p:nvSpPr>
+        <p:spPr/>
+        <p:txBody>
+          <a:bodyPr/>
+          <a:lstStyle/>
+          <a:p>
+            <a:fld id="{D57F1E4F-1CFF-5643-939E-02111984F565}" type="slidenum">
+              <a:rPr lang="en-US" smtClean="0"/>
+              <a:t>13</a:t>
+            </a:fld>
+            <a:endParaRPr lang="en-US" dirty="0"/>
+          </a:p>
+        </p:txBody>
+      </p:sp>
     </p:spTree>
     <p:extLst>
       <p:ext uri="{BB962C8B-B14F-4D97-AF65-F5344CB8AC3E}">
@@ -11433,6 +11748,35 @@
           </a:p>
         </p:txBody>
       </p:sp>
+      <p:sp>
+        <p:nvSpPr>
+          <p:cNvPr id="4" name="슬라이드 번호 개체 틀 3">
+            <a:extLst>
+              <a:ext uri="{FF2B5EF4-FFF2-40B4-BE49-F238E27FC236}">
+                <a16:creationId xmlns:a16="http://schemas.microsoft.com/office/drawing/2014/main" id="{EDFEB15A-5A2E-B2ED-2D51-4CCC8F697961}"/>
+              </a:ext>
+            </a:extLst>
+          </p:cNvPr>
+          <p:cNvSpPr>
+            <a:spLocks noGrp="1"/>
+          </p:cNvSpPr>
+          <p:nvPr>
+            <p:ph type="sldNum" sz="quarter" idx="12"/>
+          </p:nvPr>
+        </p:nvSpPr>
+        <p:spPr/>
+        <p:txBody>
+          <a:bodyPr/>
+          <a:lstStyle/>
+          <a:p>
+            <a:fld id="{D57F1E4F-1CFF-5643-939E-02111984F565}" type="slidenum">
+              <a:rPr lang="en-US" smtClean="0"/>
+              <a:t>14</a:t>
+            </a:fld>
+            <a:endParaRPr lang="en-US" dirty="0"/>
+          </a:p>
+        </p:txBody>
+      </p:sp>
     </p:spTree>
     <p:extLst>
       <p:ext uri="{BB962C8B-B14F-4D97-AF65-F5344CB8AC3E}">
@@ -11858,62 +12202,6 @@
       </p:sp>
       <p:sp>
         <p:nvSpPr>
-          <p:cNvPr id="5" name="직사각형 4">
-            <a:extLst>
-              <a:ext uri="{FF2B5EF4-FFF2-40B4-BE49-F238E27FC236}">
-                <a16:creationId xmlns:a16="http://schemas.microsoft.com/office/drawing/2014/main" id="{4C901438-CC12-437F-B19F-0E8BB33E07A0}"/>
-              </a:ext>
-            </a:extLst>
-          </p:cNvPr>
-          <p:cNvSpPr/>
-          <p:nvPr/>
-        </p:nvSpPr>
-        <p:spPr>
-          <a:xfrm>
-            <a:off x="10691676" y="4609324"/>
-            <a:ext cx="1089046" cy="535603"/>
-          </a:xfrm>
-          <a:prstGeom prst="rect">
-            <a:avLst/>
-          </a:prstGeom>
-        </p:spPr>
-        <p:style>
-          <a:lnRef idx="1">
-            <a:schemeClr val="accent4"/>
-          </a:lnRef>
-          <a:fillRef idx="2">
-            <a:schemeClr val="accent4"/>
-          </a:fillRef>
-          <a:effectRef idx="1">
-            <a:schemeClr val="accent4"/>
-          </a:effectRef>
-          <a:fontRef idx="minor">
-            <a:schemeClr val="dk1"/>
-          </a:fontRef>
-        </p:style>
-        <p:txBody>
-          <a:bodyPr rtlCol="0" anchor="t" anchorCtr="0"/>
-          <a:lstStyle/>
-          <a:p>
-            <a:pPr algn="ctr"/>
-            <a:r>
-              <a:rPr lang="en-US" altLang="ko-KR" b="1" dirty="0">
-                <a:solidFill>
-                  <a:srgbClr val="0070C0"/>
-                </a:solidFill>
-              </a:rPr>
-              <a:t>HEAD</a:t>
-            </a:r>
-            <a:endParaRPr lang="ko-KR" altLang="en-US" b="1" dirty="0">
-              <a:solidFill>
-                <a:srgbClr val="0070C0"/>
-              </a:solidFill>
-            </a:endParaRPr>
-          </a:p>
-        </p:txBody>
-      </p:sp>
-      <p:sp>
-        <p:nvSpPr>
           <p:cNvPr id="6" name="직사각형 5">
             <a:extLst>
               <a:ext uri="{FF2B5EF4-FFF2-40B4-BE49-F238E27FC236}">
@@ -12256,7 +12544,7 @@
         </p:nvGrpSpPr>
         <p:grpSpPr>
           <a:xfrm>
-            <a:off x="8194840" y="1958453"/>
+            <a:off x="8225836" y="1981700"/>
             <a:ext cx="969836" cy="1326906"/>
             <a:chOff x="8985380" y="2211355"/>
             <a:chExt cx="1287624" cy="1467849"/>
@@ -12466,6 +12754,127 @@
           </a:p>
         </p:txBody>
       </p:sp>
+      <p:sp>
+        <p:nvSpPr>
+          <p:cNvPr id="17" name="슬라이드 번호 개체 틀 16">
+            <a:extLst>
+              <a:ext uri="{FF2B5EF4-FFF2-40B4-BE49-F238E27FC236}">
+                <a16:creationId xmlns:a16="http://schemas.microsoft.com/office/drawing/2014/main" id="{EB984A46-3366-E6C3-FDE8-411E0702DFC7}"/>
+              </a:ext>
+            </a:extLst>
+          </p:cNvPr>
+          <p:cNvSpPr>
+            <a:spLocks noGrp="1"/>
+          </p:cNvSpPr>
+          <p:nvPr>
+            <p:ph type="sldNum" sz="quarter" idx="12"/>
+          </p:nvPr>
+        </p:nvSpPr>
+        <p:spPr/>
+        <p:txBody>
+          <a:bodyPr/>
+          <a:lstStyle/>
+          <a:p>
+            <a:fld id="{D57F1E4F-1CFF-5643-939E-02111984F565}" type="slidenum">
+              <a:rPr lang="en-US" smtClean="0"/>
+              <a:t>15</a:t>
+            </a:fld>
+            <a:endParaRPr lang="en-US" dirty="0"/>
+          </a:p>
+        </p:txBody>
+      </p:sp>
+      <p:sp>
+        <p:nvSpPr>
+          <p:cNvPr id="18" name="직사각형 17">
+            <a:extLst>
+              <a:ext uri="{FF2B5EF4-FFF2-40B4-BE49-F238E27FC236}">
+                <a16:creationId xmlns:a16="http://schemas.microsoft.com/office/drawing/2014/main" id="{A1058BDB-215F-4017-BC20-C42DB0CC1132}"/>
+              </a:ext>
+            </a:extLst>
+          </p:cNvPr>
+          <p:cNvSpPr/>
+          <p:nvPr/>
+        </p:nvSpPr>
+        <p:spPr>
+          <a:xfrm>
+            <a:off x="10695990" y="4609323"/>
+            <a:ext cx="1089046" cy="535603"/>
+          </a:xfrm>
+          <a:prstGeom prst="rect">
+            <a:avLst/>
+          </a:prstGeom>
+        </p:spPr>
+        <p:style>
+          <a:lnRef idx="1">
+            <a:schemeClr val="accent4"/>
+          </a:lnRef>
+          <a:fillRef idx="2">
+            <a:schemeClr val="accent4"/>
+          </a:fillRef>
+          <a:effectRef idx="1">
+            <a:schemeClr val="accent4"/>
+          </a:effectRef>
+          <a:fontRef idx="minor">
+            <a:schemeClr val="dk1"/>
+          </a:fontRef>
+        </p:style>
+        <p:txBody>
+          <a:bodyPr rtlCol="0" anchor="t" anchorCtr="0"/>
+          <a:lstStyle/>
+          <a:p>
+            <a:pPr algn="ctr"/>
+            <a:r>
+              <a:rPr lang="en-US" altLang="ko-KR" sz="1400" b="1" dirty="0">
+                <a:solidFill>
+                  <a:srgbClr val="0070C0"/>
+                </a:solidFill>
+              </a:rPr>
+              <a:t>Local Repository</a:t>
+            </a:r>
+            <a:endParaRPr lang="ko-KR" altLang="en-US" sz="1400" b="1" dirty="0">
+              <a:solidFill>
+                <a:srgbClr val="0070C0"/>
+              </a:solidFill>
+            </a:endParaRPr>
+          </a:p>
+        </p:txBody>
+      </p:sp>
+      <p:sp>
+        <p:nvSpPr>
+          <p:cNvPr id="19" name="TextBox 18">
+            <a:extLst>
+              <a:ext uri="{FF2B5EF4-FFF2-40B4-BE49-F238E27FC236}">
+                <a16:creationId xmlns:a16="http://schemas.microsoft.com/office/drawing/2014/main" id="{EE7DBE24-2B8E-9D98-4906-D6EA8AEA955A}"/>
+              </a:ext>
+            </a:extLst>
+          </p:cNvPr>
+          <p:cNvSpPr txBox="1"/>
+          <p:nvPr/>
+        </p:nvSpPr>
+        <p:spPr>
+          <a:xfrm>
+            <a:off x="8046024" y="1528407"/>
+            <a:ext cx="1606530" cy="307777"/>
+          </a:xfrm>
+          <a:prstGeom prst="rect">
+            <a:avLst/>
+          </a:prstGeom>
+          <a:noFill/>
+        </p:spPr>
+        <p:txBody>
+          <a:bodyPr wrap="none" rtlCol="0">
+            <a:spAutoFit/>
+          </a:bodyPr>
+          <a:lstStyle/>
+          <a:p>
+            <a:r>
+              <a:rPr kumimoji="1" lang="en-US" altLang="ko-KR" sz="1400" dirty="0"/>
+              <a:t>Local Repository</a:t>
+            </a:r>
+            <a:endParaRPr kumimoji="1" lang="ko-KR" altLang="en-US" sz="1400" dirty="0"/>
+          </a:p>
+        </p:txBody>
+      </p:sp>
     </p:spTree>
     <p:extLst>
       <p:ext uri="{BB962C8B-B14F-4D97-AF65-F5344CB8AC3E}">
@@ -12661,8 +13070,8 @@
               <a:t>로컬 저장소에 </a:t>
             </a:r>
             <a:r>
-              <a:rPr lang="en-US" altLang="ko-KR" sz="1200" dirty="0" err="1"/>
-              <a:t>commi</a:t>
+              <a:rPr lang="en-US" altLang="ko-KR" sz="1200" dirty="0"/>
+              <a:t>commit</a:t>
             </a:r>
             <a:r>
               <a:rPr lang="ko-KR" altLang="en-US" sz="1200" dirty="0"/>
@@ -12811,6 +13220,35 @@
               <a:rPr lang="en-US" altLang="ko-KR" sz="1200" dirty="0"/>
               <a:t>.</a:t>
             </a:r>
+          </a:p>
+        </p:txBody>
+      </p:sp>
+      <p:sp>
+        <p:nvSpPr>
+          <p:cNvPr id="4" name="슬라이드 번호 개체 틀 3">
+            <a:extLst>
+              <a:ext uri="{FF2B5EF4-FFF2-40B4-BE49-F238E27FC236}">
+                <a16:creationId xmlns:a16="http://schemas.microsoft.com/office/drawing/2014/main" id="{D4B2A3CB-9F8F-FD2C-6F77-70FAB4B0A753}"/>
+              </a:ext>
+            </a:extLst>
+          </p:cNvPr>
+          <p:cNvSpPr>
+            <a:spLocks noGrp="1"/>
+          </p:cNvSpPr>
+          <p:nvPr>
+            <p:ph type="sldNum" sz="quarter" idx="12"/>
+          </p:nvPr>
+        </p:nvSpPr>
+        <p:spPr/>
+        <p:txBody>
+          <a:bodyPr/>
+          <a:lstStyle/>
+          <a:p>
+            <a:fld id="{D57F1E4F-1CFF-5643-939E-02111984F565}" type="slidenum">
+              <a:rPr lang="en-US" smtClean="0"/>
+              <a:t>16</a:t>
+            </a:fld>
+            <a:endParaRPr lang="en-US" dirty="0"/>
           </a:p>
         </p:txBody>
       </p:sp>
@@ -13168,6 +13606,35 @@
           </a:p>
         </p:txBody>
       </p:sp>
+      <p:sp>
+        <p:nvSpPr>
+          <p:cNvPr id="4" name="슬라이드 번호 개체 틀 3">
+            <a:extLst>
+              <a:ext uri="{FF2B5EF4-FFF2-40B4-BE49-F238E27FC236}">
+                <a16:creationId xmlns:a16="http://schemas.microsoft.com/office/drawing/2014/main" id="{96ACCF4C-7220-558E-2575-1F219828BA4E}"/>
+              </a:ext>
+            </a:extLst>
+          </p:cNvPr>
+          <p:cNvSpPr>
+            <a:spLocks noGrp="1"/>
+          </p:cNvSpPr>
+          <p:nvPr>
+            <p:ph type="sldNum" sz="quarter" idx="12"/>
+          </p:nvPr>
+        </p:nvSpPr>
+        <p:spPr/>
+        <p:txBody>
+          <a:bodyPr/>
+          <a:lstStyle/>
+          <a:p>
+            <a:fld id="{D57F1E4F-1CFF-5643-939E-02111984F565}" type="slidenum">
+              <a:rPr lang="en-US" smtClean="0"/>
+              <a:t>17</a:t>
+            </a:fld>
+            <a:endParaRPr lang="en-US" dirty="0"/>
+          </a:p>
+        </p:txBody>
+      </p:sp>
     </p:spTree>
     <p:extLst>
       <p:ext uri="{BB962C8B-B14F-4D97-AF65-F5344CB8AC3E}">
@@ -13284,135 +13751,174 @@
           </a:bodyPr>
           <a:lstStyle/>
           <a:p>
-            <a:pPr marL="0" indent="0">
-              <a:buNone/>
+            <a:pPr>
+              <a:buFont typeface="Arial" panose="020B0604020202020204" pitchFamily="34" charset="0"/>
+              <a:buChar char="•"/>
             </a:pPr>
             <a:r>
-              <a:rPr lang="ko-KR" altLang="en-US" sz="1400" dirty="0"/>
+              <a:rPr lang="ko-KR" altLang="en-US" sz="1200" dirty="0"/>
               <a:t>원격 저장소를 이용하다 보면 다른 누군가 커밋할 경우가 있다</a:t>
             </a:r>
             <a:r>
-              <a:rPr lang="en-US" altLang="ko-KR" sz="1400" dirty="0"/>
+              <a:rPr lang="en-US" altLang="ko-KR" sz="1200" dirty="0"/>
               <a:t>. </a:t>
             </a:r>
-            <a:r>
-              <a:rPr lang="ko-KR" altLang="en-US" sz="1400" dirty="0"/>
+          </a:p>
+          <a:p>
+            <a:pPr>
+              <a:buFont typeface="Arial" panose="020B0604020202020204" pitchFamily="34" charset="0"/>
+              <a:buChar char="•"/>
+            </a:pPr>
+            <a:r>
+              <a:rPr lang="ko-KR" altLang="en-US" sz="1200" dirty="0"/>
               <a:t>예를 들어</a:t>
             </a:r>
             <a:r>
-              <a:rPr lang="en-US" altLang="ko-KR" sz="1400" dirty="0"/>
+              <a:rPr lang="en-US" altLang="ko-KR" sz="1200" dirty="0"/>
               <a:t>,</a:t>
             </a:r>
             <a:r>
-              <a:rPr lang="ko-KR" altLang="en-US" sz="1400" dirty="0"/>
+              <a:rPr lang="ko-KR" altLang="en-US" sz="1200" dirty="0"/>
               <a:t> 내가 로컬 저장소에서 작업하는 도중 다른 협업자가 원격 저장소를 먼저 변경 할 수 있다</a:t>
             </a:r>
             <a:r>
-              <a:rPr lang="en-US" altLang="ko-KR" sz="1400" dirty="0"/>
+              <a:rPr lang="en-US" altLang="ko-KR" sz="1200" dirty="0"/>
               <a:t>. </a:t>
             </a:r>
-            <a:r>
-              <a:rPr lang="ko-KR" altLang="en-US" sz="1400" dirty="0"/>
+          </a:p>
+          <a:p>
+            <a:pPr>
+              <a:buFont typeface="Arial" panose="020B0604020202020204" pitchFamily="34" charset="0"/>
+              <a:buChar char="•"/>
+            </a:pPr>
+            <a:r>
+              <a:rPr lang="ko-KR" altLang="en-US" sz="1200" dirty="0"/>
               <a:t>이런 경우 </a:t>
             </a:r>
             <a:r>
-              <a:rPr lang="en-US" altLang="ko-KR" sz="1400" dirty="0"/>
+              <a:rPr lang="en-US" altLang="ko-KR" sz="1200" dirty="0"/>
               <a:t>git</a:t>
             </a:r>
             <a:r>
-              <a:rPr lang="ko-KR" altLang="en-US" sz="1400" dirty="0"/>
+              <a:rPr lang="ko-KR" altLang="en-US" sz="1200" dirty="0"/>
               <a:t>은 </a:t>
             </a:r>
             <a:r>
-              <a:rPr lang="en-US" altLang="ko-KR" sz="1400" dirty="0"/>
+              <a:rPr lang="en-US" altLang="ko-KR" sz="1200" dirty="0"/>
               <a:t>push</a:t>
             </a:r>
             <a:r>
-              <a:rPr lang="ko-KR" altLang="en-US" sz="1400" dirty="0"/>
+              <a:rPr lang="ko-KR" altLang="en-US" sz="1200" dirty="0"/>
               <a:t>를 허용하지 않는데 </a:t>
             </a:r>
             <a:r>
-              <a:rPr lang="en-US" altLang="ko-KR" sz="1400" dirty="0"/>
+              <a:rPr lang="en-US" altLang="ko-KR" sz="1200" dirty="0"/>
               <a:t>fetch </a:t>
             </a:r>
             <a:r>
-              <a:rPr lang="ko-KR" altLang="en-US" sz="1400" dirty="0"/>
+              <a:rPr lang="ko-KR" altLang="en-US" sz="1200" dirty="0"/>
               <a:t>명령어를 사용하여 로컬 저장소의 </a:t>
             </a:r>
             <a:r>
-              <a:rPr lang="en-US" altLang="ko-KR" sz="1400" dirty="0"/>
+              <a:rPr lang="en-US" altLang="ko-KR" sz="1200" dirty="0"/>
               <a:t>commit</a:t>
             </a:r>
             <a:r>
-              <a:rPr lang="ko-KR" altLang="en-US" sz="1400" dirty="0"/>
+              <a:rPr lang="ko-KR" altLang="en-US" sz="1200" dirty="0"/>
               <a:t>들을 원격 저장소와 맞춰야 한다</a:t>
             </a:r>
             <a:r>
-              <a:rPr lang="en-US" altLang="ko-KR" sz="1400" dirty="0"/>
-              <a:t>.  fetch</a:t>
-            </a:r>
-            <a:r>
-              <a:rPr lang="ko-KR" altLang="en-US" sz="1400" dirty="0"/>
+              <a:rPr lang="en-US" altLang="ko-KR" sz="1200" dirty="0"/>
+              <a:t>.  </a:t>
+            </a:r>
+          </a:p>
+          <a:p>
+            <a:pPr>
+              <a:buFont typeface="Arial" panose="020B0604020202020204" pitchFamily="34" charset="0"/>
+              <a:buChar char="•"/>
+            </a:pPr>
+            <a:r>
+              <a:rPr lang="en-US" altLang="ko-KR" sz="1200" dirty="0"/>
+              <a:t>fetch</a:t>
+            </a:r>
+            <a:r>
+              <a:rPr lang="ko-KR" altLang="en-US" sz="1200" dirty="0"/>
               <a:t>는 원격 저장소의 </a:t>
             </a:r>
             <a:r>
-              <a:rPr lang="en-US" altLang="ko-KR" sz="1400" dirty="0"/>
+              <a:rPr lang="en-US" altLang="ko-KR" sz="1200" dirty="0"/>
               <a:t>commit</a:t>
             </a:r>
             <a:r>
-              <a:rPr lang="ko-KR" altLang="en-US" sz="1400" dirty="0"/>
+              <a:rPr lang="ko-KR" altLang="en-US" sz="1200" dirty="0"/>
               <a:t>들을 로컬 저장소로 가져온다</a:t>
             </a:r>
             <a:r>
-              <a:rPr lang="en-US" altLang="ko-KR" sz="1400" dirty="0"/>
+              <a:rPr lang="en-US" altLang="ko-KR" sz="1200" dirty="0"/>
               <a:t>. </a:t>
             </a:r>
-            <a:r>
-              <a:rPr lang="ko-KR" altLang="en-US" sz="1400" dirty="0"/>
+          </a:p>
+          <a:p>
+            <a:pPr>
+              <a:buFont typeface="Arial" panose="020B0604020202020204" pitchFamily="34" charset="0"/>
+              <a:buChar char="•"/>
+            </a:pPr>
+            <a:r>
+              <a:rPr lang="ko-KR" altLang="en-US" sz="1200" dirty="0"/>
               <a:t>이후 </a:t>
             </a:r>
             <a:r>
-              <a:rPr lang="en-US" altLang="ko-KR" sz="1400" dirty="0"/>
+              <a:rPr lang="en-US" altLang="ko-KR" sz="1200" dirty="0"/>
               <a:t>git log, git status </a:t>
             </a:r>
             <a:r>
-              <a:rPr lang="ko-KR" altLang="en-US" sz="1400" dirty="0"/>
+              <a:rPr lang="ko-KR" altLang="en-US" sz="1200" dirty="0"/>
               <a:t>명령으로 원격저장소의 </a:t>
             </a:r>
             <a:r>
-              <a:rPr lang="en-US" altLang="ko-KR" sz="1400" dirty="0"/>
+              <a:rPr lang="en-US" altLang="ko-KR" sz="1200" dirty="0"/>
               <a:t>commit</a:t>
             </a:r>
             <a:r>
-              <a:rPr lang="ko-KR" altLang="en-US" sz="1400" dirty="0"/>
+              <a:rPr lang="ko-KR" altLang="en-US" sz="1200" dirty="0"/>
               <a:t>과 로컬저장소의 </a:t>
             </a:r>
             <a:r>
-              <a:rPr lang="en-US" altLang="ko-KR" sz="1400" dirty="0"/>
+              <a:rPr lang="en-US" altLang="ko-KR" sz="1200" dirty="0"/>
               <a:t>commit</a:t>
             </a:r>
             <a:r>
-              <a:rPr lang="ko-KR" altLang="en-US" sz="1400" dirty="0"/>
+              <a:rPr lang="ko-KR" altLang="en-US" sz="1200" dirty="0"/>
               <a:t>을 확인한 후 </a:t>
             </a:r>
             <a:r>
-              <a:rPr lang="en-US" altLang="ko-KR" sz="1400" dirty="0"/>
+              <a:rPr lang="en-US" altLang="ko-KR" sz="1200" dirty="0"/>
               <a:t>git merge</a:t>
             </a:r>
             <a:r>
-              <a:rPr lang="ko-KR" altLang="en-US" sz="1400" dirty="0"/>
+              <a:rPr lang="ko-KR" altLang="en-US" sz="1200" dirty="0"/>
               <a:t>를 통해 병합할 수 있다</a:t>
             </a:r>
             <a:r>
-              <a:rPr lang="en-US" altLang="ko-KR" sz="1400" dirty="0"/>
-              <a:t>. git pull </a:t>
-            </a:r>
-            <a:r>
-              <a:rPr lang="ko-KR" altLang="en-US" sz="1400" dirty="0"/>
+              <a:rPr lang="en-US" altLang="ko-KR" sz="1200" dirty="0"/>
+              <a:t>. </a:t>
+            </a:r>
+          </a:p>
+          <a:p>
+            <a:pPr>
+              <a:buFont typeface="Arial" panose="020B0604020202020204" pitchFamily="34" charset="0"/>
+              <a:buChar char="•"/>
+            </a:pPr>
+            <a:r>
+              <a:rPr lang="en-US" altLang="ko-KR" sz="1200" dirty="0"/>
+              <a:t>git pull </a:t>
+            </a:r>
+            <a:r>
+              <a:rPr lang="ko-KR" altLang="en-US" sz="1200" dirty="0"/>
               <a:t>보다 신중한 진행이 가능하다</a:t>
             </a:r>
             <a:r>
-              <a:rPr lang="en-US" altLang="ko-KR" sz="1400" dirty="0"/>
+              <a:rPr lang="en-US" altLang="ko-KR" sz="1200" dirty="0"/>
               <a:t>.</a:t>
             </a:r>
           </a:p>
@@ -13632,6 +14138,35 @@
               <a:buNone/>
             </a:pPr>
             <a:endParaRPr lang="en-US" altLang="ko-KR" sz="1200" dirty="0"/>
+          </a:p>
+        </p:txBody>
+      </p:sp>
+      <p:sp>
+        <p:nvSpPr>
+          <p:cNvPr id="4" name="슬라이드 번호 개체 틀 3">
+            <a:extLst>
+              <a:ext uri="{FF2B5EF4-FFF2-40B4-BE49-F238E27FC236}">
+                <a16:creationId xmlns:a16="http://schemas.microsoft.com/office/drawing/2014/main" id="{0E9AE45D-5CEC-D93A-BFDE-2057A799CDD3}"/>
+              </a:ext>
+            </a:extLst>
+          </p:cNvPr>
+          <p:cNvSpPr>
+            <a:spLocks noGrp="1"/>
+          </p:cNvSpPr>
+          <p:nvPr>
+            <p:ph type="sldNum" sz="quarter" idx="12"/>
+          </p:nvPr>
+        </p:nvSpPr>
+        <p:spPr/>
+        <p:txBody>
+          <a:bodyPr/>
+          <a:lstStyle/>
+          <a:p>
+            <a:fld id="{D57F1E4F-1CFF-5643-939E-02111984F565}" type="slidenum">
+              <a:rPr lang="en-US" smtClean="0"/>
+              <a:t>18</a:t>
+            </a:fld>
+            <a:endParaRPr lang="en-US" dirty="0"/>
           </a:p>
         </p:txBody>
       </p:sp>
@@ -14185,6 +14720,35 @@
           </a:p>
         </p:txBody>
       </p:sp>
+      <p:sp>
+        <p:nvSpPr>
+          <p:cNvPr id="4" name="슬라이드 번호 개체 틀 3">
+            <a:extLst>
+              <a:ext uri="{FF2B5EF4-FFF2-40B4-BE49-F238E27FC236}">
+                <a16:creationId xmlns:a16="http://schemas.microsoft.com/office/drawing/2014/main" id="{9AE2D432-D735-54A6-A34B-5928BD992072}"/>
+              </a:ext>
+            </a:extLst>
+          </p:cNvPr>
+          <p:cNvSpPr>
+            <a:spLocks noGrp="1"/>
+          </p:cNvSpPr>
+          <p:nvPr>
+            <p:ph type="sldNum" sz="quarter" idx="12"/>
+          </p:nvPr>
+        </p:nvSpPr>
+        <p:spPr/>
+        <p:txBody>
+          <a:bodyPr/>
+          <a:lstStyle/>
+          <a:p>
+            <a:fld id="{D57F1E4F-1CFF-5643-939E-02111984F565}" type="slidenum">
+              <a:rPr lang="en-US" smtClean="0"/>
+              <a:t>19</a:t>
+            </a:fld>
+            <a:endParaRPr lang="en-US" dirty="0"/>
+          </a:p>
+        </p:txBody>
+      </p:sp>
     </p:spTree>
     <p:extLst>
       <p:ext uri="{BB962C8B-B14F-4D97-AF65-F5344CB8AC3E}">
@@ -14247,7 +14811,7 @@
             </a:r>
             <a:r>
               <a:rPr lang="ko-KR" altLang="en-US" sz="3600" dirty="0"/>
-              <a:t> 이용한 버전관리</a:t>
+              <a:t> 이용한 문서 버전관리</a:t>
             </a:r>
           </a:p>
         </p:txBody>
@@ -14501,6 +15065,35 @@
               <a:t>.</a:t>
             </a:r>
             <a:endParaRPr lang="en-US" altLang="ko-KR" dirty="0"/>
+          </a:p>
+        </p:txBody>
+      </p:sp>
+      <p:sp>
+        <p:nvSpPr>
+          <p:cNvPr id="4" name="슬라이드 번호 개체 틀 3">
+            <a:extLst>
+              <a:ext uri="{FF2B5EF4-FFF2-40B4-BE49-F238E27FC236}">
+                <a16:creationId xmlns:a16="http://schemas.microsoft.com/office/drawing/2014/main" id="{DE1E1E61-BBB4-0B2A-62AD-3BF9F50A2702}"/>
+              </a:ext>
+            </a:extLst>
+          </p:cNvPr>
+          <p:cNvSpPr>
+            <a:spLocks noGrp="1"/>
+          </p:cNvSpPr>
+          <p:nvPr>
+            <p:ph type="sldNum" sz="quarter" idx="12"/>
+          </p:nvPr>
+        </p:nvSpPr>
+        <p:spPr/>
+        <p:txBody>
+          <a:bodyPr/>
+          <a:lstStyle/>
+          <a:p>
+            <a:fld id="{D57F1E4F-1CFF-5643-939E-02111984F565}" type="slidenum">
+              <a:rPr lang="en-US" smtClean="0"/>
+              <a:t>2</a:t>
+            </a:fld>
+            <a:endParaRPr lang="en-US" dirty="0"/>
           </a:p>
         </p:txBody>
       </p:sp>
@@ -15039,6 +15632,35 @@
           </a:p>
         </p:txBody>
       </p:sp>
+      <p:sp>
+        <p:nvSpPr>
+          <p:cNvPr id="4" name="슬라이드 번호 개체 틀 3">
+            <a:extLst>
+              <a:ext uri="{FF2B5EF4-FFF2-40B4-BE49-F238E27FC236}">
+                <a16:creationId xmlns:a16="http://schemas.microsoft.com/office/drawing/2014/main" id="{CD2D3616-2E69-5ACE-9BDC-C66268042148}"/>
+              </a:ext>
+            </a:extLst>
+          </p:cNvPr>
+          <p:cNvSpPr>
+            <a:spLocks noGrp="1"/>
+          </p:cNvSpPr>
+          <p:nvPr>
+            <p:ph type="sldNum" sz="quarter" idx="12"/>
+          </p:nvPr>
+        </p:nvSpPr>
+        <p:spPr/>
+        <p:txBody>
+          <a:bodyPr/>
+          <a:lstStyle/>
+          <a:p>
+            <a:fld id="{D57F1E4F-1CFF-5643-939E-02111984F565}" type="slidenum">
+              <a:rPr lang="en-US" smtClean="0"/>
+              <a:t>20</a:t>
+            </a:fld>
+            <a:endParaRPr lang="en-US" dirty="0"/>
+          </a:p>
+        </p:txBody>
+      </p:sp>
     </p:spTree>
     <p:extLst>
       <p:ext uri="{BB962C8B-B14F-4D97-AF65-F5344CB8AC3E}">
@@ -15433,6 +16055,35 @@
           </a:p>
         </p:txBody>
       </p:sp>
+      <p:sp>
+        <p:nvSpPr>
+          <p:cNvPr id="4" name="슬라이드 번호 개체 틀 3">
+            <a:extLst>
+              <a:ext uri="{FF2B5EF4-FFF2-40B4-BE49-F238E27FC236}">
+                <a16:creationId xmlns:a16="http://schemas.microsoft.com/office/drawing/2014/main" id="{4F572D88-086B-4C8E-A72A-BA252552FB78}"/>
+              </a:ext>
+            </a:extLst>
+          </p:cNvPr>
+          <p:cNvSpPr>
+            <a:spLocks noGrp="1"/>
+          </p:cNvSpPr>
+          <p:nvPr>
+            <p:ph type="sldNum" sz="quarter" idx="12"/>
+          </p:nvPr>
+        </p:nvSpPr>
+        <p:spPr/>
+        <p:txBody>
+          <a:bodyPr/>
+          <a:lstStyle/>
+          <a:p>
+            <a:fld id="{D57F1E4F-1CFF-5643-939E-02111984F565}" type="slidenum">
+              <a:rPr lang="en-US" smtClean="0"/>
+              <a:t>21</a:t>
+            </a:fld>
+            <a:endParaRPr lang="en-US" dirty="0"/>
+          </a:p>
+        </p:txBody>
+      </p:sp>
     </p:spTree>
     <p:extLst>
       <p:ext uri="{BB962C8B-B14F-4D97-AF65-F5344CB8AC3E}">
@@ -15655,6 +16306,35 @@
           </a:p>
         </p:txBody>
       </p:sp>
+      <p:sp>
+        <p:nvSpPr>
+          <p:cNvPr id="4" name="슬라이드 번호 개체 틀 3">
+            <a:extLst>
+              <a:ext uri="{FF2B5EF4-FFF2-40B4-BE49-F238E27FC236}">
+                <a16:creationId xmlns:a16="http://schemas.microsoft.com/office/drawing/2014/main" id="{D684965C-F18B-ED32-AFD3-CAF6C91EE547}"/>
+              </a:ext>
+            </a:extLst>
+          </p:cNvPr>
+          <p:cNvSpPr>
+            <a:spLocks noGrp="1"/>
+          </p:cNvSpPr>
+          <p:nvPr>
+            <p:ph type="sldNum" sz="quarter" idx="12"/>
+          </p:nvPr>
+        </p:nvSpPr>
+        <p:spPr/>
+        <p:txBody>
+          <a:bodyPr/>
+          <a:lstStyle/>
+          <a:p>
+            <a:fld id="{D57F1E4F-1CFF-5643-939E-02111984F565}" type="slidenum">
+              <a:rPr lang="en-US" smtClean="0"/>
+              <a:t>22</a:t>
+            </a:fld>
+            <a:endParaRPr lang="en-US" dirty="0"/>
+          </a:p>
+        </p:txBody>
+      </p:sp>
     </p:spTree>
     <p:extLst>
       <p:ext uri="{BB962C8B-B14F-4D97-AF65-F5344CB8AC3E}">
@@ -16203,6 +16883,35 @@
           </a:p>
         </p:txBody>
       </p:sp>
+      <p:sp>
+        <p:nvSpPr>
+          <p:cNvPr id="4" name="슬라이드 번호 개체 틀 3">
+            <a:extLst>
+              <a:ext uri="{FF2B5EF4-FFF2-40B4-BE49-F238E27FC236}">
+                <a16:creationId xmlns:a16="http://schemas.microsoft.com/office/drawing/2014/main" id="{D3893C5D-DD9D-C96E-4FC0-E335435ADAA4}"/>
+              </a:ext>
+            </a:extLst>
+          </p:cNvPr>
+          <p:cNvSpPr>
+            <a:spLocks noGrp="1"/>
+          </p:cNvSpPr>
+          <p:nvPr>
+            <p:ph type="sldNum" sz="quarter" idx="12"/>
+          </p:nvPr>
+        </p:nvSpPr>
+        <p:spPr/>
+        <p:txBody>
+          <a:bodyPr/>
+          <a:lstStyle/>
+          <a:p>
+            <a:fld id="{D57F1E4F-1CFF-5643-939E-02111984F565}" type="slidenum">
+              <a:rPr lang="en-US" smtClean="0"/>
+              <a:t>23</a:t>
+            </a:fld>
+            <a:endParaRPr lang="en-US" dirty="0"/>
+          </a:p>
+        </p:txBody>
+      </p:sp>
     </p:spTree>
     <p:extLst>
       <p:ext uri="{BB962C8B-B14F-4D97-AF65-F5344CB8AC3E}">
@@ -16706,6 +17415,35 @@
           </a:p>
         </p:txBody>
       </p:sp>
+      <p:sp>
+        <p:nvSpPr>
+          <p:cNvPr id="4" name="슬라이드 번호 개체 틀 3">
+            <a:extLst>
+              <a:ext uri="{FF2B5EF4-FFF2-40B4-BE49-F238E27FC236}">
+                <a16:creationId xmlns:a16="http://schemas.microsoft.com/office/drawing/2014/main" id="{14593FA8-6714-D423-7DFB-A6BFE685FF06}"/>
+              </a:ext>
+            </a:extLst>
+          </p:cNvPr>
+          <p:cNvSpPr>
+            <a:spLocks noGrp="1"/>
+          </p:cNvSpPr>
+          <p:nvPr>
+            <p:ph type="sldNum" sz="quarter" idx="12"/>
+          </p:nvPr>
+        </p:nvSpPr>
+        <p:spPr/>
+        <p:txBody>
+          <a:bodyPr/>
+          <a:lstStyle/>
+          <a:p>
+            <a:fld id="{D57F1E4F-1CFF-5643-939E-02111984F565}" type="slidenum">
+              <a:rPr lang="en-US" smtClean="0"/>
+              <a:t>24</a:t>
+            </a:fld>
+            <a:endParaRPr lang="en-US" dirty="0"/>
+          </a:p>
+        </p:txBody>
+      </p:sp>
     </p:spTree>
     <p:extLst>
       <p:ext uri="{BB962C8B-B14F-4D97-AF65-F5344CB8AC3E}">
@@ -17058,6 +17796,35 @@
           </a:p>
         </p:txBody>
       </p:sp>
+      <p:sp>
+        <p:nvSpPr>
+          <p:cNvPr id="4" name="슬라이드 번호 개체 틀 3">
+            <a:extLst>
+              <a:ext uri="{FF2B5EF4-FFF2-40B4-BE49-F238E27FC236}">
+                <a16:creationId xmlns:a16="http://schemas.microsoft.com/office/drawing/2014/main" id="{34DD47CD-7640-901C-3D8C-B9DC1A3063B1}"/>
+              </a:ext>
+            </a:extLst>
+          </p:cNvPr>
+          <p:cNvSpPr>
+            <a:spLocks noGrp="1"/>
+          </p:cNvSpPr>
+          <p:nvPr>
+            <p:ph type="sldNum" sz="quarter" idx="12"/>
+          </p:nvPr>
+        </p:nvSpPr>
+        <p:spPr/>
+        <p:txBody>
+          <a:bodyPr/>
+          <a:lstStyle/>
+          <a:p>
+            <a:fld id="{D57F1E4F-1CFF-5643-939E-02111984F565}" type="slidenum">
+              <a:rPr lang="en-US" smtClean="0"/>
+              <a:t>25</a:t>
+            </a:fld>
+            <a:endParaRPr lang="en-US" dirty="0"/>
+          </a:p>
+        </p:txBody>
+      </p:sp>
     </p:spTree>
     <p:extLst>
       <p:ext uri="{BB962C8B-B14F-4D97-AF65-F5344CB8AC3E}">
@@ -17384,6 +18151,35 @@
               <a:buNone/>
             </a:pPr>
             <a:endParaRPr lang="en-US" altLang="ko-KR" sz="1200" dirty="0"/>
+          </a:p>
+        </p:txBody>
+      </p:sp>
+      <p:sp>
+        <p:nvSpPr>
+          <p:cNvPr id="4" name="슬라이드 번호 개체 틀 3">
+            <a:extLst>
+              <a:ext uri="{FF2B5EF4-FFF2-40B4-BE49-F238E27FC236}">
+                <a16:creationId xmlns:a16="http://schemas.microsoft.com/office/drawing/2014/main" id="{6355E96E-A1BF-0CEE-701D-845FF0F52377}"/>
+              </a:ext>
+            </a:extLst>
+          </p:cNvPr>
+          <p:cNvSpPr>
+            <a:spLocks noGrp="1"/>
+          </p:cNvSpPr>
+          <p:nvPr>
+            <p:ph type="sldNum" sz="quarter" idx="12"/>
+          </p:nvPr>
+        </p:nvSpPr>
+        <p:spPr/>
+        <p:txBody>
+          <a:bodyPr/>
+          <a:lstStyle/>
+          <a:p>
+            <a:fld id="{D57F1E4F-1CFF-5643-939E-02111984F565}" type="slidenum">
+              <a:rPr lang="en-US" smtClean="0"/>
+              <a:t>26</a:t>
+            </a:fld>
+            <a:endParaRPr lang="en-US" dirty="0"/>
           </a:p>
         </p:txBody>
       </p:sp>
@@ -17663,17 +18459,17 @@
           <a:p>
             <a:pPr algn="ctr"/>
             <a:r>
-              <a:rPr lang="en-US" altLang="ko-KR" dirty="0"/>
+              <a:rPr lang="en-US" altLang="ko-KR" sz="1400" dirty="0"/>
               <a:t>Work</a:t>
             </a:r>
           </a:p>
           <a:p>
             <a:pPr algn="ctr"/>
             <a:r>
-              <a:rPr lang="en-US" altLang="ko-KR" dirty="0"/>
-              <a:t>Tree</a:t>
-            </a:r>
-            <a:endParaRPr lang="ko-KR" altLang="en-US" dirty="0"/>
+              <a:rPr lang="en-US" altLang="ko-KR" sz="1400" dirty="0"/>
+              <a:t>Directory</a:t>
+            </a:r>
+            <a:endParaRPr lang="ko-KR" altLang="en-US" sz="1400" dirty="0"/>
           </a:p>
         </p:txBody>
       </p:sp>
@@ -17718,17 +18514,17 @@
           <a:p>
             <a:pPr algn="ctr"/>
             <a:r>
-              <a:rPr lang="en-US" altLang="ko-KR" dirty="0"/>
-              <a:t>Stage</a:t>
+              <a:rPr lang="en-US" altLang="ko-KR" sz="1400" dirty="0"/>
+              <a:t>Staging Area</a:t>
             </a:r>
           </a:p>
           <a:p>
             <a:pPr algn="ctr"/>
             <a:r>
-              <a:rPr lang="en-US" altLang="ko-KR" dirty="0"/>
+              <a:rPr lang="en-US" altLang="ko-KR" sz="1400" dirty="0"/>
               <a:t>(Index)</a:t>
             </a:r>
-            <a:endParaRPr lang="ko-KR" altLang="en-US" dirty="0"/>
+            <a:endParaRPr lang="ko-KR" altLang="en-US" sz="1400" dirty="0"/>
           </a:p>
         </p:txBody>
       </p:sp>
@@ -17773,17 +18569,17 @@
           <a:p>
             <a:pPr algn="ctr"/>
             <a:r>
-              <a:rPr lang="en-US" altLang="ko-KR" dirty="0"/>
+              <a:rPr lang="en-US" altLang="ko-KR" sz="1400" dirty="0"/>
               <a:t>Local</a:t>
             </a:r>
           </a:p>
           <a:p>
             <a:pPr algn="ctr"/>
             <a:r>
-              <a:rPr lang="en-US" altLang="ko-KR" dirty="0"/>
+              <a:rPr lang="en-US" altLang="ko-KR" sz="1400" dirty="0"/>
               <a:t>Repository</a:t>
             </a:r>
-            <a:endParaRPr lang="ko-KR" altLang="en-US" dirty="0"/>
+            <a:endParaRPr lang="ko-KR" altLang="en-US" sz="1400" dirty="0"/>
           </a:p>
         </p:txBody>
       </p:sp>
@@ -17828,17 +18624,17 @@
           <a:p>
             <a:pPr algn="ctr"/>
             <a:r>
-              <a:rPr lang="en-US" altLang="ko-KR" dirty="0"/>
+              <a:rPr lang="en-US" altLang="ko-KR" sz="1400" dirty="0"/>
               <a:t>Remote</a:t>
             </a:r>
           </a:p>
           <a:p>
             <a:pPr algn="ctr"/>
             <a:r>
-              <a:rPr lang="en-US" altLang="ko-KR" dirty="0"/>
+              <a:rPr lang="en-US" altLang="ko-KR" sz="1400" dirty="0"/>
               <a:t>Repository</a:t>
             </a:r>
-            <a:endParaRPr lang="ko-KR" altLang="en-US" dirty="0"/>
+            <a:endParaRPr lang="ko-KR" altLang="en-US" sz="1400" dirty="0"/>
           </a:p>
         </p:txBody>
       </p:sp>
@@ -18458,8 +19254,8 @@
         </p:nvSpPr>
         <p:spPr>
           <a:xfrm>
-            <a:off x="7228107" y="5108578"/>
-            <a:ext cx="3141301" cy="585704"/>
+            <a:off x="1620411" y="5108578"/>
+            <a:ext cx="8748998" cy="585704"/>
           </a:xfrm>
           <a:prstGeom prst="leftArrow">
             <a:avLst>
@@ -18575,6 +19371,157 @@
           </a:p>
         </p:txBody>
       </p:sp>
+      <p:sp>
+        <p:nvSpPr>
+          <p:cNvPr id="4" name="말풍선: 모서리가 둥근 사각형 2">
+            <a:extLst>
+              <a:ext uri="{FF2B5EF4-FFF2-40B4-BE49-F238E27FC236}">
+                <a16:creationId xmlns:a16="http://schemas.microsoft.com/office/drawing/2014/main" id="{52C11ABD-1BBB-996C-05AA-A140CB183E30}"/>
+              </a:ext>
+            </a:extLst>
+          </p:cNvPr>
+          <p:cNvSpPr/>
+          <p:nvPr/>
+        </p:nvSpPr>
+        <p:spPr>
+          <a:xfrm>
+            <a:off x="5172268" y="2805223"/>
+            <a:ext cx="923732" cy="731520"/>
+          </a:xfrm>
+          <a:prstGeom prst="wedgeRoundRectCallout">
+            <a:avLst>
+              <a:gd name="adj1" fmla="val -767"/>
+              <a:gd name="adj2" fmla="val -76630"/>
+              <a:gd name="adj3" fmla="val 16667"/>
+            </a:avLst>
+          </a:prstGeom>
+          <a:noFill/>
+          <a:ln>
+            <a:solidFill>
+              <a:schemeClr val="tx1"/>
+            </a:solidFill>
+          </a:ln>
+        </p:spPr>
+        <p:style>
+          <a:lnRef idx="2">
+            <a:schemeClr val="accent1">
+              <a:shade val="50000"/>
+            </a:schemeClr>
+          </a:lnRef>
+          <a:fillRef idx="1">
+            <a:schemeClr val="accent1"/>
+          </a:fillRef>
+          <a:effectRef idx="0">
+            <a:schemeClr val="accent1"/>
+          </a:effectRef>
+          <a:fontRef idx="minor">
+            <a:schemeClr val="lt1"/>
+          </a:fontRef>
+        </p:style>
+        <p:txBody>
+          <a:bodyPr rtlCol="0" anchor="ctr"/>
+          <a:lstStyle/>
+          <a:p>
+            <a:pPr algn="ctr"/>
+            <a:r>
+              <a:rPr lang="en-US" altLang="ko-KR" sz="1000" dirty="0"/>
+              <a:t>Repository</a:t>
+            </a:r>
+            <a:r>
+              <a:rPr lang="ko-KR" altLang="en-US" sz="1000" dirty="0"/>
+              <a:t>기록</a:t>
+            </a:r>
+          </a:p>
+        </p:txBody>
+      </p:sp>
+      <p:sp>
+        <p:nvSpPr>
+          <p:cNvPr id="5" name="말풍선: 모서리가 둥근 사각형 2">
+            <a:extLst>
+              <a:ext uri="{FF2B5EF4-FFF2-40B4-BE49-F238E27FC236}">
+                <a16:creationId xmlns:a16="http://schemas.microsoft.com/office/drawing/2014/main" id="{6485E762-3184-EEB9-1F3B-4063D7F99F54}"/>
+              </a:ext>
+            </a:extLst>
+          </p:cNvPr>
+          <p:cNvSpPr/>
+          <p:nvPr/>
+        </p:nvSpPr>
+        <p:spPr>
+          <a:xfrm>
+            <a:off x="4493497" y="4554502"/>
+            <a:ext cx="2483431" cy="510991"/>
+          </a:xfrm>
+          <a:prstGeom prst="wedgeRoundRectCallout">
+            <a:avLst>
+              <a:gd name="adj1" fmla="val -767"/>
+              <a:gd name="adj2" fmla="val -76630"/>
+              <a:gd name="adj3" fmla="val 16667"/>
+            </a:avLst>
+          </a:prstGeom>
+          <a:noFill/>
+          <a:ln>
+            <a:solidFill>
+              <a:schemeClr val="tx1"/>
+            </a:solidFill>
+          </a:ln>
+        </p:spPr>
+        <p:style>
+          <a:lnRef idx="2">
+            <a:schemeClr val="accent1">
+              <a:shade val="50000"/>
+            </a:schemeClr>
+          </a:lnRef>
+          <a:fillRef idx="1">
+            <a:schemeClr val="accent1"/>
+          </a:fillRef>
+          <a:effectRef idx="0">
+            <a:schemeClr val="accent1"/>
+          </a:effectRef>
+          <a:fontRef idx="minor">
+            <a:schemeClr val="lt1"/>
+          </a:fontRef>
+        </p:style>
+        <p:txBody>
+          <a:bodyPr rtlCol="0" anchor="ctr"/>
+          <a:lstStyle/>
+          <a:p>
+            <a:pPr algn="ctr"/>
+            <a:r>
+              <a:rPr lang="ko-KR" altLang="en-US" sz="1000" dirty="0"/>
+              <a:t>원격 저장소에서 변경된 내용 다운로드 하는 것</a:t>
+            </a:r>
+          </a:p>
+        </p:txBody>
+      </p:sp>
+      <p:sp>
+        <p:nvSpPr>
+          <p:cNvPr id="9" name="슬라이드 번호 개체 틀 8">
+            <a:extLst>
+              <a:ext uri="{FF2B5EF4-FFF2-40B4-BE49-F238E27FC236}">
+                <a16:creationId xmlns:a16="http://schemas.microsoft.com/office/drawing/2014/main" id="{DE899E52-365E-FEBF-B887-CECF26ED9E64}"/>
+              </a:ext>
+            </a:extLst>
+          </p:cNvPr>
+          <p:cNvSpPr>
+            <a:spLocks noGrp="1"/>
+          </p:cNvSpPr>
+          <p:nvPr>
+            <p:ph type="sldNum" sz="quarter" idx="12"/>
+          </p:nvPr>
+        </p:nvSpPr>
+        <p:spPr/>
+        <p:txBody>
+          <a:bodyPr/>
+          <a:lstStyle/>
+          <a:p>
+            <a:fld id="{D57F1E4F-1CFF-5643-939E-02111984F565}" type="slidenum">
+              <a:rPr lang="en-US" smtClean="0"/>
+              <a:t>3</a:t>
+            </a:fld>
+            <a:endParaRPr lang="en-US" dirty="0"/>
+          </a:p>
+        </p:txBody>
+      </p:sp>
     </p:spTree>
     <p:extLst>
       <p:ext uri="{BB962C8B-B14F-4D97-AF65-F5344CB8AC3E}">
@@ -18772,7 +19719,15 @@
             </a:pPr>
             <a:r>
               <a:rPr lang="en-US" altLang="ko-KR" sz="1400" dirty="0"/>
-              <a:t>$ git –version</a:t>
+              <a:t>$ git </a:t>
+            </a:r>
+            <a:r>
+              <a:rPr lang="ko-KR" altLang="en-US" sz="1400" dirty="0"/>
+              <a:t> </a:t>
+            </a:r>
+            <a:r>
+              <a:rPr lang="en-US" altLang="ko-KR" sz="1400" dirty="0"/>
+              <a:t>--version</a:t>
             </a:r>
           </a:p>
           <a:p>
@@ -18793,7 +19748,18 @@
               <a:rPr lang="ko-KR" altLang="en-US" sz="1400" dirty="0"/>
               <a:t>업그레이드</a:t>
             </a:r>
-            <a:endParaRPr lang="en-US" altLang="ko-KR" sz="1400" dirty="0"/>
+            <a:r>
+              <a:rPr lang="en-US" altLang="ko-KR" sz="1400" dirty="0"/>
+              <a:t>(Windows</a:t>
+            </a:r>
+            <a:r>
+              <a:rPr lang="ko-KR" altLang="en-US" sz="1400" dirty="0"/>
+              <a:t> 용</a:t>
+            </a:r>
+            <a:r>
+              <a:rPr lang="en-US" altLang="ko-KR" sz="1400" dirty="0"/>
+              <a:t>)</a:t>
+            </a:r>
           </a:p>
           <a:p>
             <a:pPr marL="0" indent="0">
@@ -18857,6 +19823,35 @@
               <a:buNone/>
             </a:pPr>
             <a:endParaRPr lang="en-US" altLang="ko-KR" sz="1400" dirty="0"/>
+          </a:p>
+        </p:txBody>
+      </p:sp>
+      <p:sp>
+        <p:nvSpPr>
+          <p:cNvPr id="4" name="슬라이드 번호 개체 틀 3">
+            <a:extLst>
+              <a:ext uri="{FF2B5EF4-FFF2-40B4-BE49-F238E27FC236}">
+                <a16:creationId xmlns:a16="http://schemas.microsoft.com/office/drawing/2014/main" id="{AA5AA561-56EA-92C8-9A11-99BD0D44EBBD}"/>
+              </a:ext>
+            </a:extLst>
+          </p:cNvPr>
+          <p:cNvSpPr>
+            <a:spLocks noGrp="1"/>
+          </p:cNvSpPr>
+          <p:nvPr>
+            <p:ph type="sldNum" sz="quarter" idx="12"/>
+          </p:nvPr>
+        </p:nvSpPr>
+        <p:spPr/>
+        <p:txBody>
+          <a:bodyPr/>
+          <a:lstStyle/>
+          <a:p>
+            <a:fld id="{D57F1E4F-1CFF-5643-939E-02111984F565}" type="slidenum">
+              <a:rPr lang="en-US" smtClean="0"/>
+              <a:t>4</a:t>
+            </a:fld>
+            <a:endParaRPr lang="en-US" dirty="0"/>
           </a:p>
         </p:txBody>
       </p:sp>
@@ -19433,6 +20428,35 @@
           </a:p>
         </p:txBody>
       </p:sp>
+      <p:sp>
+        <p:nvSpPr>
+          <p:cNvPr id="4" name="슬라이드 번호 개체 틀 3">
+            <a:extLst>
+              <a:ext uri="{FF2B5EF4-FFF2-40B4-BE49-F238E27FC236}">
+                <a16:creationId xmlns:a16="http://schemas.microsoft.com/office/drawing/2014/main" id="{4A1616E6-DA7F-6CA1-B244-0983DF0D4B5C}"/>
+              </a:ext>
+            </a:extLst>
+          </p:cNvPr>
+          <p:cNvSpPr>
+            <a:spLocks noGrp="1"/>
+          </p:cNvSpPr>
+          <p:nvPr>
+            <p:ph type="sldNum" sz="quarter" idx="12"/>
+          </p:nvPr>
+        </p:nvSpPr>
+        <p:spPr/>
+        <p:txBody>
+          <a:bodyPr/>
+          <a:lstStyle/>
+          <a:p>
+            <a:fld id="{D57F1E4F-1CFF-5643-939E-02111984F565}" type="slidenum">
+              <a:rPr lang="en-US" smtClean="0"/>
+              <a:t>5</a:t>
+            </a:fld>
+            <a:endParaRPr lang="en-US" dirty="0"/>
+          </a:p>
+        </p:txBody>
+      </p:sp>
     </p:spTree>
     <p:extLst>
       <p:ext uri="{BB962C8B-B14F-4D97-AF65-F5344CB8AC3E}">
@@ -19831,7 +20855,7 @@
                   <a:srgbClr val="FFFF00"/>
                 </a:solidFill>
               </a:rPr>
-              <a:t>$ git  remote  add  &lt;</a:t>
+              <a:t>$ git  remote  add  “</a:t>
             </a:r>
             <a:r>
               <a:rPr lang="ko-KR" altLang="en-US" sz="1400" b="1" dirty="0">
@@ -19847,7 +20871,7 @@
                   <a:srgbClr val="FFFF00"/>
                 </a:solidFill>
               </a:rPr>
-              <a:t>&gt;  &lt;</a:t>
+              <a:t>”  “</a:t>
             </a:r>
             <a:r>
               <a:rPr lang="ko-KR" altLang="en-US" sz="1400" b="1" dirty="0">
@@ -19871,7 +20895,7 @@
                   <a:srgbClr val="FFFF00"/>
                 </a:solidFill>
               </a:rPr>
-              <a:t>&gt;   </a:t>
+              <a:t>”   </a:t>
             </a:r>
           </a:p>
           <a:p>
@@ -19931,7 +20955,7 @@
                   <a:srgbClr val="FFFF00"/>
                 </a:solidFill>
               </a:rPr>
-              <a:t>$ git  remote  remove  &lt;</a:t>
+              <a:t>$ git  remote  remove  “</a:t>
             </a:r>
             <a:r>
               <a:rPr lang="ko-KR" altLang="en-US" sz="1400" b="1" dirty="0">
@@ -19947,22 +20971,34 @@
                   <a:srgbClr val="FFFF00"/>
                 </a:solidFill>
               </a:rPr>
-              <a:t>&gt;</a:t>
-            </a:r>
-            <a:r>
-              <a:rPr lang="en-US" altLang="ko-KR" sz="1400" dirty="0"/>
-              <a:t>                  </a:t>
-            </a:r>
+              <a:t>”</a:t>
+            </a:r>
+            <a:endParaRPr lang="en-US" altLang="ko-KR" sz="1400" dirty="0"/>
           </a:p>
           <a:p>
             <a:pPr marL="0" indent="0">
               <a:buNone/>
             </a:pPr>
             <a:r>
+              <a:rPr lang="en-US" altLang="ko-KR" sz="1200" dirty="0"/>
+              <a:t>git</a:t>
+            </a:r>
+            <a:r>
               <a:rPr lang="ko-KR" altLang="en-US" sz="1200" dirty="0"/>
-              <a:t>원격 저장소 연결 끊기</a:t>
-            </a:r>
-            <a:endParaRPr lang="en-US" altLang="ko-KR" sz="1200" dirty="0"/>
+              <a:t>에서 원격 저장소 정보 삭제</a:t>
+            </a:r>
+            <a:r>
+              <a:rPr lang="en-US" altLang="ko-KR" sz="1200" dirty="0"/>
+              <a:t>,</a:t>
+            </a:r>
+            <a:r>
+              <a:rPr lang="ko-KR" altLang="en-US" sz="1200" dirty="0"/>
+              <a:t> 실제 원격 저장소가 삭제되는 것은 아님</a:t>
+            </a:r>
+            <a:r>
+              <a:rPr lang="en-US" altLang="ko-KR" sz="1200" dirty="0"/>
+              <a:t>.</a:t>
+            </a:r>
           </a:p>
           <a:p>
             <a:pPr marL="0" indent="0">
@@ -19973,6 +21009,35 @@
                 <a:srgbClr val="FFFF00"/>
               </a:solidFill>
             </a:endParaRPr>
+          </a:p>
+        </p:txBody>
+      </p:sp>
+      <p:sp>
+        <p:nvSpPr>
+          <p:cNvPr id="4" name="슬라이드 번호 개체 틀 3">
+            <a:extLst>
+              <a:ext uri="{FF2B5EF4-FFF2-40B4-BE49-F238E27FC236}">
+                <a16:creationId xmlns:a16="http://schemas.microsoft.com/office/drawing/2014/main" id="{BADD97AC-6737-E558-2DFA-E9DEBA54EDA0}"/>
+              </a:ext>
+            </a:extLst>
+          </p:cNvPr>
+          <p:cNvSpPr>
+            <a:spLocks noGrp="1"/>
+          </p:cNvSpPr>
+          <p:nvPr>
+            <p:ph type="sldNum" sz="quarter" idx="12"/>
+          </p:nvPr>
+        </p:nvSpPr>
+        <p:spPr/>
+        <p:txBody>
+          <a:bodyPr/>
+          <a:lstStyle/>
+          <a:p>
+            <a:fld id="{D57F1E4F-1CFF-5643-939E-02111984F565}" type="slidenum">
+              <a:rPr lang="en-US" smtClean="0"/>
+              <a:t>6</a:t>
+            </a:fld>
+            <a:endParaRPr lang="en-US" dirty="0"/>
           </a:p>
         </p:txBody>
       </p:sp>
@@ -20424,7 +21489,7 @@
                   <a:srgbClr val="FFFF00"/>
                 </a:solidFill>
               </a:rPr>
-              <a:t>$ git  rm  &lt;</a:t>
+              <a:t>$ git  rm  “</a:t>
             </a:r>
             <a:r>
               <a:rPr lang="ko-KR" altLang="en-US" sz="1200" b="1" dirty="0">
@@ -20440,7 +21505,7 @@
                   <a:srgbClr val="FFFF00"/>
                 </a:solidFill>
               </a:rPr>
-              <a:t>&gt;   </a:t>
+              <a:t>”   </a:t>
             </a:r>
             <a:r>
               <a:rPr lang="en-US" altLang="ko-KR" sz="1200" dirty="0"/>
@@ -20558,7 +21623,7 @@
                   <a:srgbClr val="FFFF00"/>
                 </a:solidFill>
               </a:rPr>
-              <a:t>$ git  mv  &lt;</a:t>
+              <a:t>$ git  mv  “</a:t>
             </a:r>
             <a:r>
               <a:rPr lang="ko-KR" altLang="en-US" sz="1200" b="1" dirty="0">
@@ -20574,7 +21639,7 @@
                   <a:srgbClr val="FFFF00"/>
                 </a:solidFill>
               </a:rPr>
-              <a:t>1&gt;  &lt;</a:t>
+              <a:t>1”   “</a:t>
             </a:r>
             <a:r>
               <a:rPr lang="ko-KR" altLang="en-US" sz="1200" b="1" dirty="0">
@@ -20590,7 +21655,7 @@
                   <a:srgbClr val="FFFF00"/>
                 </a:solidFill>
               </a:rPr>
-              <a:t>2&gt;   </a:t>
+              <a:t>2”   </a:t>
             </a:r>
             <a:r>
               <a:rPr lang="en-US" altLang="ko-KR" sz="1200" dirty="0"/>
@@ -20602,7 +21667,7 @@
             </a:r>
             <a:r>
               <a:rPr lang="en-US" altLang="ko-KR" sz="1200" dirty="0"/>
-              <a:t>: $ mv &lt;</a:t>
+              <a:t>: $ mv  “</a:t>
             </a:r>
             <a:r>
               <a:rPr lang="ko-KR" altLang="en-US" sz="1200" dirty="0"/>
@@ -20610,7 +21675,7 @@
             </a:r>
             <a:r>
               <a:rPr lang="en-US" altLang="ko-KR" sz="1200" dirty="0"/>
-              <a:t>1&gt; &lt;</a:t>
+              <a:t>1”  “</a:t>
             </a:r>
             <a:r>
               <a:rPr lang="ko-KR" altLang="en-US" sz="1200" dirty="0"/>
@@ -20618,7 +21683,15 @@
             </a:r>
             <a:r>
               <a:rPr lang="en-US" altLang="ko-KR" sz="1200" dirty="0"/>
-              <a:t>2&gt;,  $ git  rm  &lt;</a:t>
+              <a:t>2”  </a:t>
+            </a:r>
+            <a:r>
+              <a:rPr lang="ko-KR" altLang="en-US" sz="1200" dirty="0"/>
+              <a:t>수행 후 이어서</a:t>
+            </a:r>
+            <a:r>
+              <a:rPr lang="en-US" altLang="ko-KR" sz="1200" dirty="0"/>
+              <a:t>  $ git  rm  “</a:t>
             </a:r>
             <a:r>
               <a:rPr lang="ko-KR" altLang="en-US" sz="1200" dirty="0"/>
@@ -20626,7 +21699,7 @@
             </a:r>
             <a:r>
               <a:rPr lang="en-US" altLang="ko-KR" sz="1200" dirty="0"/>
-              <a:t>1&gt;,  $ git  add &lt;</a:t>
+              <a:t>1”,  $ git  add  “</a:t>
             </a:r>
             <a:r>
               <a:rPr lang="ko-KR" altLang="en-US" sz="1200" dirty="0"/>
@@ -20634,7 +21707,7 @@
             </a:r>
             <a:r>
               <a:rPr lang="en-US" altLang="ko-KR" sz="1200" dirty="0"/>
-              <a:t>2&gt;</a:t>
+              <a:t>2”</a:t>
             </a:r>
           </a:p>
           <a:p>
@@ -20648,6 +21721,35 @@
               <a:buNone/>
             </a:pPr>
             <a:endParaRPr lang="en-US" altLang="ko-KR" sz="1200" dirty="0"/>
+          </a:p>
+        </p:txBody>
+      </p:sp>
+      <p:sp>
+        <p:nvSpPr>
+          <p:cNvPr id="4" name="슬라이드 번호 개체 틀 3">
+            <a:extLst>
+              <a:ext uri="{FF2B5EF4-FFF2-40B4-BE49-F238E27FC236}">
+                <a16:creationId xmlns:a16="http://schemas.microsoft.com/office/drawing/2014/main" id="{BDE78242-741F-5BF8-DD28-67BB28DCFC04}"/>
+              </a:ext>
+            </a:extLst>
+          </p:cNvPr>
+          <p:cNvSpPr>
+            <a:spLocks noGrp="1"/>
+          </p:cNvSpPr>
+          <p:nvPr>
+            <p:ph type="sldNum" sz="quarter" idx="12"/>
+          </p:nvPr>
+        </p:nvSpPr>
+        <p:spPr/>
+        <p:txBody>
+          <a:bodyPr/>
+          <a:lstStyle/>
+          <a:p>
+            <a:fld id="{D57F1E4F-1CFF-5643-939E-02111984F565}" type="slidenum">
+              <a:rPr lang="en-US" smtClean="0"/>
+              <a:t>7</a:t>
+            </a:fld>
+            <a:endParaRPr lang="en-US" dirty="0"/>
           </a:p>
         </p:txBody>
       </p:sp>
@@ -20747,43 +21849,43 @@
               <a:buNone/>
             </a:pPr>
             <a:r>
-              <a:rPr lang="ko-KR" altLang="en-US" sz="1600" dirty="0"/>
+              <a:rPr lang="ko-KR" altLang="en-US" sz="1200" dirty="0"/>
               <a:t>새로 파일을 추가하거나 또는 기존 파일을 편집하여 수정하여</a:t>
             </a:r>
             <a:r>
-              <a:rPr lang="en-US" altLang="ko-KR" sz="1600" dirty="0"/>
+              <a:rPr lang="en-US" altLang="ko-KR" sz="1200" dirty="0"/>
               <a:t>,</a:t>
             </a:r>
             <a:r>
-              <a:rPr lang="ko-KR" altLang="en-US" sz="1600" dirty="0"/>
+              <a:rPr lang="ko-KR" altLang="en-US" sz="1200" dirty="0"/>
               <a:t> 작업 디렉토리</a:t>
             </a:r>
             <a:r>
-              <a:rPr lang="en-US" altLang="ko-KR" sz="1600" dirty="0"/>
+              <a:rPr lang="en-US" altLang="ko-KR" sz="1200" dirty="0"/>
               <a:t>(working directory) </a:t>
             </a:r>
             <a:r>
-              <a:rPr lang="ko-KR" altLang="en-US" sz="1600" dirty="0"/>
+              <a:rPr lang="ko-KR" altLang="en-US" sz="1200" dirty="0"/>
               <a:t>상의 변경 내용을 </a:t>
             </a:r>
             <a:r>
-              <a:rPr lang="ko-KR" altLang="en-US" sz="1600" dirty="0" err="1"/>
+              <a:rPr lang="ko-KR" altLang="en-US" sz="1200" dirty="0" err="1"/>
               <a:t>스테이징</a:t>
             </a:r>
             <a:r>
-              <a:rPr lang="ko-KR" altLang="en-US" sz="1600" dirty="0"/>
+              <a:rPr lang="ko-KR" altLang="en-US" sz="1200" dirty="0"/>
               <a:t> 영역</a:t>
             </a:r>
             <a:r>
-              <a:rPr lang="en-US" altLang="ko-KR" sz="1600" dirty="0"/>
+              <a:rPr lang="en-US" altLang="ko-KR" sz="1200" dirty="0"/>
               <a:t>(staging area, index)</a:t>
             </a:r>
             <a:r>
-              <a:rPr lang="ko-KR" altLang="en-US" sz="1600" dirty="0"/>
+              <a:rPr lang="ko-KR" altLang="en-US" sz="1200" dirty="0"/>
               <a:t>에 추가</a:t>
             </a:r>
             <a:r>
-              <a:rPr lang="en-US" altLang="ko-KR" sz="1600" dirty="0"/>
+              <a:rPr lang="en-US" altLang="ko-KR" sz="1200" dirty="0"/>
               <a:t>. </a:t>
             </a:r>
           </a:p>
@@ -20791,8 +21893,14 @@
             <a:pPr marL="0" indent="0">
               <a:buNone/>
             </a:pPr>
-            <a:r>
-              <a:rPr lang="fr-FR" altLang="ko-KR" sz="1400" b="1" dirty="0">
+            <a:endParaRPr lang="en-US" altLang="ko-KR" sz="1200" dirty="0"/>
+          </a:p>
+          <a:p>
+            <a:pPr marL="0" indent="0">
+              <a:buNone/>
+            </a:pPr>
+            <a:r>
+              <a:rPr lang="fr-FR" altLang="ko-KR" sz="1200" b="1" dirty="0">
                 <a:solidFill>
                   <a:srgbClr val="FFFF00"/>
                 </a:solidFill>
@@ -20800,7 +21908,7 @@
               <a:t>$ git  </a:t>
             </a:r>
             <a:r>
-              <a:rPr lang="en-US" altLang="ko-KR" sz="1400" b="1" dirty="0">
+              <a:rPr lang="en-US" altLang="ko-KR" sz="1200" b="1" dirty="0">
                 <a:solidFill>
                   <a:srgbClr val="FFFF00"/>
                 </a:solidFill>
@@ -20808,7 +21916,7 @@
               <a:t>add</a:t>
             </a:r>
             <a:r>
-              <a:rPr lang="ko-KR" altLang="en-US" sz="1400" b="1" dirty="0">
+              <a:rPr lang="ko-KR" altLang="en-US" sz="1200" b="1" dirty="0">
                 <a:solidFill>
                   <a:srgbClr val="FFFF00"/>
                 </a:solidFill>
@@ -20816,7 +21924,7 @@
               <a:t>  파일명 </a:t>
             </a:r>
             <a:r>
-              <a:rPr lang="en-US" altLang="ko-KR" sz="1400" b="1" dirty="0">
+              <a:rPr lang="en-US" altLang="ko-KR" sz="1200" b="1" dirty="0">
                 <a:solidFill>
                   <a:srgbClr val="FFFF00"/>
                 </a:solidFill>
@@ -20824,7 +21932,7 @@
               <a:t>:</a:t>
             </a:r>
             <a:r>
-              <a:rPr lang="ko-KR" altLang="en-US" sz="1400" b="1" dirty="0">
+              <a:rPr lang="ko-KR" altLang="en-US" sz="1200" b="1" dirty="0">
                 <a:solidFill>
                   <a:srgbClr val="FFFF00"/>
                 </a:solidFill>
@@ -20832,45 +21940,45 @@
               <a:t> </a:t>
             </a:r>
             <a:r>
-              <a:rPr lang="ko-KR" altLang="en-US" sz="1400" dirty="0"/>
+              <a:rPr lang="ko-KR" altLang="en-US" sz="1200" dirty="0"/>
               <a:t>기술된  파일이 </a:t>
             </a:r>
             <a:r>
-              <a:rPr lang="en-US" altLang="ko-KR" sz="1400" dirty="0"/>
+              <a:rPr lang="en-US" altLang="ko-KR" sz="1200" dirty="0"/>
               <a:t>Staging </a:t>
             </a:r>
             <a:r>
-              <a:rPr lang="ko-KR" altLang="en-US" sz="1400" dirty="0"/>
+              <a:rPr lang="ko-KR" altLang="en-US" sz="1200" dirty="0"/>
               <a:t>된다</a:t>
             </a:r>
             <a:r>
-              <a:rPr lang="en-US" altLang="ko-KR" sz="1400" dirty="0"/>
+              <a:rPr lang="en-US" altLang="ko-KR" sz="1200" dirty="0"/>
               <a:t>. </a:t>
             </a:r>
             <a:r>
-              <a:rPr lang="ko-KR" altLang="en-US" sz="1400" dirty="0"/>
+              <a:rPr lang="ko-KR" altLang="en-US" sz="1200" dirty="0"/>
               <a:t>여러 파일 가능</a:t>
             </a:r>
             <a:r>
-              <a:rPr lang="en-US" altLang="ko-KR" sz="1400" dirty="0"/>
+              <a:rPr lang="en-US" altLang="ko-KR" sz="1200" dirty="0"/>
               <a:t>(</a:t>
             </a:r>
             <a:r>
-              <a:rPr lang="ko-KR" altLang="en-US" sz="1400" dirty="0"/>
+              <a:rPr lang="ko-KR" altLang="en-US" sz="1200" dirty="0"/>
               <a:t>스페이스로 구분</a:t>
             </a:r>
             <a:r>
-              <a:rPr lang="en-US" altLang="ko-KR" sz="1400" dirty="0"/>
+              <a:rPr lang="en-US" altLang="ko-KR" sz="1200" dirty="0"/>
               <a:t>)</a:t>
             </a:r>
-            <a:endParaRPr lang="fr-FR" altLang="ko-KR" sz="1400" dirty="0"/>
+            <a:endParaRPr lang="fr-FR" altLang="ko-KR" sz="1200" dirty="0"/>
           </a:p>
           <a:p>
             <a:pPr marL="0" indent="0">
               <a:buNone/>
             </a:pPr>
             <a:r>
-              <a:rPr lang="fr-FR" altLang="ko-KR" sz="1400" b="1" dirty="0">
+              <a:rPr lang="fr-FR" altLang="ko-KR" sz="1200" b="1" dirty="0">
                 <a:solidFill>
                   <a:srgbClr val="FFFF00"/>
                 </a:solidFill>
@@ -20878,7 +21986,7 @@
               <a:t>$ git  </a:t>
             </a:r>
             <a:r>
-              <a:rPr lang="en-US" altLang="ko-KR" sz="1400" b="1" dirty="0">
+              <a:rPr lang="en-US" altLang="ko-KR" sz="1200" b="1" dirty="0">
                 <a:solidFill>
                   <a:srgbClr val="FFFF00"/>
                 </a:solidFill>
@@ -20886,7 +21994,7 @@
               <a:t>add</a:t>
             </a:r>
             <a:r>
-              <a:rPr lang="ko-KR" altLang="en-US" sz="1400" b="1" dirty="0">
+              <a:rPr lang="ko-KR" altLang="en-US" sz="1200" b="1" dirty="0">
                 <a:solidFill>
                   <a:srgbClr val="FFFF00"/>
                 </a:solidFill>
@@ -20894,7 +22002,7 @@
               <a:t>   *  </a:t>
             </a:r>
             <a:r>
-              <a:rPr lang="en-US" altLang="ko-KR" sz="1400" b="1" dirty="0">
+              <a:rPr lang="en-US" altLang="ko-KR" sz="1200" b="1" dirty="0">
                 <a:solidFill>
                   <a:srgbClr val="FFFF00"/>
                 </a:solidFill>
@@ -20902,37 +22010,37 @@
               <a:t>:  </a:t>
             </a:r>
             <a:r>
-              <a:rPr lang="ko-KR" altLang="en-US" sz="1400" dirty="0"/>
+              <a:rPr lang="ko-KR" altLang="en-US" sz="1200" dirty="0"/>
               <a:t>현 위치 디렉토리 이하의 모든 변화를 </a:t>
             </a:r>
             <a:r>
-              <a:rPr lang="en-US" altLang="ko-KR" sz="1400" dirty="0"/>
+              <a:rPr lang="en-US" altLang="ko-KR" sz="1200" dirty="0"/>
               <a:t>Staging (.</a:t>
             </a:r>
             <a:r>
-              <a:rPr lang="en-US" altLang="ko-KR" sz="1400" dirty="0" err="1"/>
+              <a:rPr lang="en-US" altLang="ko-KR" sz="1200" dirty="0" err="1"/>
               <a:t>gitignore</a:t>
             </a:r>
             <a:r>
-              <a:rPr lang="en-US" altLang="ko-KR" sz="1400" dirty="0"/>
+              <a:rPr lang="en-US" altLang="ko-KR" sz="1200" dirty="0"/>
               <a:t> </a:t>
             </a:r>
             <a:r>
-              <a:rPr lang="ko-KR" altLang="en-US" sz="1400" dirty="0"/>
+              <a:rPr lang="ko-KR" altLang="en-US" sz="1200" dirty="0"/>
               <a:t>포함 될 수도</a:t>
             </a:r>
             <a:r>
-              <a:rPr lang="en-US" altLang="ko-KR" sz="1400" dirty="0"/>
+              <a:rPr lang="en-US" altLang="ko-KR" sz="1200" dirty="0"/>
               <a:t>)</a:t>
             </a:r>
-            <a:endParaRPr lang="fr-FR" altLang="ko-KR" sz="1400" dirty="0"/>
+            <a:endParaRPr lang="fr-FR" altLang="ko-KR" sz="1200" dirty="0"/>
           </a:p>
           <a:p>
             <a:pPr marL="0" indent="0">
               <a:buNone/>
             </a:pPr>
             <a:r>
-              <a:rPr lang="fr-FR" altLang="ko-KR" sz="1400" b="1" dirty="0">
+              <a:rPr lang="fr-FR" altLang="ko-KR" sz="1200" b="1" dirty="0">
                 <a:solidFill>
                   <a:srgbClr val="FFFF00"/>
                 </a:solidFill>
@@ -20940,7 +22048,7 @@
               <a:t>$ git  </a:t>
             </a:r>
             <a:r>
-              <a:rPr lang="en-US" altLang="ko-KR" sz="1400" b="1" dirty="0">
+              <a:rPr lang="en-US" altLang="ko-KR" sz="1200" b="1" dirty="0">
                 <a:solidFill>
                   <a:srgbClr val="FFFF00"/>
                 </a:solidFill>
@@ -20948,7 +22056,7 @@
               <a:t>add</a:t>
             </a:r>
             <a:r>
-              <a:rPr lang="ko-KR" altLang="en-US" sz="1400" b="1" dirty="0">
+              <a:rPr lang="ko-KR" altLang="en-US" sz="1200" b="1" dirty="0">
                 <a:solidFill>
                   <a:srgbClr val="FFFF00"/>
                 </a:solidFill>
@@ -20956,7 +22064,7 @@
               <a:t> </a:t>
             </a:r>
             <a:r>
-              <a:rPr lang="en-US" altLang="ko-KR" sz="1400" b="1" dirty="0">
+              <a:rPr lang="en-US" altLang="ko-KR" sz="1200" b="1" dirty="0">
                 <a:solidFill>
                   <a:srgbClr val="FFFF00"/>
                 </a:solidFill>
@@ -20964,7 +22072,7 @@
               <a:t>  .</a:t>
             </a:r>
             <a:r>
-              <a:rPr lang="ko-KR" altLang="en-US" sz="1400" b="1" dirty="0">
+              <a:rPr lang="ko-KR" altLang="en-US" sz="1200" b="1" dirty="0">
                 <a:solidFill>
                   <a:srgbClr val="FFFF00"/>
                 </a:solidFill>
@@ -20972,7 +22080,7 @@
               <a:t>   </a:t>
             </a:r>
             <a:r>
-              <a:rPr lang="en-US" altLang="ko-KR" sz="1400" b="1" dirty="0">
+              <a:rPr lang="en-US" altLang="ko-KR" sz="1200" b="1" dirty="0">
                 <a:solidFill>
                   <a:srgbClr val="FFFF00"/>
                 </a:solidFill>
@@ -20980,26 +22088,26 @@
               <a:t>:  </a:t>
             </a:r>
             <a:r>
-              <a:rPr lang="ko-KR" altLang="en-US" sz="1400" dirty="0"/>
+              <a:rPr lang="ko-KR" altLang="en-US" sz="1200" dirty="0"/>
               <a:t>현 위치 디렉토리 이하의 모든 변화를 </a:t>
             </a:r>
             <a:r>
-              <a:rPr lang="en-US" altLang="ko-KR" sz="1400" dirty="0"/>
+              <a:rPr lang="en-US" altLang="ko-KR" sz="1200" dirty="0"/>
               <a:t>Staging (.</a:t>
             </a:r>
             <a:r>
-              <a:rPr lang="en-US" altLang="ko-KR" sz="1400" dirty="0" err="1"/>
+              <a:rPr lang="en-US" altLang="ko-KR" sz="1200" dirty="0" err="1"/>
               <a:t>gitignore</a:t>
             </a:r>
             <a:r>
-              <a:rPr lang="ko-KR" altLang="en-US" sz="1400" dirty="0"/>
+              <a:rPr lang="ko-KR" altLang="en-US" sz="1200" dirty="0"/>
               <a:t> 제외</a:t>
             </a:r>
             <a:r>
-              <a:rPr lang="en-US" altLang="ko-KR" sz="1400" dirty="0"/>
+              <a:rPr lang="en-US" altLang="ko-KR" sz="1200" dirty="0"/>
               <a:t>)</a:t>
             </a:r>
-            <a:endParaRPr lang="fr-FR" altLang="ko-KR" sz="1400" b="1" dirty="0">
+            <a:endParaRPr lang="fr-FR" altLang="ko-KR" sz="1200" b="1" dirty="0">
               <a:solidFill>
                 <a:srgbClr val="FFFF00"/>
               </a:solidFill>
@@ -21010,7 +22118,7 @@
               <a:buNone/>
             </a:pPr>
             <a:r>
-              <a:rPr lang="fr-FR" altLang="ko-KR" sz="1400" b="1" dirty="0">
+              <a:rPr lang="fr-FR" altLang="ko-KR" sz="1200" b="1" dirty="0">
                 <a:solidFill>
                   <a:srgbClr val="FFFF00"/>
                 </a:solidFill>
@@ -21018,7 +22126,7 @@
               <a:t>$ git  </a:t>
             </a:r>
             <a:r>
-              <a:rPr lang="en-US" altLang="ko-KR" sz="1400" b="1" dirty="0">
+              <a:rPr lang="en-US" altLang="ko-KR" sz="1200" b="1" dirty="0">
                 <a:solidFill>
                   <a:srgbClr val="FFFF00"/>
                 </a:solidFill>
@@ -21026,7 +22134,7 @@
               <a:t>add</a:t>
             </a:r>
             <a:r>
-              <a:rPr lang="ko-KR" altLang="en-US" sz="1400" b="1" dirty="0">
+              <a:rPr lang="ko-KR" altLang="en-US" sz="1200" b="1" dirty="0">
                 <a:solidFill>
                   <a:srgbClr val="FFFF00"/>
                 </a:solidFill>
@@ -21034,7 +22142,7 @@
               <a:t> </a:t>
             </a:r>
             <a:r>
-              <a:rPr lang="en-US" altLang="ko-KR" sz="1400" b="1" dirty="0">
+              <a:rPr lang="en-US" altLang="ko-KR" sz="1200" b="1" dirty="0">
                 <a:solidFill>
                   <a:srgbClr val="FFFF00"/>
                 </a:solidFill>
@@ -21042,41 +22150,49 @@
               <a:t> -u  :  </a:t>
             </a:r>
             <a:r>
-              <a:rPr lang="ko-KR" altLang="en-US" sz="1400" dirty="0"/>
+              <a:rPr lang="ko-KR" altLang="en-US" sz="1200" dirty="0"/>
               <a:t>이미 </a:t>
             </a:r>
             <a:r>
-              <a:rPr lang="en-US" altLang="ko-KR" sz="1400" dirty="0"/>
-              <a:t>add </a:t>
-            </a:r>
-            <a:r>
-              <a:rPr lang="ko-KR" altLang="en-US" sz="1400" dirty="0"/>
+              <a:rPr lang="en-US" altLang="ko-KR" sz="1200" dirty="0"/>
+              <a:t>add</a:t>
+            </a:r>
+            <a:r>
+              <a:rPr lang="ko-KR" altLang="en-US" sz="1200" dirty="0"/>
+              <a:t>된</a:t>
+            </a:r>
+            <a:r>
+              <a:rPr lang="en-US" altLang="ko-KR" sz="1200" dirty="0"/>
+              <a:t> </a:t>
+            </a:r>
+            <a:r>
+              <a:rPr lang="ko-KR" altLang="en-US" sz="1200" dirty="0"/>
               <a:t>파일을 업데이트 하는 경우</a:t>
             </a:r>
             <a:r>
-              <a:rPr lang="en-US" altLang="ko-KR" sz="1400" dirty="0"/>
+              <a:rPr lang="en-US" altLang="ko-KR" sz="1200" dirty="0"/>
               <a:t>, </a:t>
             </a:r>
             <a:r>
-              <a:rPr lang="ko-KR" altLang="en-US" sz="1400" dirty="0"/>
+              <a:rPr lang="ko-KR" altLang="en-US" sz="1200" dirty="0"/>
               <a:t>끝에 </a:t>
             </a:r>
             <a:r>
-              <a:rPr lang="en-US" altLang="ko-KR" sz="1400" dirty="0"/>
+              <a:rPr lang="en-US" altLang="ko-KR" sz="1200" dirty="0"/>
               <a:t>path</a:t>
             </a:r>
             <a:r>
-              <a:rPr lang="ko-KR" altLang="en-US" sz="1400" dirty="0"/>
+              <a:rPr lang="ko-KR" altLang="en-US" sz="1200" dirty="0"/>
               <a:t>를 주지 않으면 전체</a:t>
             </a:r>
-            <a:endParaRPr lang="fr-FR" altLang="ko-KR" sz="1400" dirty="0"/>
+            <a:endParaRPr lang="fr-FR" altLang="ko-KR" sz="1200" dirty="0"/>
           </a:p>
           <a:p>
             <a:pPr marL="0" indent="0">
               <a:buNone/>
             </a:pPr>
             <a:r>
-              <a:rPr lang="fr-FR" altLang="ko-KR" sz="1400" b="1" dirty="0">
+              <a:rPr lang="fr-FR" altLang="ko-KR" sz="1200" b="1" dirty="0">
                 <a:solidFill>
                   <a:srgbClr val="FFFF00"/>
                 </a:solidFill>
@@ -21084,7 +22200,7 @@
               <a:t>$ git  </a:t>
             </a:r>
             <a:r>
-              <a:rPr lang="en-US" altLang="ko-KR" sz="1400" b="1" dirty="0">
+              <a:rPr lang="en-US" altLang="ko-KR" sz="1200" b="1" dirty="0">
                 <a:solidFill>
                   <a:srgbClr val="FFFF00"/>
                 </a:solidFill>
@@ -21092,7 +22208,7 @@
               <a:t>add</a:t>
             </a:r>
             <a:r>
-              <a:rPr lang="ko-KR" altLang="en-US" sz="1400" b="1" dirty="0">
+              <a:rPr lang="ko-KR" altLang="en-US" sz="1200" b="1" dirty="0">
                 <a:solidFill>
                   <a:srgbClr val="FFFF00"/>
                 </a:solidFill>
@@ -21100,7 +22216,7 @@
               <a:t>  </a:t>
             </a:r>
             <a:r>
-              <a:rPr lang="en-US" altLang="ko-KR" sz="1400" b="1" dirty="0">
+              <a:rPr lang="en-US" altLang="ko-KR" sz="1200" b="1" dirty="0">
                 <a:solidFill>
                   <a:srgbClr val="FFFF00"/>
                 </a:solidFill>
@@ -21108,33 +22224,33 @@
               <a:t>-A  :  </a:t>
             </a:r>
             <a:r>
-              <a:rPr lang="en-US" altLang="ko-KR" sz="1400" dirty="0"/>
+              <a:rPr lang="en-US" altLang="ko-KR" sz="1200" dirty="0"/>
               <a:t>git  </a:t>
             </a:r>
             <a:r>
-              <a:rPr lang="en-US" altLang="ko-KR" sz="1400" dirty="0" err="1"/>
+              <a:rPr lang="en-US" altLang="ko-KR" sz="1200" dirty="0" err="1"/>
               <a:t>init</a:t>
             </a:r>
             <a:r>
-              <a:rPr lang="ko-KR" altLang="en-US" sz="1400" dirty="0"/>
+              <a:rPr lang="ko-KR" altLang="en-US" sz="1200" dirty="0"/>
               <a:t>를 실행한 저장소 이하 모든 곳의 모든 변화를 </a:t>
             </a:r>
             <a:r>
-              <a:rPr lang="en-US" altLang="ko-KR" sz="1400" dirty="0"/>
+              <a:rPr lang="en-US" altLang="ko-KR" sz="1200" dirty="0"/>
               <a:t>Staging</a:t>
             </a:r>
             <a:r>
-              <a:rPr lang="ko-KR" altLang="en-US" sz="1400" dirty="0"/>
+              <a:rPr lang="ko-KR" altLang="en-US" sz="1200" dirty="0"/>
               <a:t> </a:t>
             </a:r>
-            <a:endParaRPr lang="en-US" altLang="ko-KR" sz="1400" dirty="0"/>
+            <a:endParaRPr lang="en-US" altLang="ko-KR" sz="1200" dirty="0"/>
           </a:p>
           <a:p>
             <a:pPr marL="0" indent="0">
               <a:buNone/>
             </a:pPr>
             <a:r>
-              <a:rPr lang="fr-FR" altLang="ko-KR" sz="1400" b="1" dirty="0">
+              <a:rPr lang="fr-FR" altLang="ko-KR" sz="1200" b="1" dirty="0">
                 <a:solidFill>
                   <a:srgbClr val="FFFF00"/>
                 </a:solidFill>
@@ -21142,7 +22258,7 @@
               <a:t>$ git  </a:t>
             </a:r>
             <a:r>
-              <a:rPr lang="en-US" altLang="ko-KR" sz="1400" b="1" dirty="0">
+              <a:rPr lang="en-US" altLang="ko-KR" sz="1200" b="1" dirty="0">
                 <a:solidFill>
                   <a:srgbClr val="FFFF00"/>
                 </a:solidFill>
@@ -21150,7 +22266,7 @@
               <a:t>add</a:t>
             </a:r>
             <a:r>
-              <a:rPr lang="ko-KR" altLang="en-US" sz="1400" b="1" dirty="0">
+              <a:rPr lang="ko-KR" altLang="en-US" sz="1200" b="1" dirty="0">
                 <a:solidFill>
                   <a:srgbClr val="FFFF00"/>
                 </a:solidFill>
@@ -21158,7 +22274,7 @@
               <a:t>  </a:t>
             </a:r>
             <a:r>
-              <a:rPr lang="en-US" altLang="ko-KR" sz="1400" b="1" dirty="0">
+              <a:rPr lang="en-US" altLang="ko-KR" sz="1200" b="1" dirty="0">
                 <a:solidFill>
                   <a:srgbClr val="FFFF00"/>
                 </a:solidFill>
@@ -21166,29 +22282,29 @@
               <a:t>-p  :  </a:t>
             </a:r>
             <a:r>
-              <a:rPr lang="en-US" altLang="ko-KR" sz="1400" dirty="0"/>
+              <a:rPr lang="en-US" altLang="ko-KR" sz="1200" dirty="0"/>
               <a:t>-A </a:t>
             </a:r>
             <a:r>
-              <a:rPr lang="ko-KR" altLang="en-US" sz="1400" dirty="0"/>
+              <a:rPr lang="ko-KR" altLang="en-US" sz="1200" dirty="0"/>
               <a:t>옵션과 동일하며 추가로 변경 내용 확인하며 </a:t>
             </a:r>
             <a:r>
-              <a:rPr lang="en-US" altLang="ko-KR" sz="1400" dirty="0"/>
+              <a:rPr lang="en-US" altLang="ko-KR" sz="1200" dirty="0"/>
               <a:t>Staging </a:t>
             </a:r>
             <a:r>
-              <a:rPr lang="ko-KR" altLang="en-US" sz="1400" dirty="0"/>
+              <a:rPr lang="ko-KR" altLang="en-US" sz="1200" dirty="0"/>
               <a:t>가능</a:t>
             </a:r>
-            <a:endParaRPr lang="fr-FR" altLang="ko-KR" sz="1400" dirty="0"/>
+            <a:endParaRPr lang="fr-FR" altLang="ko-KR" sz="1200" dirty="0"/>
           </a:p>
           <a:p>
             <a:pPr marL="0" indent="0">
               <a:buNone/>
             </a:pPr>
             <a:r>
-              <a:rPr lang="fr-FR" altLang="ko-KR" sz="1400" b="1" dirty="0">
+              <a:rPr lang="fr-FR" altLang="ko-KR" sz="1200" b="1" dirty="0">
                 <a:solidFill>
                   <a:srgbClr val="FFFF00"/>
                 </a:solidFill>
@@ -21196,7 +22312,7 @@
               <a:t>$ git  </a:t>
             </a:r>
             <a:r>
-              <a:rPr lang="en-US" altLang="ko-KR" sz="1400" b="1" dirty="0">
+              <a:rPr lang="en-US" altLang="ko-KR" sz="1200" b="1" dirty="0">
                 <a:solidFill>
                   <a:srgbClr val="FFFF00"/>
                 </a:solidFill>
@@ -21204,7 +22320,7 @@
               <a:t>add</a:t>
             </a:r>
             <a:r>
-              <a:rPr lang="ko-KR" altLang="en-US" sz="1400" b="1" dirty="0">
+              <a:rPr lang="ko-KR" altLang="en-US" sz="1200" b="1" dirty="0">
                 <a:solidFill>
                   <a:srgbClr val="FFFF00"/>
                 </a:solidFill>
@@ -21212,7 +22328,7 @@
               <a:t>  </a:t>
             </a:r>
             <a:r>
-              <a:rPr lang="en-US" altLang="ko-KR" sz="1400" b="1" dirty="0">
+              <a:rPr lang="en-US" altLang="ko-KR" sz="1200" b="1" dirty="0">
                 <a:solidFill>
                   <a:srgbClr val="FFFF00"/>
                 </a:solidFill>
@@ -21220,7 +22336,7 @@
               <a:t>-</a:t>
             </a:r>
             <a:r>
-              <a:rPr lang="en-US" altLang="ko-KR" sz="1400" b="1" dirty="0" err="1">
+              <a:rPr lang="en-US" altLang="ko-KR" sz="1200" b="1" dirty="0" err="1">
                 <a:solidFill>
                   <a:srgbClr val="FFFF00"/>
                 </a:solidFill>
@@ -21228,7 +22344,7 @@
               <a:t>i</a:t>
             </a:r>
             <a:r>
-              <a:rPr lang="en-US" altLang="ko-KR" sz="1400" b="1" dirty="0">
+              <a:rPr lang="en-US" altLang="ko-KR" sz="1200" b="1" dirty="0">
                 <a:solidFill>
                   <a:srgbClr val="FFFF00"/>
                 </a:solidFill>
@@ -21236,18 +22352,18 @@
               <a:t>  :  </a:t>
             </a:r>
             <a:r>
-              <a:rPr lang="ko-KR" altLang="en-US" sz="1400" dirty="0"/>
+              <a:rPr lang="ko-KR" altLang="en-US" sz="1200" dirty="0"/>
               <a:t>명령어를 선택해서 </a:t>
             </a:r>
             <a:r>
-              <a:rPr lang="en-US" altLang="ko-KR" sz="1400" dirty="0"/>
+              <a:rPr lang="en-US" altLang="ko-KR" sz="1200" dirty="0"/>
               <a:t>Staging </a:t>
             </a:r>
             <a:r>
-              <a:rPr lang="ko-KR" altLang="en-US" sz="1400" dirty="0"/>
+              <a:rPr lang="ko-KR" altLang="en-US" sz="1200" dirty="0"/>
               <a:t>가능</a:t>
             </a:r>
-            <a:endParaRPr lang="fr-FR" altLang="ko-KR" sz="1400" dirty="0"/>
+            <a:endParaRPr lang="fr-FR" altLang="ko-KR" sz="1200" dirty="0"/>
           </a:p>
           <a:p>
             <a:pPr marL="0" indent="0">
@@ -21260,7 +22376,7 @@
               <a:buNone/>
             </a:pPr>
             <a:r>
-              <a:rPr lang="fr-FR" altLang="ko-KR" sz="1400" b="1" dirty="0">
+              <a:rPr lang="fr-FR" altLang="ko-KR" sz="1200" b="1" dirty="0">
                 <a:solidFill>
                   <a:srgbClr val="FFFF00"/>
                 </a:solidFill>
@@ -21268,14 +22384,14 @@
               <a:t>$ git   </a:t>
             </a:r>
             <a:r>
-              <a:rPr lang="en-US" altLang="ko-KR" sz="1400" b="1" dirty="0">
+              <a:rPr lang="en-US" altLang="ko-KR" sz="1200" b="1" dirty="0">
                 <a:solidFill>
                   <a:srgbClr val="FFFF00"/>
                 </a:solidFill>
               </a:rPr>
               <a:t>rm  --cached  -r  *</a:t>
             </a:r>
-            <a:endParaRPr lang="fr-FR" altLang="ko-KR" sz="1400" b="1" dirty="0">
+            <a:endParaRPr lang="fr-FR" altLang="ko-KR" sz="1200" b="1" dirty="0">
               <a:solidFill>
                 <a:srgbClr val="FFFF00"/>
               </a:solidFill>
@@ -21369,62 +22485,6 @@
           <a:p>
             <a:pPr algn="ctr"/>
             <a:endParaRPr lang="ko-KR" altLang="en-US"/>
-          </a:p>
-        </p:txBody>
-      </p:sp>
-      <p:sp>
-        <p:nvSpPr>
-          <p:cNvPr id="5" name="직사각형 4">
-            <a:extLst>
-              <a:ext uri="{FF2B5EF4-FFF2-40B4-BE49-F238E27FC236}">
-                <a16:creationId xmlns:a16="http://schemas.microsoft.com/office/drawing/2014/main" id="{4C901438-CC12-437F-B19F-0E8BB33E07A0}"/>
-              </a:ext>
-            </a:extLst>
-          </p:cNvPr>
-          <p:cNvSpPr/>
-          <p:nvPr/>
-        </p:nvSpPr>
-        <p:spPr>
-          <a:xfrm>
-            <a:off x="10691676" y="4609324"/>
-            <a:ext cx="1089046" cy="535603"/>
-          </a:xfrm>
-          <a:prstGeom prst="rect">
-            <a:avLst/>
-          </a:prstGeom>
-        </p:spPr>
-        <p:style>
-          <a:lnRef idx="1">
-            <a:schemeClr val="accent4"/>
-          </a:lnRef>
-          <a:fillRef idx="2">
-            <a:schemeClr val="accent4"/>
-          </a:fillRef>
-          <a:effectRef idx="1">
-            <a:schemeClr val="accent4"/>
-          </a:effectRef>
-          <a:fontRef idx="minor">
-            <a:schemeClr val="dk1"/>
-          </a:fontRef>
-        </p:style>
-        <p:txBody>
-          <a:bodyPr rtlCol="0" anchor="t" anchorCtr="0"/>
-          <a:lstStyle/>
-          <a:p>
-            <a:pPr algn="ctr"/>
-            <a:r>
-              <a:rPr lang="en-US" altLang="ko-KR" b="1" dirty="0">
-                <a:solidFill>
-                  <a:srgbClr val="0070C0"/>
-                </a:solidFill>
-              </a:rPr>
-              <a:t>HEAD</a:t>
-            </a:r>
-            <a:endParaRPr lang="ko-KR" altLang="en-US" b="1" dirty="0">
-              <a:solidFill>
-                <a:srgbClr val="0070C0"/>
-              </a:solidFill>
-            </a:endParaRPr>
           </a:p>
         </p:txBody>
       </p:sp>
@@ -22037,6 +23097,127 @@
           </a:p>
         </p:txBody>
       </p:sp>
+      <p:sp>
+        <p:nvSpPr>
+          <p:cNvPr id="16" name="슬라이드 번호 개체 틀 15">
+            <a:extLst>
+              <a:ext uri="{FF2B5EF4-FFF2-40B4-BE49-F238E27FC236}">
+                <a16:creationId xmlns:a16="http://schemas.microsoft.com/office/drawing/2014/main" id="{8B6C896E-5D22-9DF0-9437-21679A5F30AD}"/>
+              </a:ext>
+            </a:extLst>
+          </p:cNvPr>
+          <p:cNvSpPr>
+            <a:spLocks noGrp="1"/>
+          </p:cNvSpPr>
+          <p:nvPr>
+            <p:ph type="sldNum" sz="quarter" idx="12"/>
+          </p:nvPr>
+        </p:nvSpPr>
+        <p:spPr/>
+        <p:txBody>
+          <a:bodyPr/>
+          <a:lstStyle/>
+          <a:p>
+            <a:fld id="{D57F1E4F-1CFF-5643-939E-02111984F565}" type="slidenum">
+              <a:rPr lang="en-US" smtClean="0"/>
+              <a:t>8</a:t>
+            </a:fld>
+            <a:endParaRPr lang="en-US" dirty="0"/>
+          </a:p>
+        </p:txBody>
+      </p:sp>
+      <p:sp>
+        <p:nvSpPr>
+          <p:cNvPr id="19" name="직사각형 18">
+            <a:extLst>
+              <a:ext uri="{FF2B5EF4-FFF2-40B4-BE49-F238E27FC236}">
+                <a16:creationId xmlns:a16="http://schemas.microsoft.com/office/drawing/2014/main" id="{4E780A8B-6A2D-ED27-4EAE-71378171E956}"/>
+              </a:ext>
+            </a:extLst>
+          </p:cNvPr>
+          <p:cNvSpPr/>
+          <p:nvPr/>
+        </p:nvSpPr>
+        <p:spPr>
+          <a:xfrm>
+            <a:off x="10695990" y="4609324"/>
+            <a:ext cx="1089046" cy="535603"/>
+          </a:xfrm>
+          <a:prstGeom prst="rect">
+            <a:avLst/>
+          </a:prstGeom>
+        </p:spPr>
+        <p:style>
+          <a:lnRef idx="1">
+            <a:schemeClr val="accent4"/>
+          </a:lnRef>
+          <a:fillRef idx="2">
+            <a:schemeClr val="accent4"/>
+          </a:fillRef>
+          <a:effectRef idx="1">
+            <a:schemeClr val="accent4"/>
+          </a:effectRef>
+          <a:fontRef idx="minor">
+            <a:schemeClr val="dk1"/>
+          </a:fontRef>
+        </p:style>
+        <p:txBody>
+          <a:bodyPr rtlCol="0" anchor="t" anchorCtr="0"/>
+          <a:lstStyle/>
+          <a:p>
+            <a:pPr algn="ctr"/>
+            <a:r>
+              <a:rPr lang="en-US" altLang="ko-KR" sz="1400" b="1" dirty="0">
+                <a:solidFill>
+                  <a:srgbClr val="0070C0"/>
+                </a:solidFill>
+              </a:rPr>
+              <a:t>Local Repository</a:t>
+            </a:r>
+            <a:endParaRPr lang="ko-KR" altLang="en-US" sz="1400" b="1" dirty="0">
+              <a:solidFill>
+                <a:srgbClr val="0070C0"/>
+              </a:solidFill>
+            </a:endParaRPr>
+          </a:p>
+        </p:txBody>
+      </p:sp>
+      <p:sp>
+        <p:nvSpPr>
+          <p:cNvPr id="20" name="TextBox 19">
+            <a:extLst>
+              <a:ext uri="{FF2B5EF4-FFF2-40B4-BE49-F238E27FC236}">
+                <a16:creationId xmlns:a16="http://schemas.microsoft.com/office/drawing/2014/main" id="{88F523B1-A761-0C29-F3C9-1FCDB2C4A50C}"/>
+              </a:ext>
+            </a:extLst>
+          </p:cNvPr>
+          <p:cNvSpPr txBox="1"/>
+          <p:nvPr/>
+        </p:nvSpPr>
+        <p:spPr>
+          <a:xfrm>
+            <a:off x="8046024" y="1528407"/>
+            <a:ext cx="1606530" cy="307777"/>
+          </a:xfrm>
+          <a:prstGeom prst="rect">
+            <a:avLst/>
+          </a:prstGeom>
+          <a:noFill/>
+        </p:spPr>
+        <p:txBody>
+          <a:bodyPr wrap="none" rtlCol="0">
+            <a:spAutoFit/>
+          </a:bodyPr>
+          <a:lstStyle/>
+          <a:p>
+            <a:r>
+              <a:rPr kumimoji="1" lang="en-US" altLang="ko-KR" sz="1400" dirty="0"/>
+              <a:t>Local Repository</a:t>
+            </a:r>
+            <a:endParaRPr kumimoji="1" lang="ko-KR" altLang="en-US" sz="1400" dirty="0"/>
+          </a:p>
+        </p:txBody>
+      </p:sp>
     </p:spTree>
     <p:extLst>
       <p:ext uri="{BB962C8B-B14F-4D97-AF65-F5344CB8AC3E}">
@@ -23486,6 +24667,71 @@
               <a:t>1-1</a:t>
             </a:r>
             <a:endParaRPr lang="ko-KR" altLang="en-US" sz="1050" dirty="0"/>
+          </a:p>
+        </p:txBody>
+      </p:sp>
+      <p:sp>
+        <p:nvSpPr>
+          <p:cNvPr id="16" name="슬라이드 번호 개체 틀 15">
+            <a:extLst>
+              <a:ext uri="{FF2B5EF4-FFF2-40B4-BE49-F238E27FC236}">
+                <a16:creationId xmlns:a16="http://schemas.microsoft.com/office/drawing/2014/main" id="{195C52EA-4FA7-8FA1-BD1F-C614A5B5E371}"/>
+              </a:ext>
+            </a:extLst>
+          </p:cNvPr>
+          <p:cNvSpPr>
+            <a:spLocks noGrp="1"/>
+          </p:cNvSpPr>
+          <p:nvPr>
+            <p:ph type="sldNum" sz="quarter" idx="12"/>
+          </p:nvPr>
+        </p:nvSpPr>
+        <p:spPr/>
+        <p:txBody>
+          <a:bodyPr/>
+          <a:lstStyle/>
+          <a:p>
+            <a:fld id="{D57F1E4F-1CFF-5643-939E-02111984F565}" type="slidenum">
+              <a:rPr lang="en-US" smtClean="0"/>
+              <a:t>9</a:t>
+            </a:fld>
+            <a:endParaRPr lang="en-US" dirty="0"/>
+          </a:p>
+        </p:txBody>
+      </p:sp>
+      <p:sp>
+        <p:nvSpPr>
+          <p:cNvPr id="21" name="TextBox 20">
+            <a:extLst>
+              <a:ext uri="{FF2B5EF4-FFF2-40B4-BE49-F238E27FC236}">
+                <a16:creationId xmlns:a16="http://schemas.microsoft.com/office/drawing/2014/main" id="{695DB97B-86A5-3F4D-C756-ACB201806806}"/>
+              </a:ext>
+            </a:extLst>
+          </p:cNvPr>
+          <p:cNvSpPr txBox="1"/>
+          <p:nvPr/>
+        </p:nvSpPr>
+        <p:spPr>
+          <a:xfrm>
+            <a:off x="8046024" y="1528407"/>
+            <a:ext cx="1606530" cy="307777"/>
+          </a:xfrm>
+          <a:prstGeom prst="rect">
+            <a:avLst/>
+          </a:prstGeom>
+          <a:noFill/>
+        </p:spPr>
+        <p:txBody>
+          <a:bodyPr wrap="none" rtlCol="0">
+            <a:spAutoFit/>
+          </a:bodyPr>
+          <a:lstStyle/>
+          <a:p>
+            <a:r>
+              <a:rPr kumimoji="1" lang="en-US" altLang="ko-KR" sz="1400" dirty="0"/>
+              <a:t>Local Repository</a:t>
+            </a:r>
+            <a:endParaRPr kumimoji="1" lang="ko-KR" altLang="en-US" sz="1400" dirty="0"/>
           </a:p>
         </p:txBody>
       </p:sp>
